--- a/docs/pres.pptx
+++ b/docs/pres.pptx
@@ -5,15 +5,24 @@
     <p:sldMasterId id="2147483660" r:id="rId1"/>
   </p:sldMasterIdLst>
   <p:notesMasterIdLst>
-    <p:notesMasterId r:id="rId8"/>
+    <p:notesMasterId r:id="rId17"/>
   </p:notesMasterIdLst>
   <p:sldIdLst>
     <p:sldId id="256" r:id="rId2"/>
-    <p:sldId id="257" r:id="rId3"/>
-    <p:sldId id="258" r:id="rId4"/>
-    <p:sldId id="259" r:id="rId5"/>
-    <p:sldId id="260" r:id="rId6"/>
-    <p:sldId id="261" r:id="rId7"/>
+    <p:sldId id="262" r:id="rId3"/>
+    <p:sldId id="263" r:id="rId4"/>
+    <p:sldId id="265" r:id="rId5"/>
+    <p:sldId id="264" r:id="rId6"/>
+    <p:sldId id="258" r:id="rId7"/>
+    <p:sldId id="266" r:id="rId8"/>
+    <p:sldId id="259" r:id="rId9"/>
+    <p:sldId id="272" r:id="rId10"/>
+    <p:sldId id="260" r:id="rId11"/>
+    <p:sldId id="270" r:id="rId12"/>
+    <p:sldId id="273" r:id="rId13"/>
+    <p:sldId id="268" r:id="rId14"/>
+    <p:sldId id="269" r:id="rId15"/>
+    <p:sldId id="261" r:id="rId16"/>
   </p:sldIdLst>
   <p:sldSz cx="9144000" cy="6858000" type="screen4x3"/>
   <p:notesSz cx="6858000" cy="9144000"/>
@@ -115,72 +124,32 @@
   <p:extLst>
     <p:ext uri="{EFAFB233-063F-42B5-8137-9DF3F51BA10A}">
       <p15:sldGuideLst xmlns:p15="http://schemas.microsoft.com/office/powerpoint/2012/main">
-        <p15:guide id="1" orient="horz" pos="216" userDrawn="1">
+        <p15:guide id="1" pos="384" userDrawn="1">
           <p15:clr>
             <a:srgbClr val="A4A3A4"/>
           </p15:clr>
         </p15:guide>
-        <p15:guide id="2" pos="384" userDrawn="1">
+        <p15:guide id="2" pos="5352" userDrawn="1">
           <p15:clr>
             <a:srgbClr val="A4A3A4"/>
           </p15:clr>
         </p15:guide>
-        <p15:guide id="3" pos="5376" userDrawn="1">
+        <p15:guide id="3" orient="horz" pos="1152" userDrawn="1">
           <p15:clr>
             <a:srgbClr val="A4A3A4"/>
           </p15:clr>
         </p15:guide>
-        <p15:guide id="4" orient="horz" pos="3912" userDrawn="1">
+        <p15:guide id="4" orient="horz" pos="3888" userDrawn="1">
           <p15:clr>
             <a:srgbClr val="A4A3A4"/>
           </p15:clr>
         </p15:guide>
-        <p15:guide id="5" orient="horz" pos="1152" userDrawn="1">
+        <p15:guide id="5" pos="2880" userDrawn="1">
           <p15:clr>
             <a:srgbClr val="A4A3A4"/>
           </p15:clr>
         </p15:guide>
-        <p15:guide id="6" orient="horz" pos="1056" userDrawn="1">
-          <p15:clr>
-            <a:srgbClr val="A4A3A4"/>
-          </p15:clr>
-        </p15:guide>
-        <p15:guide id="7" pos="2784" userDrawn="1">
-          <p15:clr>
-            <a:srgbClr val="A4A3A4"/>
-          </p15:clr>
-        </p15:guide>
-        <p15:guide id="8" pos="2880" userDrawn="1">
-          <p15:clr>
-            <a:srgbClr val="A4A3A4"/>
-          </p15:clr>
-        </p15:guide>
-        <p15:guide id="9" pos="432" userDrawn="1">
-          <p15:clr>
-            <a:srgbClr val="A4A3A4"/>
-          </p15:clr>
-        </p15:guide>
-        <p15:guide id="10" pos="5304" userDrawn="1">
-          <p15:clr>
-            <a:srgbClr val="A4A3A4"/>
-          </p15:clr>
-        </p15:guide>
-        <p15:guide id="11" pos="2980" userDrawn="1">
-          <p15:clr>
-            <a:srgbClr val="A4A3A4"/>
-          </p15:clr>
-        </p15:guide>
-        <p15:guide id="12" orient="horz" pos="1704" userDrawn="1">
-          <p15:clr>
-            <a:srgbClr val="A4A3A4"/>
-          </p15:clr>
-        </p15:guide>
-        <p15:guide id="13" orient="horz" pos="1848" userDrawn="1">
-          <p15:clr>
-            <a:srgbClr val="A4A3A4"/>
-          </p15:clr>
-        </p15:guide>
-        <p15:guide id="14" orient="horz" pos="3720" userDrawn="1">
+        <p15:guide id="6" orient="horz" pos="2496" userDrawn="1">
           <p15:clr>
             <a:srgbClr val="A4A3A4"/>
           </p15:clr>
@@ -273,7 +242,7 @@
           <a:p>
             <a:fld id="{237DD098-F353-6D48-93CF-D135A6984C36}" type="datetimeFigureOut">
               <a:rPr lang="en-GB" smtClean="0"/>
-              <a:t>06/09/2018</a:t>
+              <a:t>07/09/2018</a:t>
             </a:fld>
             <a:endParaRPr lang="en-GB"/>
           </a:p>
@@ -676,7 +645,7 @@
           <a:p>
             <a:fld id="{4C40220F-C219-9D45-8D8C-575BE46D4966}" type="datetimeFigureOut">
               <a:rPr lang="en-GB" smtClean="0"/>
-              <a:t>06/09/2018</a:t>
+              <a:t>07/09/2018</a:t>
             </a:fld>
             <a:endParaRPr lang="en-GB"/>
           </a:p>
@@ -846,7 +815,7 @@
           <a:p>
             <a:fld id="{4C40220F-C219-9D45-8D8C-575BE46D4966}" type="datetimeFigureOut">
               <a:rPr lang="en-GB" smtClean="0"/>
-              <a:t>06/09/2018</a:t>
+              <a:t>07/09/2018</a:t>
             </a:fld>
             <a:endParaRPr lang="en-GB"/>
           </a:p>
@@ -1026,7 +995,7 @@
           <a:p>
             <a:fld id="{4C40220F-C219-9D45-8D8C-575BE46D4966}" type="datetimeFigureOut">
               <a:rPr lang="en-GB" smtClean="0"/>
-              <a:t>06/09/2018</a:t>
+              <a:t>07/09/2018</a:t>
             </a:fld>
             <a:endParaRPr lang="en-GB"/>
           </a:p>
@@ -1194,7 +1163,7 @@
           <a:p>
             <a:fld id="{4C40220F-C219-9D45-8D8C-575BE46D4966}" type="datetimeFigureOut">
               <a:rPr lang="en-GB" smtClean="0"/>
-              <a:t>06/09/2018</a:t>
+              <a:t>07/09/2018</a:t>
             </a:fld>
             <a:endParaRPr lang="en-GB"/>
           </a:p>
@@ -1438,7 +1407,7 @@
           <a:p>
             <a:fld id="{4C40220F-C219-9D45-8D8C-575BE46D4966}" type="datetimeFigureOut">
               <a:rPr lang="en-GB" smtClean="0"/>
-              <a:t>06/09/2018</a:t>
+              <a:t>07/09/2018</a:t>
             </a:fld>
             <a:endParaRPr lang="en-GB"/>
           </a:p>
@@ -1670,7 +1639,7 @@
           <a:p>
             <a:fld id="{4C40220F-C219-9D45-8D8C-575BE46D4966}" type="datetimeFigureOut">
               <a:rPr lang="en-GB" smtClean="0"/>
-              <a:t>06/09/2018</a:t>
+              <a:t>07/09/2018</a:t>
             </a:fld>
             <a:endParaRPr lang="en-GB"/>
           </a:p>
@@ -2037,7 +2006,7 @@
           <a:p>
             <a:fld id="{4C40220F-C219-9D45-8D8C-575BE46D4966}" type="datetimeFigureOut">
               <a:rPr lang="en-GB" smtClean="0"/>
-              <a:t>06/09/2018</a:t>
+              <a:t>07/09/2018</a:t>
             </a:fld>
             <a:endParaRPr lang="en-GB"/>
           </a:p>
@@ -2155,7 +2124,7 @@
           <a:p>
             <a:fld id="{4C40220F-C219-9D45-8D8C-575BE46D4966}" type="datetimeFigureOut">
               <a:rPr lang="en-GB" smtClean="0"/>
-              <a:t>06/09/2018</a:t>
+              <a:t>07/09/2018</a:t>
             </a:fld>
             <a:endParaRPr lang="en-GB"/>
           </a:p>
@@ -2250,7 +2219,7 @@
           <a:p>
             <a:fld id="{4C40220F-C219-9D45-8D8C-575BE46D4966}" type="datetimeFigureOut">
               <a:rPr lang="en-GB" smtClean="0"/>
-              <a:t>06/09/2018</a:t>
+              <a:t>07/09/2018</a:t>
             </a:fld>
             <a:endParaRPr lang="en-GB"/>
           </a:p>
@@ -2527,7 +2496,7 @@
           <a:p>
             <a:fld id="{4C40220F-C219-9D45-8D8C-575BE46D4966}" type="datetimeFigureOut">
               <a:rPr lang="en-GB" smtClean="0"/>
-              <a:t>06/09/2018</a:t>
+              <a:t>07/09/2018</a:t>
             </a:fld>
             <a:endParaRPr lang="en-GB"/>
           </a:p>
@@ -2784,7 +2753,7 @@
           <a:p>
             <a:fld id="{4C40220F-C219-9D45-8D8C-575BE46D4966}" type="datetimeFigureOut">
               <a:rPr lang="en-GB" smtClean="0"/>
-              <a:t>06/09/2018</a:t>
+              <a:t>07/09/2018</a:t>
             </a:fld>
             <a:endParaRPr lang="en-GB"/>
           </a:p>
@@ -2999,7 +2968,7 @@
             <a:fld id="{4C40220F-C219-9D45-8D8C-575BE46D4966}" type="datetimeFigureOut">
               <a:rPr lang="en-GB" smtClean="0"/>
               <a:pPr/>
-              <a:t>06/09/2018</a:t>
+              <a:t>07/09/2018</a:t>
             </a:fld>
             <a:endParaRPr lang="en-GB" dirty="0"/>
           </a:p>
@@ -3532,202 +3501,6 @@
           </a:p>
         </p:txBody>
       </p:sp>
-      <p:sp>
-        <p:nvSpPr>
-          <p:cNvPr id="6" name="Subtitle 2">
-            <a:extLst>
-              <a:ext uri="{FF2B5EF4-FFF2-40B4-BE49-F238E27FC236}">
-                <a16:creationId xmlns:a16="http://schemas.microsoft.com/office/drawing/2014/main" id="{D55FC61F-4F91-DA49-9C1D-56BE92ACE536}"/>
-              </a:ext>
-            </a:extLst>
-          </p:cNvPr>
-          <p:cNvSpPr txBox="1">
-            <a:spLocks/>
-          </p:cNvSpPr>
-          <p:nvPr/>
-        </p:nvSpPr>
-        <p:spPr>
-          <a:xfrm>
-            <a:off x="609600" y="5496152"/>
-            <a:ext cx="7924800" cy="718456"/>
-          </a:xfrm>
-          <a:prstGeom prst="rect">
-            <a:avLst/>
-          </a:prstGeom>
-        </p:spPr>
-        <p:txBody>
-          <a:bodyPr vert="horz" lIns="91440" tIns="45720" rIns="91440" bIns="45720" rtlCol="0" anchor="ctr">
-            <a:normAutofit/>
-          </a:bodyPr>
-          <a:lstStyle>
-            <a:lvl1pPr marL="0" indent="0" algn="ctr" defTabSz="914400" rtl="0" eaLnBrk="1" latinLnBrk="0" hangingPunct="1">
-              <a:lnSpc>
-                <a:spcPct val="90000"/>
-              </a:lnSpc>
-              <a:spcBef>
-                <a:spcPts val="1000"/>
-              </a:spcBef>
-              <a:buFont typeface="Arial" panose="020B0604020202020204" pitchFamily="34" charset="0"/>
-              <a:buNone/>
-              <a:defRPr sz="2400" kern="1200">
-                <a:solidFill>
-                  <a:schemeClr val="tx1"/>
-                </a:solidFill>
-                <a:latin typeface="Raleway" panose="020B0503030101060003" pitchFamily="34" charset="77"/>
-                <a:ea typeface="Lato" panose="020F0502020204030203" pitchFamily="34" charset="0"/>
-                <a:cs typeface="Lato" panose="020F0502020204030203" pitchFamily="34" charset="0"/>
-              </a:defRPr>
-            </a:lvl1pPr>
-            <a:lvl2pPr marL="457200" indent="0" algn="ctr" defTabSz="914400" rtl="0" eaLnBrk="1" latinLnBrk="0" hangingPunct="1">
-              <a:lnSpc>
-                <a:spcPct val="90000"/>
-              </a:lnSpc>
-              <a:spcBef>
-                <a:spcPts val="500"/>
-              </a:spcBef>
-              <a:buFont typeface="Arial" panose="020B0604020202020204" pitchFamily="34" charset="0"/>
-              <a:buNone/>
-              <a:defRPr sz="2000" kern="1200">
-                <a:solidFill>
-                  <a:schemeClr val="tx1"/>
-                </a:solidFill>
-                <a:latin typeface="Lato" panose="020F0502020204030203" pitchFamily="34" charset="0"/>
-                <a:ea typeface="Lato" panose="020F0502020204030203" pitchFamily="34" charset="0"/>
-                <a:cs typeface="Lato" panose="020F0502020204030203" pitchFamily="34" charset="0"/>
-              </a:defRPr>
-            </a:lvl2pPr>
-            <a:lvl3pPr marL="914400" indent="0" algn="ctr" defTabSz="914400" rtl="0" eaLnBrk="1" latinLnBrk="0" hangingPunct="1">
-              <a:lnSpc>
-                <a:spcPct val="90000"/>
-              </a:lnSpc>
-              <a:spcBef>
-                <a:spcPts val="500"/>
-              </a:spcBef>
-              <a:buFont typeface="Arial" panose="020B0604020202020204" pitchFamily="34" charset="0"/>
-              <a:buNone/>
-              <a:defRPr sz="1800" kern="1200">
-                <a:solidFill>
-                  <a:schemeClr val="tx1"/>
-                </a:solidFill>
-                <a:latin typeface="Lato" panose="020F0502020204030203" pitchFamily="34" charset="0"/>
-                <a:ea typeface="Lato" panose="020F0502020204030203" pitchFamily="34" charset="0"/>
-                <a:cs typeface="Lato" panose="020F0502020204030203" pitchFamily="34" charset="0"/>
-              </a:defRPr>
-            </a:lvl3pPr>
-            <a:lvl4pPr marL="1371600" indent="0" algn="ctr" defTabSz="914400" rtl="0" eaLnBrk="1" latinLnBrk="0" hangingPunct="1">
-              <a:lnSpc>
-                <a:spcPct val="90000"/>
-              </a:lnSpc>
-              <a:spcBef>
-                <a:spcPts val="500"/>
-              </a:spcBef>
-              <a:buFont typeface="Arial" panose="020B0604020202020204" pitchFamily="34" charset="0"/>
-              <a:buNone/>
-              <a:defRPr sz="1600" kern="1200">
-                <a:solidFill>
-                  <a:schemeClr val="tx1"/>
-                </a:solidFill>
-                <a:latin typeface="Lato" panose="020F0502020204030203" pitchFamily="34" charset="0"/>
-                <a:ea typeface="Lato" panose="020F0502020204030203" pitchFamily="34" charset="0"/>
-                <a:cs typeface="Lato" panose="020F0502020204030203" pitchFamily="34" charset="0"/>
-              </a:defRPr>
-            </a:lvl4pPr>
-            <a:lvl5pPr marL="1828800" indent="0" algn="ctr" defTabSz="914400" rtl="0" eaLnBrk="1" latinLnBrk="0" hangingPunct="1">
-              <a:lnSpc>
-                <a:spcPct val="90000"/>
-              </a:lnSpc>
-              <a:spcBef>
-                <a:spcPts val="500"/>
-              </a:spcBef>
-              <a:buFont typeface="Arial" panose="020B0604020202020204" pitchFamily="34" charset="0"/>
-              <a:buNone/>
-              <a:defRPr sz="1600" kern="1200">
-                <a:solidFill>
-                  <a:schemeClr val="tx1"/>
-                </a:solidFill>
-                <a:latin typeface="Lato" panose="020F0502020204030203" pitchFamily="34" charset="0"/>
-                <a:ea typeface="Lato" panose="020F0502020204030203" pitchFamily="34" charset="0"/>
-                <a:cs typeface="Lato" panose="020F0502020204030203" pitchFamily="34" charset="0"/>
-              </a:defRPr>
-            </a:lvl5pPr>
-            <a:lvl6pPr marL="2286000" indent="0" algn="ctr" defTabSz="914400" rtl="0" eaLnBrk="1" latinLnBrk="0" hangingPunct="1">
-              <a:lnSpc>
-                <a:spcPct val="90000"/>
-              </a:lnSpc>
-              <a:spcBef>
-                <a:spcPts val="500"/>
-              </a:spcBef>
-              <a:buFont typeface="Arial" panose="020B0604020202020204" pitchFamily="34" charset="0"/>
-              <a:buNone/>
-              <a:defRPr sz="1600" kern="1200">
-                <a:solidFill>
-                  <a:schemeClr val="tx1"/>
-                </a:solidFill>
-                <a:latin typeface="+mn-lt"/>
-                <a:ea typeface="+mn-ea"/>
-                <a:cs typeface="+mn-cs"/>
-              </a:defRPr>
-            </a:lvl6pPr>
-            <a:lvl7pPr marL="2743200" indent="0" algn="ctr" defTabSz="914400" rtl="0" eaLnBrk="1" latinLnBrk="0" hangingPunct="1">
-              <a:lnSpc>
-                <a:spcPct val="90000"/>
-              </a:lnSpc>
-              <a:spcBef>
-                <a:spcPts val="500"/>
-              </a:spcBef>
-              <a:buFont typeface="Arial" panose="020B0604020202020204" pitchFamily="34" charset="0"/>
-              <a:buNone/>
-              <a:defRPr sz="1600" kern="1200">
-                <a:solidFill>
-                  <a:schemeClr val="tx1"/>
-                </a:solidFill>
-                <a:latin typeface="+mn-lt"/>
-                <a:ea typeface="+mn-ea"/>
-                <a:cs typeface="+mn-cs"/>
-              </a:defRPr>
-            </a:lvl7pPr>
-            <a:lvl8pPr marL="3200400" indent="0" algn="ctr" defTabSz="914400" rtl="0" eaLnBrk="1" latinLnBrk="0" hangingPunct="1">
-              <a:lnSpc>
-                <a:spcPct val="90000"/>
-              </a:lnSpc>
-              <a:spcBef>
-                <a:spcPts val="500"/>
-              </a:spcBef>
-              <a:buFont typeface="Arial" panose="020B0604020202020204" pitchFamily="34" charset="0"/>
-              <a:buNone/>
-              <a:defRPr sz="1600" kern="1200">
-                <a:solidFill>
-                  <a:schemeClr val="tx1"/>
-                </a:solidFill>
-                <a:latin typeface="+mn-lt"/>
-                <a:ea typeface="+mn-ea"/>
-                <a:cs typeface="+mn-cs"/>
-              </a:defRPr>
-            </a:lvl8pPr>
-            <a:lvl9pPr marL="3657600" indent="0" algn="ctr" defTabSz="914400" rtl="0" eaLnBrk="1" latinLnBrk="0" hangingPunct="1">
-              <a:lnSpc>
-                <a:spcPct val="90000"/>
-              </a:lnSpc>
-              <a:spcBef>
-                <a:spcPts val="500"/>
-              </a:spcBef>
-              <a:buFont typeface="Arial" panose="020B0604020202020204" pitchFamily="34" charset="0"/>
-              <a:buNone/>
-              <a:defRPr sz="1600" kern="1200">
-                <a:solidFill>
-                  <a:schemeClr val="tx1"/>
-                </a:solidFill>
-                <a:latin typeface="+mn-lt"/>
-                <a:ea typeface="+mn-ea"/>
-                <a:cs typeface="+mn-cs"/>
-              </a:defRPr>
-            </a:lvl9pPr>
-          </a:lstStyle>
-          <a:p>
-            <a:endParaRPr lang="en-GB" sz="1600" dirty="0"/>
-          </a:p>
-        </p:txBody>
-      </p:sp>
       <p:pic>
         <p:nvPicPr>
           <p:cNvPr id="7" name="Picture 6">
@@ -3762,6 +3535,3654 @@
     <p:extLst>
       <p:ext uri="{BB962C8B-B14F-4D97-AF65-F5344CB8AC3E}">
         <p14:creationId xmlns:p14="http://schemas.microsoft.com/office/powerpoint/2010/main" val="2817999439"/>
+      </p:ext>
+    </p:extLst>
+  </p:cSld>
+  <p:clrMapOvr>
+    <a:masterClrMapping/>
+  </p:clrMapOvr>
+</p:sld>
+</file>
+
+<file path=ppt/slides/slide10.xml><?xml version="1.0" encoding="utf-8"?>
+<p:sld xmlns:a="http://schemas.openxmlformats.org/drawingml/2006/main" xmlns:r="http://schemas.openxmlformats.org/officeDocument/2006/relationships" xmlns:p="http://schemas.openxmlformats.org/presentationml/2006/main">
+  <p:cSld>
+    <p:spTree>
+      <p:nvGrpSpPr>
+        <p:cNvPr id="1" name=""/>
+        <p:cNvGrpSpPr/>
+        <p:nvPr/>
+      </p:nvGrpSpPr>
+      <p:grpSpPr>
+        <a:xfrm>
+          <a:off x="0" y="0"/>
+          <a:ext cx="0" cy="0"/>
+          <a:chOff x="0" y="0"/>
+          <a:chExt cx="0" cy="0"/>
+        </a:xfrm>
+      </p:grpSpPr>
+      <p:sp>
+        <p:nvSpPr>
+          <p:cNvPr id="2" name="Title 1">
+            <a:extLst>
+              <a:ext uri="{FF2B5EF4-FFF2-40B4-BE49-F238E27FC236}">
+                <a16:creationId xmlns:a16="http://schemas.microsoft.com/office/drawing/2014/main" id="{803171CE-E98F-F345-AE61-0D9C5BF71A42}"/>
+              </a:ext>
+            </a:extLst>
+          </p:cNvPr>
+          <p:cNvSpPr>
+            <a:spLocks noGrp="1"/>
+          </p:cNvSpPr>
+          <p:nvPr>
+            <p:ph type="title"/>
+          </p:nvPr>
+        </p:nvSpPr>
+        <p:spPr/>
+        <p:txBody>
+          <a:bodyPr/>
+          <a:lstStyle/>
+          <a:p>
+            <a:pPr algn="l"/>
+            <a:r>
+              <a:rPr lang="en-US" b="1" dirty="0"/>
+              <a:t>Performance on a Local Machine</a:t>
+            </a:r>
+          </a:p>
+        </p:txBody>
+      </p:sp>
+      <p:graphicFrame>
+        <p:nvGraphicFramePr>
+          <p:cNvPr id="5" name="Content Placeholder 4">
+            <a:extLst>
+              <a:ext uri="{FF2B5EF4-FFF2-40B4-BE49-F238E27FC236}">
+                <a16:creationId xmlns:a16="http://schemas.microsoft.com/office/drawing/2014/main" id="{5CFB0C17-1290-B34C-A49B-0AA81F13AFD9}"/>
+              </a:ext>
+            </a:extLst>
+          </p:cNvPr>
+          <p:cNvGraphicFramePr>
+            <a:graphicFrameLocks noGrp="1"/>
+          </p:cNvGraphicFramePr>
+          <p:nvPr>
+            <p:ph idx="1"/>
+            <p:extLst>
+              <p:ext uri="{D42A27DB-BD31-4B8C-83A1-F6EECF244321}">
+                <p14:modId xmlns:p14="http://schemas.microsoft.com/office/powerpoint/2010/main" val="1046362666"/>
+              </p:ext>
+            </p:extLst>
+          </p:nvPr>
+        </p:nvGraphicFramePr>
+        <p:xfrm>
+          <a:off x="729127" y="3327815"/>
+          <a:ext cx="7629061" cy="2608290"/>
+        </p:xfrm>
+        <a:graphic>
+          <a:graphicData uri="http://schemas.openxmlformats.org/drawingml/2006/table">
+            <a:tbl>
+              <a:tblPr firstRow="1" firstCol="1" bandRow="1">
+                <a:tableStyleId>{5940675A-B579-460E-94D1-54222C63F5DA}</a:tableStyleId>
+              </a:tblPr>
+              <a:tblGrid>
+                <a:gridCol w="1388068">
+                  <a:extLst>
+                    <a:ext uri="{9D8B030D-6E8A-4147-A177-3AD203B41FA5}">
+                      <a16:colId xmlns:a16="http://schemas.microsoft.com/office/drawing/2014/main" val="1420078668"/>
+                    </a:ext>
+                  </a:extLst>
+                </a:gridCol>
+                <a:gridCol w="1049515">
+                  <a:extLst>
+                    <a:ext uri="{9D8B030D-6E8A-4147-A177-3AD203B41FA5}">
+                      <a16:colId xmlns:a16="http://schemas.microsoft.com/office/drawing/2014/main" val="1787126409"/>
+                    </a:ext>
+                  </a:extLst>
+                </a:gridCol>
+                <a:gridCol w="808659">
+                  <a:extLst>
+                    <a:ext uri="{9D8B030D-6E8A-4147-A177-3AD203B41FA5}">
+                      <a16:colId xmlns:a16="http://schemas.microsoft.com/office/drawing/2014/main" val="2960723334"/>
+                    </a:ext>
+                  </a:extLst>
+                </a:gridCol>
+                <a:gridCol w="840581">
+                  <a:extLst>
+                    <a:ext uri="{9D8B030D-6E8A-4147-A177-3AD203B41FA5}">
+                      <a16:colId xmlns:a16="http://schemas.microsoft.com/office/drawing/2014/main" val="943052916"/>
+                    </a:ext>
+                  </a:extLst>
+                </a:gridCol>
+                <a:gridCol w="840581">
+                  <a:extLst>
+                    <a:ext uri="{9D8B030D-6E8A-4147-A177-3AD203B41FA5}">
+                      <a16:colId xmlns:a16="http://schemas.microsoft.com/office/drawing/2014/main" val="2769679430"/>
+                    </a:ext>
+                  </a:extLst>
+                </a:gridCol>
+                <a:gridCol w="840581">
+                  <a:extLst>
+                    <a:ext uri="{9D8B030D-6E8A-4147-A177-3AD203B41FA5}">
+                      <a16:colId xmlns:a16="http://schemas.microsoft.com/office/drawing/2014/main" val="4124277010"/>
+                    </a:ext>
+                  </a:extLst>
+                </a:gridCol>
+                <a:gridCol w="925701">
+                  <a:extLst>
+                    <a:ext uri="{9D8B030D-6E8A-4147-A177-3AD203B41FA5}">
+                      <a16:colId xmlns:a16="http://schemas.microsoft.com/office/drawing/2014/main" val="2351239992"/>
+                    </a:ext>
+                  </a:extLst>
+                </a:gridCol>
+                <a:gridCol w="935375">
+                  <a:extLst>
+                    <a:ext uri="{9D8B030D-6E8A-4147-A177-3AD203B41FA5}">
+                      <a16:colId xmlns:a16="http://schemas.microsoft.com/office/drawing/2014/main" val="655934223"/>
+                    </a:ext>
+                  </a:extLst>
+                </a:gridCol>
+              </a:tblGrid>
+              <a:tr h="774336">
+                <a:tc>
+                  <a:txBody>
+                    <a:bodyPr/>
+                    <a:lstStyle/>
+                    <a:p>
+                      <a:pPr marL="0" marR="0" algn="ctr">
+                        <a:lnSpc>
+                          <a:spcPct val="115000"/>
+                        </a:lnSpc>
+                        <a:spcBef>
+                          <a:spcPts val="0"/>
+                        </a:spcBef>
+                        <a:spcAft>
+                          <a:spcPts val="0"/>
+                        </a:spcAft>
+                      </a:pPr>
+                      <a:r>
+                        <a:rPr lang="en-US" sz="1400" b="1" dirty="0">
+                          <a:effectLst/>
+                          <a:latin typeface="Open Sans" panose="020B0606030504020204" pitchFamily="34" charset="0"/>
+                          <a:ea typeface="Open Sans" panose="020B0606030504020204" pitchFamily="34" charset="0"/>
+                          <a:cs typeface="Open Sans" panose="020B0606030504020204" pitchFamily="34" charset="0"/>
+                        </a:rPr>
+                        <a:t>Threads</a:t>
+                      </a:r>
+                    </a:p>
+                  </a:txBody>
+                  <a:tcPr marL="68580" marR="68580" marT="0" marB="0" anchor="ctr">
+                    <a:solidFill>
+                      <a:schemeClr val="accent1">
+                        <a:lumMod val="40000"/>
+                        <a:lumOff val="60000"/>
+                      </a:schemeClr>
+                    </a:solidFill>
+                  </a:tcPr>
+                </a:tc>
+                <a:tc>
+                  <a:txBody>
+                    <a:bodyPr/>
+                    <a:lstStyle/>
+                    <a:p>
+                      <a:pPr marL="0" marR="0" algn="ctr">
+                        <a:lnSpc>
+                          <a:spcPct val="115000"/>
+                        </a:lnSpc>
+                        <a:spcBef>
+                          <a:spcPts val="0"/>
+                        </a:spcBef>
+                        <a:spcAft>
+                          <a:spcPts val="0"/>
+                        </a:spcAft>
+                      </a:pPr>
+                      <a:r>
+                        <a:rPr lang="en-US" sz="1400" b="1" dirty="0">
+                          <a:effectLst/>
+                          <a:latin typeface="Open Sans" panose="020B0606030504020204" pitchFamily="34" charset="0"/>
+                          <a:ea typeface="Open Sans" panose="020B0606030504020204" pitchFamily="34" charset="0"/>
+                          <a:cs typeface="Open Sans" panose="020B0606030504020204" pitchFamily="34" charset="0"/>
+                        </a:rPr>
+                        <a:t>K=4</a:t>
+                      </a:r>
+                    </a:p>
+                  </a:txBody>
+                  <a:tcPr marL="68580" marR="68580" marT="0" marB="0" anchor="ctr">
+                    <a:solidFill>
+                      <a:schemeClr val="accent1">
+                        <a:lumMod val="20000"/>
+                        <a:lumOff val="80000"/>
+                      </a:schemeClr>
+                    </a:solidFill>
+                  </a:tcPr>
+                </a:tc>
+                <a:tc>
+                  <a:txBody>
+                    <a:bodyPr/>
+                    <a:lstStyle/>
+                    <a:p>
+                      <a:pPr marL="0" marR="0" algn="ctr">
+                        <a:lnSpc>
+                          <a:spcPct val="115000"/>
+                        </a:lnSpc>
+                        <a:spcBef>
+                          <a:spcPts val="0"/>
+                        </a:spcBef>
+                        <a:spcAft>
+                          <a:spcPts val="0"/>
+                        </a:spcAft>
+                      </a:pPr>
+                      <a:r>
+                        <a:rPr lang="en-US" sz="1400" b="1" dirty="0">
+                          <a:effectLst/>
+                          <a:latin typeface="Open Sans" panose="020B0606030504020204" pitchFamily="34" charset="0"/>
+                          <a:ea typeface="Open Sans" panose="020B0606030504020204" pitchFamily="34" charset="0"/>
+                          <a:cs typeface="Open Sans" panose="020B0606030504020204" pitchFamily="34" charset="0"/>
+                        </a:rPr>
+                        <a:t>K=8</a:t>
+                      </a:r>
+                    </a:p>
+                  </a:txBody>
+                  <a:tcPr marL="68580" marR="68580" marT="0" marB="0" anchor="ctr">
+                    <a:solidFill>
+                      <a:schemeClr val="accent1">
+                        <a:lumMod val="20000"/>
+                        <a:lumOff val="80000"/>
+                      </a:schemeClr>
+                    </a:solidFill>
+                  </a:tcPr>
+                </a:tc>
+                <a:tc>
+                  <a:txBody>
+                    <a:bodyPr/>
+                    <a:lstStyle/>
+                    <a:p>
+                      <a:pPr marL="0" marR="0" algn="ctr">
+                        <a:lnSpc>
+                          <a:spcPct val="115000"/>
+                        </a:lnSpc>
+                        <a:spcBef>
+                          <a:spcPts val="0"/>
+                        </a:spcBef>
+                        <a:spcAft>
+                          <a:spcPts val="0"/>
+                        </a:spcAft>
+                      </a:pPr>
+                      <a:r>
+                        <a:rPr lang="en-US" sz="1400" b="1" dirty="0">
+                          <a:effectLst/>
+                          <a:latin typeface="Open Sans" panose="020B0606030504020204" pitchFamily="34" charset="0"/>
+                          <a:ea typeface="Open Sans" panose="020B0606030504020204" pitchFamily="34" charset="0"/>
+                          <a:cs typeface="Open Sans" panose="020B0606030504020204" pitchFamily="34" charset="0"/>
+                        </a:rPr>
+                        <a:t>K=16</a:t>
+                      </a:r>
+                    </a:p>
+                  </a:txBody>
+                  <a:tcPr marL="68580" marR="68580" marT="0" marB="0" anchor="ctr">
+                    <a:solidFill>
+                      <a:schemeClr val="accent1">
+                        <a:lumMod val="20000"/>
+                        <a:lumOff val="80000"/>
+                      </a:schemeClr>
+                    </a:solidFill>
+                  </a:tcPr>
+                </a:tc>
+                <a:tc>
+                  <a:txBody>
+                    <a:bodyPr/>
+                    <a:lstStyle/>
+                    <a:p>
+                      <a:pPr marL="0" marR="0" algn="ctr">
+                        <a:lnSpc>
+                          <a:spcPct val="115000"/>
+                        </a:lnSpc>
+                        <a:spcBef>
+                          <a:spcPts val="0"/>
+                        </a:spcBef>
+                        <a:spcAft>
+                          <a:spcPts val="0"/>
+                        </a:spcAft>
+                      </a:pPr>
+                      <a:r>
+                        <a:rPr lang="en-US" sz="1400" b="1" dirty="0">
+                          <a:effectLst/>
+                          <a:latin typeface="Open Sans" panose="020B0606030504020204" pitchFamily="34" charset="0"/>
+                          <a:ea typeface="Open Sans" panose="020B0606030504020204" pitchFamily="34" charset="0"/>
+                          <a:cs typeface="Open Sans" panose="020B0606030504020204" pitchFamily="34" charset="0"/>
+                        </a:rPr>
+                        <a:t>K=32</a:t>
+                      </a:r>
+                    </a:p>
+                  </a:txBody>
+                  <a:tcPr marL="68580" marR="68580" marT="0" marB="0" anchor="ctr">
+                    <a:solidFill>
+                      <a:schemeClr val="accent1">
+                        <a:lumMod val="20000"/>
+                        <a:lumOff val="80000"/>
+                      </a:schemeClr>
+                    </a:solidFill>
+                  </a:tcPr>
+                </a:tc>
+                <a:tc>
+                  <a:txBody>
+                    <a:bodyPr/>
+                    <a:lstStyle/>
+                    <a:p>
+                      <a:pPr marL="0" marR="0" algn="ctr">
+                        <a:lnSpc>
+                          <a:spcPct val="115000"/>
+                        </a:lnSpc>
+                        <a:spcBef>
+                          <a:spcPts val="0"/>
+                        </a:spcBef>
+                        <a:spcAft>
+                          <a:spcPts val="0"/>
+                        </a:spcAft>
+                      </a:pPr>
+                      <a:r>
+                        <a:rPr lang="en-US" sz="1400" b="1" dirty="0">
+                          <a:effectLst/>
+                          <a:latin typeface="Open Sans" panose="020B0606030504020204" pitchFamily="34" charset="0"/>
+                          <a:ea typeface="Open Sans" panose="020B0606030504020204" pitchFamily="34" charset="0"/>
+                          <a:cs typeface="Open Sans" panose="020B0606030504020204" pitchFamily="34" charset="0"/>
+                        </a:rPr>
+                        <a:t>K=64</a:t>
+                      </a:r>
+                    </a:p>
+                  </a:txBody>
+                  <a:tcPr marL="68580" marR="68580" marT="0" marB="0" anchor="ctr">
+                    <a:solidFill>
+                      <a:schemeClr val="accent1">
+                        <a:lumMod val="20000"/>
+                        <a:lumOff val="80000"/>
+                      </a:schemeClr>
+                    </a:solidFill>
+                  </a:tcPr>
+                </a:tc>
+                <a:tc>
+                  <a:txBody>
+                    <a:bodyPr/>
+                    <a:lstStyle/>
+                    <a:p>
+                      <a:pPr marL="0" marR="0" algn="ctr">
+                        <a:lnSpc>
+                          <a:spcPct val="115000"/>
+                        </a:lnSpc>
+                        <a:spcBef>
+                          <a:spcPts val="0"/>
+                        </a:spcBef>
+                        <a:spcAft>
+                          <a:spcPts val="0"/>
+                        </a:spcAft>
+                      </a:pPr>
+                      <a:r>
+                        <a:rPr lang="en-US" sz="1400" b="1" dirty="0">
+                          <a:effectLst/>
+                          <a:latin typeface="Open Sans" panose="020B0606030504020204" pitchFamily="34" charset="0"/>
+                          <a:ea typeface="Open Sans" panose="020B0606030504020204" pitchFamily="34" charset="0"/>
+                          <a:cs typeface="Open Sans" panose="020B0606030504020204" pitchFamily="34" charset="0"/>
+                        </a:rPr>
+                        <a:t>K=128</a:t>
+                      </a:r>
+                    </a:p>
+                  </a:txBody>
+                  <a:tcPr marL="68580" marR="68580" marT="0" marB="0" anchor="ctr">
+                    <a:solidFill>
+                      <a:schemeClr val="accent1">
+                        <a:lumMod val="20000"/>
+                        <a:lumOff val="80000"/>
+                      </a:schemeClr>
+                    </a:solidFill>
+                  </a:tcPr>
+                </a:tc>
+                <a:tc>
+                  <a:txBody>
+                    <a:bodyPr/>
+                    <a:lstStyle/>
+                    <a:p>
+                      <a:pPr marL="0" marR="0" algn="ctr">
+                        <a:lnSpc>
+                          <a:spcPct val="115000"/>
+                        </a:lnSpc>
+                        <a:spcBef>
+                          <a:spcPts val="0"/>
+                        </a:spcBef>
+                        <a:spcAft>
+                          <a:spcPts val="0"/>
+                        </a:spcAft>
+                      </a:pPr>
+                      <a:r>
+                        <a:rPr lang="en-US" sz="1400" b="1" dirty="0">
+                          <a:effectLst/>
+                          <a:latin typeface="Open Sans" panose="020B0606030504020204" pitchFamily="34" charset="0"/>
+                          <a:ea typeface="Open Sans" panose="020B0606030504020204" pitchFamily="34" charset="0"/>
+                          <a:cs typeface="Open Sans" panose="020B0606030504020204" pitchFamily="34" charset="0"/>
+                        </a:rPr>
+                        <a:t>K=256</a:t>
+                      </a:r>
+                    </a:p>
+                  </a:txBody>
+                  <a:tcPr marL="68580" marR="68580" marT="0" marB="0" anchor="ctr">
+                    <a:solidFill>
+                      <a:schemeClr val="accent1">
+                        <a:lumMod val="20000"/>
+                        <a:lumOff val="80000"/>
+                      </a:schemeClr>
+                    </a:solidFill>
+                  </a:tcPr>
+                </a:tc>
+                <a:extLst>
+                  <a:ext uri="{0D108BD9-81ED-4DB2-BD59-A6C34878D82A}">
+                    <a16:rowId xmlns:a16="http://schemas.microsoft.com/office/drawing/2014/main" val="2536984708"/>
+                  </a:ext>
+                </a:extLst>
+              </a:tr>
+              <a:tr h="611318">
+                <a:tc>
+                  <a:txBody>
+                    <a:bodyPr/>
+                    <a:lstStyle/>
+                    <a:p>
+                      <a:pPr marL="0" marR="0" algn="ctr">
+                        <a:spcBef>
+                          <a:spcPts val="0"/>
+                        </a:spcBef>
+                        <a:spcAft>
+                          <a:spcPts val="0"/>
+                        </a:spcAft>
+                      </a:pPr>
+                      <a:r>
+                        <a:rPr lang="en-US" sz="1400" b="1" dirty="0">
+                          <a:effectLst/>
+                          <a:latin typeface="Open Sans" panose="020B0606030504020204" pitchFamily="34" charset="0"/>
+                          <a:ea typeface="Open Sans" panose="020B0606030504020204" pitchFamily="34" charset="0"/>
+                          <a:cs typeface="Open Sans" panose="020B0606030504020204" pitchFamily="34" charset="0"/>
+                        </a:rPr>
+                        <a:t>2</a:t>
+                      </a:r>
+                    </a:p>
+                  </a:txBody>
+                  <a:tcPr marL="68580" marR="68580" marT="0" marB="0" anchor="ctr">
+                    <a:solidFill>
+                      <a:schemeClr val="accent1">
+                        <a:lumMod val="40000"/>
+                        <a:lumOff val="60000"/>
+                      </a:schemeClr>
+                    </a:solidFill>
+                  </a:tcPr>
+                </a:tc>
+                <a:tc>
+                  <a:txBody>
+                    <a:bodyPr/>
+                    <a:lstStyle/>
+                    <a:p>
+                      <a:pPr marL="0" marR="0" algn="ctr">
+                        <a:spcBef>
+                          <a:spcPts val="0"/>
+                        </a:spcBef>
+                        <a:spcAft>
+                          <a:spcPts val="0"/>
+                        </a:spcAft>
+                      </a:pPr>
+                      <a:r>
+                        <a:rPr lang="en-US" sz="1400" dirty="0">
+                          <a:effectLst/>
+                          <a:latin typeface="Open Sans" panose="020B0606030504020204" pitchFamily="34" charset="0"/>
+                          <a:ea typeface="Open Sans" panose="020B0606030504020204" pitchFamily="34" charset="0"/>
+                          <a:cs typeface="Open Sans" panose="020B0606030504020204" pitchFamily="34" charset="0"/>
+                        </a:rPr>
+                        <a:t>1.612</a:t>
+                      </a:r>
+                    </a:p>
+                  </a:txBody>
+                  <a:tcPr marL="68580" marR="68580" marT="0" marB="0" anchor="ctr"/>
+                </a:tc>
+                <a:tc>
+                  <a:txBody>
+                    <a:bodyPr/>
+                    <a:lstStyle/>
+                    <a:p>
+                      <a:pPr marL="0" marR="0" algn="ctr">
+                        <a:spcBef>
+                          <a:spcPts val="0"/>
+                        </a:spcBef>
+                        <a:spcAft>
+                          <a:spcPts val="0"/>
+                        </a:spcAft>
+                      </a:pPr>
+                      <a:r>
+                        <a:rPr lang="en-US" sz="1400" dirty="0">
+                          <a:effectLst/>
+                          <a:latin typeface="Open Sans" panose="020B0606030504020204" pitchFamily="34" charset="0"/>
+                          <a:ea typeface="Open Sans" panose="020B0606030504020204" pitchFamily="34" charset="0"/>
+                          <a:cs typeface="Open Sans" panose="020B0606030504020204" pitchFamily="34" charset="0"/>
+                        </a:rPr>
+                        <a:t>1.753</a:t>
+                      </a:r>
+                    </a:p>
+                  </a:txBody>
+                  <a:tcPr marL="68580" marR="68580" marT="0" marB="0" anchor="ctr"/>
+                </a:tc>
+                <a:tc>
+                  <a:txBody>
+                    <a:bodyPr/>
+                    <a:lstStyle/>
+                    <a:p>
+                      <a:pPr marL="0" marR="0" algn="ctr">
+                        <a:spcBef>
+                          <a:spcPts val="0"/>
+                        </a:spcBef>
+                        <a:spcAft>
+                          <a:spcPts val="0"/>
+                        </a:spcAft>
+                      </a:pPr>
+                      <a:r>
+                        <a:rPr lang="en-US" sz="1400">
+                          <a:effectLst/>
+                          <a:latin typeface="Open Sans" panose="020B0606030504020204" pitchFamily="34" charset="0"/>
+                          <a:ea typeface="Open Sans" panose="020B0606030504020204" pitchFamily="34" charset="0"/>
+                          <a:cs typeface="Open Sans" panose="020B0606030504020204" pitchFamily="34" charset="0"/>
+                        </a:rPr>
+                        <a:t>1.797</a:t>
+                      </a:r>
+                    </a:p>
+                  </a:txBody>
+                  <a:tcPr marL="68580" marR="68580" marT="0" marB="0" anchor="ctr"/>
+                </a:tc>
+                <a:tc>
+                  <a:txBody>
+                    <a:bodyPr/>
+                    <a:lstStyle/>
+                    <a:p>
+                      <a:pPr marL="0" marR="0" algn="ctr">
+                        <a:spcBef>
+                          <a:spcPts val="0"/>
+                        </a:spcBef>
+                        <a:spcAft>
+                          <a:spcPts val="0"/>
+                        </a:spcAft>
+                      </a:pPr>
+                      <a:r>
+                        <a:rPr lang="en-US" sz="1400">
+                          <a:effectLst/>
+                          <a:latin typeface="Open Sans" panose="020B0606030504020204" pitchFamily="34" charset="0"/>
+                          <a:ea typeface="Open Sans" panose="020B0606030504020204" pitchFamily="34" charset="0"/>
+                          <a:cs typeface="Open Sans" panose="020B0606030504020204" pitchFamily="34" charset="0"/>
+                        </a:rPr>
+                        <a:t>1.819</a:t>
+                      </a:r>
+                    </a:p>
+                  </a:txBody>
+                  <a:tcPr marL="68580" marR="68580" marT="0" marB="0" anchor="ctr"/>
+                </a:tc>
+                <a:tc>
+                  <a:txBody>
+                    <a:bodyPr/>
+                    <a:lstStyle/>
+                    <a:p>
+                      <a:pPr marL="0" marR="0" algn="ctr">
+                        <a:spcBef>
+                          <a:spcPts val="0"/>
+                        </a:spcBef>
+                        <a:spcAft>
+                          <a:spcPts val="0"/>
+                        </a:spcAft>
+                      </a:pPr>
+                      <a:r>
+                        <a:rPr lang="en-US" sz="1400">
+                          <a:effectLst/>
+                          <a:latin typeface="Open Sans" panose="020B0606030504020204" pitchFamily="34" charset="0"/>
+                          <a:ea typeface="Open Sans" panose="020B0606030504020204" pitchFamily="34" charset="0"/>
+                          <a:cs typeface="Open Sans" panose="020B0606030504020204" pitchFamily="34" charset="0"/>
+                        </a:rPr>
+                        <a:t>1.847</a:t>
+                      </a:r>
+                    </a:p>
+                  </a:txBody>
+                  <a:tcPr marL="68580" marR="68580" marT="0" marB="0" anchor="ctr"/>
+                </a:tc>
+                <a:tc>
+                  <a:txBody>
+                    <a:bodyPr/>
+                    <a:lstStyle/>
+                    <a:p>
+                      <a:pPr marL="0" marR="0" algn="ctr">
+                        <a:spcBef>
+                          <a:spcPts val="0"/>
+                        </a:spcBef>
+                        <a:spcAft>
+                          <a:spcPts val="0"/>
+                        </a:spcAft>
+                      </a:pPr>
+                      <a:r>
+                        <a:rPr lang="en-US" sz="1400">
+                          <a:effectLst/>
+                          <a:latin typeface="Open Sans" panose="020B0606030504020204" pitchFamily="34" charset="0"/>
+                          <a:ea typeface="Open Sans" panose="020B0606030504020204" pitchFamily="34" charset="0"/>
+                          <a:cs typeface="Open Sans" panose="020B0606030504020204" pitchFamily="34" charset="0"/>
+                        </a:rPr>
+                        <a:t>1.857</a:t>
+                      </a:r>
+                    </a:p>
+                  </a:txBody>
+                  <a:tcPr marL="68580" marR="68580" marT="0" marB="0" anchor="ctr"/>
+                </a:tc>
+                <a:tc>
+                  <a:txBody>
+                    <a:bodyPr/>
+                    <a:lstStyle/>
+                    <a:p>
+                      <a:pPr marL="0" marR="0" algn="ctr">
+                        <a:spcBef>
+                          <a:spcPts val="0"/>
+                        </a:spcBef>
+                        <a:spcAft>
+                          <a:spcPts val="0"/>
+                        </a:spcAft>
+                      </a:pPr>
+                      <a:r>
+                        <a:rPr lang="en-US" sz="1400">
+                          <a:effectLst/>
+                          <a:latin typeface="Open Sans" panose="020B0606030504020204" pitchFamily="34" charset="0"/>
+                          <a:ea typeface="Open Sans" panose="020B0606030504020204" pitchFamily="34" charset="0"/>
+                          <a:cs typeface="Open Sans" panose="020B0606030504020204" pitchFamily="34" charset="0"/>
+                        </a:rPr>
+                        <a:t>1.858</a:t>
+                      </a:r>
+                    </a:p>
+                  </a:txBody>
+                  <a:tcPr marL="68580" marR="68580" marT="0" marB="0" anchor="ctr"/>
+                </a:tc>
+                <a:extLst>
+                  <a:ext uri="{0D108BD9-81ED-4DB2-BD59-A6C34878D82A}">
+                    <a16:rowId xmlns:a16="http://schemas.microsoft.com/office/drawing/2014/main" val="791310652"/>
+                  </a:ext>
+                </a:extLst>
+              </a:tr>
+              <a:tr h="611318">
+                <a:tc>
+                  <a:txBody>
+                    <a:bodyPr/>
+                    <a:lstStyle/>
+                    <a:p>
+                      <a:pPr marL="0" marR="0" algn="ctr">
+                        <a:spcBef>
+                          <a:spcPts val="0"/>
+                        </a:spcBef>
+                        <a:spcAft>
+                          <a:spcPts val="0"/>
+                        </a:spcAft>
+                      </a:pPr>
+                      <a:r>
+                        <a:rPr lang="en-US" sz="1400" b="1" dirty="0">
+                          <a:effectLst/>
+                          <a:latin typeface="Open Sans" panose="020B0606030504020204" pitchFamily="34" charset="0"/>
+                          <a:ea typeface="Open Sans" panose="020B0606030504020204" pitchFamily="34" charset="0"/>
+                          <a:cs typeface="Open Sans" panose="020B0606030504020204" pitchFamily="34" charset="0"/>
+                        </a:rPr>
+                        <a:t>3</a:t>
+                      </a:r>
+                    </a:p>
+                  </a:txBody>
+                  <a:tcPr marL="68580" marR="68580" marT="0" marB="0" anchor="ctr">
+                    <a:solidFill>
+                      <a:schemeClr val="accent1">
+                        <a:lumMod val="40000"/>
+                        <a:lumOff val="60000"/>
+                      </a:schemeClr>
+                    </a:solidFill>
+                  </a:tcPr>
+                </a:tc>
+                <a:tc>
+                  <a:txBody>
+                    <a:bodyPr/>
+                    <a:lstStyle/>
+                    <a:p>
+                      <a:pPr marL="0" marR="0" algn="ctr">
+                        <a:spcBef>
+                          <a:spcPts val="0"/>
+                        </a:spcBef>
+                        <a:spcAft>
+                          <a:spcPts val="0"/>
+                        </a:spcAft>
+                      </a:pPr>
+                      <a:r>
+                        <a:rPr lang="en-US" sz="1400" dirty="0">
+                          <a:effectLst/>
+                          <a:latin typeface="Open Sans" panose="020B0606030504020204" pitchFamily="34" charset="0"/>
+                          <a:ea typeface="Open Sans" panose="020B0606030504020204" pitchFamily="34" charset="0"/>
+                          <a:cs typeface="Open Sans" panose="020B0606030504020204" pitchFamily="34" charset="0"/>
+                        </a:rPr>
+                        <a:t>1.912</a:t>
+                      </a:r>
+                    </a:p>
+                  </a:txBody>
+                  <a:tcPr marL="68580" marR="68580" marT="0" marB="0" anchor="ctr"/>
+                </a:tc>
+                <a:tc>
+                  <a:txBody>
+                    <a:bodyPr/>
+                    <a:lstStyle/>
+                    <a:p>
+                      <a:pPr marL="0" marR="0" algn="ctr">
+                        <a:spcBef>
+                          <a:spcPts val="0"/>
+                        </a:spcBef>
+                        <a:spcAft>
+                          <a:spcPts val="0"/>
+                        </a:spcAft>
+                      </a:pPr>
+                      <a:r>
+                        <a:rPr lang="en-US" sz="1400" dirty="0">
+                          <a:effectLst/>
+                          <a:latin typeface="Open Sans" panose="020B0606030504020204" pitchFamily="34" charset="0"/>
+                          <a:ea typeface="Open Sans" panose="020B0606030504020204" pitchFamily="34" charset="0"/>
+                          <a:cs typeface="Open Sans" panose="020B0606030504020204" pitchFamily="34" charset="0"/>
+                        </a:rPr>
+                        <a:t>1.929</a:t>
+                      </a:r>
+                    </a:p>
+                  </a:txBody>
+                  <a:tcPr marL="68580" marR="68580" marT="0" marB="0" anchor="ctr"/>
+                </a:tc>
+                <a:tc>
+                  <a:txBody>
+                    <a:bodyPr/>
+                    <a:lstStyle/>
+                    <a:p>
+                      <a:pPr marL="0" marR="0" algn="ctr">
+                        <a:spcBef>
+                          <a:spcPts val="0"/>
+                        </a:spcBef>
+                        <a:spcAft>
+                          <a:spcPts val="0"/>
+                        </a:spcAft>
+                      </a:pPr>
+                      <a:r>
+                        <a:rPr lang="en-US" sz="1400" dirty="0">
+                          <a:effectLst/>
+                          <a:latin typeface="Open Sans" panose="020B0606030504020204" pitchFamily="34" charset="0"/>
+                          <a:ea typeface="Open Sans" panose="020B0606030504020204" pitchFamily="34" charset="0"/>
+                          <a:cs typeface="Open Sans" panose="020B0606030504020204" pitchFamily="34" charset="0"/>
+                        </a:rPr>
+                        <a:t>1.943</a:t>
+                      </a:r>
+                    </a:p>
+                  </a:txBody>
+                  <a:tcPr marL="68580" marR="68580" marT="0" marB="0" anchor="ctr"/>
+                </a:tc>
+                <a:tc>
+                  <a:txBody>
+                    <a:bodyPr/>
+                    <a:lstStyle/>
+                    <a:p>
+                      <a:pPr marL="0" marR="0" algn="ctr">
+                        <a:spcBef>
+                          <a:spcPts val="0"/>
+                        </a:spcBef>
+                        <a:spcAft>
+                          <a:spcPts val="0"/>
+                        </a:spcAft>
+                      </a:pPr>
+                      <a:r>
+                        <a:rPr lang="en-US" sz="1400" dirty="0">
+                          <a:effectLst/>
+                          <a:latin typeface="Open Sans" panose="020B0606030504020204" pitchFamily="34" charset="0"/>
+                          <a:ea typeface="Open Sans" panose="020B0606030504020204" pitchFamily="34" charset="0"/>
+                          <a:cs typeface="Open Sans" panose="020B0606030504020204" pitchFamily="34" charset="0"/>
+                        </a:rPr>
+                        <a:t>1.955</a:t>
+                      </a:r>
+                    </a:p>
+                  </a:txBody>
+                  <a:tcPr marL="68580" marR="68580" marT="0" marB="0" anchor="ctr"/>
+                </a:tc>
+                <a:tc>
+                  <a:txBody>
+                    <a:bodyPr/>
+                    <a:lstStyle/>
+                    <a:p>
+                      <a:pPr marL="0" marR="0" algn="ctr">
+                        <a:spcBef>
+                          <a:spcPts val="0"/>
+                        </a:spcBef>
+                        <a:spcAft>
+                          <a:spcPts val="0"/>
+                        </a:spcAft>
+                      </a:pPr>
+                      <a:r>
+                        <a:rPr lang="en-US" sz="1400" dirty="0">
+                          <a:effectLst/>
+                          <a:latin typeface="Open Sans" panose="020B0606030504020204" pitchFamily="34" charset="0"/>
+                          <a:ea typeface="Open Sans" panose="020B0606030504020204" pitchFamily="34" charset="0"/>
+                          <a:cs typeface="Open Sans" panose="020B0606030504020204" pitchFamily="34" charset="0"/>
+                        </a:rPr>
+                        <a:t>1.966</a:t>
+                      </a:r>
+                    </a:p>
+                  </a:txBody>
+                  <a:tcPr marL="68580" marR="68580" marT="0" marB="0" anchor="ctr"/>
+                </a:tc>
+                <a:tc>
+                  <a:txBody>
+                    <a:bodyPr/>
+                    <a:lstStyle/>
+                    <a:p>
+                      <a:pPr marL="0" marR="0" algn="ctr">
+                        <a:spcBef>
+                          <a:spcPts val="0"/>
+                        </a:spcBef>
+                        <a:spcAft>
+                          <a:spcPts val="0"/>
+                        </a:spcAft>
+                      </a:pPr>
+                      <a:r>
+                        <a:rPr lang="en-US" sz="1400" dirty="0">
+                          <a:effectLst/>
+                          <a:latin typeface="Open Sans" panose="020B0606030504020204" pitchFamily="34" charset="0"/>
+                          <a:ea typeface="Open Sans" panose="020B0606030504020204" pitchFamily="34" charset="0"/>
+                          <a:cs typeface="Open Sans" panose="020B0606030504020204" pitchFamily="34" charset="0"/>
+                        </a:rPr>
+                        <a:t>1.983</a:t>
+                      </a:r>
+                    </a:p>
+                  </a:txBody>
+                  <a:tcPr marL="68580" marR="68580" marT="0" marB="0" anchor="ctr"/>
+                </a:tc>
+                <a:tc>
+                  <a:txBody>
+                    <a:bodyPr/>
+                    <a:lstStyle/>
+                    <a:p>
+                      <a:pPr marL="0" marR="0" algn="ctr">
+                        <a:spcBef>
+                          <a:spcPts val="0"/>
+                        </a:spcBef>
+                        <a:spcAft>
+                          <a:spcPts val="0"/>
+                        </a:spcAft>
+                      </a:pPr>
+                      <a:r>
+                        <a:rPr lang="en-US" sz="1400" dirty="0">
+                          <a:effectLst/>
+                          <a:latin typeface="Open Sans" panose="020B0606030504020204" pitchFamily="34" charset="0"/>
+                          <a:ea typeface="Open Sans" panose="020B0606030504020204" pitchFamily="34" charset="0"/>
+                          <a:cs typeface="Open Sans" panose="020B0606030504020204" pitchFamily="34" charset="0"/>
+                        </a:rPr>
+                        <a:t>2.000</a:t>
+                      </a:r>
+                    </a:p>
+                  </a:txBody>
+                  <a:tcPr marL="68580" marR="68580" marT="0" marB="0" anchor="ctr"/>
+                </a:tc>
+                <a:extLst>
+                  <a:ext uri="{0D108BD9-81ED-4DB2-BD59-A6C34878D82A}">
+                    <a16:rowId xmlns:a16="http://schemas.microsoft.com/office/drawing/2014/main" val="4101146199"/>
+                  </a:ext>
+                </a:extLst>
+              </a:tr>
+              <a:tr h="611318">
+                <a:tc>
+                  <a:txBody>
+                    <a:bodyPr/>
+                    <a:lstStyle/>
+                    <a:p>
+                      <a:pPr marL="0" marR="0" algn="ctr">
+                        <a:spcBef>
+                          <a:spcPts val="0"/>
+                        </a:spcBef>
+                        <a:spcAft>
+                          <a:spcPts val="0"/>
+                        </a:spcAft>
+                      </a:pPr>
+                      <a:r>
+                        <a:rPr lang="en-US" sz="1400" b="1" dirty="0">
+                          <a:effectLst/>
+                          <a:latin typeface="Open Sans" panose="020B0606030504020204" pitchFamily="34" charset="0"/>
+                          <a:ea typeface="Open Sans" panose="020B0606030504020204" pitchFamily="34" charset="0"/>
+                          <a:cs typeface="Open Sans" panose="020B0606030504020204" pitchFamily="34" charset="0"/>
+                        </a:rPr>
+                        <a:t>4</a:t>
+                      </a:r>
+                    </a:p>
+                  </a:txBody>
+                  <a:tcPr marL="68580" marR="68580" marT="0" marB="0" anchor="ctr">
+                    <a:solidFill>
+                      <a:schemeClr val="accent1">
+                        <a:lumMod val="40000"/>
+                        <a:lumOff val="60000"/>
+                      </a:schemeClr>
+                    </a:solidFill>
+                  </a:tcPr>
+                </a:tc>
+                <a:tc>
+                  <a:txBody>
+                    <a:bodyPr/>
+                    <a:lstStyle/>
+                    <a:p>
+                      <a:pPr marL="0" marR="0" algn="ctr">
+                        <a:spcBef>
+                          <a:spcPts val="0"/>
+                        </a:spcBef>
+                        <a:spcAft>
+                          <a:spcPts val="0"/>
+                        </a:spcAft>
+                      </a:pPr>
+                      <a:r>
+                        <a:rPr lang="en-US" sz="1400">
+                          <a:effectLst/>
+                          <a:latin typeface="Open Sans" panose="020B0606030504020204" pitchFamily="34" charset="0"/>
+                          <a:ea typeface="Open Sans" panose="020B0606030504020204" pitchFamily="34" charset="0"/>
+                          <a:cs typeface="Open Sans" panose="020B0606030504020204" pitchFamily="34" charset="0"/>
+                        </a:rPr>
+                        <a:t>2.062</a:t>
+                      </a:r>
+                    </a:p>
+                  </a:txBody>
+                  <a:tcPr marL="68580" marR="68580" marT="0" marB="0" anchor="ctr"/>
+                </a:tc>
+                <a:tc>
+                  <a:txBody>
+                    <a:bodyPr/>
+                    <a:lstStyle/>
+                    <a:p>
+                      <a:pPr marL="0" marR="0" algn="ctr">
+                        <a:spcBef>
+                          <a:spcPts val="0"/>
+                        </a:spcBef>
+                        <a:spcAft>
+                          <a:spcPts val="0"/>
+                        </a:spcAft>
+                      </a:pPr>
+                      <a:r>
+                        <a:rPr lang="en-US" sz="1400">
+                          <a:effectLst/>
+                          <a:latin typeface="Open Sans" panose="020B0606030504020204" pitchFamily="34" charset="0"/>
+                          <a:ea typeface="Open Sans" panose="020B0606030504020204" pitchFamily="34" charset="0"/>
+                          <a:cs typeface="Open Sans" panose="020B0606030504020204" pitchFamily="34" charset="0"/>
+                        </a:rPr>
+                        <a:t>2.098</a:t>
+                      </a:r>
+                    </a:p>
+                  </a:txBody>
+                  <a:tcPr marL="68580" marR="68580" marT="0" marB="0" anchor="ctr"/>
+                </a:tc>
+                <a:tc>
+                  <a:txBody>
+                    <a:bodyPr/>
+                    <a:lstStyle/>
+                    <a:p>
+                      <a:pPr marL="0" marR="0" algn="ctr">
+                        <a:spcBef>
+                          <a:spcPts val="0"/>
+                        </a:spcBef>
+                        <a:spcAft>
+                          <a:spcPts val="0"/>
+                        </a:spcAft>
+                      </a:pPr>
+                      <a:r>
+                        <a:rPr lang="en-US" sz="1400" dirty="0">
+                          <a:effectLst/>
+                          <a:latin typeface="Open Sans" panose="020B0606030504020204" pitchFamily="34" charset="0"/>
+                          <a:ea typeface="Open Sans" panose="020B0606030504020204" pitchFamily="34" charset="0"/>
+                          <a:cs typeface="Open Sans" panose="020B0606030504020204" pitchFamily="34" charset="0"/>
+                        </a:rPr>
+                        <a:t>2.120</a:t>
+                      </a:r>
+                    </a:p>
+                  </a:txBody>
+                  <a:tcPr marL="68580" marR="68580" marT="0" marB="0" anchor="ctr"/>
+                </a:tc>
+                <a:tc>
+                  <a:txBody>
+                    <a:bodyPr/>
+                    <a:lstStyle/>
+                    <a:p>
+                      <a:pPr marL="0" marR="0" algn="ctr">
+                        <a:spcBef>
+                          <a:spcPts val="0"/>
+                        </a:spcBef>
+                        <a:spcAft>
+                          <a:spcPts val="0"/>
+                        </a:spcAft>
+                      </a:pPr>
+                      <a:r>
+                        <a:rPr lang="en-US" sz="1400" dirty="0">
+                          <a:effectLst/>
+                          <a:latin typeface="Open Sans" panose="020B0606030504020204" pitchFamily="34" charset="0"/>
+                          <a:ea typeface="Open Sans" panose="020B0606030504020204" pitchFamily="34" charset="0"/>
+                          <a:cs typeface="Open Sans" panose="020B0606030504020204" pitchFamily="34" charset="0"/>
+                        </a:rPr>
+                        <a:t>2.148</a:t>
+                      </a:r>
+                    </a:p>
+                  </a:txBody>
+                  <a:tcPr marL="68580" marR="68580" marT="0" marB="0" anchor="ctr"/>
+                </a:tc>
+                <a:tc>
+                  <a:txBody>
+                    <a:bodyPr/>
+                    <a:lstStyle/>
+                    <a:p>
+                      <a:pPr marL="0" marR="0" algn="ctr">
+                        <a:spcBef>
+                          <a:spcPts val="0"/>
+                        </a:spcBef>
+                        <a:spcAft>
+                          <a:spcPts val="0"/>
+                        </a:spcAft>
+                      </a:pPr>
+                      <a:r>
+                        <a:rPr lang="en-US" sz="1400" dirty="0">
+                          <a:effectLst/>
+                          <a:latin typeface="Open Sans" panose="020B0606030504020204" pitchFamily="34" charset="0"/>
+                          <a:ea typeface="Open Sans" panose="020B0606030504020204" pitchFamily="34" charset="0"/>
+                          <a:cs typeface="Open Sans" panose="020B0606030504020204" pitchFamily="34" charset="0"/>
+                        </a:rPr>
+                        <a:t>2.198</a:t>
+                      </a:r>
+                    </a:p>
+                  </a:txBody>
+                  <a:tcPr marL="68580" marR="68580" marT="0" marB="0" anchor="ctr"/>
+                </a:tc>
+                <a:tc>
+                  <a:txBody>
+                    <a:bodyPr/>
+                    <a:lstStyle/>
+                    <a:p>
+                      <a:pPr marL="0" marR="0" algn="ctr">
+                        <a:spcBef>
+                          <a:spcPts val="0"/>
+                        </a:spcBef>
+                        <a:spcAft>
+                          <a:spcPts val="0"/>
+                        </a:spcAft>
+                      </a:pPr>
+                      <a:r>
+                        <a:rPr lang="en-US" sz="1400" dirty="0">
+                          <a:effectLst/>
+                          <a:latin typeface="Open Sans" panose="020B0606030504020204" pitchFamily="34" charset="0"/>
+                          <a:ea typeface="Open Sans" panose="020B0606030504020204" pitchFamily="34" charset="0"/>
+                          <a:cs typeface="Open Sans" panose="020B0606030504020204" pitchFamily="34" charset="0"/>
+                        </a:rPr>
+                        <a:t>2.207</a:t>
+                      </a:r>
+                    </a:p>
+                  </a:txBody>
+                  <a:tcPr marL="68580" marR="68580" marT="0" marB="0" anchor="ctr"/>
+                </a:tc>
+                <a:tc>
+                  <a:txBody>
+                    <a:bodyPr/>
+                    <a:lstStyle/>
+                    <a:p>
+                      <a:pPr marL="0" marR="0" algn="ctr">
+                        <a:spcBef>
+                          <a:spcPts val="0"/>
+                        </a:spcBef>
+                        <a:spcAft>
+                          <a:spcPts val="0"/>
+                        </a:spcAft>
+                      </a:pPr>
+                      <a:r>
+                        <a:rPr lang="en-US" sz="1400" dirty="0">
+                          <a:effectLst/>
+                          <a:latin typeface="Open Sans" panose="020B0606030504020204" pitchFamily="34" charset="0"/>
+                          <a:ea typeface="Open Sans" panose="020B0606030504020204" pitchFamily="34" charset="0"/>
+                          <a:cs typeface="Open Sans" panose="020B0606030504020204" pitchFamily="34" charset="0"/>
+                        </a:rPr>
+                        <a:t>2.210</a:t>
+                      </a:r>
+                    </a:p>
+                  </a:txBody>
+                  <a:tcPr marL="68580" marR="68580" marT="0" marB="0" anchor="ctr"/>
+                </a:tc>
+                <a:extLst>
+                  <a:ext uri="{0D108BD9-81ED-4DB2-BD59-A6C34878D82A}">
+                    <a16:rowId xmlns:a16="http://schemas.microsoft.com/office/drawing/2014/main" val="4069582873"/>
+                  </a:ext>
+                </a:extLst>
+              </a:tr>
+            </a:tbl>
+          </a:graphicData>
+        </a:graphic>
+      </p:graphicFrame>
+      <p:sp>
+        <p:nvSpPr>
+          <p:cNvPr id="6" name="Content Placeholder 2">
+            <a:extLst>
+              <a:ext uri="{FF2B5EF4-FFF2-40B4-BE49-F238E27FC236}">
+                <a16:creationId xmlns:a16="http://schemas.microsoft.com/office/drawing/2014/main" id="{39211883-3834-B24E-9715-BED38B237494}"/>
+              </a:ext>
+            </a:extLst>
+          </p:cNvPr>
+          <p:cNvSpPr txBox="1">
+            <a:spLocks/>
+          </p:cNvSpPr>
+          <p:nvPr/>
+        </p:nvSpPr>
+        <p:spPr>
+          <a:xfrm>
+            <a:off x="628649" y="1825625"/>
+            <a:ext cx="7886701" cy="1502190"/>
+          </a:xfrm>
+          <a:prstGeom prst="rect">
+            <a:avLst/>
+          </a:prstGeom>
+        </p:spPr>
+        <p:txBody>
+          <a:bodyPr vert="horz" lIns="91440" tIns="45720" rIns="91440" bIns="45720" rtlCol="0">
+            <a:noAutofit/>
+          </a:bodyPr>
+          <a:lstStyle>
+            <a:lvl1pPr marL="228600" indent="-228600" algn="l" defTabSz="914400" rtl="0" eaLnBrk="1" latinLnBrk="0" hangingPunct="1">
+              <a:lnSpc>
+                <a:spcPct val="90000"/>
+              </a:lnSpc>
+              <a:spcBef>
+                <a:spcPts val="1000"/>
+              </a:spcBef>
+              <a:buFont typeface="Arial" panose="020B0604020202020204" pitchFamily="34" charset="0"/>
+              <a:buChar char="•"/>
+              <a:defRPr sz="2800" kern="1200">
+                <a:solidFill>
+                  <a:schemeClr val="tx1"/>
+                </a:solidFill>
+                <a:latin typeface="Open Sans" panose="020B0606030504020204" pitchFamily="34" charset="0"/>
+                <a:ea typeface="Open Sans" panose="020B0606030504020204" pitchFamily="34" charset="0"/>
+                <a:cs typeface="Open Sans" panose="020B0606030504020204" pitchFamily="34" charset="0"/>
+              </a:defRPr>
+            </a:lvl1pPr>
+            <a:lvl2pPr marL="685800" indent="-228600" algn="l" defTabSz="914400" rtl="0" eaLnBrk="1" latinLnBrk="0" hangingPunct="1">
+              <a:lnSpc>
+                <a:spcPct val="90000"/>
+              </a:lnSpc>
+              <a:spcBef>
+                <a:spcPts val="500"/>
+              </a:spcBef>
+              <a:buFont typeface="Arial" panose="020B0604020202020204" pitchFamily="34" charset="0"/>
+              <a:buChar char="•"/>
+              <a:defRPr sz="2400" kern="1200">
+                <a:solidFill>
+                  <a:schemeClr val="tx1"/>
+                </a:solidFill>
+                <a:latin typeface="Open Sans" panose="020B0606030504020204" pitchFamily="34" charset="0"/>
+                <a:ea typeface="Open Sans" panose="020B0606030504020204" pitchFamily="34" charset="0"/>
+                <a:cs typeface="Open Sans" panose="020B0606030504020204" pitchFamily="34" charset="0"/>
+              </a:defRPr>
+            </a:lvl2pPr>
+            <a:lvl3pPr marL="1143000" indent="-228600" algn="l" defTabSz="914400" rtl="0" eaLnBrk="1" latinLnBrk="0" hangingPunct="1">
+              <a:lnSpc>
+                <a:spcPct val="90000"/>
+              </a:lnSpc>
+              <a:spcBef>
+                <a:spcPts val="500"/>
+              </a:spcBef>
+              <a:buFont typeface="Arial" panose="020B0604020202020204" pitchFamily="34" charset="0"/>
+              <a:buChar char="•"/>
+              <a:defRPr sz="2000" kern="1200">
+                <a:solidFill>
+                  <a:schemeClr val="tx1"/>
+                </a:solidFill>
+                <a:latin typeface="Open Sans" panose="020B0606030504020204" pitchFamily="34" charset="0"/>
+                <a:ea typeface="Open Sans" panose="020B0606030504020204" pitchFamily="34" charset="0"/>
+                <a:cs typeface="Open Sans" panose="020B0606030504020204" pitchFamily="34" charset="0"/>
+              </a:defRPr>
+            </a:lvl3pPr>
+            <a:lvl4pPr marL="1600200" indent="-228600" algn="l" defTabSz="914400" rtl="0" eaLnBrk="1" latinLnBrk="0" hangingPunct="1">
+              <a:lnSpc>
+                <a:spcPct val="90000"/>
+              </a:lnSpc>
+              <a:spcBef>
+                <a:spcPts val="500"/>
+              </a:spcBef>
+              <a:buFont typeface="Arial" panose="020B0604020202020204" pitchFamily="34" charset="0"/>
+              <a:buChar char="•"/>
+              <a:defRPr sz="1800" kern="1200">
+                <a:solidFill>
+                  <a:schemeClr val="tx1"/>
+                </a:solidFill>
+                <a:latin typeface="Open Sans" panose="020B0606030504020204" pitchFamily="34" charset="0"/>
+                <a:ea typeface="Open Sans" panose="020B0606030504020204" pitchFamily="34" charset="0"/>
+                <a:cs typeface="Open Sans" panose="020B0606030504020204" pitchFamily="34" charset="0"/>
+              </a:defRPr>
+            </a:lvl4pPr>
+            <a:lvl5pPr marL="2057400" indent="-228600" algn="l" defTabSz="914400" rtl="0" eaLnBrk="1" latinLnBrk="0" hangingPunct="1">
+              <a:lnSpc>
+                <a:spcPct val="90000"/>
+              </a:lnSpc>
+              <a:spcBef>
+                <a:spcPts val="500"/>
+              </a:spcBef>
+              <a:buFont typeface="Arial" panose="020B0604020202020204" pitchFamily="34" charset="0"/>
+              <a:buChar char="•"/>
+              <a:defRPr sz="1800" kern="1200">
+                <a:solidFill>
+                  <a:schemeClr val="tx1"/>
+                </a:solidFill>
+                <a:latin typeface="Open Sans" panose="020B0606030504020204" pitchFamily="34" charset="0"/>
+                <a:ea typeface="Open Sans" panose="020B0606030504020204" pitchFamily="34" charset="0"/>
+                <a:cs typeface="Open Sans" panose="020B0606030504020204" pitchFamily="34" charset="0"/>
+              </a:defRPr>
+            </a:lvl5pPr>
+            <a:lvl6pPr marL="2514600" indent="-228600" algn="l" defTabSz="914400" rtl="0" eaLnBrk="1" latinLnBrk="0" hangingPunct="1">
+              <a:lnSpc>
+                <a:spcPct val="90000"/>
+              </a:lnSpc>
+              <a:spcBef>
+                <a:spcPts val="500"/>
+              </a:spcBef>
+              <a:buFont typeface="Arial" panose="020B0604020202020204" pitchFamily="34" charset="0"/>
+              <a:buChar char="•"/>
+              <a:defRPr sz="1800" kern="1200">
+                <a:solidFill>
+                  <a:schemeClr val="tx1"/>
+                </a:solidFill>
+                <a:latin typeface="+mn-lt"/>
+                <a:ea typeface="+mn-ea"/>
+                <a:cs typeface="+mn-cs"/>
+              </a:defRPr>
+            </a:lvl6pPr>
+            <a:lvl7pPr marL="2971800" indent="-228600" algn="l" defTabSz="914400" rtl="0" eaLnBrk="1" latinLnBrk="0" hangingPunct="1">
+              <a:lnSpc>
+                <a:spcPct val="90000"/>
+              </a:lnSpc>
+              <a:spcBef>
+                <a:spcPts val="500"/>
+              </a:spcBef>
+              <a:buFont typeface="Arial" panose="020B0604020202020204" pitchFamily="34" charset="0"/>
+              <a:buChar char="•"/>
+              <a:defRPr sz="1800" kern="1200">
+                <a:solidFill>
+                  <a:schemeClr val="tx1"/>
+                </a:solidFill>
+                <a:latin typeface="+mn-lt"/>
+                <a:ea typeface="+mn-ea"/>
+                <a:cs typeface="+mn-cs"/>
+              </a:defRPr>
+            </a:lvl7pPr>
+            <a:lvl8pPr marL="3429000" indent="-228600" algn="l" defTabSz="914400" rtl="0" eaLnBrk="1" latinLnBrk="0" hangingPunct="1">
+              <a:lnSpc>
+                <a:spcPct val="90000"/>
+              </a:lnSpc>
+              <a:spcBef>
+                <a:spcPts val="500"/>
+              </a:spcBef>
+              <a:buFont typeface="Arial" panose="020B0604020202020204" pitchFamily="34" charset="0"/>
+              <a:buChar char="•"/>
+              <a:defRPr sz="1800" kern="1200">
+                <a:solidFill>
+                  <a:schemeClr val="tx1"/>
+                </a:solidFill>
+                <a:latin typeface="+mn-lt"/>
+                <a:ea typeface="+mn-ea"/>
+                <a:cs typeface="+mn-cs"/>
+              </a:defRPr>
+            </a:lvl8pPr>
+            <a:lvl9pPr marL="3886200" indent="-228600" algn="l" defTabSz="914400" rtl="0" eaLnBrk="1" latinLnBrk="0" hangingPunct="1">
+              <a:lnSpc>
+                <a:spcPct val="90000"/>
+              </a:lnSpc>
+              <a:spcBef>
+                <a:spcPts val="500"/>
+              </a:spcBef>
+              <a:buFont typeface="Arial" panose="020B0604020202020204" pitchFamily="34" charset="0"/>
+              <a:buChar char="•"/>
+              <a:defRPr sz="1800" kern="1200">
+                <a:solidFill>
+                  <a:schemeClr val="tx1"/>
+                </a:solidFill>
+                <a:latin typeface="+mn-lt"/>
+                <a:ea typeface="+mn-ea"/>
+                <a:cs typeface="+mn-cs"/>
+              </a:defRPr>
+            </a:lvl9pPr>
+          </a:lstStyle>
+          <a:p>
+            <a:pPr marL="0" indent="0">
+              <a:lnSpc>
+                <a:spcPct val="100000"/>
+              </a:lnSpc>
+              <a:buNone/>
+            </a:pPr>
+            <a:r>
+              <a:rPr lang="en-US" sz="2600" dirty="0"/>
+              <a:t>The first machine utilized to test the performance of parallel implementation was equipped with an Intel Core i5@2.00GHz with 2 cores and 4  threads</a:t>
+            </a:r>
+          </a:p>
+        </p:txBody>
+      </p:sp>
+    </p:spTree>
+    <p:extLst>
+      <p:ext uri="{BB962C8B-B14F-4D97-AF65-F5344CB8AC3E}">
+        <p14:creationId xmlns:p14="http://schemas.microsoft.com/office/powerpoint/2010/main" val="206086206"/>
+      </p:ext>
+    </p:extLst>
+  </p:cSld>
+  <p:clrMapOvr>
+    <a:masterClrMapping/>
+  </p:clrMapOvr>
+</p:sld>
+</file>
+
+<file path=ppt/slides/slide11.xml><?xml version="1.0" encoding="utf-8"?>
+<p:sld xmlns:a="http://schemas.openxmlformats.org/drawingml/2006/main" xmlns:r="http://schemas.openxmlformats.org/officeDocument/2006/relationships" xmlns:p="http://schemas.openxmlformats.org/presentationml/2006/main">
+  <p:cSld>
+    <p:spTree>
+      <p:nvGrpSpPr>
+        <p:cNvPr id="1" name=""/>
+        <p:cNvGrpSpPr/>
+        <p:nvPr/>
+      </p:nvGrpSpPr>
+      <p:grpSpPr>
+        <a:xfrm>
+          <a:off x="0" y="0"/>
+          <a:ext cx="0" cy="0"/>
+          <a:chOff x="0" y="0"/>
+          <a:chExt cx="0" cy="0"/>
+        </a:xfrm>
+      </p:grpSpPr>
+      <p:sp>
+        <p:nvSpPr>
+          <p:cNvPr id="2" name="Title 1">
+            <a:extLst>
+              <a:ext uri="{FF2B5EF4-FFF2-40B4-BE49-F238E27FC236}">
+                <a16:creationId xmlns:a16="http://schemas.microsoft.com/office/drawing/2014/main" id="{803171CE-E98F-F345-AE61-0D9C5BF71A42}"/>
+              </a:ext>
+            </a:extLst>
+          </p:cNvPr>
+          <p:cNvSpPr>
+            <a:spLocks noGrp="1"/>
+          </p:cNvSpPr>
+          <p:nvPr>
+            <p:ph type="title"/>
+          </p:nvPr>
+        </p:nvSpPr>
+        <p:spPr/>
+        <p:txBody>
+          <a:bodyPr/>
+          <a:lstStyle/>
+          <a:p>
+            <a:pPr algn="l"/>
+            <a:r>
+              <a:rPr lang="en-US" b="1" dirty="0"/>
+              <a:t>Performance on a Local Machine</a:t>
+            </a:r>
+          </a:p>
+        </p:txBody>
+      </p:sp>
+      <p:pic>
+        <p:nvPicPr>
+          <p:cNvPr id="4" name="Content Placeholder 3">
+            <a:extLst>
+              <a:ext uri="{FF2B5EF4-FFF2-40B4-BE49-F238E27FC236}">
+                <a16:creationId xmlns:a16="http://schemas.microsoft.com/office/drawing/2014/main" id="{54087CAE-18A1-3846-9FAE-F55DD7049456}"/>
+              </a:ext>
+            </a:extLst>
+          </p:cNvPr>
+          <p:cNvPicPr>
+            <a:picLocks noGrp="1"/>
+          </p:cNvPicPr>
+          <p:nvPr>
+            <p:ph idx="1"/>
+          </p:nvPr>
+        </p:nvPicPr>
+        <p:blipFill>
+          <a:blip r:embed="rId2">
+            <a:extLst>
+              <a:ext uri="{28A0092B-C50C-407E-A947-70E740481C1C}">
+                <a14:useLocalDpi xmlns:a14="http://schemas.microsoft.com/office/drawing/2010/main" val="0"/>
+              </a:ext>
+            </a:extLst>
+          </a:blip>
+          <a:stretch>
+            <a:fillRect/>
+          </a:stretch>
+        </p:blipFill>
+        <p:spPr>
+          <a:xfrm>
+            <a:off x="628650" y="2553326"/>
+            <a:ext cx="0" cy="3621024"/>
+          </a:xfrm>
+          <a:prstGeom prst="rect">
+            <a:avLst/>
+          </a:prstGeom>
+        </p:spPr>
+      </p:pic>
+      <p:sp>
+        <p:nvSpPr>
+          <p:cNvPr id="5" name="Content Placeholder 2">
+            <a:extLst>
+              <a:ext uri="{FF2B5EF4-FFF2-40B4-BE49-F238E27FC236}">
+                <a16:creationId xmlns:a16="http://schemas.microsoft.com/office/drawing/2014/main" id="{B969FBBA-7B5A-E64E-83DC-4D37ED382725}"/>
+              </a:ext>
+            </a:extLst>
+          </p:cNvPr>
+          <p:cNvSpPr txBox="1">
+            <a:spLocks/>
+          </p:cNvSpPr>
+          <p:nvPr/>
+        </p:nvSpPr>
+        <p:spPr>
+          <a:xfrm>
+            <a:off x="628650" y="1825626"/>
+            <a:ext cx="7886700" cy="647752"/>
+          </a:xfrm>
+          <a:prstGeom prst="rect">
+            <a:avLst/>
+          </a:prstGeom>
+        </p:spPr>
+        <p:txBody>
+          <a:bodyPr vert="horz" lIns="91440" tIns="45720" rIns="91440" bIns="45720" rtlCol="0">
+            <a:normAutofit/>
+          </a:bodyPr>
+          <a:lstStyle>
+            <a:lvl1pPr marL="228600" indent="-228600" algn="l" defTabSz="914400" rtl="0" eaLnBrk="1" latinLnBrk="0" hangingPunct="1">
+              <a:lnSpc>
+                <a:spcPct val="90000"/>
+              </a:lnSpc>
+              <a:spcBef>
+                <a:spcPts val="1000"/>
+              </a:spcBef>
+              <a:buFont typeface="Arial" panose="020B0604020202020204" pitchFamily="34" charset="0"/>
+              <a:buChar char="•"/>
+              <a:defRPr sz="2800" kern="1200">
+                <a:solidFill>
+                  <a:schemeClr val="tx1"/>
+                </a:solidFill>
+                <a:latin typeface="Open Sans" panose="020B0606030504020204" pitchFamily="34" charset="0"/>
+                <a:ea typeface="Open Sans" panose="020B0606030504020204" pitchFamily="34" charset="0"/>
+                <a:cs typeface="Open Sans" panose="020B0606030504020204" pitchFamily="34" charset="0"/>
+              </a:defRPr>
+            </a:lvl1pPr>
+            <a:lvl2pPr marL="685800" indent="-228600" algn="l" defTabSz="914400" rtl="0" eaLnBrk="1" latinLnBrk="0" hangingPunct="1">
+              <a:lnSpc>
+                <a:spcPct val="90000"/>
+              </a:lnSpc>
+              <a:spcBef>
+                <a:spcPts val="500"/>
+              </a:spcBef>
+              <a:buFont typeface="Arial" panose="020B0604020202020204" pitchFamily="34" charset="0"/>
+              <a:buChar char="•"/>
+              <a:defRPr sz="2400" kern="1200">
+                <a:solidFill>
+                  <a:schemeClr val="tx1"/>
+                </a:solidFill>
+                <a:latin typeface="Open Sans" panose="020B0606030504020204" pitchFamily="34" charset="0"/>
+                <a:ea typeface="Open Sans" panose="020B0606030504020204" pitchFamily="34" charset="0"/>
+                <a:cs typeface="Open Sans" panose="020B0606030504020204" pitchFamily="34" charset="0"/>
+              </a:defRPr>
+            </a:lvl2pPr>
+            <a:lvl3pPr marL="1143000" indent="-228600" algn="l" defTabSz="914400" rtl="0" eaLnBrk="1" latinLnBrk="0" hangingPunct="1">
+              <a:lnSpc>
+                <a:spcPct val="90000"/>
+              </a:lnSpc>
+              <a:spcBef>
+                <a:spcPts val="500"/>
+              </a:spcBef>
+              <a:buFont typeface="Arial" panose="020B0604020202020204" pitchFamily="34" charset="0"/>
+              <a:buChar char="•"/>
+              <a:defRPr sz="2000" kern="1200">
+                <a:solidFill>
+                  <a:schemeClr val="tx1"/>
+                </a:solidFill>
+                <a:latin typeface="Open Sans" panose="020B0606030504020204" pitchFamily="34" charset="0"/>
+                <a:ea typeface="Open Sans" panose="020B0606030504020204" pitchFamily="34" charset="0"/>
+                <a:cs typeface="Open Sans" panose="020B0606030504020204" pitchFamily="34" charset="0"/>
+              </a:defRPr>
+            </a:lvl3pPr>
+            <a:lvl4pPr marL="1600200" indent="-228600" algn="l" defTabSz="914400" rtl="0" eaLnBrk="1" latinLnBrk="0" hangingPunct="1">
+              <a:lnSpc>
+                <a:spcPct val="90000"/>
+              </a:lnSpc>
+              <a:spcBef>
+                <a:spcPts val="500"/>
+              </a:spcBef>
+              <a:buFont typeface="Arial" panose="020B0604020202020204" pitchFamily="34" charset="0"/>
+              <a:buChar char="•"/>
+              <a:defRPr sz="1800" kern="1200">
+                <a:solidFill>
+                  <a:schemeClr val="tx1"/>
+                </a:solidFill>
+                <a:latin typeface="Open Sans" panose="020B0606030504020204" pitchFamily="34" charset="0"/>
+                <a:ea typeface="Open Sans" panose="020B0606030504020204" pitchFamily="34" charset="0"/>
+                <a:cs typeface="Open Sans" panose="020B0606030504020204" pitchFamily="34" charset="0"/>
+              </a:defRPr>
+            </a:lvl4pPr>
+            <a:lvl5pPr marL="2057400" indent="-228600" algn="l" defTabSz="914400" rtl="0" eaLnBrk="1" latinLnBrk="0" hangingPunct="1">
+              <a:lnSpc>
+                <a:spcPct val="90000"/>
+              </a:lnSpc>
+              <a:spcBef>
+                <a:spcPts val="500"/>
+              </a:spcBef>
+              <a:buFont typeface="Arial" panose="020B0604020202020204" pitchFamily="34" charset="0"/>
+              <a:buChar char="•"/>
+              <a:defRPr sz="1800" kern="1200">
+                <a:solidFill>
+                  <a:schemeClr val="tx1"/>
+                </a:solidFill>
+                <a:latin typeface="Open Sans" panose="020B0606030504020204" pitchFamily="34" charset="0"/>
+                <a:ea typeface="Open Sans" panose="020B0606030504020204" pitchFamily="34" charset="0"/>
+                <a:cs typeface="Open Sans" panose="020B0606030504020204" pitchFamily="34" charset="0"/>
+              </a:defRPr>
+            </a:lvl5pPr>
+            <a:lvl6pPr marL="2514600" indent="-228600" algn="l" defTabSz="914400" rtl="0" eaLnBrk="1" latinLnBrk="0" hangingPunct="1">
+              <a:lnSpc>
+                <a:spcPct val="90000"/>
+              </a:lnSpc>
+              <a:spcBef>
+                <a:spcPts val="500"/>
+              </a:spcBef>
+              <a:buFont typeface="Arial" panose="020B0604020202020204" pitchFamily="34" charset="0"/>
+              <a:buChar char="•"/>
+              <a:defRPr sz="1800" kern="1200">
+                <a:solidFill>
+                  <a:schemeClr val="tx1"/>
+                </a:solidFill>
+                <a:latin typeface="+mn-lt"/>
+                <a:ea typeface="+mn-ea"/>
+                <a:cs typeface="+mn-cs"/>
+              </a:defRPr>
+            </a:lvl6pPr>
+            <a:lvl7pPr marL="2971800" indent="-228600" algn="l" defTabSz="914400" rtl="0" eaLnBrk="1" latinLnBrk="0" hangingPunct="1">
+              <a:lnSpc>
+                <a:spcPct val="90000"/>
+              </a:lnSpc>
+              <a:spcBef>
+                <a:spcPts val="500"/>
+              </a:spcBef>
+              <a:buFont typeface="Arial" panose="020B0604020202020204" pitchFamily="34" charset="0"/>
+              <a:buChar char="•"/>
+              <a:defRPr sz="1800" kern="1200">
+                <a:solidFill>
+                  <a:schemeClr val="tx1"/>
+                </a:solidFill>
+                <a:latin typeface="+mn-lt"/>
+                <a:ea typeface="+mn-ea"/>
+                <a:cs typeface="+mn-cs"/>
+              </a:defRPr>
+            </a:lvl7pPr>
+            <a:lvl8pPr marL="3429000" indent="-228600" algn="l" defTabSz="914400" rtl="0" eaLnBrk="1" latinLnBrk="0" hangingPunct="1">
+              <a:lnSpc>
+                <a:spcPct val="90000"/>
+              </a:lnSpc>
+              <a:spcBef>
+                <a:spcPts val="500"/>
+              </a:spcBef>
+              <a:buFont typeface="Arial" panose="020B0604020202020204" pitchFamily="34" charset="0"/>
+              <a:buChar char="•"/>
+              <a:defRPr sz="1800" kern="1200">
+                <a:solidFill>
+                  <a:schemeClr val="tx1"/>
+                </a:solidFill>
+                <a:latin typeface="+mn-lt"/>
+                <a:ea typeface="+mn-ea"/>
+                <a:cs typeface="+mn-cs"/>
+              </a:defRPr>
+            </a:lvl8pPr>
+            <a:lvl9pPr marL="3886200" indent="-228600" algn="l" defTabSz="914400" rtl="0" eaLnBrk="1" latinLnBrk="0" hangingPunct="1">
+              <a:lnSpc>
+                <a:spcPct val="90000"/>
+              </a:lnSpc>
+              <a:spcBef>
+                <a:spcPts val="500"/>
+              </a:spcBef>
+              <a:buFont typeface="Arial" panose="020B0604020202020204" pitchFamily="34" charset="0"/>
+              <a:buChar char="•"/>
+              <a:defRPr sz="1800" kern="1200">
+                <a:solidFill>
+                  <a:schemeClr val="tx1"/>
+                </a:solidFill>
+                <a:latin typeface="+mn-lt"/>
+                <a:ea typeface="+mn-ea"/>
+                <a:cs typeface="+mn-cs"/>
+              </a:defRPr>
+            </a:lvl9pPr>
+          </a:lstStyle>
+          <a:p>
+            <a:pPr marL="0" indent="0">
+              <a:lnSpc>
+                <a:spcPct val="100000"/>
+              </a:lnSpc>
+              <a:buNone/>
+            </a:pPr>
+            <a:r>
+              <a:rPr lang="en-US" sz="2600" dirty="0"/>
+              <a:t>The speedup is close to linear using 2 threads</a:t>
+            </a:r>
+          </a:p>
+        </p:txBody>
+      </p:sp>
+      <p:pic>
+        <p:nvPicPr>
+          <p:cNvPr id="7" name="Picture 6">
+            <a:extLst>
+              <a:ext uri="{FF2B5EF4-FFF2-40B4-BE49-F238E27FC236}">
+                <a16:creationId xmlns:a16="http://schemas.microsoft.com/office/drawing/2014/main" id="{23107C20-F82E-C04D-98DE-63162E6229A0}"/>
+              </a:ext>
+            </a:extLst>
+          </p:cNvPr>
+          <p:cNvPicPr>
+            <a:picLocks noChangeAspect="1"/>
+          </p:cNvPicPr>
+          <p:nvPr/>
+        </p:nvPicPr>
+        <p:blipFill rotWithShape="1">
+          <a:blip r:embed="rId3"/>
+          <a:srcRect l="1272" t="1753" r="1313" b="1536"/>
+          <a:stretch/>
+        </p:blipFill>
+        <p:spPr>
+          <a:xfrm>
+            <a:off x="714373" y="2624766"/>
+            <a:ext cx="7658101" cy="3500437"/>
+          </a:xfrm>
+          <a:prstGeom prst="rect">
+            <a:avLst/>
+          </a:prstGeom>
+        </p:spPr>
+      </p:pic>
+    </p:spTree>
+    <p:extLst>
+      <p:ext uri="{BB962C8B-B14F-4D97-AF65-F5344CB8AC3E}">
+        <p14:creationId xmlns:p14="http://schemas.microsoft.com/office/powerpoint/2010/main" val="838203587"/>
+      </p:ext>
+    </p:extLst>
+  </p:cSld>
+  <p:clrMapOvr>
+    <a:masterClrMapping/>
+  </p:clrMapOvr>
+</p:sld>
+</file>
+
+<file path=ppt/slides/slide12.xml><?xml version="1.0" encoding="utf-8"?>
+<p:sld xmlns:a="http://schemas.openxmlformats.org/drawingml/2006/main" xmlns:r="http://schemas.openxmlformats.org/officeDocument/2006/relationships" xmlns:p="http://schemas.openxmlformats.org/presentationml/2006/main">
+  <p:cSld>
+    <p:spTree>
+      <p:nvGrpSpPr>
+        <p:cNvPr id="1" name=""/>
+        <p:cNvGrpSpPr/>
+        <p:nvPr/>
+      </p:nvGrpSpPr>
+      <p:grpSpPr>
+        <a:xfrm>
+          <a:off x="0" y="0"/>
+          <a:ext cx="0" cy="0"/>
+          <a:chOff x="0" y="0"/>
+          <a:chExt cx="0" cy="0"/>
+        </a:xfrm>
+      </p:grpSpPr>
+      <p:sp>
+        <p:nvSpPr>
+          <p:cNvPr id="2" name="Title 1">
+            <a:extLst>
+              <a:ext uri="{FF2B5EF4-FFF2-40B4-BE49-F238E27FC236}">
+                <a16:creationId xmlns:a16="http://schemas.microsoft.com/office/drawing/2014/main" id="{803171CE-E98F-F345-AE61-0D9C5BF71A42}"/>
+              </a:ext>
+            </a:extLst>
+          </p:cNvPr>
+          <p:cNvSpPr>
+            <a:spLocks noGrp="1"/>
+          </p:cNvSpPr>
+          <p:nvPr>
+            <p:ph type="title"/>
+          </p:nvPr>
+        </p:nvSpPr>
+        <p:spPr/>
+        <p:txBody>
+          <a:bodyPr/>
+          <a:lstStyle/>
+          <a:p>
+            <a:pPr algn="l"/>
+            <a:r>
+              <a:rPr lang="en-US" b="1" dirty="0"/>
+              <a:t>Performance on a Local Machine</a:t>
+            </a:r>
+          </a:p>
+        </p:txBody>
+      </p:sp>
+      <p:graphicFrame>
+        <p:nvGraphicFramePr>
+          <p:cNvPr id="5" name="Content Placeholder 4">
+            <a:extLst>
+              <a:ext uri="{FF2B5EF4-FFF2-40B4-BE49-F238E27FC236}">
+                <a16:creationId xmlns:a16="http://schemas.microsoft.com/office/drawing/2014/main" id="{5CFB0C17-1290-B34C-A49B-0AA81F13AFD9}"/>
+              </a:ext>
+            </a:extLst>
+          </p:cNvPr>
+          <p:cNvGraphicFramePr>
+            <a:graphicFrameLocks noGrp="1"/>
+          </p:cNvGraphicFramePr>
+          <p:nvPr>
+            <p:ph idx="1"/>
+            <p:extLst>
+              <p:ext uri="{D42A27DB-BD31-4B8C-83A1-F6EECF244321}">
+                <p14:modId xmlns:p14="http://schemas.microsoft.com/office/powerpoint/2010/main" val="4176801340"/>
+              </p:ext>
+            </p:extLst>
+          </p:nvPr>
+        </p:nvGraphicFramePr>
+        <p:xfrm>
+          <a:off x="771991" y="3327815"/>
+          <a:ext cx="7547551" cy="2608290"/>
+        </p:xfrm>
+        <a:graphic>
+          <a:graphicData uri="http://schemas.openxmlformats.org/drawingml/2006/table">
+            <a:tbl>
+              <a:tblPr firstRow="1" firstCol="1" bandRow="1">
+                <a:tableStyleId>{5940675A-B579-460E-94D1-54222C63F5DA}</a:tableStyleId>
+              </a:tblPr>
+              <a:tblGrid>
+                <a:gridCol w="1373238">
+                  <a:extLst>
+                    <a:ext uri="{9D8B030D-6E8A-4147-A177-3AD203B41FA5}">
+                      <a16:colId xmlns:a16="http://schemas.microsoft.com/office/drawing/2014/main" val="1420078668"/>
+                    </a:ext>
+                  </a:extLst>
+                </a:gridCol>
+                <a:gridCol w="1038302">
+                  <a:extLst>
+                    <a:ext uri="{9D8B030D-6E8A-4147-A177-3AD203B41FA5}">
+                      <a16:colId xmlns:a16="http://schemas.microsoft.com/office/drawing/2014/main" val="1787126409"/>
+                    </a:ext>
+                  </a:extLst>
+                </a:gridCol>
+                <a:gridCol w="800019">
+                  <a:extLst>
+                    <a:ext uri="{9D8B030D-6E8A-4147-A177-3AD203B41FA5}">
+                      <a16:colId xmlns:a16="http://schemas.microsoft.com/office/drawing/2014/main" val="2960723334"/>
+                    </a:ext>
+                  </a:extLst>
+                </a:gridCol>
+                <a:gridCol w="831600">
+                  <a:extLst>
+                    <a:ext uri="{9D8B030D-6E8A-4147-A177-3AD203B41FA5}">
+                      <a16:colId xmlns:a16="http://schemas.microsoft.com/office/drawing/2014/main" val="943052916"/>
+                    </a:ext>
+                  </a:extLst>
+                </a:gridCol>
+                <a:gridCol w="831600">
+                  <a:extLst>
+                    <a:ext uri="{9D8B030D-6E8A-4147-A177-3AD203B41FA5}">
+                      <a16:colId xmlns:a16="http://schemas.microsoft.com/office/drawing/2014/main" val="2769679430"/>
+                    </a:ext>
+                  </a:extLst>
+                </a:gridCol>
+                <a:gridCol w="831600">
+                  <a:extLst>
+                    <a:ext uri="{9D8B030D-6E8A-4147-A177-3AD203B41FA5}">
+                      <a16:colId xmlns:a16="http://schemas.microsoft.com/office/drawing/2014/main" val="4124277010"/>
+                    </a:ext>
+                  </a:extLst>
+                </a:gridCol>
+                <a:gridCol w="915811">
+                  <a:extLst>
+                    <a:ext uri="{9D8B030D-6E8A-4147-A177-3AD203B41FA5}">
+                      <a16:colId xmlns:a16="http://schemas.microsoft.com/office/drawing/2014/main" val="2351239992"/>
+                    </a:ext>
+                  </a:extLst>
+                </a:gridCol>
+                <a:gridCol w="925381">
+                  <a:extLst>
+                    <a:ext uri="{9D8B030D-6E8A-4147-A177-3AD203B41FA5}">
+                      <a16:colId xmlns:a16="http://schemas.microsoft.com/office/drawing/2014/main" val="655934223"/>
+                    </a:ext>
+                  </a:extLst>
+                </a:gridCol>
+              </a:tblGrid>
+              <a:tr h="774336">
+                <a:tc>
+                  <a:txBody>
+                    <a:bodyPr/>
+                    <a:lstStyle/>
+                    <a:p>
+                      <a:pPr marL="0" marR="0" algn="ctr">
+                        <a:lnSpc>
+                          <a:spcPct val="115000"/>
+                        </a:lnSpc>
+                        <a:spcBef>
+                          <a:spcPts val="0"/>
+                        </a:spcBef>
+                        <a:spcAft>
+                          <a:spcPts val="0"/>
+                        </a:spcAft>
+                      </a:pPr>
+                      <a:r>
+                        <a:rPr lang="en-US" sz="1400" b="1" dirty="0">
+                          <a:effectLst/>
+                          <a:latin typeface="Open Sans" panose="020B0606030504020204" pitchFamily="34" charset="0"/>
+                          <a:ea typeface="Open Sans" panose="020B0606030504020204" pitchFamily="34" charset="0"/>
+                          <a:cs typeface="Open Sans" panose="020B0606030504020204" pitchFamily="34" charset="0"/>
+                        </a:rPr>
+                        <a:t>Threads</a:t>
+                      </a:r>
+                    </a:p>
+                  </a:txBody>
+                  <a:tcPr marL="68580" marR="68580" marT="0" marB="0" anchor="ctr">
+                    <a:solidFill>
+                      <a:schemeClr val="accent1">
+                        <a:lumMod val="40000"/>
+                        <a:lumOff val="60000"/>
+                      </a:schemeClr>
+                    </a:solidFill>
+                  </a:tcPr>
+                </a:tc>
+                <a:tc>
+                  <a:txBody>
+                    <a:bodyPr/>
+                    <a:lstStyle/>
+                    <a:p>
+                      <a:pPr marL="0" marR="0" algn="ctr">
+                        <a:lnSpc>
+                          <a:spcPct val="115000"/>
+                        </a:lnSpc>
+                        <a:spcBef>
+                          <a:spcPts val="0"/>
+                        </a:spcBef>
+                        <a:spcAft>
+                          <a:spcPts val="0"/>
+                        </a:spcAft>
+                      </a:pPr>
+                      <a:r>
+                        <a:rPr lang="en-US" sz="1400" b="1" dirty="0">
+                          <a:effectLst/>
+                          <a:latin typeface="Open Sans" panose="020B0606030504020204" pitchFamily="34" charset="0"/>
+                          <a:ea typeface="Open Sans" panose="020B0606030504020204" pitchFamily="34" charset="0"/>
+                          <a:cs typeface="Open Sans" panose="020B0606030504020204" pitchFamily="34" charset="0"/>
+                        </a:rPr>
+                        <a:t>K=4</a:t>
+                      </a:r>
+                    </a:p>
+                  </a:txBody>
+                  <a:tcPr marL="68580" marR="68580" marT="0" marB="0" anchor="ctr">
+                    <a:solidFill>
+                      <a:schemeClr val="accent1">
+                        <a:lumMod val="20000"/>
+                        <a:lumOff val="80000"/>
+                      </a:schemeClr>
+                    </a:solidFill>
+                  </a:tcPr>
+                </a:tc>
+                <a:tc>
+                  <a:txBody>
+                    <a:bodyPr/>
+                    <a:lstStyle/>
+                    <a:p>
+                      <a:pPr marL="0" marR="0" algn="ctr">
+                        <a:lnSpc>
+                          <a:spcPct val="115000"/>
+                        </a:lnSpc>
+                        <a:spcBef>
+                          <a:spcPts val="0"/>
+                        </a:spcBef>
+                        <a:spcAft>
+                          <a:spcPts val="0"/>
+                        </a:spcAft>
+                      </a:pPr>
+                      <a:r>
+                        <a:rPr lang="en-US" sz="1400" b="1" dirty="0">
+                          <a:effectLst/>
+                          <a:latin typeface="Open Sans" panose="020B0606030504020204" pitchFamily="34" charset="0"/>
+                          <a:ea typeface="Open Sans" panose="020B0606030504020204" pitchFamily="34" charset="0"/>
+                          <a:cs typeface="Open Sans" panose="020B0606030504020204" pitchFamily="34" charset="0"/>
+                        </a:rPr>
+                        <a:t>K=8</a:t>
+                      </a:r>
+                    </a:p>
+                  </a:txBody>
+                  <a:tcPr marL="68580" marR="68580" marT="0" marB="0" anchor="ctr">
+                    <a:solidFill>
+                      <a:schemeClr val="accent1">
+                        <a:lumMod val="20000"/>
+                        <a:lumOff val="80000"/>
+                      </a:schemeClr>
+                    </a:solidFill>
+                  </a:tcPr>
+                </a:tc>
+                <a:tc>
+                  <a:txBody>
+                    <a:bodyPr/>
+                    <a:lstStyle/>
+                    <a:p>
+                      <a:pPr marL="0" marR="0" algn="ctr">
+                        <a:lnSpc>
+                          <a:spcPct val="115000"/>
+                        </a:lnSpc>
+                        <a:spcBef>
+                          <a:spcPts val="0"/>
+                        </a:spcBef>
+                        <a:spcAft>
+                          <a:spcPts val="0"/>
+                        </a:spcAft>
+                      </a:pPr>
+                      <a:r>
+                        <a:rPr lang="en-US" sz="1400" b="1" dirty="0">
+                          <a:effectLst/>
+                          <a:latin typeface="Open Sans" panose="020B0606030504020204" pitchFamily="34" charset="0"/>
+                          <a:ea typeface="Open Sans" panose="020B0606030504020204" pitchFamily="34" charset="0"/>
+                          <a:cs typeface="Open Sans" panose="020B0606030504020204" pitchFamily="34" charset="0"/>
+                        </a:rPr>
+                        <a:t>K=16</a:t>
+                      </a:r>
+                    </a:p>
+                  </a:txBody>
+                  <a:tcPr marL="68580" marR="68580" marT="0" marB="0" anchor="ctr">
+                    <a:solidFill>
+                      <a:schemeClr val="accent1">
+                        <a:lumMod val="20000"/>
+                        <a:lumOff val="80000"/>
+                      </a:schemeClr>
+                    </a:solidFill>
+                  </a:tcPr>
+                </a:tc>
+                <a:tc>
+                  <a:txBody>
+                    <a:bodyPr/>
+                    <a:lstStyle/>
+                    <a:p>
+                      <a:pPr marL="0" marR="0" algn="ctr">
+                        <a:lnSpc>
+                          <a:spcPct val="115000"/>
+                        </a:lnSpc>
+                        <a:spcBef>
+                          <a:spcPts val="0"/>
+                        </a:spcBef>
+                        <a:spcAft>
+                          <a:spcPts val="0"/>
+                        </a:spcAft>
+                      </a:pPr>
+                      <a:r>
+                        <a:rPr lang="en-US" sz="1400" b="1" dirty="0">
+                          <a:effectLst/>
+                          <a:latin typeface="Open Sans" panose="020B0606030504020204" pitchFamily="34" charset="0"/>
+                          <a:ea typeface="Open Sans" panose="020B0606030504020204" pitchFamily="34" charset="0"/>
+                          <a:cs typeface="Open Sans" panose="020B0606030504020204" pitchFamily="34" charset="0"/>
+                        </a:rPr>
+                        <a:t>K=32</a:t>
+                      </a:r>
+                    </a:p>
+                  </a:txBody>
+                  <a:tcPr marL="68580" marR="68580" marT="0" marB="0" anchor="ctr">
+                    <a:solidFill>
+                      <a:schemeClr val="accent1">
+                        <a:lumMod val="20000"/>
+                        <a:lumOff val="80000"/>
+                      </a:schemeClr>
+                    </a:solidFill>
+                  </a:tcPr>
+                </a:tc>
+                <a:tc>
+                  <a:txBody>
+                    <a:bodyPr/>
+                    <a:lstStyle/>
+                    <a:p>
+                      <a:pPr marL="0" marR="0" algn="ctr">
+                        <a:lnSpc>
+                          <a:spcPct val="115000"/>
+                        </a:lnSpc>
+                        <a:spcBef>
+                          <a:spcPts val="0"/>
+                        </a:spcBef>
+                        <a:spcAft>
+                          <a:spcPts val="0"/>
+                        </a:spcAft>
+                      </a:pPr>
+                      <a:r>
+                        <a:rPr lang="en-US" sz="1400" b="1" dirty="0">
+                          <a:effectLst/>
+                          <a:latin typeface="Open Sans" panose="020B0606030504020204" pitchFamily="34" charset="0"/>
+                          <a:ea typeface="Open Sans" panose="020B0606030504020204" pitchFamily="34" charset="0"/>
+                          <a:cs typeface="Open Sans" panose="020B0606030504020204" pitchFamily="34" charset="0"/>
+                        </a:rPr>
+                        <a:t>K=64</a:t>
+                      </a:r>
+                    </a:p>
+                  </a:txBody>
+                  <a:tcPr marL="68580" marR="68580" marT="0" marB="0" anchor="ctr">
+                    <a:solidFill>
+                      <a:schemeClr val="accent1">
+                        <a:lumMod val="20000"/>
+                        <a:lumOff val="80000"/>
+                      </a:schemeClr>
+                    </a:solidFill>
+                  </a:tcPr>
+                </a:tc>
+                <a:tc>
+                  <a:txBody>
+                    <a:bodyPr/>
+                    <a:lstStyle/>
+                    <a:p>
+                      <a:pPr marL="0" marR="0" algn="ctr">
+                        <a:lnSpc>
+                          <a:spcPct val="115000"/>
+                        </a:lnSpc>
+                        <a:spcBef>
+                          <a:spcPts val="0"/>
+                        </a:spcBef>
+                        <a:spcAft>
+                          <a:spcPts val="0"/>
+                        </a:spcAft>
+                      </a:pPr>
+                      <a:r>
+                        <a:rPr lang="en-US" sz="1400" b="1" dirty="0">
+                          <a:effectLst/>
+                          <a:latin typeface="Open Sans" panose="020B0606030504020204" pitchFamily="34" charset="0"/>
+                          <a:ea typeface="Open Sans" panose="020B0606030504020204" pitchFamily="34" charset="0"/>
+                          <a:cs typeface="Open Sans" panose="020B0606030504020204" pitchFamily="34" charset="0"/>
+                        </a:rPr>
+                        <a:t>K=128</a:t>
+                      </a:r>
+                    </a:p>
+                  </a:txBody>
+                  <a:tcPr marL="68580" marR="68580" marT="0" marB="0" anchor="ctr">
+                    <a:solidFill>
+                      <a:schemeClr val="accent1">
+                        <a:lumMod val="20000"/>
+                        <a:lumOff val="80000"/>
+                      </a:schemeClr>
+                    </a:solidFill>
+                  </a:tcPr>
+                </a:tc>
+                <a:tc>
+                  <a:txBody>
+                    <a:bodyPr/>
+                    <a:lstStyle/>
+                    <a:p>
+                      <a:pPr marL="0" marR="0" algn="ctr">
+                        <a:lnSpc>
+                          <a:spcPct val="115000"/>
+                        </a:lnSpc>
+                        <a:spcBef>
+                          <a:spcPts val="0"/>
+                        </a:spcBef>
+                        <a:spcAft>
+                          <a:spcPts val="0"/>
+                        </a:spcAft>
+                      </a:pPr>
+                      <a:r>
+                        <a:rPr lang="en-US" sz="1400" b="1" dirty="0">
+                          <a:effectLst/>
+                          <a:latin typeface="Open Sans" panose="020B0606030504020204" pitchFamily="34" charset="0"/>
+                          <a:ea typeface="Open Sans" panose="020B0606030504020204" pitchFamily="34" charset="0"/>
+                          <a:cs typeface="Open Sans" panose="020B0606030504020204" pitchFamily="34" charset="0"/>
+                        </a:rPr>
+                        <a:t>K=256</a:t>
+                      </a:r>
+                    </a:p>
+                  </a:txBody>
+                  <a:tcPr marL="68580" marR="68580" marT="0" marB="0" anchor="ctr">
+                    <a:solidFill>
+                      <a:schemeClr val="accent1">
+                        <a:lumMod val="20000"/>
+                        <a:lumOff val="80000"/>
+                      </a:schemeClr>
+                    </a:solidFill>
+                  </a:tcPr>
+                </a:tc>
+                <a:extLst>
+                  <a:ext uri="{0D108BD9-81ED-4DB2-BD59-A6C34878D82A}">
+                    <a16:rowId xmlns:a16="http://schemas.microsoft.com/office/drawing/2014/main" val="2536984708"/>
+                  </a:ext>
+                </a:extLst>
+              </a:tr>
+              <a:tr h="611318">
+                <a:tc>
+                  <a:txBody>
+                    <a:bodyPr/>
+                    <a:lstStyle/>
+                    <a:p>
+                      <a:pPr marL="0" marR="0" algn="ctr">
+                        <a:spcBef>
+                          <a:spcPts val="0"/>
+                        </a:spcBef>
+                        <a:spcAft>
+                          <a:spcPts val="0"/>
+                        </a:spcAft>
+                      </a:pPr>
+                      <a:r>
+                        <a:rPr lang="en-US" sz="1400" b="1" dirty="0">
+                          <a:effectLst/>
+                          <a:latin typeface="Open Sans" panose="020B0606030504020204" pitchFamily="34" charset="0"/>
+                          <a:ea typeface="Open Sans" panose="020B0606030504020204" pitchFamily="34" charset="0"/>
+                          <a:cs typeface="Open Sans" panose="020B0606030504020204" pitchFamily="34" charset="0"/>
+                        </a:rPr>
+                        <a:t>2</a:t>
+                      </a:r>
+                    </a:p>
+                  </a:txBody>
+                  <a:tcPr marL="68580" marR="68580" marT="0" marB="0" anchor="ctr">
+                    <a:solidFill>
+                      <a:schemeClr val="accent1">
+                        <a:lumMod val="40000"/>
+                        <a:lumOff val="60000"/>
+                      </a:schemeClr>
+                    </a:solidFill>
+                  </a:tcPr>
+                </a:tc>
+                <a:tc>
+                  <a:txBody>
+                    <a:bodyPr/>
+                    <a:lstStyle/>
+                    <a:p>
+                      <a:pPr marL="0" marR="0" algn="ctr">
+                        <a:spcBef>
+                          <a:spcPts val="0"/>
+                        </a:spcBef>
+                        <a:spcAft>
+                          <a:spcPts val="0"/>
+                        </a:spcAft>
+                      </a:pPr>
+                      <a:r>
+                        <a:rPr lang="en-US" sz="1400" dirty="0">
+                          <a:effectLst/>
+                          <a:latin typeface="Open Sans" panose="020B0606030504020204" pitchFamily="34" charset="0"/>
+                          <a:ea typeface="Open Sans" panose="020B0606030504020204" pitchFamily="34" charset="0"/>
+                          <a:cs typeface="Open Sans" panose="020B0606030504020204" pitchFamily="34" charset="0"/>
+                        </a:rPr>
+                        <a:t>7.57%</a:t>
+                      </a:r>
+                    </a:p>
+                  </a:txBody>
+                  <a:tcPr marL="68580" marR="68580" marT="0" marB="0" anchor="ctr"/>
+                </a:tc>
+                <a:tc>
+                  <a:txBody>
+                    <a:bodyPr/>
+                    <a:lstStyle/>
+                    <a:p>
+                      <a:pPr marL="0" marR="0" algn="ctr">
+                        <a:spcBef>
+                          <a:spcPts val="0"/>
+                        </a:spcBef>
+                        <a:spcAft>
+                          <a:spcPts val="0"/>
+                        </a:spcAft>
+                      </a:pPr>
+                      <a:r>
+                        <a:rPr lang="en-US" sz="1400" dirty="0">
+                          <a:effectLst/>
+                          <a:latin typeface="Open Sans" panose="020B0606030504020204" pitchFamily="34" charset="0"/>
+                          <a:ea typeface="Open Sans" panose="020B0606030504020204" pitchFamily="34" charset="0"/>
+                          <a:cs typeface="Open Sans" panose="020B0606030504020204" pitchFamily="34" charset="0"/>
+                        </a:rPr>
+                        <a:t>6.89%</a:t>
+                      </a:r>
+                    </a:p>
+                  </a:txBody>
+                  <a:tcPr marL="68580" marR="68580" marT="0" marB="0" anchor="ctr"/>
+                </a:tc>
+                <a:tc>
+                  <a:txBody>
+                    <a:bodyPr/>
+                    <a:lstStyle/>
+                    <a:p>
+                      <a:pPr marL="0" marR="0" algn="ctr">
+                        <a:spcBef>
+                          <a:spcPts val="0"/>
+                        </a:spcBef>
+                        <a:spcAft>
+                          <a:spcPts val="0"/>
+                        </a:spcAft>
+                      </a:pPr>
+                      <a:r>
+                        <a:rPr lang="en-US" sz="1400" dirty="0">
+                          <a:effectLst/>
+                          <a:latin typeface="Open Sans" panose="020B0606030504020204" pitchFamily="34" charset="0"/>
+                          <a:ea typeface="Open Sans" panose="020B0606030504020204" pitchFamily="34" charset="0"/>
+                          <a:cs typeface="Open Sans" panose="020B0606030504020204" pitchFamily="34" charset="0"/>
+                        </a:rPr>
+                        <a:t>3.69%</a:t>
+                      </a:r>
+                    </a:p>
+                  </a:txBody>
+                  <a:tcPr marL="68580" marR="68580" marT="0" marB="0" anchor="ctr"/>
+                </a:tc>
+                <a:tc>
+                  <a:txBody>
+                    <a:bodyPr/>
+                    <a:lstStyle/>
+                    <a:p>
+                      <a:pPr marL="0" marR="0" algn="ctr">
+                        <a:spcBef>
+                          <a:spcPts val="0"/>
+                        </a:spcBef>
+                        <a:spcAft>
+                          <a:spcPts val="0"/>
+                        </a:spcAft>
+                      </a:pPr>
+                      <a:r>
+                        <a:rPr lang="en-US" sz="1400">
+                          <a:effectLst/>
+                          <a:latin typeface="Open Sans" panose="020B0606030504020204" pitchFamily="34" charset="0"/>
+                          <a:ea typeface="Open Sans" panose="020B0606030504020204" pitchFamily="34" charset="0"/>
+                          <a:cs typeface="Open Sans" panose="020B0606030504020204" pitchFamily="34" charset="0"/>
+                        </a:rPr>
+                        <a:t>2.35%</a:t>
+                      </a:r>
+                    </a:p>
+                  </a:txBody>
+                  <a:tcPr marL="68580" marR="68580" marT="0" marB="0" anchor="ctr"/>
+                </a:tc>
+                <a:tc>
+                  <a:txBody>
+                    <a:bodyPr/>
+                    <a:lstStyle/>
+                    <a:p>
+                      <a:pPr marL="0" marR="0" algn="ctr">
+                        <a:spcBef>
+                          <a:spcPts val="0"/>
+                        </a:spcBef>
+                        <a:spcAft>
+                          <a:spcPts val="0"/>
+                        </a:spcAft>
+                      </a:pPr>
+                      <a:r>
+                        <a:rPr lang="en-US" sz="1400">
+                          <a:effectLst/>
+                          <a:latin typeface="Open Sans" panose="020B0606030504020204" pitchFamily="34" charset="0"/>
+                          <a:ea typeface="Open Sans" panose="020B0606030504020204" pitchFamily="34" charset="0"/>
+                          <a:cs typeface="Open Sans" panose="020B0606030504020204" pitchFamily="34" charset="0"/>
+                        </a:rPr>
+                        <a:t>0.89%</a:t>
+                      </a:r>
+                    </a:p>
+                  </a:txBody>
+                  <a:tcPr marL="68580" marR="68580" marT="0" marB="0" anchor="ctr"/>
+                </a:tc>
+                <a:tc>
+                  <a:txBody>
+                    <a:bodyPr/>
+                    <a:lstStyle/>
+                    <a:p>
+                      <a:pPr marL="0" marR="0" algn="ctr">
+                        <a:spcBef>
+                          <a:spcPts val="0"/>
+                        </a:spcBef>
+                        <a:spcAft>
+                          <a:spcPts val="0"/>
+                        </a:spcAft>
+                      </a:pPr>
+                      <a:r>
+                        <a:rPr lang="en-US" sz="1400">
+                          <a:effectLst/>
+                          <a:latin typeface="Open Sans" panose="020B0606030504020204" pitchFamily="34" charset="0"/>
+                          <a:ea typeface="Open Sans" panose="020B0606030504020204" pitchFamily="34" charset="0"/>
+                          <a:cs typeface="Open Sans" panose="020B0606030504020204" pitchFamily="34" charset="0"/>
+                        </a:rPr>
+                        <a:t>0.29%</a:t>
+                      </a:r>
+                    </a:p>
+                  </a:txBody>
+                  <a:tcPr marL="68580" marR="68580" marT="0" marB="0" anchor="ctr"/>
+                </a:tc>
+                <a:tc>
+                  <a:txBody>
+                    <a:bodyPr/>
+                    <a:lstStyle/>
+                    <a:p>
+                      <a:pPr marL="0" marR="0" algn="ctr">
+                        <a:spcBef>
+                          <a:spcPts val="0"/>
+                        </a:spcBef>
+                        <a:spcAft>
+                          <a:spcPts val="0"/>
+                        </a:spcAft>
+                      </a:pPr>
+                      <a:r>
+                        <a:rPr lang="en-US" sz="1400">
+                          <a:effectLst/>
+                          <a:latin typeface="Open Sans" panose="020B0606030504020204" pitchFamily="34" charset="0"/>
+                          <a:ea typeface="Open Sans" panose="020B0606030504020204" pitchFamily="34" charset="0"/>
+                          <a:cs typeface="Open Sans" panose="020B0606030504020204" pitchFamily="34" charset="0"/>
+                        </a:rPr>
+                        <a:t>0.19%</a:t>
+                      </a:r>
+                    </a:p>
+                  </a:txBody>
+                  <a:tcPr marL="68580" marR="68580" marT="0" marB="0" anchor="ctr"/>
+                </a:tc>
+                <a:extLst>
+                  <a:ext uri="{0D108BD9-81ED-4DB2-BD59-A6C34878D82A}">
+                    <a16:rowId xmlns:a16="http://schemas.microsoft.com/office/drawing/2014/main" val="791310652"/>
+                  </a:ext>
+                </a:extLst>
+              </a:tr>
+              <a:tr h="611318">
+                <a:tc>
+                  <a:txBody>
+                    <a:bodyPr/>
+                    <a:lstStyle/>
+                    <a:p>
+                      <a:pPr marL="0" marR="0" algn="ctr">
+                        <a:spcBef>
+                          <a:spcPts val="0"/>
+                        </a:spcBef>
+                        <a:spcAft>
+                          <a:spcPts val="0"/>
+                        </a:spcAft>
+                      </a:pPr>
+                      <a:r>
+                        <a:rPr lang="en-US" sz="1400" b="1" dirty="0">
+                          <a:effectLst/>
+                          <a:latin typeface="Open Sans" panose="020B0606030504020204" pitchFamily="34" charset="0"/>
+                          <a:ea typeface="Open Sans" panose="020B0606030504020204" pitchFamily="34" charset="0"/>
+                          <a:cs typeface="Open Sans" panose="020B0606030504020204" pitchFamily="34" charset="0"/>
+                        </a:rPr>
+                        <a:t>3</a:t>
+                      </a:r>
+                    </a:p>
+                  </a:txBody>
+                  <a:tcPr marL="68580" marR="68580" marT="0" marB="0" anchor="ctr">
+                    <a:solidFill>
+                      <a:schemeClr val="accent1">
+                        <a:lumMod val="40000"/>
+                        <a:lumOff val="60000"/>
+                      </a:schemeClr>
+                    </a:solidFill>
+                  </a:tcPr>
+                </a:tc>
+                <a:tc>
+                  <a:txBody>
+                    <a:bodyPr/>
+                    <a:lstStyle/>
+                    <a:p>
+                      <a:pPr marL="0" marR="0" algn="ctr">
+                        <a:spcBef>
+                          <a:spcPts val="0"/>
+                        </a:spcBef>
+                        <a:spcAft>
+                          <a:spcPts val="0"/>
+                        </a:spcAft>
+                      </a:pPr>
+                      <a:r>
+                        <a:rPr lang="en-US" sz="1400">
+                          <a:effectLst/>
+                          <a:latin typeface="Open Sans" panose="020B0606030504020204" pitchFamily="34" charset="0"/>
+                          <a:ea typeface="Open Sans" panose="020B0606030504020204" pitchFamily="34" charset="0"/>
+                          <a:cs typeface="Open Sans" panose="020B0606030504020204" pitchFamily="34" charset="0"/>
+                        </a:rPr>
+                        <a:t>9.54%</a:t>
+                      </a:r>
+                    </a:p>
+                  </a:txBody>
+                  <a:tcPr marL="68580" marR="68580" marT="0" marB="0" anchor="ctr"/>
+                </a:tc>
+                <a:tc>
+                  <a:txBody>
+                    <a:bodyPr/>
+                    <a:lstStyle/>
+                    <a:p>
+                      <a:pPr marL="0" marR="0" algn="ctr">
+                        <a:spcBef>
+                          <a:spcPts val="0"/>
+                        </a:spcBef>
+                        <a:spcAft>
+                          <a:spcPts val="0"/>
+                        </a:spcAft>
+                      </a:pPr>
+                      <a:r>
+                        <a:rPr lang="en-US" sz="1400" dirty="0">
+                          <a:effectLst/>
+                          <a:latin typeface="Open Sans" panose="020B0606030504020204" pitchFamily="34" charset="0"/>
+                          <a:ea typeface="Open Sans" panose="020B0606030504020204" pitchFamily="34" charset="0"/>
+                          <a:cs typeface="Open Sans" panose="020B0606030504020204" pitchFamily="34" charset="0"/>
+                        </a:rPr>
+                        <a:t>8.61%</a:t>
+                      </a:r>
+                    </a:p>
+                  </a:txBody>
+                  <a:tcPr marL="68580" marR="68580" marT="0" marB="0" anchor="ctr"/>
+                </a:tc>
+                <a:tc>
+                  <a:txBody>
+                    <a:bodyPr/>
+                    <a:lstStyle/>
+                    <a:p>
+                      <a:pPr marL="0" marR="0" algn="ctr">
+                        <a:spcBef>
+                          <a:spcPts val="0"/>
+                        </a:spcBef>
+                        <a:spcAft>
+                          <a:spcPts val="0"/>
+                        </a:spcAft>
+                      </a:pPr>
+                      <a:r>
+                        <a:rPr lang="en-US" sz="1400" dirty="0">
+                          <a:effectLst/>
+                          <a:latin typeface="Open Sans" panose="020B0606030504020204" pitchFamily="34" charset="0"/>
+                          <a:ea typeface="Open Sans" panose="020B0606030504020204" pitchFamily="34" charset="0"/>
+                          <a:cs typeface="Open Sans" panose="020B0606030504020204" pitchFamily="34" charset="0"/>
+                        </a:rPr>
+                        <a:t>3.43%</a:t>
+                      </a:r>
+                    </a:p>
+                  </a:txBody>
+                  <a:tcPr marL="68580" marR="68580" marT="0" marB="0" anchor="ctr"/>
+                </a:tc>
+                <a:tc>
+                  <a:txBody>
+                    <a:bodyPr/>
+                    <a:lstStyle/>
+                    <a:p>
+                      <a:pPr marL="0" marR="0" algn="ctr">
+                        <a:spcBef>
+                          <a:spcPts val="0"/>
+                        </a:spcBef>
+                        <a:spcAft>
+                          <a:spcPts val="0"/>
+                        </a:spcAft>
+                      </a:pPr>
+                      <a:r>
+                        <a:rPr lang="en-US" sz="1400" dirty="0">
+                          <a:effectLst/>
+                          <a:latin typeface="Open Sans" panose="020B0606030504020204" pitchFamily="34" charset="0"/>
+                          <a:ea typeface="Open Sans" panose="020B0606030504020204" pitchFamily="34" charset="0"/>
+                          <a:cs typeface="Open Sans" panose="020B0606030504020204" pitchFamily="34" charset="0"/>
+                        </a:rPr>
+                        <a:t>1.47%</a:t>
+                      </a:r>
+                    </a:p>
+                  </a:txBody>
+                  <a:tcPr marL="68580" marR="68580" marT="0" marB="0" anchor="ctr"/>
+                </a:tc>
+                <a:tc>
+                  <a:txBody>
+                    <a:bodyPr/>
+                    <a:lstStyle/>
+                    <a:p>
+                      <a:pPr marL="0" marR="0" algn="ctr">
+                        <a:spcBef>
+                          <a:spcPts val="0"/>
+                        </a:spcBef>
+                        <a:spcAft>
+                          <a:spcPts val="0"/>
+                        </a:spcAft>
+                      </a:pPr>
+                      <a:r>
+                        <a:rPr lang="en-US" sz="1400">
+                          <a:effectLst/>
+                          <a:latin typeface="Open Sans" panose="020B0606030504020204" pitchFamily="34" charset="0"/>
+                          <a:ea typeface="Open Sans" panose="020B0606030504020204" pitchFamily="34" charset="0"/>
+                          <a:cs typeface="Open Sans" panose="020B0606030504020204" pitchFamily="34" charset="0"/>
+                        </a:rPr>
+                        <a:t>0.82%</a:t>
+                      </a:r>
+                    </a:p>
+                  </a:txBody>
+                  <a:tcPr marL="68580" marR="68580" marT="0" marB="0" anchor="ctr"/>
+                </a:tc>
+                <a:tc>
+                  <a:txBody>
+                    <a:bodyPr/>
+                    <a:lstStyle/>
+                    <a:p>
+                      <a:pPr marL="0" marR="0" algn="ctr">
+                        <a:spcBef>
+                          <a:spcPts val="0"/>
+                        </a:spcBef>
+                        <a:spcAft>
+                          <a:spcPts val="0"/>
+                        </a:spcAft>
+                      </a:pPr>
+                      <a:r>
+                        <a:rPr lang="en-US" sz="1400">
+                          <a:effectLst/>
+                          <a:latin typeface="Open Sans" panose="020B0606030504020204" pitchFamily="34" charset="0"/>
+                          <a:ea typeface="Open Sans" panose="020B0606030504020204" pitchFamily="34" charset="0"/>
+                          <a:cs typeface="Open Sans" panose="020B0606030504020204" pitchFamily="34" charset="0"/>
+                        </a:rPr>
+                        <a:t>0.42%</a:t>
+                      </a:r>
+                    </a:p>
+                  </a:txBody>
+                  <a:tcPr marL="68580" marR="68580" marT="0" marB="0" anchor="ctr"/>
+                </a:tc>
+                <a:tc>
+                  <a:txBody>
+                    <a:bodyPr/>
+                    <a:lstStyle/>
+                    <a:p>
+                      <a:pPr marL="0" marR="0" algn="ctr">
+                        <a:spcBef>
+                          <a:spcPts val="0"/>
+                        </a:spcBef>
+                        <a:spcAft>
+                          <a:spcPts val="0"/>
+                        </a:spcAft>
+                      </a:pPr>
+                      <a:r>
+                        <a:rPr lang="en-US" sz="1400">
+                          <a:effectLst/>
+                          <a:latin typeface="Open Sans" panose="020B0606030504020204" pitchFamily="34" charset="0"/>
+                          <a:ea typeface="Open Sans" panose="020B0606030504020204" pitchFamily="34" charset="0"/>
+                          <a:cs typeface="Open Sans" panose="020B0606030504020204" pitchFamily="34" charset="0"/>
+                        </a:rPr>
+                        <a:t>0.38%</a:t>
+                      </a:r>
+                    </a:p>
+                  </a:txBody>
+                  <a:tcPr marL="68580" marR="68580" marT="0" marB="0" anchor="ctr"/>
+                </a:tc>
+                <a:extLst>
+                  <a:ext uri="{0D108BD9-81ED-4DB2-BD59-A6C34878D82A}">
+                    <a16:rowId xmlns:a16="http://schemas.microsoft.com/office/drawing/2014/main" val="4101146199"/>
+                  </a:ext>
+                </a:extLst>
+              </a:tr>
+              <a:tr h="611318">
+                <a:tc>
+                  <a:txBody>
+                    <a:bodyPr/>
+                    <a:lstStyle/>
+                    <a:p>
+                      <a:pPr marL="0" marR="0" algn="ctr">
+                        <a:spcBef>
+                          <a:spcPts val="0"/>
+                        </a:spcBef>
+                        <a:spcAft>
+                          <a:spcPts val="0"/>
+                        </a:spcAft>
+                      </a:pPr>
+                      <a:r>
+                        <a:rPr lang="en-US" sz="1400" b="1" dirty="0">
+                          <a:effectLst/>
+                          <a:latin typeface="Open Sans" panose="020B0606030504020204" pitchFamily="34" charset="0"/>
+                          <a:ea typeface="Open Sans" panose="020B0606030504020204" pitchFamily="34" charset="0"/>
+                          <a:cs typeface="Open Sans" panose="020B0606030504020204" pitchFamily="34" charset="0"/>
+                        </a:rPr>
+                        <a:t>4</a:t>
+                      </a:r>
+                    </a:p>
+                  </a:txBody>
+                  <a:tcPr marL="68580" marR="68580" marT="0" marB="0" anchor="ctr">
+                    <a:solidFill>
+                      <a:schemeClr val="accent1">
+                        <a:lumMod val="40000"/>
+                        <a:lumOff val="60000"/>
+                      </a:schemeClr>
+                    </a:solidFill>
+                  </a:tcPr>
+                </a:tc>
+                <a:tc>
+                  <a:txBody>
+                    <a:bodyPr/>
+                    <a:lstStyle/>
+                    <a:p>
+                      <a:pPr marL="0" marR="0" algn="ctr">
+                        <a:spcBef>
+                          <a:spcPts val="0"/>
+                        </a:spcBef>
+                        <a:spcAft>
+                          <a:spcPts val="0"/>
+                        </a:spcAft>
+                      </a:pPr>
+                      <a:r>
+                        <a:rPr lang="en-US" sz="1400">
+                          <a:effectLst/>
+                          <a:latin typeface="Open Sans" panose="020B0606030504020204" pitchFamily="34" charset="0"/>
+                          <a:ea typeface="Open Sans" panose="020B0606030504020204" pitchFamily="34" charset="0"/>
+                          <a:cs typeface="Open Sans" panose="020B0606030504020204" pitchFamily="34" charset="0"/>
+                        </a:rPr>
+                        <a:t>10.50%</a:t>
+                      </a:r>
+                    </a:p>
+                  </a:txBody>
+                  <a:tcPr marL="68580" marR="68580" marT="0" marB="0" anchor="ctr"/>
+                </a:tc>
+                <a:tc>
+                  <a:txBody>
+                    <a:bodyPr/>
+                    <a:lstStyle/>
+                    <a:p>
+                      <a:pPr marL="0" marR="0" algn="ctr">
+                        <a:spcBef>
+                          <a:spcPts val="0"/>
+                        </a:spcBef>
+                        <a:spcAft>
+                          <a:spcPts val="0"/>
+                        </a:spcAft>
+                      </a:pPr>
+                      <a:r>
+                        <a:rPr lang="en-US" sz="1400">
+                          <a:effectLst/>
+                          <a:latin typeface="Open Sans" panose="020B0606030504020204" pitchFamily="34" charset="0"/>
+                          <a:ea typeface="Open Sans" panose="020B0606030504020204" pitchFamily="34" charset="0"/>
+                          <a:cs typeface="Open Sans" panose="020B0606030504020204" pitchFamily="34" charset="0"/>
+                        </a:rPr>
+                        <a:t>6.03%</a:t>
+                      </a:r>
+                    </a:p>
+                  </a:txBody>
+                  <a:tcPr marL="68580" marR="68580" marT="0" marB="0" anchor="ctr"/>
+                </a:tc>
+                <a:tc>
+                  <a:txBody>
+                    <a:bodyPr/>
+                    <a:lstStyle/>
+                    <a:p>
+                      <a:pPr marL="0" marR="0" algn="ctr">
+                        <a:spcBef>
+                          <a:spcPts val="0"/>
+                        </a:spcBef>
+                        <a:spcAft>
+                          <a:spcPts val="0"/>
+                        </a:spcAft>
+                      </a:pPr>
+                      <a:r>
+                        <a:rPr lang="en-US" sz="1400">
+                          <a:effectLst/>
+                          <a:latin typeface="Open Sans" panose="020B0606030504020204" pitchFamily="34" charset="0"/>
+                          <a:ea typeface="Open Sans" panose="020B0606030504020204" pitchFamily="34" charset="0"/>
+                          <a:cs typeface="Open Sans" panose="020B0606030504020204" pitchFamily="34" charset="0"/>
+                        </a:rPr>
+                        <a:t>3.46%</a:t>
+                      </a:r>
+                    </a:p>
+                  </a:txBody>
+                  <a:tcPr marL="68580" marR="68580" marT="0" marB="0" anchor="ctr"/>
+                </a:tc>
+                <a:tc>
+                  <a:txBody>
+                    <a:bodyPr/>
+                    <a:lstStyle/>
+                    <a:p>
+                      <a:pPr marL="0" marR="0" algn="ctr">
+                        <a:spcBef>
+                          <a:spcPts val="0"/>
+                        </a:spcBef>
+                        <a:spcAft>
+                          <a:spcPts val="0"/>
+                        </a:spcAft>
+                      </a:pPr>
+                      <a:r>
+                        <a:rPr lang="en-US" sz="1400" dirty="0">
+                          <a:effectLst/>
+                          <a:latin typeface="Open Sans" panose="020B0606030504020204" pitchFamily="34" charset="0"/>
+                          <a:ea typeface="Open Sans" panose="020B0606030504020204" pitchFamily="34" charset="0"/>
+                          <a:cs typeface="Open Sans" panose="020B0606030504020204" pitchFamily="34" charset="0"/>
+                        </a:rPr>
+                        <a:t>1.51%</a:t>
+                      </a:r>
+                    </a:p>
+                  </a:txBody>
+                  <a:tcPr marL="68580" marR="68580" marT="0" marB="0" anchor="ctr"/>
+                </a:tc>
+                <a:tc>
+                  <a:txBody>
+                    <a:bodyPr/>
+                    <a:lstStyle/>
+                    <a:p>
+                      <a:pPr marL="0" marR="0" algn="ctr">
+                        <a:spcBef>
+                          <a:spcPts val="0"/>
+                        </a:spcBef>
+                        <a:spcAft>
+                          <a:spcPts val="0"/>
+                        </a:spcAft>
+                      </a:pPr>
+                      <a:r>
+                        <a:rPr lang="en-US" sz="1400" dirty="0">
+                          <a:effectLst/>
+                          <a:latin typeface="Open Sans" panose="020B0606030504020204" pitchFamily="34" charset="0"/>
+                          <a:ea typeface="Open Sans" panose="020B0606030504020204" pitchFamily="34" charset="0"/>
+                          <a:cs typeface="Open Sans" panose="020B0606030504020204" pitchFamily="34" charset="0"/>
+                        </a:rPr>
+                        <a:t>0.99%</a:t>
+                      </a:r>
+                    </a:p>
+                  </a:txBody>
+                  <a:tcPr marL="68580" marR="68580" marT="0" marB="0" anchor="ctr"/>
+                </a:tc>
+                <a:tc>
+                  <a:txBody>
+                    <a:bodyPr/>
+                    <a:lstStyle/>
+                    <a:p>
+                      <a:pPr marL="0" marR="0" algn="ctr">
+                        <a:spcBef>
+                          <a:spcPts val="0"/>
+                        </a:spcBef>
+                        <a:spcAft>
+                          <a:spcPts val="0"/>
+                        </a:spcAft>
+                      </a:pPr>
+                      <a:r>
+                        <a:rPr lang="en-US" sz="1400" dirty="0">
+                          <a:effectLst/>
+                          <a:latin typeface="Open Sans" panose="020B0606030504020204" pitchFamily="34" charset="0"/>
+                          <a:ea typeface="Open Sans" panose="020B0606030504020204" pitchFamily="34" charset="0"/>
+                          <a:cs typeface="Open Sans" panose="020B0606030504020204" pitchFamily="34" charset="0"/>
+                        </a:rPr>
+                        <a:t>0.51%</a:t>
+                      </a:r>
+                    </a:p>
+                  </a:txBody>
+                  <a:tcPr marL="68580" marR="68580" marT="0" marB="0" anchor="ctr"/>
+                </a:tc>
+                <a:tc>
+                  <a:txBody>
+                    <a:bodyPr/>
+                    <a:lstStyle/>
+                    <a:p>
+                      <a:pPr marL="0" marR="0" algn="ctr">
+                        <a:spcBef>
+                          <a:spcPts val="0"/>
+                        </a:spcBef>
+                        <a:spcAft>
+                          <a:spcPts val="0"/>
+                        </a:spcAft>
+                      </a:pPr>
+                      <a:r>
+                        <a:rPr lang="en-US" sz="1400" dirty="0">
+                          <a:effectLst/>
+                          <a:latin typeface="Open Sans" panose="020B0606030504020204" pitchFamily="34" charset="0"/>
+                          <a:ea typeface="Open Sans" panose="020B0606030504020204" pitchFamily="34" charset="0"/>
+                          <a:cs typeface="Open Sans" panose="020B0606030504020204" pitchFamily="34" charset="0"/>
+                        </a:rPr>
+                        <a:t>0.60%</a:t>
+                      </a:r>
+                    </a:p>
+                  </a:txBody>
+                  <a:tcPr marL="68580" marR="68580" marT="0" marB="0" anchor="ctr"/>
+                </a:tc>
+                <a:extLst>
+                  <a:ext uri="{0D108BD9-81ED-4DB2-BD59-A6C34878D82A}">
+                    <a16:rowId xmlns:a16="http://schemas.microsoft.com/office/drawing/2014/main" val="4069582873"/>
+                  </a:ext>
+                </a:extLst>
+              </a:tr>
+            </a:tbl>
+          </a:graphicData>
+        </a:graphic>
+      </p:graphicFrame>
+      <p:sp>
+        <p:nvSpPr>
+          <p:cNvPr id="6" name="Content Placeholder 2">
+            <a:extLst>
+              <a:ext uri="{FF2B5EF4-FFF2-40B4-BE49-F238E27FC236}">
+                <a16:creationId xmlns:a16="http://schemas.microsoft.com/office/drawing/2014/main" id="{39211883-3834-B24E-9715-BED38B237494}"/>
+              </a:ext>
+            </a:extLst>
+          </p:cNvPr>
+          <p:cNvSpPr txBox="1">
+            <a:spLocks/>
+          </p:cNvSpPr>
+          <p:nvPr/>
+        </p:nvSpPr>
+        <p:spPr>
+          <a:xfrm>
+            <a:off x="628649" y="1825625"/>
+            <a:ext cx="7886701" cy="1502190"/>
+          </a:xfrm>
+          <a:prstGeom prst="rect">
+            <a:avLst/>
+          </a:prstGeom>
+        </p:spPr>
+        <p:txBody>
+          <a:bodyPr vert="horz" lIns="91440" tIns="45720" rIns="91440" bIns="45720" rtlCol="0">
+            <a:noAutofit/>
+          </a:bodyPr>
+          <a:lstStyle>
+            <a:lvl1pPr marL="228600" indent="-228600" algn="l" defTabSz="914400" rtl="0" eaLnBrk="1" latinLnBrk="0" hangingPunct="1">
+              <a:lnSpc>
+                <a:spcPct val="90000"/>
+              </a:lnSpc>
+              <a:spcBef>
+                <a:spcPts val="1000"/>
+              </a:spcBef>
+              <a:buFont typeface="Arial" panose="020B0604020202020204" pitchFamily="34" charset="0"/>
+              <a:buChar char="•"/>
+              <a:defRPr sz="2800" kern="1200">
+                <a:solidFill>
+                  <a:schemeClr val="tx1"/>
+                </a:solidFill>
+                <a:latin typeface="Open Sans" panose="020B0606030504020204" pitchFamily="34" charset="0"/>
+                <a:ea typeface="Open Sans" panose="020B0606030504020204" pitchFamily="34" charset="0"/>
+                <a:cs typeface="Open Sans" panose="020B0606030504020204" pitchFamily="34" charset="0"/>
+              </a:defRPr>
+            </a:lvl1pPr>
+            <a:lvl2pPr marL="685800" indent="-228600" algn="l" defTabSz="914400" rtl="0" eaLnBrk="1" latinLnBrk="0" hangingPunct="1">
+              <a:lnSpc>
+                <a:spcPct val="90000"/>
+              </a:lnSpc>
+              <a:spcBef>
+                <a:spcPts val="500"/>
+              </a:spcBef>
+              <a:buFont typeface="Arial" panose="020B0604020202020204" pitchFamily="34" charset="0"/>
+              <a:buChar char="•"/>
+              <a:defRPr sz="2400" kern="1200">
+                <a:solidFill>
+                  <a:schemeClr val="tx1"/>
+                </a:solidFill>
+                <a:latin typeface="Open Sans" panose="020B0606030504020204" pitchFamily="34" charset="0"/>
+                <a:ea typeface="Open Sans" panose="020B0606030504020204" pitchFamily="34" charset="0"/>
+                <a:cs typeface="Open Sans" panose="020B0606030504020204" pitchFamily="34" charset="0"/>
+              </a:defRPr>
+            </a:lvl2pPr>
+            <a:lvl3pPr marL="1143000" indent="-228600" algn="l" defTabSz="914400" rtl="0" eaLnBrk="1" latinLnBrk="0" hangingPunct="1">
+              <a:lnSpc>
+                <a:spcPct val="90000"/>
+              </a:lnSpc>
+              <a:spcBef>
+                <a:spcPts val="500"/>
+              </a:spcBef>
+              <a:buFont typeface="Arial" panose="020B0604020202020204" pitchFamily="34" charset="0"/>
+              <a:buChar char="•"/>
+              <a:defRPr sz="2000" kern="1200">
+                <a:solidFill>
+                  <a:schemeClr val="tx1"/>
+                </a:solidFill>
+                <a:latin typeface="Open Sans" panose="020B0606030504020204" pitchFamily="34" charset="0"/>
+                <a:ea typeface="Open Sans" panose="020B0606030504020204" pitchFamily="34" charset="0"/>
+                <a:cs typeface="Open Sans" panose="020B0606030504020204" pitchFamily="34" charset="0"/>
+              </a:defRPr>
+            </a:lvl3pPr>
+            <a:lvl4pPr marL="1600200" indent="-228600" algn="l" defTabSz="914400" rtl="0" eaLnBrk="1" latinLnBrk="0" hangingPunct="1">
+              <a:lnSpc>
+                <a:spcPct val="90000"/>
+              </a:lnSpc>
+              <a:spcBef>
+                <a:spcPts val="500"/>
+              </a:spcBef>
+              <a:buFont typeface="Arial" panose="020B0604020202020204" pitchFamily="34" charset="0"/>
+              <a:buChar char="•"/>
+              <a:defRPr sz="1800" kern="1200">
+                <a:solidFill>
+                  <a:schemeClr val="tx1"/>
+                </a:solidFill>
+                <a:latin typeface="Open Sans" panose="020B0606030504020204" pitchFamily="34" charset="0"/>
+                <a:ea typeface="Open Sans" panose="020B0606030504020204" pitchFamily="34" charset="0"/>
+                <a:cs typeface="Open Sans" panose="020B0606030504020204" pitchFamily="34" charset="0"/>
+              </a:defRPr>
+            </a:lvl4pPr>
+            <a:lvl5pPr marL="2057400" indent="-228600" algn="l" defTabSz="914400" rtl="0" eaLnBrk="1" latinLnBrk="0" hangingPunct="1">
+              <a:lnSpc>
+                <a:spcPct val="90000"/>
+              </a:lnSpc>
+              <a:spcBef>
+                <a:spcPts val="500"/>
+              </a:spcBef>
+              <a:buFont typeface="Arial" panose="020B0604020202020204" pitchFamily="34" charset="0"/>
+              <a:buChar char="•"/>
+              <a:defRPr sz="1800" kern="1200">
+                <a:solidFill>
+                  <a:schemeClr val="tx1"/>
+                </a:solidFill>
+                <a:latin typeface="Open Sans" panose="020B0606030504020204" pitchFamily="34" charset="0"/>
+                <a:ea typeface="Open Sans" panose="020B0606030504020204" pitchFamily="34" charset="0"/>
+                <a:cs typeface="Open Sans" panose="020B0606030504020204" pitchFamily="34" charset="0"/>
+              </a:defRPr>
+            </a:lvl5pPr>
+            <a:lvl6pPr marL="2514600" indent="-228600" algn="l" defTabSz="914400" rtl="0" eaLnBrk="1" latinLnBrk="0" hangingPunct="1">
+              <a:lnSpc>
+                <a:spcPct val="90000"/>
+              </a:lnSpc>
+              <a:spcBef>
+                <a:spcPts val="500"/>
+              </a:spcBef>
+              <a:buFont typeface="Arial" panose="020B0604020202020204" pitchFamily="34" charset="0"/>
+              <a:buChar char="•"/>
+              <a:defRPr sz="1800" kern="1200">
+                <a:solidFill>
+                  <a:schemeClr val="tx1"/>
+                </a:solidFill>
+                <a:latin typeface="+mn-lt"/>
+                <a:ea typeface="+mn-ea"/>
+                <a:cs typeface="+mn-cs"/>
+              </a:defRPr>
+            </a:lvl6pPr>
+            <a:lvl7pPr marL="2971800" indent="-228600" algn="l" defTabSz="914400" rtl="0" eaLnBrk="1" latinLnBrk="0" hangingPunct="1">
+              <a:lnSpc>
+                <a:spcPct val="90000"/>
+              </a:lnSpc>
+              <a:spcBef>
+                <a:spcPts val="500"/>
+              </a:spcBef>
+              <a:buFont typeface="Arial" panose="020B0604020202020204" pitchFamily="34" charset="0"/>
+              <a:buChar char="•"/>
+              <a:defRPr sz="1800" kern="1200">
+                <a:solidFill>
+                  <a:schemeClr val="tx1"/>
+                </a:solidFill>
+                <a:latin typeface="+mn-lt"/>
+                <a:ea typeface="+mn-ea"/>
+                <a:cs typeface="+mn-cs"/>
+              </a:defRPr>
+            </a:lvl7pPr>
+            <a:lvl8pPr marL="3429000" indent="-228600" algn="l" defTabSz="914400" rtl="0" eaLnBrk="1" latinLnBrk="0" hangingPunct="1">
+              <a:lnSpc>
+                <a:spcPct val="90000"/>
+              </a:lnSpc>
+              <a:spcBef>
+                <a:spcPts val="500"/>
+              </a:spcBef>
+              <a:buFont typeface="Arial" panose="020B0604020202020204" pitchFamily="34" charset="0"/>
+              <a:buChar char="•"/>
+              <a:defRPr sz="1800" kern="1200">
+                <a:solidFill>
+                  <a:schemeClr val="tx1"/>
+                </a:solidFill>
+                <a:latin typeface="+mn-lt"/>
+                <a:ea typeface="+mn-ea"/>
+                <a:cs typeface="+mn-cs"/>
+              </a:defRPr>
+            </a:lvl8pPr>
+            <a:lvl9pPr marL="3886200" indent="-228600" algn="l" defTabSz="914400" rtl="0" eaLnBrk="1" latinLnBrk="0" hangingPunct="1">
+              <a:lnSpc>
+                <a:spcPct val="90000"/>
+              </a:lnSpc>
+              <a:spcBef>
+                <a:spcPts val="500"/>
+              </a:spcBef>
+              <a:buFont typeface="Arial" panose="020B0604020202020204" pitchFamily="34" charset="0"/>
+              <a:buChar char="•"/>
+              <a:defRPr sz="1800" kern="1200">
+                <a:solidFill>
+                  <a:schemeClr val="tx1"/>
+                </a:solidFill>
+                <a:latin typeface="+mn-lt"/>
+                <a:ea typeface="+mn-ea"/>
+                <a:cs typeface="+mn-cs"/>
+              </a:defRPr>
+            </a:lvl9pPr>
+          </a:lstStyle>
+          <a:p>
+            <a:pPr marL="0" indent="0">
+              <a:lnSpc>
+                <a:spcPct val="100000"/>
+              </a:lnSpc>
+              <a:buNone/>
+            </a:pPr>
+            <a:r>
+              <a:rPr lang="en-US" sz="2600" dirty="0"/>
+              <a:t>The percentage increase of the speedup obtained by parallelizing the centers update step is higher when a small number of cluster is specified </a:t>
+            </a:r>
+          </a:p>
+        </p:txBody>
+      </p:sp>
+    </p:spTree>
+    <p:extLst>
+      <p:ext uri="{BB962C8B-B14F-4D97-AF65-F5344CB8AC3E}">
+        <p14:creationId xmlns:p14="http://schemas.microsoft.com/office/powerpoint/2010/main" val="3012501595"/>
+      </p:ext>
+    </p:extLst>
+  </p:cSld>
+  <p:clrMapOvr>
+    <a:masterClrMapping/>
+  </p:clrMapOvr>
+</p:sld>
+</file>
+
+<file path=ppt/slides/slide13.xml><?xml version="1.0" encoding="utf-8"?>
+<p:sld xmlns:a="http://schemas.openxmlformats.org/drawingml/2006/main" xmlns:r="http://schemas.openxmlformats.org/officeDocument/2006/relationships" xmlns:p="http://schemas.openxmlformats.org/presentationml/2006/main">
+  <p:cSld>
+    <p:spTree>
+      <p:nvGrpSpPr>
+        <p:cNvPr id="1" name=""/>
+        <p:cNvGrpSpPr/>
+        <p:nvPr/>
+      </p:nvGrpSpPr>
+      <p:grpSpPr>
+        <a:xfrm>
+          <a:off x="0" y="0"/>
+          <a:ext cx="0" cy="0"/>
+          <a:chOff x="0" y="0"/>
+          <a:chExt cx="0" cy="0"/>
+        </a:xfrm>
+      </p:grpSpPr>
+      <p:sp>
+        <p:nvSpPr>
+          <p:cNvPr id="2" name="Title 1">
+            <a:extLst>
+              <a:ext uri="{FF2B5EF4-FFF2-40B4-BE49-F238E27FC236}">
+                <a16:creationId xmlns:a16="http://schemas.microsoft.com/office/drawing/2014/main" id="{803171CE-E98F-F345-AE61-0D9C5BF71A42}"/>
+              </a:ext>
+            </a:extLst>
+          </p:cNvPr>
+          <p:cNvSpPr>
+            <a:spLocks noGrp="1"/>
+          </p:cNvSpPr>
+          <p:nvPr>
+            <p:ph type="title"/>
+          </p:nvPr>
+        </p:nvSpPr>
+        <p:spPr/>
+        <p:txBody>
+          <a:bodyPr/>
+          <a:lstStyle/>
+          <a:p>
+            <a:pPr algn="l"/>
+            <a:r>
+              <a:rPr lang="en-US" b="1" dirty="0"/>
+              <a:t>Performance on Google Cloud Platform</a:t>
+            </a:r>
+          </a:p>
+        </p:txBody>
+      </p:sp>
+      <p:sp>
+        <p:nvSpPr>
+          <p:cNvPr id="5" name="Content Placeholder 2">
+            <a:extLst>
+              <a:ext uri="{FF2B5EF4-FFF2-40B4-BE49-F238E27FC236}">
+                <a16:creationId xmlns:a16="http://schemas.microsoft.com/office/drawing/2014/main" id="{639097E9-E6ED-F140-8402-0ABB102C1FE3}"/>
+              </a:ext>
+            </a:extLst>
+          </p:cNvPr>
+          <p:cNvSpPr txBox="1">
+            <a:spLocks/>
+          </p:cNvSpPr>
+          <p:nvPr/>
+        </p:nvSpPr>
+        <p:spPr>
+          <a:xfrm>
+            <a:off x="628649" y="1825625"/>
+            <a:ext cx="7886701" cy="1171575"/>
+          </a:xfrm>
+          <a:prstGeom prst="rect">
+            <a:avLst/>
+          </a:prstGeom>
+        </p:spPr>
+        <p:txBody>
+          <a:bodyPr vert="horz" lIns="91440" tIns="45720" rIns="91440" bIns="45720" rtlCol="0">
+            <a:noAutofit/>
+          </a:bodyPr>
+          <a:lstStyle>
+            <a:lvl1pPr marL="228600" indent="-228600" algn="l" defTabSz="914400" rtl="0" eaLnBrk="1" latinLnBrk="0" hangingPunct="1">
+              <a:lnSpc>
+                <a:spcPct val="90000"/>
+              </a:lnSpc>
+              <a:spcBef>
+                <a:spcPts val="1000"/>
+              </a:spcBef>
+              <a:buFont typeface="Arial" panose="020B0604020202020204" pitchFamily="34" charset="0"/>
+              <a:buChar char="•"/>
+              <a:defRPr sz="2800" kern="1200">
+                <a:solidFill>
+                  <a:schemeClr val="tx1"/>
+                </a:solidFill>
+                <a:latin typeface="Open Sans" panose="020B0606030504020204" pitchFamily="34" charset="0"/>
+                <a:ea typeface="Open Sans" panose="020B0606030504020204" pitchFamily="34" charset="0"/>
+                <a:cs typeface="Open Sans" panose="020B0606030504020204" pitchFamily="34" charset="0"/>
+              </a:defRPr>
+            </a:lvl1pPr>
+            <a:lvl2pPr marL="685800" indent="-228600" algn="l" defTabSz="914400" rtl="0" eaLnBrk="1" latinLnBrk="0" hangingPunct="1">
+              <a:lnSpc>
+                <a:spcPct val="90000"/>
+              </a:lnSpc>
+              <a:spcBef>
+                <a:spcPts val="500"/>
+              </a:spcBef>
+              <a:buFont typeface="Arial" panose="020B0604020202020204" pitchFamily="34" charset="0"/>
+              <a:buChar char="•"/>
+              <a:defRPr sz="2400" kern="1200">
+                <a:solidFill>
+                  <a:schemeClr val="tx1"/>
+                </a:solidFill>
+                <a:latin typeface="Open Sans" panose="020B0606030504020204" pitchFamily="34" charset="0"/>
+                <a:ea typeface="Open Sans" panose="020B0606030504020204" pitchFamily="34" charset="0"/>
+                <a:cs typeface="Open Sans" panose="020B0606030504020204" pitchFamily="34" charset="0"/>
+              </a:defRPr>
+            </a:lvl2pPr>
+            <a:lvl3pPr marL="1143000" indent="-228600" algn="l" defTabSz="914400" rtl="0" eaLnBrk="1" latinLnBrk="0" hangingPunct="1">
+              <a:lnSpc>
+                <a:spcPct val="90000"/>
+              </a:lnSpc>
+              <a:spcBef>
+                <a:spcPts val="500"/>
+              </a:spcBef>
+              <a:buFont typeface="Arial" panose="020B0604020202020204" pitchFamily="34" charset="0"/>
+              <a:buChar char="•"/>
+              <a:defRPr sz="2000" kern="1200">
+                <a:solidFill>
+                  <a:schemeClr val="tx1"/>
+                </a:solidFill>
+                <a:latin typeface="Open Sans" panose="020B0606030504020204" pitchFamily="34" charset="0"/>
+                <a:ea typeface="Open Sans" panose="020B0606030504020204" pitchFamily="34" charset="0"/>
+                <a:cs typeface="Open Sans" panose="020B0606030504020204" pitchFamily="34" charset="0"/>
+              </a:defRPr>
+            </a:lvl3pPr>
+            <a:lvl4pPr marL="1600200" indent="-228600" algn="l" defTabSz="914400" rtl="0" eaLnBrk="1" latinLnBrk="0" hangingPunct="1">
+              <a:lnSpc>
+                <a:spcPct val="90000"/>
+              </a:lnSpc>
+              <a:spcBef>
+                <a:spcPts val="500"/>
+              </a:spcBef>
+              <a:buFont typeface="Arial" panose="020B0604020202020204" pitchFamily="34" charset="0"/>
+              <a:buChar char="•"/>
+              <a:defRPr sz="1800" kern="1200">
+                <a:solidFill>
+                  <a:schemeClr val="tx1"/>
+                </a:solidFill>
+                <a:latin typeface="Open Sans" panose="020B0606030504020204" pitchFamily="34" charset="0"/>
+                <a:ea typeface="Open Sans" panose="020B0606030504020204" pitchFamily="34" charset="0"/>
+                <a:cs typeface="Open Sans" panose="020B0606030504020204" pitchFamily="34" charset="0"/>
+              </a:defRPr>
+            </a:lvl4pPr>
+            <a:lvl5pPr marL="2057400" indent="-228600" algn="l" defTabSz="914400" rtl="0" eaLnBrk="1" latinLnBrk="0" hangingPunct="1">
+              <a:lnSpc>
+                <a:spcPct val="90000"/>
+              </a:lnSpc>
+              <a:spcBef>
+                <a:spcPts val="500"/>
+              </a:spcBef>
+              <a:buFont typeface="Arial" panose="020B0604020202020204" pitchFamily="34" charset="0"/>
+              <a:buChar char="•"/>
+              <a:defRPr sz="1800" kern="1200">
+                <a:solidFill>
+                  <a:schemeClr val="tx1"/>
+                </a:solidFill>
+                <a:latin typeface="Open Sans" panose="020B0606030504020204" pitchFamily="34" charset="0"/>
+                <a:ea typeface="Open Sans" panose="020B0606030504020204" pitchFamily="34" charset="0"/>
+                <a:cs typeface="Open Sans" panose="020B0606030504020204" pitchFamily="34" charset="0"/>
+              </a:defRPr>
+            </a:lvl5pPr>
+            <a:lvl6pPr marL="2514600" indent="-228600" algn="l" defTabSz="914400" rtl="0" eaLnBrk="1" latinLnBrk="0" hangingPunct="1">
+              <a:lnSpc>
+                <a:spcPct val="90000"/>
+              </a:lnSpc>
+              <a:spcBef>
+                <a:spcPts val="500"/>
+              </a:spcBef>
+              <a:buFont typeface="Arial" panose="020B0604020202020204" pitchFamily="34" charset="0"/>
+              <a:buChar char="•"/>
+              <a:defRPr sz="1800" kern="1200">
+                <a:solidFill>
+                  <a:schemeClr val="tx1"/>
+                </a:solidFill>
+                <a:latin typeface="+mn-lt"/>
+                <a:ea typeface="+mn-ea"/>
+                <a:cs typeface="+mn-cs"/>
+              </a:defRPr>
+            </a:lvl6pPr>
+            <a:lvl7pPr marL="2971800" indent="-228600" algn="l" defTabSz="914400" rtl="0" eaLnBrk="1" latinLnBrk="0" hangingPunct="1">
+              <a:lnSpc>
+                <a:spcPct val="90000"/>
+              </a:lnSpc>
+              <a:spcBef>
+                <a:spcPts val="500"/>
+              </a:spcBef>
+              <a:buFont typeface="Arial" panose="020B0604020202020204" pitchFamily="34" charset="0"/>
+              <a:buChar char="•"/>
+              <a:defRPr sz="1800" kern="1200">
+                <a:solidFill>
+                  <a:schemeClr val="tx1"/>
+                </a:solidFill>
+                <a:latin typeface="+mn-lt"/>
+                <a:ea typeface="+mn-ea"/>
+                <a:cs typeface="+mn-cs"/>
+              </a:defRPr>
+            </a:lvl7pPr>
+            <a:lvl8pPr marL="3429000" indent="-228600" algn="l" defTabSz="914400" rtl="0" eaLnBrk="1" latinLnBrk="0" hangingPunct="1">
+              <a:lnSpc>
+                <a:spcPct val="90000"/>
+              </a:lnSpc>
+              <a:spcBef>
+                <a:spcPts val="500"/>
+              </a:spcBef>
+              <a:buFont typeface="Arial" panose="020B0604020202020204" pitchFamily="34" charset="0"/>
+              <a:buChar char="•"/>
+              <a:defRPr sz="1800" kern="1200">
+                <a:solidFill>
+                  <a:schemeClr val="tx1"/>
+                </a:solidFill>
+                <a:latin typeface="+mn-lt"/>
+                <a:ea typeface="+mn-ea"/>
+                <a:cs typeface="+mn-cs"/>
+              </a:defRPr>
+            </a:lvl8pPr>
+            <a:lvl9pPr marL="3886200" indent="-228600" algn="l" defTabSz="914400" rtl="0" eaLnBrk="1" latinLnBrk="0" hangingPunct="1">
+              <a:lnSpc>
+                <a:spcPct val="90000"/>
+              </a:lnSpc>
+              <a:spcBef>
+                <a:spcPts val="500"/>
+              </a:spcBef>
+              <a:buFont typeface="Arial" panose="020B0604020202020204" pitchFamily="34" charset="0"/>
+              <a:buChar char="•"/>
+              <a:defRPr sz="1800" kern="1200">
+                <a:solidFill>
+                  <a:schemeClr val="tx1"/>
+                </a:solidFill>
+                <a:latin typeface="+mn-lt"/>
+                <a:ea typeface="+mn-ea"/>
+                <a:cs typeface="+mn-cs"/>
+              </a:defRPr>
+            </a:lvl9pPr>
+          </a:lstStyle>
+          <a:p>
+            <a:pPr marL="0" indent="0">
+              <a:lnSpc>
+                <a:spcPct val="100000"/>
+              </a:lnSpc>
+              <a:buNone/>
+            </a:pPr>
+            <a:r>
+              <a:rPr lang="en-US" sz="2600" dirty="0"/>
+              <a:t>When increasing over 12 the number of vCPU, the speedup starts to have an irregular behavior</a:t>
+            </a:r>
+          </a:p>
+        </p:txBody>
+      </p:sp>
+      <p:pic>
+        <p:nvPicPr>
+          <p:cNvPr id="9" name="Content Placeholder 8">
+            <a:extLst>
+              <a:ext uri="{FF2B5EF4-FFF2-40B4-BE49-F238E27FC236}">
+                <a16:creationId xmlns:a16="http://schemas.microsoft.com/office/drawing/2014/main" id="{A1282ABF-4E42-E544-9C82-3673DEE79553}"/>
+              </a:ext>
+            </a:extLst>
+          </p:cNvPr>
+          <p:cNvPicPr>
+            <a:picLocks noGrp="1" noChangeAspect="1"/>
+          </p:cNvPicPr>
+          <p:nvPr>
+            <p:ph idx="1"/>
+          </p:nvPr>
+        </p:nvPicPr>
+        <p:blipFill rotWithShape="1">
+          <a:blip r:embed="rId2"/>
+          <a:srcRect l="1449" t="2364" r="1268" b="1737"/>
+          <a:stretch/>
+        </p:blipFill>
+        <p:spPr>
+          <a:xfrm>
+            <a:off x="681040" y="2997200"/>
+            <a:ext cx="7672387" cy="3154364"/>
+          </a:xfrm>
+        </p:spPr>
+      </p:pic>
+    </p:spTree>
+    <p:extLst>
+      <p:ext uri="{BB962C8B-B14F-4D97-AF65-F5344CB8AC3E}">
+        <p14:creationId xmlns:p14="http://schemas.microsoft.com/office/powerpoint/2010/main" val="2657177307"/>
+      </p:ext>
+    </p:extLst>
+  </p:cSld>
+  <p:clrMapOvr>
+    <a:masterClrMapping/>
+  </p:clrMapOvr>
+</p:sld>
+</file>
+
+<file path=ppt/slides/slide14.xml><?xml version="1.0" encoding="utf-8"?>
+<p:sld xmlns:a="http://schemas.openxmlformats.org/drawingml/2006/main" xmlns:r="http://schemas.openxmlformats.org/officeDocument/2006/relationships" xmlns:p="http://schemas.openxmlformats.org/presentationml/2006/main">
+  <p:cSld>
+    <p:spTree>
+      <p:nvGrpSpPr>
+        <p:cNvPr id="1" name=""/>
+        <p:cNvGrpSpPr/>
+        <p:nvPr/>
+      </p:nvGrpSpPr>
+      <p:grpSpPr>
+        <a:xfrm>
+          <a:off x="0" y="0"/>
+          <a:ext cx="0" cy="0"/>
+          <a:chOff x="0" y="0"/>
+          <a:chExt cx="0" cy="0"/>
+        </a:xfrm>
+      </p:grpSpPr>
+      <p:sp>
+        <p:nvSpPr>
+          <p:cNvPr id="2" name="Title 1">
+            <a:extLst>
+              <a:ext uri="{FF2B5EF4-FFF2-40B4-BE49-F238E27FC236}">
+                <a16:creationId xmlns:a16="http://schemas.microsoft.com/office/drawing/2014/main" id="{803171CE-E98F-F345-AE61-0D9C5BF71A42}"/>
+              </a:ext>
+            </a:extLst>
+          </p:cNvPr>
+          <p:cNvSpPr>
+            <a:spLocks noGrp="1"/>
+          </p:cNvSpPr>
+          <p:nvPr>
+            <p:ph type="title"/>
+          </p:nvPr>
+        </p:nvSpPr>
+        <p:spPr/>
+        <p:txBody>
+          <a:bodyPr/>
+          <a:lstStyle/>
+          <a:p>
+            <a:pPr algn="l"/>
+            <a:r>
+              <a:rPr lang="en-US" b="1" dirty="0"/>
+              <a:t>Performance on Google Cloud Platform</a:t>
+            </a:r>
+          </a:p>
+        </p:txBody>
+      </p:sp>
+      <p:sp>
+        <p:nvSpPr>
+          <p:cNvPr id="5" name="Content Placeholder 2">
+            <a:extLst>
+              <a:ext uri="{FF2B5EF4-FFF2-40B4-BE49-F238E27FC236}">
+                <a16:creationId xmlns:a16="http://schemas.microsoft.com/office/drawing/2014/main" id="{B4B84C43-7776-254C-B51A-EBAC207FC1E4}"/>
+              </a:ext>
+            </a:extLst>
+          </p:cNvPr>
+          <p:cNvSpPr txBox="1">
+            <a:spLocks/>
+          </p:cNvSpPr>
+          <p:nvPr/>
+        </p:nvSpPr>
+        <p:spPr>
+          <a:xfrm>
+            <a:off x="628649" y="1825625"/>
+            <a:ext cx="7886701" cy="1089025"/>
+          </a:xfrm>
+          <a:prstGeom prst="rect">
+            <a:avLst/>
+          </a:prstGeom>
+        </p:spPr>
+        <p:txBody>
+          <a:bodyPr vert="horz" lIns="91440" tIns="45720" rIns="91440" bIns="45720" rtlCol="0">
+            <a:noAutofit/>
+          </a:bodyPr>
+          <a:lstStyle>
+            <a:lvl1pPr marL="228600" indent="-228600" algn="l" defTabSz="914400" rtl="0" eaLnBrk="1" latinLnBrk="0" hangingPunct="1">
+              <a:lnSpc>
+                <a:spcPct val="90000"/>
+              </a:lnSpc>
+              <a:spcBef>
+                <a:spcPts val="1000"/>
+              </a:spcBef>
+              <a:buFont typeface="Arial" panose="020B0604020202020204" pitchFamily="34" charset="0"/>
+              <a:buChar char="•"/>
+              <a:defRPr sz="2800" kern="1200">
+                <a:solidFill>
+                  <a:schemeClr val="tx1"/>
+                </a:solidFill>
+                <a:latin typeface="Open Sans" panose="020B0606030504020204" pitchFamily="34" charset="0"/>
+                <a:ea typeface="Open Sans" panose="020B0606030504020204" pitchFamily="34" charset="0"/>
+                <a:cs typeface="Open Sans" panose="020B0606030504020204" pitchFamily="34" charset="0"/>
+              </a:defRPr>
+            </a:lvl1pPr>
+            <a:lvl2pPr marL="685800" indent="-228600" algn="l" defTabSz="914400" rtl="0" eaLnBrk="1" latinLnBrk="0" hangingPunct="1">
+              <a:lnSpc>
+                <a:spcPct val="90000"/>
+              </a:lnSpc>
+              <a:spcBef>
+                <a:spcPts val="500"/>
+              </a:spcBef>
+              <a:buFont typeface="Arial" panose="020B0604020202020204" pitchFamily="34" charset="0"/>
+              <a:buChar char="•"/>
+              <a:defRPr sz="2400" kern="1200">
+                <a:solidFill>
+                  <a:schemeClr val="tx1"/>
+                </a:solidFill>
+                <a:latin typeface="Open Sans" panose="020B0606030504020204" pitchFamily="34" charset="0"/>
+                <a:ea typeface="Open Sans" panose="020B0606030504020204" pitchFamily="34" charset="0"/>
+                <a:cs typeface="Open Sans" panose="020B0606030504020204" pitchFamily="34" charset="0"/>
+              </a:defRPr>
+            </a:lvl2pPr>
+            <a:lvl3pPr marL="1143000" indent="-228600" algn="l" defTabSz="914400" rtl="0" eaLnBrk="1" latinLnBrk="0" hangingPunct="1">
+              <a:lnSpc>
+                <a:spcPct val="90000"/>
+              </a:lnSpc>
+              <a:spcBef>
+                <a:spcPts val="500"/>
+              </a:spcBef>
+              <a:buFont typeface="Arial" panose="020B0604020202020204" pitchFamily="34" charset="0"/>
+              <a:buChar char="•"/>
+              <a:defRPr sz="2000" kern="1200">
+                <a:solidFill>
+                  <a:schemeClr val="tx1"/>
+                </a:solidFill>
+                <a:latin typeface="Open Sans" panose="020B0606030504020204" pitchFamily="34" charset="0"/>
+                <a:ea typeface="Open Sans" panose="020B0606030504020204" pitchFamily="34" charset="0"/>
+                <a:cs typeface="Open Sans" panose="020B0606030504020204" pitchFamily="34" charset="0"/>
+              </a:defRPr>
+            </a:lvl3pPr>
+            <a:lvl4pPr marL="1600200" indent="-228600" algn="l" defTabSz="914400" rtl="0" eaLnBrk="1" latinLnBrk="0" hangingPunct="1">
+              <a:lnSpc>
+                <a:spcPct val="90000"/>
+              </a:lnSpc>
+              <a:spcBef>
+                <a:spcPts val="500"/>
+              </a:spcBef>
+              <a:buFont typeface="Arial" panose="020B0604020202020204" pitchFamily="34" charset="0"/>
+              <a:buChar char="•"/>
+              <a:defRPr sz="1800" kern="1200">
+                <a:solidFill>
+                  <a:schemeClr val="tx1"/>
+                </a:solidFill>
+                <a:latin typeface="Open Sans" panose="020B0606030504020204" pitchFamily="34" charset="0"/>
+                <a:ea typeface="Open Sans" panose="020B0606030504020204" pitchFamily="34" charset="0"/>
+                <a:cs typeface="Open Sans" panose="020B0606030504020204" pitchFamily="34" charset="0"/>
+              </a:defRPr>
+            </a:lvl4pPr>
+            <a:lvl5pPr marL="2057400" indent="-228600" algn="l" defTabSz="914400" rtl="0" eaLnBrk="1" latinLnBrk="0" hangingPunct="1">
+              <a:lnSpc>
+                <a:spcPct val="90000"/>
+              </a:lnSpc>
+              <a:spcBef>
+                <a:spcPts val="500"/>
+              </a:spcBef>
+              <a:buFont typeface="Arial" panose="020B0604020202020204" pitchFamily="34" charset="0"/>
+              <a:buChar char="•"/>
+              <a:defRPr sz="1800" kern="1200">
+                <a:solidFill>
+                  <a:schemeClr val="tx1"/>
+                </a:solidFill>
+                <a:latin typeface="Open Sans" panose="020B0606030504020204" pitchFamily="34" charset="0"/>
+                <a:ea typeface="Open Sans" panose="020B0606030504020204" pitchFamily="34" charset="0"/>
+                <a:cs typeface="Open Sans" panose="020B0606030504020204" pitchFamily="34" charset="0"/>
+              </a:defRPr>
+            </a:lvl5pPr>
+            <a:lvl6pPr marL="2514600" indent="-228600" algn="l" defTabSz="914400" rtl="0" eaLnBrk="1" latinLnBrk="0" hangingPunct="1">
+              <a:lnSpc>
+                <a:spcPct val="90000"/>
+              </a:lnSpc>
+              <a:spcBef>
+                <a:spcPts val="500"/>
+              </a:spcBef>
+              <a:buFont typeface="Arial" panose="020B0604020202020204" pitchFamily="34" charset="0"/>
+              <a:buChar char="•"/>
+              <a:defRPr sz="1800" kern="1200">
+                <a:solidFill>
+                  <a:schemeClr val="tx1"/>
+                </a:solidFill>
+                <a:latin typeface="+mn-lt"/>
+                <a:ea typeface="+mn-ea"/>
+                <a:cs typeface="+mn-cs"/>
+              </a:defRPr>
+            </a:lvl6pPr>
+            <a:lvl7pPr marL="2971800" indent="-228600" algn="l" defTabSz="914400" rtl="0" eaLnBrk="1" latinLnBrk="0" hangingPunct="1">
+              <a:lnSpc>
+                <a:spcPct val="90000"/>
+              </a:lnSpc>
+              <a:spcBef>
+                <a:spcPts val="500"/>
+              </a:spcBef>
+              <a:buFont typeface="Arial" panose="020B0604020202020204" pitchFamily="34" charset="0"/>
+              <a:buChar char="•"/>
+              <a:defRPr sz="1800" kern="1200">
+                <a:solidFill>
+                  <a:schemeClr val="tx1"/>
+                </a:solidFill>
+                <a:latin typeface="+mn-lt"/>
+                <a:ea typeface="+mn-ea"/>
+                <a:cs typeface="+mn-cs"/>
+              </a:defRPr>
+            </a:lvl7pPr>
+            <a:lvl8pPr marL="3429000" indent="-228600" algn="l" defTabSz="914400" rtl="0" eaLnBrk="1" latinLnBrk="0" hangingPunct="1">
+              <a:lnSpc>
+                <a:spcPct val="90000"/>
+              </a:lnSpc>
+              <a:spcBef>
+                <a:spcPts val="500"/>
+              </a:spcBef>
+              <a:buFont typeface="Arial" panose="020B0604020202020204" pitchFamily="34" charset="0"/>
+              <a:buChar char="•"/>
+              <a:defRPr sz="1800" kern="1200">
+                <a:solidFill>
+                  <a:schemeClr val="tx1"/>
+                </a:solidFill>
+                <a:latin typeface="+mn-lt"/>
+                <a:ea typeface="+mn-ea"/>
+                <a:cs typeface="+mn-cs"/>
+              </a:defRPr>
+            </a:lvl8pPr>
+            <a:lvl9pPr marL="3886200" indent="-228600" algn="l" defTabSz="914400" rtl="0" eaLnBrk="1" latinLnBrk="0" hangingPunct="1">
+              <a:lnSpc>
+                <a:spcPct val="90000"/>
+              </a:lnSpc>
+              <a:spcBef>
+                <a:spcPts val="500"/>
+              </a:spcBef>
+              <a:buFont typeface="Arial" panose="020B0604020202020204" pitchFamily="34" charset="0"/>
+              <a:buChar char="•"/>
+              <a:defRPr sz="1800" kern="1200">
+                <a:solidFill>
+                  <a:schemeClr val="tx1"/>
+                </a:solidFill>
+                <a:latin typeface="+mn-lt"/>
+                <a:ea typeface="+mn-ea"/>
+                <a:cs typeface="+mn-cs"/>
+              </a:defRPr>
+            </a:lvl9pPr>
+          </a:lstStyle>
+          <a:p>
+            <a:pPr marL="0" indent="0">
+              <a:lnSpc>
+                <a:spcPct val="100000"/>
+              </a:lnSpc>
+              <a:buNone/>
+            </a:pPr>
+            <a:r>
+              <a:rPr lang="en-US" sz="2600" dirty="0"/>
+              <a:t>A drop in the efficiency of the parallel program is visible when more than twelve vCPU are used   </a:t>
+            </a:r>
+          </a:p>
+          <a:p>
+            <a:pPr marL="0" indent="0">
+              <a:lnSpc>
+                <a:spcPct val="100000"/>
+              </a:lnSpc>
+              <a:buNone/>
+            </a:pPr>
+            <a:r>
+              <a:rPr lang="en-US" dirty="0"/>
+              <a:t> </a:t>
+            </a:r>
+            <a:endParaRPr lang="en-US" sz="2600" dirty="0"/>
+          </a:p>
+        </p:txBody>
+      </p:sp>
+      <p:pic>
+        <p:nvPicPr>
+          <p:cNvPr id="9" name="Content Placeholder 8">
+            <a:extLst>
+              <a:ext uri="{FF2B5EF4-FFF2-40B4-BE49-F238E27FC236}">
+                <a16:creationId xmlns:a16="http://schemas.microsoft.com/office/drawing/2014/main" id="{B24124C5-7368-EA43-99DB-70E2CACDD494}"/>
+              </a:ext>
+            </a:extLst>
+          </p:cNvPr>
+          <p:cNvPicPr>
+            <a:picLocks noGrp="1" noChangeAspect="1"/>
+          </p:cNvPicPr>
+          <p:nvPr>
+            <p:ph idx="1"/>
+          </p:nvPr>
+        </p:nvPicPr>
+        <p:blipFill rotWithShape="1">
+          <a:blip r:embed="rId2"/>
+          <a:srcRect l="1631" t="2441" r="1086" b="879"/>
+          <a:stretch/>
+        </p:blipFill>
+        <p:spPr>
+          <a:xfrm>
+            <a:off x="664366" y="2963858"/>
+            <a:ext cx="7672388" cy="3143251"/>
+          </a:xfrm>
+        </p:spPr>
+      </p:pic>
+    </p:spTree>
+    <p:extLst>
+      <p:ext uri="{BB962C8B-B14F-4D97-AF65-F5344CB8AC3E}">
+        <p14:creationId xmlns:p14="http://schemas.microsoft.com/office/powerpoint/2010/main" val="665764419"/>
+      </p:ext>
+    </p:extLst>
+  </p:cSld>
+  <p:clrMapOvr>
+    <a:masterClrMapping/>
+  </p:clrMapOvr>
+</p:sld>
+</file>
+
+<file path=ppt/slides/slide15.xml><?xml version="1.0" encoding="utf-8"?>
+<p:sld xmlns:a="http://schemas.openxmlformats.org/drawingml/2006/main" xmlns:r="http://schemas.openxmlformats.org/officeDocument/2006/relationships" xmlns:p="http://schemas.openxmlformats.org/presentationml/2006/main">
+  <p:cSld>
+    <p:spTree>
+      <p:nvGrpSpPr>
+        <p:cNvPr id="1" name=""/>
+        <p:cNvGrpSpPr/>
+        <p:nvPr/>
+      </p:nvGrpSpPr>
+      <p:grpSpPr>
+        <a:xfrm>
+          <a:off x="0" y="0"/>
+          <a:ext cx="0" cy="0"/>
+          <a:chOff x="0" y="0"/>
+          <a:chExt cx="0" cy="0"/>
+        </a:xfrm>
+      </p:grpSpPr>
+      <p:sp>
+        <p:nvSpPr>
+          <p:cNvPr id="2" name="Title 1">
+            <a:extLst>
+              <a:ext uri="{FF2B5EF4-FFF2-40B4-BE49-F238E27FC236}">
+                <a16:creationId xmlns:a16="http://schemas.microsoft.com/office/drawing/2014/main" id="{803171CE-E98F-F345-AE61-0D9C5BF71A42}"/>
+              </a:ext>
+            </a:extLst>
+          </p:cNvPr>
+          <p:cNvSpPr>
+            <a:spLocks noGrp="1"/>
+          </p:cNvSpPr>
+          <p:nvPr>
+            <p:ph type="title"/>
+          </p:nvPr>
+        </p:nvSpPr>
+        <p:spPr/>
+        <p:txBody>
+          <a:bodyPr/>
+          <a:lstStyle/>
+          <a:p>
+            <a:pPr algn="l"/>
+            <a:r>
+              <a:rPr lang="en-US" b="1" dirty="0"/>
+              <a:t>Conclusions</a:t>
+            </a:r>
+          </a:p>
+        </p:txBody>
+      </p:sp>
+      <p:sp>
+        <p:nvSpPr>
+          <p:cNvPr id="3" name="Content Placeholder 2">
+            <a:extLst>
+              <a:ext uri="{FF2B5EF4-FFF2-40B4-BE49-F238E27FC236}">
+                <a16:creationId xmlns:a16="http://schemas.microsoft.com/office/drawing/2014/main" id="{14D98476-D1AD-FA42-A787-08BB9DA9CF56}"/>
+              </a:ext>
+            </a:extLst>
+          </p:cNvPr>
+          <p:cNvSpPr>
+            <a:spLocks noGrp="1"/>
+          </p:cNvSpPr>
+          <p:nvPr>
+            <p:ph idx="1"/>
+          </p:nvPr>
+        </p:nvSpPr>
+        <p:spPr/>
+        <p:txBody>
+          <a:bodyPr/>
+          <a:lstStyle/>
+          <a:p>
+            <a:endParaRPr lang="en-US"/>
+          </a:p>
+        </p:txBody>
+      </p:sp>
+    </p:spTree>
+    <p:extLst>
+      <p:ext uri="{BB962C8B-B14F-4D97-AF65-F5344CB8AC3E}">
+        <p14:creationId xmlns:p14="http://schemas.microsoft.com/office/powerpoint/2010/main" val="2794582411"/>
       </p:ext>
     </p:extLst>
   </p:cSld>
@@ -3817,38 +7238,253 @@
           </a:p>
         </p:txBody>
       </p:sp>
-      <p:sp>
-        <p:nvSpPr>
-          <p:cNvPr id="3" name="Content Placeholder 2">
+      <p:pic>
+        <p:nvPicPr>
+          <p:cNvPr id="4" name="Content Placeholder 3">
             <a:extLst>
               <a:ext uri="{FF2B5EF4-FFF2-40B4-BE49-F238E27FC236}">
-                <a16:creationId xmlns:a16="http://schemas.microsoft.com/office/drawing/2014/main" id="{3EFE228B-AA2B-DD4A-BDB1-7AC97A373411}"/>
+                <a16:creationId xmlns:a16="http://schemas.microsoft.com/office/drawing/2014/main" id="{AD4A7989-3A29-E046-A692-01792DB97344}"/>
               </a:ext>
             </a:extLst>
           </p:cNvPr>
-          <p:cNvSpPr>
-            <a:spLocks noGrp="1"/>
-          </p:cNvSpPr>
+          <p:cNvPicPr>
+            <a:picLocks noGrp="1" noChangeAspect="1"/>
+          </p:cNvPicPr>
           <p:nvPr>
             <p:ph idx="1"/>
           </p:nvPr>
+        </p:nvPicPr>
+        <p:blipFill>
+          <a:blip r:embed="rId2">
+            <a:extLst>
+              <a:ext uri="{28A0092B-C50C-407E-A947-70E740481C1C}">
+                <a14:useLocalDpi xmlns:a14="http://schemas.microsoft.com/office/drawing/2010/main" val="0"/>
+              </a:ext>
+            </a:extLst>
+          </a:blip>
+          <a:stretch>
+            <a:fillRect/>
+          </a:stretch>
+        </p:blipFill>
+        <p:spPr>
+          <a:xfrm>
+            <a:off x="4796852" y="1724435"/>
+            <a:ext cx="3567276" cy="4554245"/>
+          </a:xfrm>
+          <a:prstGeom prst="rect">
+            <a:avLst/>
+          </a:prstGeom>
+        </p:spPr>
+      </p:pic>
+      <p:sp>
+        <p:nvSpPr>
+          <p:cNvPr id="7" name="Content Placeholder 2">
+            <a:extLst>
+              <a:ext uri="{FF2B5EF4-FFF2-40B4-BE49-F238E27FC236}">
+                <a16:creationId xmlns:a16="http://schemas.microsoft.com/office/drawing/2014/main" id="{753FA0FE-A1ED-0645-81C2-A9CBEFCD76ED}"/>
+              </a:ext>
+            </a:extLst>
+          </p:cNvPr>
+          <p:cNvSpPr txBox="1">
+            <a:spLocks/>
+          </p:cNvSpPr>
+          <p:nvPr/>
         </p:nvSpPr>
-        <p:spPr/>
+        <p:spPr>
+          <a:xfrm>
+            <a:off x="628650" y="1837767"/>
+            <a:ext cx="3943350" cy="3731760"/>
+          </a:xfrm>
+          <a:prstGeom prst="rect">
+            <a:avLst/>
+          </a:prstGeom>
+        </p:spPr>
         <p:txBody>
-          <a:bodyPr/>
-          <a:lstStyle/>
+          <a:bodyPr vert="horz" lIns="91440" tIns="45720" rIns="91440" bIns="45720" rtlCol="0">
+            <a:normAutofit/>
+          </a:bodyPr>
+          <a:lstStyle>
+            <a:lvl1pPr marL="228600" indent="-228600" algn="l" defTabSz="914400" rtl="0" eaLnBrk="1" latinLnBrk="0" hangingPunct="1">
+              <a:lnSpc>
+                <a:spcPct val="90000"/>
+              </a:lnSpc>
+              <a:spcBef>
+                <a:spcPts val="1000"/>
+              </a:spcBef>
+              <a:buFont typeface="Arial" panose="020B0604020202020204" pitchFamily="34" charset="0"/>
+              <a:buChar char="•"/>
+              <a:defRPr sz="2800" kern="1200">
+                <a:solidFill>
+                  <a:schemeClr val="tx1"/>
+                </a:solidFill>
+                <a:latin typeface="Open Sans" panose="020B0606030504020204" pitchFamily="34" charset="0"/>
+                <a:ea typeface="Open Sans" panose="020B0606030504020204" pitchFamily="34" charset="0"/>
+                <a:cs typeface="Open Sans" panose="020B0606030504020204" pitchFamily="34" charset="0"/>
+              </a:defRPr>
+            </a:lvl1pPr>
+            <a:lvl2pPr marL="685800" indent="-228600" algn="l" defTabSz="914400" rtl="0" eaLnBrk="1" latinLnBrk="0" hangingPunct="1">
+              <a:lnSpc>
+                <a:spcPct val="90000"/>
+              </a:lnSpc>
+              <a:spcBef>
+                <a:spcPts val="500"/>
+              </a:spcBef>
+              <a:buFont typeface="Arial" panose="020B0604020202020204" pitchFamily="34" charset="0"/>
+              <a:buChar char="•"/>
+              <a:defRPr sz="2400" kern="1200">
+                <a:solidFill>
+                  <a:schemeClr val="tx1"/>
+                </a:solidFill>
+                <a:latin typeface="Open Sans" panose="020B0606030504020204" pitchFamily="34" charset="0"/>
+                <a:ea typeface="Open Sans" panose="020B0606030504020204" pitchFamily="34" charset="0"/>
+                <a:cs typeface="Open Sans" panose="020B0606030504020204" pitchFamily="34" charset="0"/>
+              </a:defRPr>
+            </a:lvl2pPr>
+            <a:lvl3pPr marL="1143000" indent="-228600" algn="l" defTabSz="914400" rtl="0" eaLnBrk="1" latinLnBrk="0" hangingPunct="1">
+              <a:lnSpc>
+                <a:spcPct val="90000"/>
+              </a:lnSpc>
+              <a:spcBef>
+                <a:spcPts val="500"/>
+              </a:spcBef>
+              <a:buFont typeface="Arial" panose="020B0604020202020204" pitchFamily="34" charset="0"/>
+              <a:buChar char="•"/>
+              <a:defRPr sz="2000" kern="1200">
+                <a:solidFill>
+                  <a:schemeClr val="tx1"/>
+                </a:solidFill>
+                <a:latin typeface="Open Sans" panose="020B0606030504020204" pitchFamily="34" charset="0"/>
+                <a:ea typeface="Open Sans" panose="020B0606030504020204" pitchFamily="34" charset="0"/>
+                <a:cs typeface="Open Sans" panose="020B0606030504020204" pitchFamily="34" charset="0"/>
+              </a:defRPr>
+            </a:lvl3pPr>
+            <a:lvl4pPr marL="1600200" indent="-228600" algn="l" defTabSz="914400" rtl="0" eaLnBrk="1" latinLnBrk="0" hangingPunct="1">
+              <a:lnSpc>
+                <a:spcPct val="90000"/>
+              </a:lnSpc>
+              <a:spcBef>
+                <a:spcPts val="500"/>
+              </a:spcBef>
+              <a:buFont typeface="Arial" panose="020B0604020202020204" pitchFamily="34" charset="0"/>
+              <a:buChar char="•"/>
+              <a:defRPr sz="1800" kern="1200">
+                <a:solidFill>
+                  <a:schemeClr val="tx1"/>
+                </a:solidFill>
+                <a:latin typeface="Open Sans" panose="020B0606030504020204" pitchFamily="34" charset="0"/>
+                <a:ea typeface="Open Sans" panose="020B0606030504020204" pitchFamily="34" charset="0"/>
+                <a:cs typeface="Open Sans" panose="020B0606030504020204" pitchFamily="34" charset="0"/>
+              </a:defRPr>
+            </a:lvl4pPr>
+            <a:lvl5pPr marL="2057400" indent="-228600" algn="l" defTabSz="914400" rtl="0" eaLnBrk="1" latinLnBrk="0" hangingPunct="1">
+              <a:lnSpc>
+                <a:spcPct val="90000"/>
+              </a:lnSpc>
+              <a:spcBef>
+                <a:spcPts val="500"/>
+              </a:spcBef>
+              <a:buFont typeface="Arial" panose="020B0604020202020204" pitchFamily="34" charset="0"/>
+              <a:buChar char="•"/>
+              <a:defRPr sz="1800" kern="1200">
+                <a:solidFill>
+                  <a:schemeClr val="tx1"/>
+                </a:solidFill>
+                <a:latin typeface="Open Sans" panose="020B0606030504020204" pitchFamily="34" charset="0"/>
+                <a:ea typeface="Open Sans" panose="020B0606030504020204" pitchFamily="34" charset="0"/>
+                <a:cs typeface="Open Sans" panose="020B0606030504020204" pitchFamily="34" charset="0"/>
+              </a:defRPr>
+            </a:lvl5pPr>
+            <a:lvl6pPr marL="2514600" indent="-228600" algn="l" defTabSz="914400" rtl="0" eaLnBrk="1" latinLnBrk="0" hangingPunct="1">
+              <a:lnSpc>
+                <a:spcPct val="90000"/>
+              </a:lnSpc>
+              <a:spcBef>
+                <a:spcPts val="500"/>
+              </a:spcBef>
+              <a:buFont typeface="Arial" panose="020B0604020202020204" pitchFamily="34" charset="0"/>
+              <a:buChar char="•"/>
+              <a:defRPr sz="1800" kern="1200">
+                <a:solidFill>
+                  <a:schemeClr val="tx1"/>
+                </a:solidFill>
+                <a:latin typeface="+mn-lt"/>
+                <a:ea typeface="+mn-ea"/>
+                <a:cs typeface="+mn-cs"/>
+              </a:defRPr>
+            </a:lvl6pPr>
+            <a:lvl7pPr marL="2971800" indent="-228600" algn="l" defTabSz="914400" rtl="0" eaLnBrk="1" latinLnBrk="0" hangingPunct="1">
+              <a:lnSpc>
+                <a:spcPct val="90000"/>
+              </a:lnSpc>
+              <a:spcBef>
+                <a:spcPts val="500"/>
+              </a:spcBef>
+              <a:buFont typeface="Arial" panose="020B0604020202020204" pitchFamily="34" charset="0"/>
+              <a:buChar char="•"/>
+              <a:defRPr sz="1800" kern="1200">
+                <a:solidFill>
+                  <a:schemeClr val="tx1"/>
+                </a:solidFill>
+                <a:latin typeface="+mn-lt"/>
+                <a:ea typeface="+mn-ea"/>
+                <a:cs typeface="+mn-cs"/>
+              </a:defRPr>
+            </a:lvl7pPr>
+            <a:lvl8pPr marL="3429000" indent="-228600" algn="l" defTabSz="914400" rtl="0" eaLnBrk="1" latinLnBrk="0" hangingPunct="1">
+              <a:lnSpc>
+                <a:spcPct val="90000"/>
+              </a:lnSpc>
+              <a:spcBef>
+                <a:spcPts val="500"/>
+              </a:spcBef>
+              <a:buFont typeface="Arial" panose="020B0604020202020204" pitchFamily="34" charset="0"/>
+              <a:buChar char="•"/>
+              <a:defRPr sz="1800" kern="1200">
+                <a:solidFill>
+                  <a:schemeClr val="tx1"/>
+                </a:solidFill>
+                <a:latin typeface="+mn-lt"/>
+                <a:ea typeface="+mn-ea"/>
+                <a:cs typeface="+mn-cs"/>
+              </a:defRPr>
+            </a:lvl8pPr>
+            <a:lvl9pPr marL="3886200" indent="-228600" algn="l" defTabSz="914400" rtl="0" eaLnBrk="1" latinLnBrk="0" hangingPunct="1">
+              <a:lnSpc>
+                <a:spcPct val="90000"/>
+              </a:lnSpc>
+              <a:spcBef>
+                <a:spcPts val="500"/>
+              </a:spcBef>
+              <a:buFont typeface="Arial" panose="020B0604020202020204" pitchFamily="34" charset="0"/>
+              <a:buChar char="•"/>
+              <a:defRPr sz="1800" kern="1200">
+                <a:solidFill>
+                  <a:schemeClr val="tx1"/>
+                </a:solidFill>
+                <a:latin typeface="+mn-lt"/>
+                <a:ea typeface="+mn-ea"/>
+                <a:cs typeface="+mn-cs"/>
+              </a:defRPr>
+            </a:lvl9pPr>
+          </a:lstStyle>
           <a:p>
             <a:pPr marL="0" indent="0">
+              <a:lnSpc>
+                <a:spcPct val="100000"/>
+              </a:lnSpc>
               <a:buNone/>
             </a:pPr>
-            <a:endParaRPr lang="en-US" dirty="0"/>
+            <a:r>
+              <a:rPr lang="en-US" sz="2600" dirty="0"/>
+              <a:t>Given a digital image and an integer number K, using the k-means clustering algorithm it is possible to divide the image pixels into K groups, such that pixels in the same group are similar in terms of color </a:t>
+            </a:r>
           </a:p>
         </p:txBody>
       </p:sp>
     </p:spTree>
     <p:extLst>
       <p:ext uri="{BB962C8B-B14F-4D97-AF65-F5344CB8AC3E}">
-        <p14:creationId xmlns:p14="http://schemas.microsoft.com/office/powerpoint/2010/main" val="1688345133"/>
+        <p14:creationId xmlns:p14="http://schemas.microsoft.com/office/powerpoint/2010/main" val="1550463687"/>
       </p:ext>
     </p:extLst>
   </p:cSld>
@@ -3880,7 +7516,7 @@
           <p:cNvPr id="2" name="Title 1">
             <a:extLst>
               <a:ext uri="{FF2B5EF4-FFF2-40B4-BE49-F238E27FC236}">
-                <a16:creationId xmlns:a16="http://schemas.microsoft.com/office/drawing/2014/main" id="{803171CE-E98F-F345-AE61-0D9C5BF71A42}"/>
+                <a16:creationId xmlns:a16="http://schemas.microsoft.com/office/drawing/2014/main" id="{58D5E1F3-A724-6C4A-A46D-869DA0EBB9E5}"/>
               </a:ext>
             </a:extLst>
           </p:cNvPr>
@@ -3899,40 +7535,690 @@
             <a:pPr algn="l"/>
             <a:r>
               <a:rPr lang="en-US" b="1" dirty="0"/>
-              <a:t>Study of the Available Parallelism</a:t>
+              <a:t>Analysis of the Serial Algorithm</a:t>
+            </a:r>
+          </a:p>
+        </p:txBody>
+      </p:sp>
+      <p:pic>
+        <p:nvPicPr>
+          <p:cNvPr id="4" name="Content Placeholder 3">
+            <a:extLst>
+              <a:ext uri="{FF2B5EF4-FFF2-40B4-BE49-F238E27FC236}">
+                <a16:creationId xmlns:a16="http://schemas.microsoft.com/office/drawing/2014/main" id="{5596D3A5-985D-3E44-AA5B-95ADEAA8715C}"/>
+              </a:ext>
+            </a:extLst>
+          </p:cNvPr>
+          <p:cNvPicPr>
+            <a:picLocks noGrp="1" noChangeAspect="1"/>
+          </p:cNvPicPr>
+          <p:nvPr>
+            <p:ph idx="1"/>
+          </p:nvPr>
+        </p:nvPicPr>
+        <p:blipFill>
+          <a:blip r:embed="rId2" cstate="print">
+            <a:extLst>
+              <a:ext uri="{28A0092B-C50C-407E-A947-70E740481C1C}">
+                <a14:useLocalDpi xmlns:a14="http://schemas.microsoft.com/office/drawing/2010/main" val="0"/>
+              </a:ext>
+            </a:extLst>
+          </a:blip>
+          <a:stretch>
+            <a:fillRect/>
+          </a:stretch>
+        </p:blipFill>
+        <p:spPr>
+          <a:xfrm>
+            <a:off x="618260" y="2865453"/>
+            <a:ext cx="2427733" cy="1618488"/>
+          </a:xfrm>
+          <a:prstGeom prst="rect">
+            <a:avLst/>
+          </a:prstGeom>
+        </p:spPr>
+      </p:pic>
+      <p:pic>
+        <p:nvPicPr>
+          <p:cNvPr id="5" name="Picture 4">
+            <a:extLst>
+              <a:ext uri="{FF2B5EF4-FFF2-40B4-BE49-F238E27FC236}">
+                <a16:creationId xmlns:a16="http://schemas.microsoft.com/office/drawing/2014/main" id="{5FBCAFBB-BE1D-6A45-84E2-45728D099453}"/>
+              </a:ext>
+            </a:extLst>
+          </p:cNvPr>
+          <p:cNvPicPr>
+            <a:picLocks noChangeAspect="1"/>
+          </p:cNvPicPr>
+          <p:nvPr/>
+        </p:nvPicPr>
+        <p:blipFill>
+          <a:blip r:embed="rId3" cstate="print">
+            <a:extLst>
+              <a:ext uri="{28A0092B-C50C-407E-A947-70E740481C1C}">
+                <a14:useLocalDpi xmlns:a14="http://schemas.microsoft.com/office/drawing/2010/main" val="0"/>
+              </a:ext>
+            </a:extLst>
+          </a:blip>
+          <a:stretch>
+            <a:fillRect/>
+          </a:stretch>
+        </p:blipFill>
+        <p:spPr>
+          <a:xfrm>
+            <a:off x="3179544" y="2875026"/>
+            <a:ext cx="2428072" cy="1618488"/>
+          </a:xfrm>
+          <a:prstGeom prst="rect">
+            <a:avLst/>
+          </a:prstGeom>
+        </p:spPr>
+      </p:pic>
+      <p:sp>
+        <p:nvSpPr>
+          <p:cNvPr id="9" name="Content Placeholder 2">
+            <a:extLst>
+              <a:ext uri="{FF2B5EF4-FFF2-40B4-BE49-F238E27FC236}">
+                <a16:creationId xmlns:a16="http://schemas.microsoft.com/office/drawing/2014/main" id="{C1F0C817-07E3-4E42-A17E-601BF1C78923}"/>
+              </a:ext>
+            </a:extLst>
+          </p:cNvPr>
+          <p:cNvSpPr txBox="1">
+            <a:spLocks/>
+          </p:cNvSpPr>
+          <p:nvPr/>
+        </p:nvSpPr>
+        <p:spPr>
+          <a:xfrm>
+            <a:off x="628650" y="1825625"/>
+            <a:ext cx="7867650" cy="917575"/>
+          </a:xfrm>
+          <a:prstGeom prst="rect">
+            <a:avLst/>
+          </a:prstGeom>
+        </p:spPr>
+        <p:txBody>
+          <a:bodyPr vert="horz" lIns="91440" tIns="45720" rIns="91440" bIns="45720" rtlCol="0">
+            <a:normAutofit/>
+          </a:bodyPr>
+          <a:lstStyle>
+            <a:lvl1pPr marL="228600" indent="-228600" algn="l" defTabSz="914400" rtl="0" eaLnBrk="1" latinLnBrk="0" hangingPunct="1">
+              <a:lnSpc>
+                <a:spcPct val="90000"/>
+              </a:lnSpc>
+              <a:spcBef>
+                <a:spcPts val="1000"/>
+              </a:spcBef>
+              <a:buFont typeface="Arial" panose="020B0604020202020204" pitchFamily="34" charset="0"/>
+              <a:buChar char="•"/>
+              <a:defRPr sz="2800" kern="1200">
+                <a:solidFill>
+                  <a:schemeClr val="tx1"/>
+                </a:solidFill>
+                <a:latin typeface="Open Sans" panose="020B0606030504020204" pitchFamily="34" charset="0"/>
+                <a:ea typeface="Open Sans" panose="020B0606030504020204" pitchFamily="34" charset="0"/>
+                <a:cs typeface="Open Sans" panose="020B0606030504020204" pitchFamily="34" charset="0"/>
+              </a:defRPr>
+            </a:lvl1pPr>
+            <a:lvl2pPr marL="685800" indent="-228600" algn="l" defTabSz="914400" rtl="0" eaLnBrk="1" latinLnBrk="0" hangingPunct="1">
+              <a:lnSpc>
+                <a:spcPct val="90000"/>
+              </a:lnSpc>
+              <a:spcBef>
+                <a:spcPts val="500"/>
+              </a:spcBef>
+              <a:buFont typeface="Arial" panose="020B0604020202020204" pitchFamily="34" charset="0"/>
+              <a:buChar char="•"/>
+              <a:defRPr sz="2400" kern="1200">
+                <a:solidFill>
+                  <a:schemeClr val="tx1"/>
+                </a:solidFill>
+                <a:latin typeface="Open Sans" panose="020B0606030504020204" pitchFamily="34" charset="0"/>
+                <a:ea typeface="Open Sans" panose="020B0606030504020204" pitchFamily="34" charset="0"/>
+                <a:cs typeface="Open Sans" panose="020B0606030504020204" pitchFamily="34" charset="0"/>
+              </a:defRPr>
+            </a:lvl2pPr>
+            <a:lvl3pPr marL="1143000" indent="-228600" algn="l" defTabSz="914400" rtl="0" eaLnBrk="1" latinLnBrk="0" hangingPunct="1">
+              <a:lnSpc>
+                <a:spcPct val="90000"/>
+              </a:lnSpc>
+              <a:spcBef>
+                <a:spcPts val="500"/>
+              </a:spcBef>
+              <a:buFont typeface="Arial" panose="020B0604020202020204" pitchFamily="34" charset="0"/>
+              <a:buChar char="•"/>
+              <a:defRPr sz="2000" kern="1200">
+                <a:solidFill>
+                  <a:schemeClr val="tx1"/>
+                </a:solidFill>
+                <a:latin typeface="Open Sans" panose="020B0606030504020204" pitchFamily="34" charset="0"/>
+                <a:ea typeface="Open Sans" panose="020B0606030504020204" pitchFamily="34" charset="0"/>
+                <a:cs typeface="Open Sans" panose="020B0606030504020204" pitchFamily="34" charset="0"/>
+              </a:defRPr>
+            </a:lvl3pPr>
+            <a:lvl4pPr marL="1600200" indent="-228600" algn="l" defTabSz="914400" rtl="0" eaLnBrk="1" latinLnBrk="0" hangingPunct="1">
+              <a:lnSpc>
+                <a:spcPct val="90000"/>
+              </a:lnSpc>
+              <a:spcBef>
+                <a:spcPts val="500"/>
+              </a:spcBef>
+              <a:buFont typeface="Arial" panose="020B0604020202020204" pitchFamily="34" charset="0"/>
+              <a:buChar char="•"/>
+              <a:defRPr sz="1800" kern="1200">
+                <a:solidFill>
+                  <a:schemeClr val="tx1"/>
+                </a:solidFill>
+                <a:latin typeface="Open Sans" panose="020B0606030504020204" pitchFamily="34" charset="0"/>
+                <a:ea typeface="Open Sans" panose="020B0606030504020204" pitchFamily="34" charset="0"/>
+                <a:cs typeface="Open Sans" panose="020B0606030504020204" pitchFamily="34" charset="0"/>
+              </a:defRPr>
+            </a:lvl4pPr>
+            <a:lvl5pPr marL="2057400" indent="-228600" algn="l" defTabSz="914400" rtl="0" eaLnBrk="1" latinLnBrk="0" hangingPunct="1">
+              <a:lnSpc>
+                <a:spcPct val="90000"/>
+              </a:lnSpc>
+              <a:spcBef>
+                <a:spcPts val="500"/>
+              </a:spcBef>
+              <a:buFont typeface="Arial" panose="020B0604020202020204" pitchFamily="34" charset="0"/>
+              <a:buChar char="•"/>
+              <a:defRPr sz="1800" kern="1200">
+                <a:solidFill>
+                  <a:schemeClr val="tx1"/>
+                </a:solidFill>
+                <a:latin typeface="Open Sans" panose="020B0606030504020204" pitchFamily="34" charset="0"/>
+                <a:ea typeface="Open Sans" panose="020B0606030504020204" pitchFamily="34" charset="0"/>
+                <a:cs typeface="Open Sans" panose="020B0606030504020204" pitchFamily="34" charset="0"/>
+              </a:defRPr>
+            </a:lvl5pPr>
+            <a:lvl6pPr marL="2514600" indent="-228600" algn="l" defTabSz="914400" rtl="0" eaLnBrk="1" latinLnBrk="0" hangingPunct="1">
+              <a:lnSpc>
+                <a:spcPct val="90000"/>
+              </a:lnSpc>
+              <a:spcBef>
+                <a:spcPts val="500"/>
+              </a:spcBef>
+              <a:buFont typeface="Arial" panose="020B0604020202020204" pitchFamily="34" charset="0"/>
+              <a:buChar char="•"/>
+              <a:defRPr sz="1800" kern="1200">
+                <a:solidFill>
+                  <a:schemeClr val="tx1"/>
+                </a:solidFill>
+                <a:latin typeface="+mn-lt"/>
+                <a:ea typeface="+mn-ea"/>
+                <a:cs typeface="+mn-cs"/>
+              </a:defRPr>
+            </a:lvl6pPr>
+            <a:lvl7pPr marL="2971800" indent="-228600" algn="l" defTabSz="914400" rtl="0" eaLnBrk="1" latinLnBrk="0" hangingPunct="1">
+              <a:lnSpc>
+                <a:spcPct val="90000"/>
+              </a:lnSpc>
+              <a:spcBef>
+                <a:spcPts val="500"/>
+              </a:spcBef>
+              <a:buFont typeface="Arial" panose="020B0604020202020204" pitchFamily="34" charset="0"/>
+              <a:buChar char="•"/>
+              <a:defRPr sz="1800" kern="1200">
+                <a:solidFill>
+                  <a:schemeClr val="tx1"/>
+                </a:solidFill>
+                <a:latin typeface="+mn-lt"/>
+                <a:ea typeface="+mn-ea"/>
+                <a:cs typeface="+mn-cs"/>
+              </a:defRPr>
+            </a:lvl7pPr>
+            <a:lvl8pPr marL="3429000" indent="-228600" algn="l" defTabSz="914400" rtl="0" eaLnBrk="1" latinLnBrk="0" hangingPunct="1">
+              <a:lnSpc>
+                <a:spcPct val="90000"/>
+              </a:lnSpc>
+              <a:spcBef>
+                <a:spcPts val="500"/>
+              </a:spcBef>
+              <a:buFont typeface="Arial" panose="020B0604020202020204" pitchFamily="34" charset="0"/>
+              <a:buChar char="•"/>
+              <a:defRPr sz="1800" kern="1200">
+                <a:solidFill>
+                  <a:schemeClr val="tx1"/>
+                </a:solidFill>
+                <a:latin typeface="+mn-lt"/>
+                <a:ea typeface="+mn-ea"/>
+                <a:cs typeface="+mn-cs"/>
+              </a:defRPr>
+            </a:lvl8pPr>
+            <a:lvl9pPr marL="3886200" indent="-228600" algn="l" defTabSz="914400" rtl="0" eaLnBrk="1" latinLnBrk="0" hangingPunct="1">
+              <a:lnSpc>
+                <a:spcPct val="90000"/>
+              </a:lnSpc>
+              <a:spcBef>
+                <a:spcPts val="500"/>
+              </a:spcBef>
+              <a:buFont typeface="Arial" panose="020B0604020202020204" pitchFamily="34" charset="0"/>
+              <a:buChar char="•"/>
+              <a:defRPr sz="1800" kern="1200">
+                <a:solidFill>
+                  <a:schemeClr val="tx1"/>
+                </a:solidFill>
+                <a:latin typeface="+mn-lt"/>
+                <a:ea typeface="+mn-ea"/>
+                <a:cs typeface="+mn-cs"/>
+              </a:defRPr>
+            </a:lvl9pPr>
+          </a:lstStyle>
+          <a:p>
+            <a:pPr marL="0" indent="0">
+              <a:lnSpc>
+                <a:spcPct val="100000"/>
+              </a:lnSpc>
+              <a:buNone/>
+            </a:pPr>
+            <a:r>
+              <a:rPr lang="en-US" sz="2600" dirty="0"/>
+              <a:t>In the segmented image, K different regions of pixels of similar color are distinguishable </a:t>
+            </a:r>
+          </a:p>
+        </p:txBody>
+      </p:sp>
+      <p:pic>
+        <p:nvPicPr>
+          <p:cNvPr id="10" name="Picture 9">
+            <a:extLst>
+              <a:ext uri="{FF2B5EF4-FFF2-40B4-BE49-F238E27FC236}">
+                <a16:creationId xmlns:a16="http://schemas.microsoft.com/office/drawing/2014/main" id="{B649D2A8-4E8F-3544-B8C2-B85CD75B738E}"/>
+              </a:ext>
+            </a:extLst>
+          </p:cNvPr>
+          <p:cNvPicPr>
+            <a:picLocks noChangeAspect="1"/>
+          </p:cNvPicPr>
+          <p:nvPr/>
+        </p:nvPicPr>
+        <p:blipFill>
+          <a:blip r:embed="rId4" cstate="print">
+            <a:extLst>
+              <a:ext uri="{28A0092B-C50C-407E-A947-70E740481C1C}">
+                <a14:useLocalDpi xmlns:a14="http://schemas.microsoft.com/office/drawing/2010/main" val="0"/>
+              </a:ext>
+            </a:extLst>
+          </a:blip>
+          <a:stretch>
+            <a:fillRect/>
+          </a:stretch>
+        </p:blipFill>
+        <p:spPr>
+          <a:xfrm>
+            <a:off x="5741167" y="2875026"/>
+            <a:ext cx="2431138" cy="1618488"/>
+          </a:xfrm>
+          <a:prstGeom prst="rect">
+            <a:avLst/>
+          </a:prstGeom>
+        </p:spPr>
+      </p:pic>
+      <p:pic>
+        <p:nvPicPr>
+          <p:cNvPr id="11" name="Picture 10">
+            <a:extLst>
+              <a:ext uri="{FF2B5EF4-FFF2-40B4-BE49-F238E27FC236}">
+                <a16:creationId xmlns:a16="http://schemas.microsoft.com/office/drawing/2014/main" id="{1BBC0350-4598-7745-8D65-B21FED62795D}"/>
+              </a:ext>
+            </a:extLst>
+          </p:cNvPr>
+          <p:cNvPicPr>
+            <a:picLocks noChangeAspect="1"/>
+          </p:cNvPicPr>
+          <p:nvPr/>
+        </p:nvPicPr>
+        <p:blipFill>
+          <a:blip r:embed="rId5" cstate="print">
+            <a:extLst>
+              <a:ext uri="{28A0092B-C50C-407E-A947-70E740481C1C}">
+                <a14:useLocalDpi xmlns:a14="http://schemas.microsoft.com/office/drawing/2010/main" val="0"/>
+              </a:ext>
+            </a:extLst>
+          </a:blip>
+          <a:stretch>
+            <a:fillRect/>
+          </a:stretch>
+        </p:blipFill>
+        <p:spPr>
+          <a:xfrm>
+            <a:off x="628312" y="4553712"/>
+            <a:ext cx="2428072" cy="1618488"/>
+          </a:xfrm>
+          <a:prstGeom prst="rect">
+            <a:avLst/>
+          </a:prstGeom>
+        </p:spPr>
+      </p:pic>
+      <p:pic>
+        <p:nvPicPr>
+          <p:cNvPr id="12" name="Picture 11">
+            <a:extLst>
+              <a:ext uri="{FF2B5EF4-FFF2-40B4-BE49-F238E27FC236}">
+                <a16:creationId xmlns:a16="http://schemas.microsoft.com/office/drawing/2014/main" id="{08B4A8B0-E20E-2545-B63A-896318755292}"/>
+              </a:ext>
+            </a:extLst>
+          </p:cNvPr>
+          <p:cNvPicPr>
+            <a:picLocks noChangeAspect="1"/>
+          </p:cNvPicPr>
+          <p:nvPr/>
+        </p:nvPicPr>
+        <p:blipFill>
+          <a:blip r:embed="rId6" cstate="print">
+            <a:extLst>
+              <a:ext uri="{28A0092B-C50C-407E-A947-70E740481C1C}">
+                <a14:useLocalDpi xmlns:a14="http://schemas.microsoft.com/office/drawing/2010/main" val="0"/>
+              </a:ext>
+            </a:extLst>
+          </a:blip>
+          <a:stretch>
+            <a:fillRect/>
+          </a:stretch>
+        </p:blipFill>
+        <p:spPr>
+          <a:xfrm>
+            <a:off x="3179544" y="4563285"/>
+            <a:ext cx="2428072" cy="1618488"/>
+          </a:xfrm>
+          <a:prstGeom prst="rect">
+            <a:avLst/>
+          </a:prstGeom>
+        </p:spPr>
+      </p:pic>
+      <p:pic>
+        <p:nvPicPr>
+          <p:cNvPr id="13" name="Picture 12">
+            <a:extLst>
+              <a:ext uri="{FF2B5EF4-FFF2-40B4-BE49-F238E27FC236}">
+                <a16:creationId xmlns:a16="http://schemas.microsoft.com/office/drawing/2014/main" id="{FFEEA3C4-2DA3-3647-8162-3291E7CF3375}"/>
+              </a:ext>
+            </a:extLst>
+          </p:cNvPr>
+          <p:cNvPicPr>
+            <a:picLocks noChangeAspect="1"/>
+          </p:cNvPicPr>
+          <p:nvPr/>
+        </p:nvPicPr>
+        <p:blipFill>
+          <a:blip r:embed="rId7" cstate="print">
+            <a:extLst>
+              <a:ext uri="{28A0092B-C50C-407E-A947-70E740481C1C}">
+                <a14:useLocalDpi xmlns:a14="http://schemas.microsoft.com/office/drawing/2010/main" val="0"/>
+              </a:ext>
+            </a:extLst>
+          </a:blip>
+          <a:stretch>
+            <a:fillRect/>
+          </a:stretch>
+        </p:blipFill>
+        <p:spPr>
+          <a:xfrm>
+            <a:off x="5741167" y="4572858"/>
+            <a:ext cx="2428072" cy="1618488"/>
+          </a:xfrm>
+          <a:prstGeom prst="rect">
+            <a:avLst/>
+          </a:prstGeom>
+        </p:spPr>
+      </p:pic>
+      <p:sp>
+        <p:nvSpPr>
+          <p:cNvPr id="14" name="TextBox 13">
+            <a:extLst>
+              <a:ext uri="{FF2B5EF4-FFF2-40B4-BE49-F238E27FC236}">
+                <a16:creationId xmlns:a16="http://schemas.microsoft.com/office/drawing/2014/main" id="{7D2A0DCB-F36C-7045-9DDD-12FA8B019F20}"/>
+              </a:ext>
+            </a:extLst>
+          </p:cNvPr>
+          <p:cNvSpPr txBox="1"/>
+          <p:nvPr/>
+        </p:nvSpPr>
+        <p:spPr>
+          <a:xfrm>
+            <a:off x="609600" y="4132005"/>
+            <a:ext cx="1571264" cy="338554"/>
+          </a:xfrm>
+          <a:prstGeom prst="rect">
+            <a:avLst/>
+          </a:prstGeom>
+          <a:noFill/>
+        </p:spPr>
+        <p:txBody>
+          <a:bodyPr wrap="none" rtlCol="0">
+            <a:spAutoFit/>
+          </a:bodyPr>
+          <a:lstStyle/>
+          <a:p>
+            <a:r>
+              <a:rPr lang="en-US" sz="1600" dirty="0">
+                <a:solidFill>
+                  <a:schemeClr val="bg1"/>
+                </a:solidFill>
+                <a:latin typeface="Open Sans" panose="020B0606030504020204" pitchFamily="34" charset="0"/>
+                <a:ea typeface="Open Sans" panose="020B0606030504020204" pitchFamily="34" charset="0"/>
+                <a:cs typeface="Open Sans" panose="020B0606030504020204" pitchFamily="34" charset="0"/>
+              </a:rPr>
+              <a:t>Original image</a:t>
             </a:r>
           </a:p>
         </p:txBody>
       </p:sp>
       <p:sp>
         <p:nvSpPr>
-          <p:cNvPr id="3" name="Content Placeholder 2">
+          <p:cNvPr id="15" name="TextBox 14">
             <a:extLst>
               <a:ext uri="{FF2B5EF4-FFF2-40B4-BE49-F238E27FC236}">
-                <a16:creationId xmlns:a16="http://schemas.microsoft.com/office/drawing/2014/main" id="{14D98476-D1AD-FA42-A787-08BB9DA9CF56}"/>
+                <a16:creationId xmlns:a16="http://schemas.microsoft.com/office/drawing/2014/main" id="{50631D45-2C39-584B-8FC8-0C15BBBCBA88}"/>
               </a:ext>
             </a:extLst>
           </p:cNvPr>
-          <p:cNvSpPr>
-            <a:spLocks noGrp="1"/>
-          </p:cNvSpPr>
-          <p:nvPr>
-            <p:ph idx="1"/>
-          </p:nvPr>
+          <p:cNvSpPr txBox="1"/>
+          <p:nvPr/>
         </p:nvSpPr>
-        <p:spPr/>
+        <p:spPr>
+          <a:xfrm>
+            <a:off x="3198612" y="4158477"/>
+            <a:ext cx="651140" cy="338554"/>
+          </a:xfrm>
+          <a:prstGeom prst="rect">
+            <a:avLst/>
+          </a:prstGeom>
+          <a:noFill/>
+        </p:spPr>
         <p:txBody>
-          <a:bodyPr/>
+          <a:bodyPr wrap="none" rtlCol="0">
+            <a:spAutoFit/>
+          </a:bodyPr>
           <a:lstStyle/>
           <a:p>
-            <a:endParaRPr lang="en-US"/>
+            <a:r>
+              <a:rPr lang="en-US" sz="1600" dirty="0">
+                <a:solidFill>
+                  <a:schemeClr val="bg1"/>
+                </a:solidFill>
+                <a:latin typeface="Open Sans" panose="020B0606030504020204" pitchFamily="34" charset="0"/>
+                <a:ea typeface="Open Sans" panose="020B0606030504020204" pitchFamily="34" charset="0"/>
+                <a:cs typeface="Open Sans" panose="020B0606030504020204" pitchFamily="34" charset="0"/>
+              </a:rPr>
+              <a:t>K = 4</a:t>
+            </a:r>
+          </a:p>
+        </p:txBody>
+      </p:sp>
+      <p:sp>
+        <p:nvSpPr>
+          <p:cNvPr id="16" name="TextBox 15">
+            <a:extLst>
+              <a:ext uri="{FF2B5EF4-FFF2-40B4-BE49-F238E27FC236}">
+                <a16:creationId xmlns:a16="http://schemas.microsoft.com/office/drawing/2014/main" id="{AB79C04B-A774-714C-A820-2E7E768422C7}"/>
+              </a:ext>
+            </a:extLst>
+          </p:cNvPr>
+          <p:cNvSpPr txBox="1"/>
+          <p:nvPr/>
+        </p:nvSpPr>
+        <p:spPr>
+          <a:xfrm>
+            <a:off x="607514" y="5813917"/>
+            <a:ext cx="768159" cy="338554"/>
+          </a:xfrm>
+          <a:prstGeom prst="rect">
+            <a:avLst/>
+          </a:prstGeom>
+          <a:noFill/>
+        </p:spPr>
+        <p:txBody>
+          <a:bodyPr wrap="none" rtlCol="0">
+            <a:spAutoFit/>
+          </a:bodyPr>
+          <a:lstStyle/>
+          <a:p>
+            <a:r>
+              <a:rPr lang="en-US" sz="1600" dirty="0">
+                <a:solidFill>
+                  <a:schemeClr val="bg1"/>
+                </a:solidFill>
+                <a:latin typeface="Open Sans" panose="020B0606030504020204" pitchFamily="34" charset="0"/>
+                <a:ea typeface="Open Sans" panose="020B0606030504020204" pitchFamily="34" charset="0"/>
+                <a:cs typeface="Open Sans" panose="020B0606030504020204" pitchFamily="34" charset="0"/>
+              </a:rPr>
+              <a:t>K = 16</a:t>
+            </a:r>
+          </a:p>
+        </p:txBody>
+      </p:sp>
+      <p:sp>
+        <p:nvSpPr>
+          <p:cNvPr id="17" name="TextBox 16">
+            <a:extLst>
+              <a:ext uri="{FF2B5EF4-FFF2-40B4-BE49-F238E27FC236}">
+                <a16:creationId xmlns:a16="http://schemas.microsoft.com/office/drawing/2014/main" id="{4F045510-D08E-0C41-A7C3-BCF0B290BE56}"/>
+              </a:ext>
+            </a:extLst>
+          </p:cNvPr>
+          <p:cNvSpPr txBox="1"/>
+          <p:nvPr/>
+        </p:nvSpPr>
+        <p:spPr>
+          <a:xfrm>
+            <a:off x="3198612" y="5823490"/>
+            <a:ext cx="768159" cy="338554"/>
+          </a:xfrm>
+          <a:prstGeom prst="rect">
+            <a:avLst/>
+          </a:prstGeom>
+          <a:noFill/>
+        </p:spPr>
+        <p:txBody>
+          <a:bodyPr wrap="none" rtlCol="0">
+            <a:spAutoFit/>
+          </a:bodyPr>
+          <a:lstStyle/>
+          <a:p>
+            <a:r>
+              <a:rPr lang="en-US" sz="1600" dirty="0">
+                <a:solidFill>
+                  <a:schemeClr val="bg1"/>
+                </a:solidFill>
+                <a:latin typeface="Open Sans" panose="020B0606030504020204" pitchFamily="34" charset="0"/>
+                <a:ea typeface="Open Sans" panose="020B0606030504020204" pitchFamily="34" charset="0"/>
+                <a:cs typeface="Open Sans" panose="020B0606030504020204" pitchFamily="34" charset="0"/>
+              </a:rPr>
+              <a:t>K = 32</a:t>
+            </a:r>
+          </a:p>
+        </p:txBody>
+      </p:sp>
+      <p:sp>
+        <p:nvSpPr>
+          <p:cNvPr id="18" name="TextBox 17">
+            <a:extLst>
+              <a:ext uri="{FF2B5EF4-FFF2-40B4-BE49-F238E27FC236}">
+                <a16:creationId xmlns:a16="http://schemas.microsoft.com/office/drawing/2014/main" id="{FAE82F5A-FA4D-B849-BD3A-E141D74F7419}"/>
+              </a:ext>
+            </a:extLst>
+          </p:cNvPr>
+          <p:cNvSpPr txBox="1"/>
+          <p:nvPr/>
+        </p:nvSpPr>
+        <p:spPr>
+          <a:xfrm>
+            <a:off x="5741168" y="4148654"/>
+            <a:ext cx="651140" cy="338554"/>
+          </a:xfrm>
+          <a:prstGeom prst="rect">
+            <a:avLst/>
+          </a:prstGeom>
+          <a:noFill/>
+        </p:spPr>
+        <p:txBody>
+          <a:bodyPr wrap="none" rtlCol="0">
+            <a:spAutoFit/>
+          </a:bodyPr>
+          <a:lstStyle/>
+          <a:p>
+            <a:r>
+              <a:rPr lang="en-US" sz="1600" dirty="0">
+                <a:solidFill>
+                  <a:schemeClr val="bg1"/>
+                </a:solidFill>
+                <a:latin typeface="Open Sans" panose="020B0606030504020204" pitchFamily="34" charset="0"/>
+                <a:ea typeface="Open Sans" panose="020B0606030504020204" pitchFamily="34" charset="0"/>
+                <a:cs typeface="Open Sans" panose="020B0606030504020204" pitchFamily="34" charset="0"/>
+              </a:rPr>
+              <a:t>K = 8</a:t>
+            </a:r>
+          </a:p>
+        </p:txBody>
+      </p:sp>
+      <p:sp>
+        <p:nvSpPr>
+          <p:cNvPr id="19" name="TextBox 18">
+            <a:extLst>
+              <a:ext uri="{FF2B5EF4-FFF2-40B4-BE49-F238E27FC236}">
+                <a16:creationId xmlns:a16="http://schemas.microsoft.com/office/drawing/2014/main" id="{32918A35-9E3C-664E-97C5-E43227281523}"/>
+              </a:ext>
+            </a:extLst>
+          </p:cNvPr>
+          <p:cNvSpPr txBox="1"/>
+          <p:nvPr/>
+        </p:nvSpPr>
+        <p:spPr>
+          <a:xfrm>
+            <a:off x="5771937" y="5843454"/>
+            <a:ext cx="768159" cy="338554"/>
+          </a:xfrm>
+          <a:prstGeom prst="rect">
+            <a:avLst/>
+          </a:prstGeom>
+          <a:noFill/>
+        </p:spPr>
+        <p:txBody>
+          <a:bodyPr wrap="none" rtlCol="0">
+            <a:spAutoFit/>
+          </a:bodyPr>
+          <a:lstStyle/>
+          <a:p>
+            <a:r>
+              <a:rPr lang="en-US" sz="1600" dirty="0">
+                <a:solidFill>
+                  <a:schemeClr val="bg1"/>
+                </a:solidFill>
+                <a:latin typeface="Open Sans" panose="020B0606030504020204" pitchFamily="34" charset="0"/>
+                <a:ea typeface="Open Sans" panose="020B0606030504020204" pitchFamily="34" charset="0"/>
+                <a:cs typeface="Open Sans" panose="020B0606030504020204" pitchFamily="34" charset="0"/>
+              </a:rPr>
+              <a:t>K = 64</a:t>
+            </a:r>
           </a:p>
         </p:txBody>
       </p:sp>
     </p:spTree>
     <p:extLst>
       <p:ext uri="{BB962C8B-B14F-4D97-AF65-F5344CB8AC3E}">
-        <p14:creationId xmlns:p14="http://schemas.microsoft.com/office/powerpoint/2010/main" val="2090502125"/>
+        <p14:creationId xmlns:p14="http://schemas.microsoft.com/office/powerpoint/2010/main" val="1002563408"/>
       </p:ext>
     </p:extLst>
   </p:cSld>
@@ -3964,7 +8250,7 @@
           <p:cNvPr id="2" name="Title 1">
             <a:extLst>
               <a:ext uri="{FF2B5EF4-FFF2-40B4-BE49-F238E27FC236}">
-                <a16:creationId xmlns:a16="http://schemas.microsoft.com/office/drawing/2014/main" id="{803171CE-E98F-F345-AE61-0D9C5BF71A42}"/>
+                <a16:creationId xmlns:a16="http://schemas.microsoft.com/office/drawing/2014/main" id="{58D5E1F3-A724-6C4A-A46D-869DA0EBB9E5}"/>
               </a:ext>
             </a:extLst>
           </p:cNvPr>
@@ -3983,40 +8269,287 @@
             <a:pPr algn="l"/>
             <a:r>
               <a:rPr lang="en-US" b="1" dirty="0"/>
-              <a:t>The parallel implementation</a:t>
+              <a:t>Analysis of the Serial Algorithm</a:t>
             </a:r>
           </a:p>
         </p:txBody>
       </p:sp>
-      <p:sp>
-        <p:nvSpPr>
-          <p:cNvPr id="3" name="Content Placeholder 2">
+      <p:pic>
+        <p:nvPicPr>
+          <p:cNvPr id="4" name="Content Placeholder 3">
             <a:extLst>
               <a:ext uri="{FF2B5EF4-FFF2-40B4-BE49-F238E27FC236}">
-                <a16:creationId xmlns:a16="http://schemas.microsoft.com/office/drawing/2014/main" id="{14D98476-D1AD-FA42-A787-08BB9DA9CF56}"/>
+                <a16:creationId xmlns:a16="http://schemas.microsoft.com/office/drawing/2014/main" id="{324733E9-F123-AB4D-945F-0F6E32319562}"/>
               </a:ext>
             </a:extLst>
           </p:cNvPr>
-          <p:cNvSpPr>
-            <a:spLocks noGrp="1"/>
-          </p:cNvSpPr>
+          <p:cNvPicPr>
+            <a:picLocks noGrp="1"/>
+          </p:cNvPicPr>
           <p:nvPr>
             <p:ph idx="1"/>
           </p:nvPr>
+        </p:nvPicPr>
+        <p:blipFill>
+          <a:blip r:embed="rId2">
+            <a:extLst>
+              <a:ext uri="{28A0092B-C50C-407E-A947-70E740481C1C}">
+                <a14:useLocalDpi xmlns:a14="http://schemas.microsoft.com/office/drawing/2010/main" val="0"/>
+              </a:ext>
+            </a:extLst>
+          </a:blip>
+          <a:stretch>
+            <a:fillRect/>
+          </a:stretch>
+        </p:blipFill>
+        <p:spPr>
+          <a:xfrm>
+            <a:off x="628650" y="2878136"/>
+            <a:ext cx="0" cy="3291840"/>
+          </a:xfrm>
+          <a:prstGeom prst="rect">
+            <a:avLst/>
+          </a:prstGeom>
+        </p:spPr>
+      </p:pic>
+      <p:sp>
+        <p:nvSpPr>
+          <p:cNvPr id="5" name="Content Placeholder 2">
+            <a:extLst>
+              <a:ext uri="{FF2B5EF4-FFF2-40B4-BE49-F238E27FC236}">
+                <a16:creationId xmlns:a16="http://schemas.microsoft.com/office/drawing/2014/main" id="{54529BF7-99DE-0343-9A62-D2A8BF5CF343}"/>
+              </a:ext>
+            </a:extLst>
+          </p:cNvPr>
+          <p:cNvSpPr txBox="1">
+            <a:spLocks/>
+          </p:cNvSpPr>
+          <p:nvPr/>
         </p:nvSpPr>
-        <p:spPr/>
+        <p:spPr>
+          <a:xfrm>
+            <a:off x="628650" y="1825625"/>
+            <a:ext cx="7867650" cy="917575"/>
+          </a:xfrm>
+          <a:prstGeom prst="rect">
+            <a:avLst/>
+          </a:prstGeom>
+        </p:spPr>
         <p:txBody>
-          <a:bodyPr/>
-          <a:lstStyle/>
-          <a:p>
-            <a:endParaRPr lang="en-US"/>
+          <a:bodyPr vert="horz" lIns="91440" tIns="45720" rIns="91440" bIns="45720" rtlCol="0">
+            <a:normAutofit/>
+          </a:bodyPr>
+          <a:lstStyle>
+            <a:lvl1pPr marL="228600" indent="-228600" algn="l" defTabSz="914400" rtl="0" eaLnBrk="1" latinLnBrk="0" hangingPunct="1">
+              <a:lnSpc>
+                <a:spcPct val="90000"/>
+              </a:lnSpc>
+              <a:spcBef>
+                <a:spcPts val="1000"/>
+              </a:spcBef>
+              <a:buFont typeface="Arial" panose="020B0604020202020204" pitchFamily="34" charset="0"/>
+              <a:buChar char="•"/>
+              <a:defRPr sz="2800" kern="1200">
+                <a:solidFill>
+                  <a:schemeClr val="tx1"/>
+                </a:solidFill>
+                <a:latin typeface="Open Sans" panose="020B0606030504020204" pitchFamily="34" charset="0"/>
+                <a:ea typeface="Open Sans" panose="020B0606030504020204" pitchFamily="34" charset="0"/>
+                <a:cs typeface="Open Sans" panose="020B0606030504020204" pitchFamily="34" charset="0"/>
+              </a:defRPr>
+            </a:lvl1pPr>
+            <a:lvl2pPr marL="685800" indent="-228600" algn="l" defTabSz="914400" rtl="0" eaLnBrk="1" latinLnBrk="0" hangingPunct="1">
+              <a:lnSpc>
+                <a:spcPct val="90000"/>
+              </a:lnSpc>
+              <a:spcBef>
+                <a:spcPts val="500"/>
+              </a:spcBef>
+              <a:buFont typeface="Arial" panose="020B0604020202020204" pitchFamily="34" charset="0"/>
+              <a:buChar char="•"/>
+              <a:defRPr sz="2400" kern="1200">
+                <a:solidFill>
+                  <a:schemeClr val="tx1"/>
+                </a:solidFill>
+                <a:latin typeface="Open Sans" panose="020B0606030504020204" pitchFamily="34" charset="0"/>
+                <a:ea typeface="Open Sans" panose="020B0606030504020204" pitchFamily="34" charset="0"/>
+                <a:cs typeface="Open Sans" panose="020B0606030504020204" pitchFamily="34" charset="0"/>
+              </a:defRPr>
+            </a:lvl2pPr>
+            <a:lvl3pPr marL="1143000" indent="-228600" algn="l" defTabSz="914400" rtl="0" eaLnBrk="1" latinLnBrk="0" hangingPunct="1">
+              <a:lnSpc>
+                <a:spcPct val="90000"/>
+              </a:lnSpc>
+              <a:spcBef>
+                <a:spcPts val="500"/>
+              </a:spcBef>
+              <a:buFont typeface="Arial" panose="020B0604020202020204" pitchFamily="34" charset="0"/>
+              <a:buChar char="•"/>
+              <a:defRPr sz="2000" kern="1200">
+                <a:solidFill>
+                  <a:schemeClr val="tx1"/>
+                </a:solidFill>
+                <a:latin typeface="Open Sans" panose="020B0606030504020204" pitchFamily="34" charset="0"/>
+                <a:ea typeface="Open Sans" panose="020B0606030504020204" pitchFamily="34" charset="0"/>
+                <a:cs typeface="Open Sans" panose="020B0606030504020204" pitchFamily="34" charset="0"/>
+              </a:defRPr>
+            </a:lvl3pPr>
+            <a:lvl4pPr marL="1600200" indent="-228600" algn="l" defTabSz="914400" rtl="0" eaLnBrk="1" latinLnBrk="0" hangingPunct="1">
+              <a:lnSpc>
+                <a:spcPct val="90000"/>
+              </a:lnSpc>
+              <a:spcBef>
+                <a:spcPts val="500"/>
+              </a:spcBef>
+              <a:buFont typeface="Arial" panose="020B0604020202020204" pitchFamily="34" charset="0"/>
+              <a:buChar char="•"/>
+              <a:defRPr sz="1800" kern="1200">
+                <a:solidFill>
+                  <a:schemeClr val="tx1"/>
+                </a:solidFill>
+                <a:latin typeface="Open Sans" panose="020B0606030504020204" pitchFamily="34" charset="0"/>
+                <a:ea typeface="Open Sans" panose="020B0606030504020204" pitchFamily="34" charset="0"/>
+                <a:cs typeface="Open Sans" panose="020B0606030504020204" pitchFamily="34" charset="0"/>
+              </a:defRPr>
+            </a:lvl4pPr>
+            <a:lvl5pPr marL="2057400" indent="-228600" algn="l" defTabSz="914400" rtl="0" eaLnBrk="1" latinLnBrk="0" hangingPunct="1">
+              <a:lnSpc>
+                <a:spcPct val="90000"/>
+              </a:lnSpc>
+              <a:spcBef>
+                <a:spcPts val="500"/>
+              </a:spcBef>
+              <a:buFont typeface="Arial" panose="020B0604020202020204" pitchFamily="34" charset="0"/>
+              <a:buChar char="•"/>
+              <a:defRPr sz="1800" kern="1200">
+                <a:solidFill>
+                  <a:schemeClr val="tx1"/>
+                </a:solidFill>
+                <a:latin typeface="Open Sans" panose="020B0606030504020204" pitchFamily="34" charset="0"/>
+                <a:ea typeface="Open Sans" panose="020B0606030504020204" pitchFamily="34" charset="0"/>
+                <a:cs typeface="Open Sans" panose="020B0606030504020204" pitchFamily="34" charset="0"/>
+              </a:defRPr>
+            </a:lvl5pPr>
+            <a:lvl6pPr marL="2514600" indent="-228600" algn="l" defTabSz="914400" rtl="0" eaLnBrk="1" latinLnBrk="0" hangingPunct="1">
+              <a:lnSpc>
+                <a:spcPct val="90000"/>
+              </a:lnSpc>
+              <a:spcBef>
+                <a:spcPts val="500"/>
+              </a:spcBef>
+              <a:buFont typeface="Arial" panose="020B0604020202020204" pitchFamily="34" charset="0"/>
+              <a:buChar char="•"/>
+              <a:defRPr sz="1800" kern="1200">
+                <a:solidFill>
+                  <a:schemeClr val="tx1"/>
+                </a:solidFill>
+                <a:latin typeface="+mn-lt"/>
+                <a:ea typeface="+mn-ea"/>
+                <a:cs typeface="+mn-cs"/>
+              </a:defRPr>
+            </a:lvl6pPr>
+            <a:lvl7pPr marL="2971800" indent="-228600" algn="l" defTabSz="914400" rtl="0" eaLnBrk="1" latinLnBrk="0" hangingPunct="1">
+              <a:lnSpc>
+                <a:spcPct val="90000"/>
+              </a:lnSpc>
+              <a:spcBef>
+                <a:spcPts val="500"/>
+              </a:spcBef>
+              <a:buFont typeface="Arial" panose="020B0604020202020204" pitchFamily="34" charset="0"/>
+              <a:buChar char="•"/>
+              <a:defRPr sz="1800" kern="1200">
+                <a:solidFill>
+                  <a:schemeClr val="tx1"/>
+                </a:solidFill>
+                <a:latin typeface="+mn-lt"/>
+                <a:ea typeface="+mn-ea"/>
+                <a:cs typeface="+mn-cs"/>
+              </a:defRPr>
+            </a:lvl7pPr>
+            <a:lvl8pPr marL="3429000" indent="-228600" algn="l" defTabSz="914400" rtl="0" eaLnBrk="1" latinLnBrk="0" hangingPunct="1">
+              <a:lnSpc>
+                <a:spcPct val="90000"/>
+              </a:lnSpc>
+              <a:spcBef>
+                <a:spcPts val="500"/>
+              </a:spcBef>
+              <a:buFont typeface="Arial" panose="020B0604020202020204" pitchFamily="34" charset="0"/>
+              <a:buChar char="•"/>
+              <a:defRPr sz="1800" kern="1200">
+                <a:solidFill>
+                  <a:schemeClr val="tx1"/>
+                </a:solidFill>
+                <a:latin typeface="+mn-lt"/>
+                <a:ea typeface="+mn-ea"/>
+                <a:cs typeface="+mn-cs"/>
+              </a:defRPr>
+            </a:lvl8pPr>
+            <a:lvl9pPr marL="3886200" indent="-228600" algn="l" defTabSz="914400" rtl="0" eaLnBrk="1" latinLnBrk="0" hangingPunct="1">
+              <a:lnSpc>
+                <a:spcPct val="90000"/>
+              </a:lnSpc>
+              <a:spcBef>
+                <a:spcPts val="500"/>
+              </a:spcBef>
+              <a:buFont typeface="Arial" panose="020B0604020202020204" pitchFamily="34" charset="0"/>
+              <a:buChar char="•"/>
+              <a:defRPr sz="1800" kern="1200">
+                <a:solidFill>
+                  <a:schemeClr val="tx1"/>
+                </a:solidFill>
+                <a:latin typeface="+mn-lt"/>
+                <a:ea typeface="+mn-ea"/>
+                <a:cs typeface="+mn-cs"/>
+              </a:defRPr>
+            </a:lvl9pPr>
+          </a:lstStyle>
+          <a:p>
+            <a:pPr marL="0" indent="0">
+              <a:lnSpc>
+                <a:spcPct val="100000"/>
+              </a:lnSpc>
+              <a:buNone/>
+            </a:pPr>
+            <a:r>
+              <a:rPr lang="en-US" sz="2600" dirty="0"/>
+              <a:t>Increasing the number of clusters K, the execution time increases …</a:t>
+            </a:r>
           </a:p>
         </p:txBody>
       </p:sp>
+      <p:pic>
+        <p:nvPicPr>
+          <p:cNvPr id="7" name="Picture 6">
+            <a:extLst>
+              <a:ext uri="{FF2B5EF4-FFF2-40B4-BE49-F238E27FC236}">
+                <a16:creationId xmlns:a16="http://schemas.microsoft.com/office/drawing/2014/main" id="{FB3A0943-1DA7-8C49-BC75-467DDF5E368B}"/>
+              </a:ext>
+            </a:extLst>
+          </p:cNvPr>
+          <p:cNvPicPr>
+            <a:picLocks noChangeAspect="1"/>
+          </p:cNvPicPr>
+          <p:nvPr/>
+        </p:nvPicPr>
+        <p:blipFill rotWithShape="1">
+          <a:blip r:embed="rId3"/>
+          <a:srcRect l="1540" t="1677"/>
+          <a:stretch/>
+        </p:blipFill>
+        <p:spPr>
+          <a:xfrm>
+            <a:off x="633179" y="3028012"/>
+            <a:ext cx="7727742" cy="3234128"/>
+          </a:xfrm>
+          <a:prstGeom prst="rect">
+            <a:avLst/>
+          </a:prstGeom>
+        </p:spPr>
+      </p:pic>
     </p:spTree>
     <p:extLst>
       <p:ext uri="{BB962C8B-B14F-4D97-AF65-F5344CB8AC3E}">
-        <p14:creationId xmlns:p14="http://schemas.microsoft.com/office/powerpoint/2010/main" val="74863142"/>
+        <p14:creationId xmlns:p14="http://schemas.microsoft.com/office/powerpoint/2010/main" val="1387367769"/>
       </p:ext>
     </p:extLst>
   </p:cSld>
@@ -4048,7 +8581,7 @@
           <p:cNvPr id="2" name="Title 1">
             <a:extLst>
               <a:ext uri="{FF2B5EF4-FFF2-40B4-BE49-F238E27FC236}">
-                <a16:creationId xmlns:a16="http://schemas.microsoft.com/office/drawing/2014/main" id="{803171CE-E98F-F345-AE61-0D9C5BF71A42}"/>
+                <a16:creationId xmlns:a16="http://schemas.microsoft.com/office/drawing/2014/main" id="{58D5E1F3-A724-6C4A-A46D-869DA0EBB9E5}"/>
               </a:ext>
             </a:extLst>
           </p:cNvPr>
@@ -4067,40 +8600,287 @@
             <a:pPr algn="l"/>
             <a:r>
               <a:rPr lang="en-US" b="1" dirty="0"/>
-              <a:t>Performance Analysis</a:t>
+              <a:t>Analysis of the Serial Algorithm</a:t>
             </a:r>
           </a:p>
         </p:txBody>
       </p:sp>
-      <p:sp>
-        <p:nvSpPr>
-          <p:cNvPr id="3" name="Content Placeholder 2">
+      <p:pic>
+        <p:nvPicPr>
+          <p:cNvPr id="4" name="Content Placeholder 3">
             <a:extLst>
               <a:ext uri="{FF2B5EF4-FFF2-40B4-BE49-F238E27FC236}">
-                <a16:creationId xmlns:a16="http://schemas.microsoft.com/office/drawing/2014/main" id="{14D98476-D1AD-FA42-A787-08BB9DA9CF56}"/>
+                <a16:creationId xmlns:a16="http://schemas.microsoft.com/office/drawing/2014/main" id="{21A5714C-C121-3E44-AE48-4C325B26B7BD}"/>
               </a:ext>
             </a:extLst>
           </p:cNvPr>
-          <p:cNvSpPr>
-            <a:spLocks noGrp="1"/>
-          </p:cNvSpPr>
+          <p:cNvPicPr>
+            <a:picLocks noGrp="1"/>
+          </p:cNvPicPr>
           <p:nvPr>
             <p:ph idx="1"/>
           </p:nvPr>
+        </p:nvPicPr>
+        <p:blipFill>
+          <a:blip r:embed="rId2">
+            <a:extLst>
+              <a:ext uri="{28A0092B-C50C-407E-A947-70E740481C1C}">
+                <a14:useLocalDpi xmlns:a14="http://schemas.microsoft.com/office/drawing/2010/main" val="0"/>
+              </a:ext>
+            </a:extLst>
+          </a:blip>
+          <a:stretch>
+            <a:fillRect/>
+          </a:stretch>
+        </p:blipFill>
+        <p:spPr>
+          <a:xfrm>
+            <a:off x="628650" y="2563344"/>
+            <a:ext cx="0" cy="3611880"/>
+          </a:xfrm>
+          <a:prstGeom prst="rect">
+            <a:avLst/>
+          </a:prstGeom>
+        </p:spPr>
+      </p:pic>
+      <p:sp>
+        <p:nvSpPr>
+          <p:cNvPr id="5" name="Content Placeholder 2">
+            <a:extLst>
+              <a:ext uri="{FF2B5EF4-FFF2-40B4-BE49-F238E27FC236}">
+                <a16:creationId xmlns:a16="http://schemas.microsoft.com/office/drawing/2014/main" id="{FE50AB99-5FE8-094C-9498-7883793794C3}"/>
+              </a:ext>
+            </a:extLst>
+          </p:cNvPr>
+          <p:cNvSpPr txBox="1">
+            <a:spLocks/>
+          </p:cNvSpPr>
+          <p:nvPr/>
         </p:nvSpPr>
-        <p:spPr/>
+        <p:spPr>
+          <a:xfrm>
+            <a:off x="628650" y="1825626"/>
+            <a:ext cx="7867650" cy="602782"/>
+          </a:xfrm>
+          <a:prstGeom prst="rect">
+            <a:avLst/>
+          </a:prstGeom>
+        </p:spPr>
         <p:txBody>
-          <a:bodyPr/>
-          <a:lstStyle/>
-          <a:p>
-            <a:endParaRPr lang="en-US"/>
+          <a:bodyPr vert="horz" lIns="91440" tIns="45720" rIns="91440" bIns="45720" rtlCol="0">
+            <a:normAutofit/>
+          </a:bodyPr>
+          <a:lstStyle>
+            <a:lvl1pPr marL="228600" indent="-228600" algn="l" defTabSz="914400" rtl="0" eaLnBrk="1" latinLnBrk="0" hangingPunct="1">
+              <a:lnSpc>
+                <a:spcPct val="90000"/>
+              </a:lnSpc>
+              <a:spcBef>
+                <a:spcPts val="1000"/>
+              </a:spcBef>
+              <a:buFont typeface="Arial" panose="020B0604020202020204" pitchFamily="34" charset="0"/>
+              <a:buChar char="•"/>
+              <a:defRPr sz="2800" kern="1200">
+                <a:solidFill>
+                  <a:schemeClr val="tx1"/>
+                </a:solidFill>
+                <a:latin typeface="Open Sans" panose="020B0606030504020204" pitchFamily="34" charset="0"/>
+                <a:ea typeface="Open Sans" panose="020B0606030504020204" pitchFamily="34" charset="0"/>
+                <a:cs typeface="Open Sans" panose="020B0606030504020204" pitchFamily="34" charset="0"/>
+              </a:defRPr>
+            </a:lvl1pPr>
+            <a:lvl2pPr marL="685800" indent="-228600" algn="l" defTabSz="914400" rtl="0" eaLnBrk="1" latinLnBrk="0" hangingPunct="1">
+              <a:lnSpc>
+                <a:spcPct val="90000"/>
+              </a:lnSpc>
+              <a:spcBef>
+                <a:spcPts val="500"/>
+              </a:spcBef>
+              <a:buFont typeface="Arial" panose="020B0604020202020204" pitchFamily="34" charset="0"/>
+              <a:buChar char="•"/>
+              <a:defRPr sz="2400" kern="1200">
+                <a:solidFill>
+                  <a:schemeClr val="tx1"/>
+                </a:solidFill>
+                <a:latin typeface="Open Sans" panose="020B0606030504020204" pitchFamily="34" charset="0"/>
+                <a:ea typeface="Open Sans" panose="020B0606030504020204" pitchFamily="34" charset="0"/>
+                <a:cs typeface="Open Sans" panose="020B0606030504020204" pitchFamily="34" charset="0"/>
+              </a:defRPr>
+            </a:lvl2pPr>
+            <a:lvl3pPr marL="1143000" indent="-228600" algn="l" defTabSz="914400" rtl="0" eaLnBrk="1" latinLnBrk="0" hangingPunct="1">
+              <a:lnSpc>
+                <a:spcPct val="90000"/>
+              </a:lnSpc>
+              <a:spcBef>
+                <a:spcPts val="500"/>
+              </a:spcBef>
+              <a:buFont typeface="Arial" panose="020B0604020202020204" pitchFamily="34" charset="0"/>
+              <a:buChar char="•"/>
+              <a:defRPr sz="2000" kern="1200">
+                <a:solidFill>
+                  <a:schemeClr val="tx1"/>
+                </a:solidFill>
+                <a:latin typeface="Open Sans" panose="020B0606030504020204" pitchFamily="34" charset="0"/>
+                <a:ea typeface="Open Sans" panose="020B0606030504020204" pitchFamily="34" charset="0"/>
+                <a:cs typeface="Open Sans" panose="020B0606030504020204" pitchFamily="34" charset="0"/>
+              </a:defRPr>
+            </a:lvl3pPr>
+            <a:lvl4pPr marL="1600200" indent="-228600" algn="l" defTabSz="914400" rtl="0" eaLnBrk="1" latinLnBrk="0" hangingPunct="1">
+              <a:lnSpc>
+                <a:spcPct val="90000"/>
+              </a:lnSpc>
+              <a:spcBef>
+                <a:spcPts val="500"/>
+              </a:spcBef>
+              <a:buFont typeface="Arial" panose="020B0604020202020204" pitchFamily="34" charset="0"/>
+              <a:buChar char="•"/>
+              <a:defRPr sz="1800" kern="1200">
+                <a:solidFill>
+                  <a:schemeClr val="tx1"/>
+                </a:solidFill>
+                <a:latin typeface="Open Sans" panose="020B0606030504020204" pitchFamily="34" charset="0"/>
+                <a:ea typeface="Open Sans" panose="020B0606030504020204" pitchFamily="34" charset="0"/>
+                <a:cs typeface="Open Sans" panose="020B0606030504020204" pitchFamily="34" charset="0"/>
+              </a:defRPr>
+            </a:lvl4pPr>
+            <a:lvl5pPr marL="2057400" indent="-228600" algn="l" defTabSz="914400" rtl="0" eaLnBrk="1" latinLnBrk="0" hangingPunct="1">
+              <a:lnSpc>
+                <a:spcPct val="90000"/>
+              </a:lnSpc>
+              <a:spcBef>
+                <a:spcPts val="500"/>
+              </a:spcBef>
+              <a:buFont typeface="Arial" panose="020B0604020202020204" pitchFamily="34" charset="0"/>
+              <a:buChar char="•"/>
+              <a:defRPr sz="1800" kern="1200">
+                <a:solidFill>
+                  <a:schemeClr val="tx1"/>
+                </a:solidFill>
+                <a:latin typeface="Open Sans" panose="020B0606030504020204" pitchFamily="34" charset="0"/>
+                <a:ea typeface="Open Sans" panose="020B0606030504020204" pitchFamily="34" charset="0"/>
+                <a:cs typeface="Open Sans" panose="020B0606030504020204" pitchFamily="34" charset="0"/>
+              </a:defRPr>
+            </a:lvl5pPr>
+            <a:lvl6pPr marL="2514600" indent="-228600" algn="l" defTabSz="914400" rtl="0" eaLnBrk="1" latinLnBrk="0" hangingPunct="1">
+              <a:lnSpc>
+                <a:spcPct val="90000"/>
+              </a:lnSpc>
+              <a:spcBef>
+                <a:spcPts val="500"/>
+              </a:spcBef>
+              <a:buFont typeface="Arial" panose="020B0604020202020204" pitchFamily="34" charset="0"/>
+              <a:buChar char="•"/>
+              <a:defRPr sz="1800" kern="1200">
+                <a:solidFill>
+                  <a:schemeClr val="tx1"/>
+                </a:solidFill>
+                <a:latin typeface="+mn-lt"/>
+                <a:ea typeface="+mn-ea"/>
+                <a:cs typeface="+mn-cs"/>
+              </a:defRPr>
+            </a:lvl6pPr>
+            <a:lvl7pPr marL="2971800" indent="-228600" algn="l" defTabSz="914400" rtl="0" eaLnBrk="1" latinLnBrk="0" hangingPunct="1">
+              <a:lnSpc>
+                <a:spcPct val="90000"/>
+              </a:lnSpc>
+              <a:spcBef>
+                <a:spcPts val="500"/>
+              </a:spcBef>
+              <a:buFont typeface="Arial" panose="020B0604020202020204" pitchFamily="34" charset="0"/>
+              <a:buChar char="•"/>
+              <a:defRPr sz="1800" kern="1200">
+                <a:solidFill>
+                  <a:schemeClr val="tx1"/>
+                </a:solidFill>
+                <a:latin typeface="+mn-lt"/>
+                <a:ea typeface="+mn-ea"/>
+                <a:cs typeface="+mn-cs"/>
+              </a:defRPr>
+            </a:lvl7pPr>
+            <a:lvl8pPr marL="3429000" indent="-228600" algn="l" defTabSz="914400" rtl="0" eaLnBrk="1" latinLnBrk="0" hangingPunct="1">
+              <a:lnSpc>
+                <a:spcPct val="90000"/>
+              </a:lnSpc>
+              <a:spcBef>
+                <a:spcPts val="500"/>
+              </a:spcBef>
+              <a:buFont typeface="Arial" panose="020B0604020202020204" pitchFamily="34" charset="0"/>
+              <a:buChar char="•"/>
+              <a:defRPr sz="1800" kern="1200">
+                <a:solidFill>
+                  <a:schemeClr val="tx1"/>
+                </a:solidFill>
+                <a:latin typeface="+mn-lt"/>
+                <a:ea typeface="+mn-ea"/>
+                <a:cs typeface="+mn-cs"/>
+              </a:defRPr>
+            </a:lvl8pPr>
+            <a:lvl9pPr marL="3886200" indent="-228600" algn="l" defTabSz="914400" rtl="0" eaLnBrk="1" latinLnBrk="0" hangingPunct="1">
+              <a:lnSpc>
+                <a:spcPct val="90000"/>
+              </a:lnSpc>
+              <a:spcBef>
+                <a:spcPts val="500"/>
+              </a:spcBef>
+              <a:buFont typeface="Arial" panose="020B0604020202020204" pitchFamily="34" charset="0"/>
+              <a:buChar char="•"/>
+              <a:defRPr sz="1800" kern="1200">
+                <a:solidFill>
+                  <a:schemeClr val="tx1"/>
+                </a:solidFill>
+                <a:latin typeface="+mn-lt"/>
+                <a:ea typeface="+mn-ea"/>
+                <a:cs typeface="+mn-cs"/>
+              </a:defRPr>
+            </a:lvl9pPr>
+          </a:lstStyle>
+          <a:p>
+            <a:pPr marL="0" indent="0">
+              <a:lnSpc>
+                <a:spcPct val="100000"/>
+              </a:lnSpc>
+              <a:buNone/>
+            </a:pPr>
+            <a:r>
+              <a:rPr lang="en-US" sz="2600" dirty="0"/>
+              <a:t>… and the Sum of Squared Errors decreases.</a:t>
+            </a:r>
           </a:p>
         </p:txBody>
       </p:sp>
+      <p:pic>
+        <p:nvPicPr>
+          <p:cNvPr id="7" name="Picture 6">
+            <a:extLst>
+              <a:ext uri="{FF2B5EF4-FFF2-40B4-BE49-F238E27FC236}">
+                <a16:creationId xmlns:a16="http://schemas.microsoft.com/office/drawing/2014/main" id="{9D9991D8-CA19-4245-B41E-20259033C4A8}"/>
+              </a:ext>
+            </a:extLst>
+          </p:cNvPr>
+          <p:cNvPicPr>
+            <a:picLocks noChangeAspect="1"/>
+          </p:cNvPicPr>
+          <p:nvPr/>
+        </p:nvPicPr>
+        <p:blipFill rotWithShape="1">
+          <a:blip r:embed="rId3"/>
+          <a:srcRect l="1592" t="1104"/>
+          <a:stretch/>
+        </p:blipFill>
+        <p:spPr>
+          <a:xfrm>
+            <a:off x="700634" y="2585803"/>
+            <a:ext cx="7723682" cy="3566961"/>
+          </a:xfrm>
+          <a:prstGeom prst="rect">
+            <a:avLst/>
+          </a:prstGeom>
+        </p:spPr>
+      </p:pic>
     </p:spTree>
     <p:extLst>
       <p:ext uri="{BB962C8B-B14F-4D97-AF65-F5344CB8AC3E}">
-        <p14:creationId xmlns:p14="http://schemas.microsoft.com/office/powerpoint/2010/main" val="206086206"/>
+        <p14:creationId xmlns:p14="http://schemas.microsoft.com/office/powerpoint/2010/main" val="2612702896"/>
       </p:ext>
     </p:extLst>
   </p:cSld>
@@ -4151,7 +8931,2167 @@
             <a:pPr algn="l"/>
             <a:r>
               <a:rPr lang="en-US" b="1" dirty="0"/>
-              <a:t>Conclusions</a:t>
+              <a:t>Study of the Available Parallelism</a:t>
+            </a:r>
+          </a:p>
+        </p:txBody>
+      </p:sp>
+      <p:graphicFrame>
+        <p:nvGraphicFramePr>
+          <p:cNvPr id="6" name="Content Placeholder 5">
+            <a:extLst>
+              <a:ext uri="{FF2B5EF4-FFF2-40B4-BE49-F238E27FC236}">
+                <a16:creationId xmlns:a16="http://schemas.microsoft.com/office/drawing/2014/main" id="{AC7730B3-CB29-0E46-AE4A-2F596D9EC45E}"/>
+              </a:ext>
+            </a:extLst>
+          </p:cNvPr>
+          <p:cNvGraphicFramePr>
+            <a:graphicFrameLocks noGrp="1"/>
+          </p:cNvGraphicFramePr>
+          <p:nvPr>
+            <p:ph idx="1"/>
+            <p:extLst>
+              <p:ext uri="{D42A27DB-BD31-4B8C-83A1-F6EECF244321}">
+                <p14:modId xmlns:p14="http://schemas.microsoft.com/office/powerpoint/2010/main" val="4141884148"/>
+              </p:ext>
+            </p:extLst>
+          </p:nvPr>
+        </p:nvGraphicFramePr>
+        <p:xfrm>
+          <a:off x="750686" y="2953112"/>
+          <a:ext cx="7448931" cy="3081181"/>
+        </p:xfrm>
+        <a:graphic>
+          <a:graphicData uri="http://schemas.openxmlformats.org/drawingml/2006/table">
+            <a:tbl>
+              <a:tblPr firstRow="1" firstCol="1" bandRow="1">
+                <a:tableStyleId>{5940675A-B579-460E-94D1-54222C63F5DA}</a:tableStyleId>
+              </a:tblPr>
+              <a:tblGrid>
+                <a:gridCol w="1590466">
+                  <a:extLst>
+                    <a:ext uri="{9D8B030D-6E8A-4147-A177-3AD203B41FA5}">
+                      <a16:colId xmlns:a16="http://schemas.microsoft.com/office/drawing/2014/main" val="3404792054"/>
+                    </a:ext>
+                  </a:extLst>
+                </a:gridCol>
+                <a:gridCol w="789566">
+                  <a:extLst>
+                    <a:ext uri="{9D8B030D-6E8A-4147-A177-3AD203B41FA5}">
+                      <a16:colId xmlns:a16="http://schemas.microsoft.com/office/drawing/2014/main" val="1109674659"/>
+                    </a:ext>
+                  </a:extLst>
+                </a:gridCol>
+                <a:gridCol w="789566">
+                  <a:extLst>
+                    <a:ext uri="{9D8B030D-6E8A-4147-A177-3AD203B41FA5}">
+                      <a16:colId xmlns:a16="http://schemas.microsoft.com/office/drawing/2014/main" val="367519559"/>
+                    </a:ext>
+                  </a:extLst>
+                </a:gridCol>
+                <a:gridCol w="820733">
+                  <a:extLst>
+                    <a:ext uri="{9D8B030D-6E8A-4147-A177-3AD203B41FA5}">
+                      <a16:colId xmlns:a16="http://schemas.microsoft.com/office/drawing/2014/main" val="4282856346"/>
+                    </a:ext>
+                  </a:extLst>
+                </a:gridCol>
+                <a:gridCol w="820733">
+                  <a:extLst>
+                    <a:ext uri="{9D8B030D-6E8A-4147-A177-3AD203B41FA5}">
+                      <a16:colId xmlns:a16="http://schemas.microsoft.com/office/drawing/2014/main" val="3466520470"/>
+                    </a:ext>
+                  </a:extLst>
+                </a:gridCol>
+                <a:gridCol w="820733">
+                  <a:extLst>
+                    <a:ext uri="{9D8B030D-6E8A-4147-A177-3AD203B41FA5}">
+                      <a16:colId xmlns:a16="http://schemas.microsoft.com/office/drawing/2014/main" val="3897487279"/>
+                    </a:ext>
+                  </a:extLst>
+                </a:gridCol>
+                <a:gridCol w="903845">
+                  <a:extLst>
+                    <a:ext uri="{9D8B030D-6E8A-4147-A177-3AD203B41FA5}">
+                      <a16:colId xmlns:a16="http://schemas.microsoft.com/office/drawing/2014/main" val="392934535"/>
+                    </a:ext>
+                  </a:extLst>
+                </a:gridCol>
+                <a:gridCol w="913289">
+                  <a:extLst>
+                    <a:ext uri="{9D8B030D-6E8A-4147-A177-3AD203B41FA5}">
+                      <a16:colId xmlns:a16="http://schemas.microsoft.com/office/drawing/2014/main" val="1461758353"/>
+                    </a:ext>
+                  </a:extLst>
+                </a:gridCol>
+              </a:tblGrid>
+              <a:tr h="592163">
+                <a:tc>
+                  <a:txBody>
+                    <a:bodyPr/>
+                    <a:lstStyle/>
+                    <a:p>
+                      <a:pPr marL="0" marR="0" algn="just">
+                        <a:lnSpc>
+                          <a:spcPct val="115000"/>
+                        </a:lnSpc>
+                        <a:spcBef>
+                          <a:spcPts val="0"/>
+                        </a:spcBef>
+                        <a:spcAft>
+                          <a:spcPts val="0"/>
+                        </a:spcAft>
+                      </a:pPr>
+                      <a:r>
+                        <a:rPr lang="en-US" sz="1400" dirty="0">
+                          <a:effectLst/>
+                          <a:latin typeface="Open Sans" panose="020B0606030504020204" pitchFamily="34" charset="0"/>
+                          <a:ea typeface="Open Sans" panose="020B0606030504020204" pitchFamily="34" charset="0"/>
+                          <a:cs typeface="Open Sans" panose="020B0606030504020204" pitchFamily="34" charset="0"/>
+                        </a:rPr>
+                        <a:t> </a:t>
+                      </a:r>
+                    </a:p>
+                  </a:txBody>
+                  <a:tcPr marL="68580" marR="68580" marT="0" marB="0">
+                    <a:solidFill>
+                      <a:schemeClr val="accent1">
+                        <a:lumMod val="40000"/>
+                        <a:lumOff val="60000"/>
+                      </a:schemeClr>
+                    </a:solidFill>
+                  </a:tcPr>
+                </a:tc>
+                <a:tc>
+                  <a:txBody>
+                    <a:bodyPr/>
+                    <a:lstStyle/>
+                    <a:p>
+                      <a:pPr marL="0" marR="0" algn="ctr">
+                        <a:lnSpc>
+                          <a:spcPct val="115000"/>
+                        </a:lnSpc>
+                        <a:spcBef>
+                          <a:spcPts val="0"/>
+                        </a:spcBef>
+                        <a:spcAft>
+                          <a:spcPts val="0"/>
+                        </a:spcAft>
+                      </a:pPr>
+                      <a:r>
+                        <a:rPr lang="en-US" sz="1400" b="1" dirty="0">
+                          <a:effectLst/>
+                          <a:latin typeface="Open Sans" panose="020B0606030504020204" pitchFamily="34" charset="0"/>
+                          <a:ea typeface="Open Sans" panose="020B0606030504020204" pitchFamily="34" charset="0"/>
+                          <a:cs typeface="Open Sans" panose="020B0606030504020204" pitchFamily="34" charset="0"/>
+                        </a:rPr>
+                        <a:t>K=4</a:t>
+                      </a:r>
+                    </a:p>
+                  </a:txBody>
+                  <a:tcPr marL="68580" marR="68580" marT="0" marB="0" anchor="ctr">
+                    <a:solidFill>
+                      <a:schemeClr val="accent1">
+                        <a:lumMod val="20000"/>
+                        <a:lumOff val="80000"/>
+                      </a:schemeClr>
+                    </a:solidFill>
+                  </a:tcPr>
+                </a:tc>
+                <a:tc>
+                  <a:txBody>
+                    <a:bodyPr/>
+                    <a:lstStyle/>
+                    <a:p>
+                      <a:pPr marL="0" marR="0" algn="ctr">
+                        <a:lnSpc>
+                          <a:spcPct val="115000"/>
+                        </a:lnSpc>
+                        <a:spcBef>
+                          <a:spcPts val="0"/>
+                        </a:spcBef>
+                        <a:spcAft>
+                          <a:spcPts val="0"/>
+                        </a:spcAft>
+                      </a:pPr>
+                      <a:r>
+                        <a:rPr lang="en-US" sz="1400" b="1" dirty="0">
+                          <a:effectLst/>
+                          <a:latin typeface="Open Sans" panose="020B0606030504020204" pitchFamily="34" charset="0"/>
+                          <a:ea typeface="Open Sans" panose="020B0606030504020204" pitchFamily="34" charset="0"/>
+                          <a:cs typeface="Open Sans" panose="020B0606030504020204" pitchFamily="34" charset="0"/>
+                        </a:rPr>
+                        <a:t>K=8</a:t>
+                      </a:r>
+                    </a:p>
+                  </a:txBody>
+                  <a:tcPr marL="68580" marR="68580" marT="0" marB="0" anchor="ctr">
+                    <a:solidFill>
+                      <a:schemeClr val="accent1">
+                        <a:lumMod val="20000"/>
+                        <a:lumOff val="80000"/>
+                      </a:schemeClr>
+                    </a:solidFill>
+                  </a:tcPr>
+                </a:tc>
+                <a:tc>
+                  <a:txBody>
+                    <a:bodyPr/>
+                    <a:lstStyle/>
+                    <a:p>
+                      <a:pPr marL="0" marR="0" algn="ctr">
+                        <a:lnSpc>
+                          <a:spcPct val="115000"/>
+                        </a:lnSpc>
+                        <a:spcBef>
+                          <a:spcPts val="0"/>
+                        </a:spcBef>
+                        <a:spcAft>
+                          <a:spcPts val="0"/>
+                        </a:spcAft>
+                      </a:pPr>
+                      <a:r>
+                        <a:rPr lang="en-US" sz="1400" b="1" dirty="0">
+                          <a:effectLst/>
+                          <a:latin typeface="Open Sans" panose="020B0606030504020204" pitchFamily="34" charset="0"/>
+                          <a:ea typeface="Open Sans" panose="020B0606030504020204" pitchFamily="34" charset="0"/>
+                          <a:cs typeface="Open Sans" panose="020B0606030504020204" pitchFamily="34" charset="0"/>
+                        </a:rPr>
+                        <a:t>K=16</a:t>
+                      </a:r>
+                    </a:p>
+                  </a:txBody>
+                  <a:tcPr marL="68580" marR="68580" marT="0" marB="0" anchor="ctr">
+                    <a:solidFill>
+                      <a:schemeClr val="accent1">
+                        <a:lumMod val="20000"/>
+                        <a:lumOff val="80000"/>
+                      </a:schemeClr>
+                    </a:solidFill>
+                  </a:tcPr>
+                </a:tc>
+                <a:tc>
+                  <a:txBody>
+                    <a:bodyPr/>
+                    <a:lstStyle/>
+                    <a:p>
+                      <a:pPr marL="0" marR="0" algn="ctr">
+                        <a:lnSpc>
+                          <a:spcPct val="115000"/>
+                        </a:lnSpc>
+                        <a:spcBef>
+                          <a:spcPts val="0"/>
+                        </a:spcBef>
+                        <a:spcAft>
+                          <a:spcPts val="0"/>
+                        </a:spcAft>
+                      </a:pPr>
+                      <a:r>
+                        <a:rPr lang="en-US" sz="1400" b="1" dirty="0">
+                          <a:effectLst/>
+                          <a:latin typeface="Open Sans" panose="020B0606030504020204" pitchFamily="34" charset="0"/>
+                          <a:ea typeface="Open Sans" panose="020B0606030504020204" pitchFamily="34" charset="0"/>
+                          <a:cs typeface="Open Sans" panose="020B0606030504020204" pitchFamily="34" charset="0"/>
+                        </a:rPr>
+                        <a:t>K=32</a:t>
+                      </a:r>
+                    </a:p>
+                  </a:txBody>
+                  <a:tcPr marL="68580" marR="68580" marT="0" marB="0" anchor="ctr">
+                    <a:solidFill>
+                      <a:schemeClr val="accent1">
+                        <a:lumMod val="20000"/>
+                        <a:lumOff val="80000"/>
+                      </a:schemeClr>
+                    </a:solidFill>
+                  </a:tcPr>
+                </a:tc>
+                <a:tc>
+                  <a:txBody>
+                    <a:bodyPr/>
+                    <a:lstStyle/>
+                    <a:p>
+                      <a:pPr marL="0" marR="0" algn="ctr">
+                        <a:lnSpc>
+                          <a:spcPct val="115000"/>
+                        </a:lnSpc>
+                        <a:spcBef>
+                          <a:spcPts val="0"/>
+                        </a:spcBef>
+                        <a:spcAft>
+                          <a:spcPts val="0"/>
+                        </a:spcAft>
+                      </a:pPr>
+                      <a:r>
+                        <a:rPr lang="en-US" sz="1400" b="1" dirty="0">
+                          <a:effectLst/>
+                          <a:latin typeface="Open Sans" panose="020B0606030504020204" pitchFamily="34" charset="0"/>
+                          <a:ea typeface="Open Sans" panose="020B0606030504020204" pitchFamily="34" charset="0"/>
+                          <a:cs typeface="Open Sans" panose="020B0606030504020204" pitchFamily="34" charset="0"/>
+                        </a:rPr>
+                        <a:t>K=64</a:t>
+                      </a:r>
+                    </a:p>
+                  </a:txBody>
+                  <a:tcPr marL="68580" marR="68580" marT="0" marB="0" anchor="ctr">
+                    <a:solidFill>
+                      <a:schemeClr val="accent1">
+                        <a:lumMod val="20000"/>
+                        <a:lumOff val="80000"/>
+                      </a:schemeClr>
+                    </a:solidFill>
+                  </a:tcPr>
+                </a:tc>
+                <a:tc>
+                  <a:txBody>
+                    <a:bodyPr/>
+                    <a:lstStyle/>
+                    <a:p>
+                      <a:pPr marL="0" marR="0" algn="ctr">
+                        <a:lnSpc>
+                          <a:spcPct val="115000"/>
+                        </a:lnSpc>
+                        <a:spcBef>
+                          <a:spcPts val="0"/>
+                        </a:spcBef>
+                        <a:spcAft>
+                          <a:spcPts val="0"/>
+                        </a:spcAft>
+                      </a:pPr>
+                      <a:r>
+                        <a:rPr lang="en-US" sz="1400" b="1" dirty="0">
+                          <a:effectLst/>
+                          <a:latin typeface="Open Sans" panose="020B0606030504020204" pitchFamily="34" charset="0"/>
+                          <a:ea typeface="Open Sans" panose="020B0606030504020204" pitchFamily="34" charset="0"/>
+                          <a:cs typeface="Open Sans" panose="020B0606030504020204" pitchFamily="34" charset="0"/>
+                        </a:rPr>
+                        <a:t>K=128</a:t>
+                      </a:r>
+                    </a:p>
+                  </a:txBody>
+                  <a:tcPr marL="68580" marR="68580" marT="0" marB="0" anchor="ctr">
+                    <a:solidFill>
+                      <a:schemeClr val="accent1">
+                        <a:lumMod val="20000"/>
+                        <a:lumOff val="80000"/>
+                      </a:schemeClr>
+                    </a:solidFill>
+                  </a:tcPr>
+                </a:tc>
+                <a:tc>
+                  <a:txBody>
+                    <a:bodyPr/>
+                    <a:lstStyle/>
+                    <a:p>
+                      <a:pPr marL="0" marR="0" algn="ctr">
+                        <a:lnSpc>
+                          <a:spcPct val="115000"/>
+                        </a:lnSpc>
+                        <a:spcBef>
+                          <a:spcPts val="0"/>
+                        </a:spcBef>
+                        <a:spcAft>
+                          <a:spcPts val="0"/>
+                        </a:spcAft>
+                      </a:pPr>
+                      <a:r>
+                        <a:rPr lang="en-US" sz="1400" b="1" dirty="0">
+                          <a:effectLst/>
+                          <a:latin typeface="Open Sans" panose="020B0606030504020204" pitchFamily="34" charset="0"/>
+                          <a:ea typeface="Open Sans" panose="020B0606030504020204" pitchFamily="34" charset="0"/>
+                          <a:cs typeface="Open Sans" panose="020B0606030504020204" pitchFamily="34" charset="0"/>
+                        </a:rPr>
+                        <a:t>K=256</a:t>
+                      </a:r>
+                    </a:p>
+                  </a:txBody>
+                  <a:tcPr marL="68580" marR="68580" marT="0" marB="0" anchor="ctr">
+                    <a:solidFill>
+                      <a:schemeClr val="accent1">
+                        <a:lumMod val="20000"/>
+                        <a:lumOff val="80000"/>
+                      </a:schemeClr>
+                    </a:solidFill>
+                  </a:tcPr>
+                </a:tc>
+                <a:extLst>
+                  <a:ext uri="{0D108BD9-81ED-4DB2-BD59-A6C34878D82A}">
+                    <a16:rowId xmlns:a16="http://schemas.microsoft.com/office/drawing/2014/main" val="1199207416"/>
+                  </a:ext>
+                </a:extLst>
+              </a:tr>
+              <a:tr h="467497">
+                <a:tc>
+                  <a:txBody>
+                    <a:bodyPr/>
+                    <a:lstStyle/>
+                    <a:p>
+                      <a:pPr marL="0" marR="0" algn="ctr">
+                        <a:spcBef>
+                          <a:spcPts val="0"/>
+                        </a:spcBef>
+                        <a:spcAft>
+                          <a:spcPts val="0"/>
+                        </a:spcAft>
+                      </a:pPr>
+                      <a:r>
+                        <a:rPr lang="en-US" sz="1400" i="1" dirty="0">
+                          <a:effectLst/>
+                          <a:latin typeface="Open Sans" panose="020B0606030504020204" pitchFamily="34" charset="0"/>
+                          <a:ea typeface="Open Sans" panose="020B0606030504020204" pitchFamily="34" charset="0"/>
+                          <a:cs typeface="Open Sans" panose="020B0606030504020204" pitchFamily="34" charset="0"/>
+                        </a:rPr>
+                        <a:t>init_centers</a:t>
+                      </a:r>
+                    </a:p>
+                  </a:txBody>
+                  <a:tcPr marL="68580" marR="68580" marT="0" marB="0" anchor="ctr">
+                    <a:solidFill>
+                      <a:schemeClr val="accent1">
+                        <a:lumMod val="40000"/>
+                        <a:lumOff val="60000"/>
+                      </a:schemeClr>
+                    </a:solidFill>
+                  </a:tcPr>
+                </a:tc>
+                <a:tc>
+                  <a:txBody>
+                    <a:bodyPr/>
+                    <a:lstStyle/>
+                    <a:p>
+                      <a:pPr marL="0" marR="0" algn="ctr">
+                        <a:spcBef>
+                          <a:spcPts val="0"/>
+                        </a:spcBef>
+                        <a:spcAft>
+                          <a:spcPts val="0"/>
+                        </a:spcAft>
+                      </a:pPr>
+                      <a:r>
+                        <a:rPr lang="en-US" sz="1400" dirty="0">
+                          <a:effectLst/>
+                          <a:latin typeface="Open Sans" panose="020B0606030504020204" pitchFamily="34" charset="0"/>
+                          <a:ea typeface="Open Sans" panose="020B0606030504020204" pitchFamily="34" charset="0"/>
+                          <a:cs typeface="Open Sans" panose="020B0606030504020204" pitchFamily="34" charset="0"/>
+                        </a:rPr>
+                        <a:t>0.0%</a:t>
+                      </a:r>
+                    </a:p>
+                  </a:txBody>
+                  <a:tcPr marL="68580" marR="68580" marT="0" marB="0" anchor="ctr"/>
+                </a:tc>
+                <a:tc>
+                  <a:txBody>
+                    <a:bodyPr/>
+                    <a:lstStyle/>
+                    <a:p>
+                      <a:pPr marL="0" marR="0" algn="ctr">
+                        <a:lnSpc>
+                          <a:spcPct val="115000"/>
+                        </a:lnSpc>
+                        <a:spcBef>
+                          <a:spcPts val="0"/>
+                        </a:spcBef>
+                        <a:spcAft>
+                          <a:spcPts val="0"/>
+                        </a:spcAft>
+                      </a:pPr>
+                      <a:r>
+                        <a:rPr lang="en-US" sz="1400" dirty="0">
+                          <a:effectLst/>
+                          <a:latin typeface="Open Sans" panose="020B0606030504020204" pitchFamily="34" charset="0"/>
+                          <a:ea typeface="Open Sans" panose="020B0606030504020204" pitchFamily="34" charset="0"/>
+                          <a:cs typeface="Open Sans" panose="020B0606030504020204" pitchFamily="34" charset="0"/>
+                        </a:rPr>
+                        <a:t>0.0%</a:t>
+                      </a:r>
+                    </a:p>
+                  </a:txBody>
+                  <a:tcPr marL="68580" marR="68580" marT="0" marB="0" anchor="ctr"/>
+                </a:tc>
+                <a:tc>
+                  <a:txBody>
+                    <a:bodyPr/>
+                    <a:lstStyle/>
+                    <a:p>
+                      <a:pPr marL="0" marR="0" algn="ctr">
+                        <a:lnSpc>
+                          <a:spcPct val="115000"/>
+                        </a:lnSpc>
+                        <a:spcBef>
+                          <a:spcPts val="0"/>
+                        </a:spcBef>
+                        <a:spcAft>
+                          <a:spcPts val="0"/>
+                        </a:spcAft>
+                      </a:pPr>
+                      <a:r>
+                        <a:rPr lang="en-US" sz="1400">
+                          <a:effectLst/>
+                          <a:latin typeface="Open Sans" panose="020B0606030504020204" pitchFamily="34" charset="0"/>
+                          <a:ea typeface="Open Sans" panose="020B0606030504020204" pitchFamily="34" charset="0"/>
+                          <a:cs typeface="Open Sans" panose="020B0606030504020204" pitchFamily="34" charset="0"/>
+                        </a:rPr>
+                        <a:t>0.0%</a:t>
+                      </a:r>
+                    </a:p>
+                  </a:txBody>
+                  <a:tcPr marL="68580" marR="68580" marT="0" marB="0" anchor="ctr"/>
+                </a:tc>
+                <a:tc>
+                  <a:txBody>
+                    <a:bodyPr/>
+                    <a:lstStyle/>
+                    <a:p>
+                      <a:pPr marL="0" marR="0" algn="ctr">
+                        <a:lnSpc>
+                          <a:spcPct val="115000"/>
+                        </a:lnSpc>
+                        <a:spcBef>
+                          <a:spcPts val="0"/>
+                        </a:spcBef>
+                        <a:spcAft>
+                          <a:spcPts val="0"/>
+                        </a:spcAft>
+                      </a:pPr>
+                      <a:r>
+                        <a:rPr lang="en-US" sz="1400">
+                          <a:effectLst/>
+                          <a:latin typeface="Open Sans" panose="020B0606030504020204" pitchFamily="34" charset="0"/>
+                          <a:ea typeface="Open Sans" panose="020B0606030504020204" pitchFamily="34" charset="0"/>
+                          <a:cs typeface="Open Sans" panose="020B0606030504020204" pitchFamily="34" charset="0"/>
+                        </a:rPr>
+                        <a:t>0.0%</a:t>
+                      </a:r>
+                    </a:p>
+                  </a:txBody>
+                  <a:tcPr marL="68580" marR="68580" marT="0" marB="0" anchor="ctr"/>
+                </a:tc>
+                <a:tc>
+                  <a:txBody>
+                    <a:bodyPr/>
+                    <a:lstStyle/>
+                    <a:p>
+                      <a:pPr marL="0" marR="0" algn="ctr">
+                        <a:lnSpc>
+                          <a:spcPct val="115000"/>
+                        </a:lnSpc>
+                        <a:spcBef>
+                          <a:spcPts val="0"/>
+                        </a:spcBef>
+                        <a:spcAft>
+                          <a:spcPts val="0"/>
+                        </a:spcAft>
+                      </a:pPr>
+                      <a:r>
+                        <a:rPr lang="en-US" sz="1400" dirty="0">
+                          <a:effectLst/>
+                          <a:latin typeface="Open Sans" panose="020B0606030504020204" pitchFamily="34" charset="0"/>
+                          <a:ea typeface="Open Sans" panose="020B0606030504020204" pitchFamily="34" charset="0"/>
+                          <a:cs typeface="Open Sans" panose="020B0606030504020204" pitchFamily="34" charset="0"/>
+                        </a:rPr>
+                        <a:t>0.0%</a:t>
+                      </a:r>
+                    </a:p>
+                  </a:txBody>
+                  <a:tcPr marL="68580" marR="68580" marT="0" marB="0" anchor="ctr"/>
+                </a:tc>
+                <a:tc>
+                  <a:txBody>
+                    <a:bodyPr/>
+                    <a:lstStyle/>
+                    <a:p>
+                      <a:pPr marL="0" marR="0" algn="ctr">
+                        <a:lnSpc>
+                          <a:spcPct val="115000"/>
+                        </a:lnSpc>
+                        <a:spcBef>
+                          <a:spcPts val="0"/>
+                        </a:spcBef>
+                        <a:spcAft>
+                          <a:spcPts val="0"/>
+                        </a:spcAft>
+                      </a:pPr>
+                      <a:r>
+                        <a:rPr lang="en-US" sz="1400">
+                          <a:effectLst/>
+                          <a:latin typeface="Open Sans" panose="020B0606030504020204" pitchFamily="34" charset="0"/>
+                          <a:ea typeface="Open Sans" panose="020B0606030504020204" pitchFamily="34" charset="0"/>
+                          <a:cs typeface="Open Sans" panose="020B0606030504020204" pitchFamily="34" charset="0"/>
+                        </a:rPr>
+                        <a:t>0.0%</a:t>
+                      </a:r>
+                    </a:p>
+                  </a:txBody>
+                  <a:tcPr marL="68580" marR="68580" marT="0" marB="0" anchor="ctr"/>
+                </a:tc>
+                <a:tc>
+                  <a:txBody>
+                    <a:bodyPr/>
+                    <a:lstStyle/>
+                    <a:p>
+                      <a:pPr marL="0" marR="0" algn="ctr">
+                        <a:lnSpc>
+                          <a:spcPct val="115000"/>
+                        </a:lnSpc>
+                        <a:spcBef>
+                          <a:spcPts val="0"/>
+                        </a:spcBef>
+                        <a:spcAft>
+                          <a:spcPts val="0"/>
+                        </a:spcAft>
+                      </a:pPr>
+                      <a:r>
+                        <a:rPr lang="en-US" sz="1400">
+                          <a:effectLst/>
+                          <a:latin typeface="Open Sans" panose="020B0606030504020204" pitchFamily="34" charset="0"/>
+                          <a:ea typeface="Open Sans" panose="020B0606030504020204" pitchFamily="34" charset="0"/>
+                          <a:cs typeface="Open Sans" panose="020B0606030504020204" pitchFamily="34" charset="0"/>
+                        </a:rPr>
+                        <a:t>0.0%</a:t>
+                      </a:r>
+                    </a:p>
+                  </a:txBody>
+                  <a:tcPr marL="68580" marR="68580" marT="0" marB="0" anchor="ctr"/>
+                </a:tc>
+                <a:extLst>
+                  <a:ext uri="{0D108BD9-81ED-4DB2-BD59-A6C34878D82A}">
+                    <a16:rowId xmlns:a16="http://schemas.microsoft.com/office/drawing/2014/main" val="1133179035"/>
+                  </a:ext>
+                </a:extLst>
+              </a:tr>
+              <a:tr h="467497">
+                <a:tc>
+                  <a:txBody>
+                    <a:bodyPr/>
+                    <a:lstStyle/>
+                    <a:p>
+                      <a:pPr marL="0" marR="0" algn="ctr">
+                        <a:spcBef>
+                          <a:spcPts val="0"/>
+                        </a:spcBef>
+                        <a:spcAft>
+                          <a:spcPts val="0"/>
+                        </a:spcAft>
+                      </a:pPr>
+                      <a:r>
+                        <a:rPr lang="en-US" sz="1400" i="1" dirty="0">
+                          <a:effectLst/>
+                          <a:latin typeface="Open Sans" panose="020B0606030504020204" pitchFamily="34" charset="0"/>
+                          <a:ea typeface="Open Sans" panose="020B0606030504020204" pitchFamily="34" charset="0"/>
+                          <a:cs typeface="Open Sans" panose="020B0606030504020204" pitchFamily="34" charset="0"/>
+                        </a:rPr>
+                        <a:t>assign_pixels</a:t>
+                      </a:r>
+                    </a:p>
+                  </a:txBody>
+                  <a:tcPr marL="68580" marR="68580" marT="0" marB="0" anchor="ctr">
+                    <a:solidFill>
+                      <a:schemeClr val="accent1">
+                        <a:lumMod val="40000"/>
+                        <a:lumOff val="60000"/>
+                      </a:schemeClr>
+                    </a:solidFill>
+                  </a:tcPr>
+                </a:tc>
+                <a:tc>
+                  <a:txBody>
+                    <a:bodyPr/>
+                    <a:lstStyle/>
+                    <a:p>
+                      <a:pPr marL="0" marR="0" algn="ctr">
+                        <a:lnSpc>
+                          <a:spcPct val="115000"/>
+                        </a:lnSpc>
+                        <a:spcBef>
+                          <a:spcPts val="0"/>
+                        </a:spcBef>
+                        <a:spcAft>
+                          <a:spcPts val="0"/>
+                        </a:spcAft>
+                      </a:pPr>
+                      <a:r>
+                        <a:rPr lang="en-US" sz="1400" dirty="0">
+                          <a:effectLst/>
+                          <a:latin typeface="Open Sans" panose="020B0606030504020204" pitchFamily="34" charset="0"/>
+                          <a:ea typeface="Open Sans" panose="020B0606030504020204" pitchFamily="34" charset="0"/>
+                          <a:cs typeface="Open Sans" panose="020B0606030504020204" pitchFamily="34" charset="0"/>
+                        </a:rPr>
+                        <a:t>79.2%</a:t>
+                      </a:r>
+                    </a:p>
+                  </a:txBody>
+                  <a:tcPr marL="68580" marR="68580" marT="0" marB="0" anchor="ctr"/>
+                </a:tc>
+                <a:tc>
+                  <a:txBody>
+                    <a:bodyPr/>
+                    <a:lstStyle/>
+                    <a:p>
+                      <a:pPr marL="0" marR="0" algn="ctr">
+                        <a:lnSpc>
+                          <a:spcPct val="115000"/>
+                        </a:lnSpc>
+                        <a:spcBef>
+                          <a:spcPts val="0"/>
+                        </a:spcBef>
+                        <a:spcAft>
+                          <a:spcPts val="0"/>
+                        </a:spcAft>
+                      </a:pPr>
+                      <a:r>
+                        <a:rPr lang="en-US" sz="1400" dirty="0">
+                          <a:effectLst/>
+                          <a:latin typeface="Open Sans" panose="020B0606030504020204" pitchFamily="34" charset="0"/>
+                          <a:ea typeface="Open Sans" panose="020B0606030504020204" pitchFamily="34" charset="0"/>
+                          <a:cs typeface="Open Sans" panose="020B0606030504020204" pitchFamily="34" charset="0"/>
+                        </a:rPr>
+                        <a:t>87.7%</a:t>
+                      </a:r>
+                    </a:p>
+                  </a:txBody>
+                  <a:tcPr marL="68580" marR="68580" marT="0" marB="0" anchor="ctr"/>
+                </a:tc>
+                <a:tc>
+                  <a:txBody>
+                    <a:bodyPr/>
+                    <a:lstStyle/>
+                    <a:p>
+                      <a:pPr marL="0" marR="0" algn="ctr">
+                        <a:lnSpc>
+                          <a:spcPct val="115000"/>
+                        </a:lnSpc>
+                        <a:spcBef>
+                          <a:spcPts val="0"/>
+                        </a:spcBef>
+                        <a:spcAft>
+                          <a:spcPts val="0"/>
+                        </a:spcAft>
+                      </a:pPr>
+                      <a:r>
+                        <a:rPr lang="en-US" sz="1400" dirty="0">
+                          <a:effectLst/>
+                          <a:latin typeface="Open Sans" panose="020B0606030504020204" pitchFamily="34" charset="0"/>
+                          <a:ea typeface="Open Sans" panose="020B0606030504020204" pitchFamily="34" charset="0"/>
+                          <a:cs typeface="Open Sans" panose="020B0606030504020204" pitchFamily="34" charset="0"/>
+                        </a:rPr>
+                        <a:t>92.6%</a:t>
+                      </a:r>
+                    </a:p>
+                  </a:txBody>
+                  <a:tcPr marL="68580" marR="68580" marT="0" marB="0" anchor="ctr"/>
+                </a:tc>
+                <a:tc>
+                  <a:txBody>
+                    <a:bodyPr/>
+                    <a:lstStyle/>
+                    <a:p>
+                      <a:pPr marL="0" marR="0" algn="ctr">
+                        <a:lnSpc>
+                          <a:spcPct val="115000"/>
+                        </a:lnSpc>
+                        <a:spcBef>
+                          <a:spcPts val="0"/>
+                        </a:spcBef>
+                        <a:spcAft>
+                          <a:spcPts val="0"/>
+                        </a:spcAft>
+                      </a:pPr>
+                      <a:r>
+                        <a:rPr lang="en-US" sz="1400" dirty="0">
+                          <a:effectLst/>
+                          <a:latin typeface="Open Sans" panose="020B0606030504020204" pitchFamily="34" charset="0"/>
+                          <a:ea typeface="Open Sans" panose="020B0606030504020204" pitchFamily="34" charset="0"/>
+                          <a:cs typeface="Open Sans" panose="020B0606030504020204" pitchFamily="34" charset="0"/>
+                        </a:rPr>
+                        <a:t>96.4%</a:t>
+                      </a:r>
+                    </a:p>
+                  </a:txBody>
+                  <a:tcPr marL="68580" marR="68580" marT="0" marB="0" anchor="ctr"/>
+                </a:tc>
+                <a:tc>
+                  <a:txBody>
+                    <a:bodyPr/>
+                    <a:lstStyle/>
+                    <a:p>
+                      <a:pPr marL="0" marR="0" algn="ctr">
+                        <a:lnSpc>
+                          <a:spcPct val="115000"/>
+                        </a:lnSpc>
+                        <a:spcBef>
+                          <a:spcPts val="0"/>
+                        </a:spcBef>
+                        <a:spcAft>
+                          <a:spcPts val="0"/>
+                        </a:spcAft>
+                      </a:pPr>
+                      <a:r>
+                        <a:rPr lang="en-US" sz="1400" dirty="0">
+                          <a:effectLst/>
+                          <a:latin typeface="Open Sans" panose="020B0606030504020204" pitchFamily="34" charset="0"/>
+                          <a:ea typeface="Open Sans" panose="020B0606030504020204" pitchFamily="34" charset="0"/>
+                          <a:cs typeface="Open Sans" panose="020B0606030504020204" pitchFamily="34" charset="0"/>
+                        </a:rPr>
+                        <a:t>98.1%</a:t>
+                      </a:r>
+                    </a:p>
+                  </a:txBody>
+                  <a:tcPr marL="68580" marR="68580" marT="0" marB="0" anchor="ctr"/>
+                </a:tc>
+                <a:tc>
+                  <a:txBody>
+                    <a:bodyPr/>
+                    <a:lstStyle/>
+                    <a:p>
+                      <a:pPr marL="0" marR="0" algn="ctr">
+                        <a:lnSpc>
+                          <a:spcPct val="115000"/>
+                        </a:lnSpc>
+                        <a:spcBef>
+                          <a:spcPts val="0"/>
+                        </a:spcBef>
+                        <a:spcAft>
+                          <a:spcPts val="0"/>
+                        </a:spcAft>
+                      </a:pPr>
+                      <a:r>
+                        <a:rPr lang="en-US" sz="1400" dirty="0">
+                          <a:effectLst/>
+                          <a:latin typeface="Open Sans" panose="020B0606030504020204" pitchFamily="34" charset="0"/>
+                          <a:ea typeface="Open Sans" panose="020B0606030504020204" pitchFamily="34" charset="0"/>
+                          <a:cs typeface="Open Sans" panose="020B0606030504020204" pitchFamily="34" charset="0"/>
+                        </a:rPr>
+                        <a:t>99.1%</a:t>
+                      </a:r>
+                    </a:p>
+                  </a:txBody>
+                  <a:tcPr marL="68580" marR="68580" marT="0" marB="0" anchor="ctr"/>
+                </a:tc>
+                <a:tc>
+                  <a:txBody>
+                    <a:bodyPr/>
+                    <a:lstStyle/>
+                    <a:p>
+                      <a:pPr marL="0" marR="0" algn="ctr">
+                        <a:lnSpc>
+                          <a:spcPct val="115000"/>
+                        </a:lnSpc>
+                        <a:spcBef>
+                          <a:spcPts val="0"/>
+                        </a:spcBef>
+                        <a:spcAft>
+                          <a:spcPts val="0"/>
+                        </a:spcAft>
+                      </a:pPr>
+                      <a:r>
+                        <a:rPr lang="en-US" sz="1400" dirty="0">
+                          <a:effectLst/>
+                          <a:latin typeface="Open Sans" panose="020B0606030504020204" pitchFamily="34" charset="0"/>
+                          <a:ea typeface="Open Sans" panose="020B0606030504020204" pitchFamily="34" charset="0"/>
+                          <a:cs typeface="Open Sans" panose="020B0606030504020204" pitchFamily="34" charset="0"/>
+                        </a:rPr>
+                        <a:t>99.5%</a:t>
+                      </a:r>
+                    </a:p>
+                  </a:txBody>
+                  <a:tcPr marL="68580" marR="68580" marT="0" marB="0" anchor="ctr"/>
+                </a:tc>
+                <a:extLst>
+                  <a:ext uri="{0D108BD9-81ED-4DB2-BD59-A6C34878D82A}">
+                    <a16:rowId xmlns:a16="http://schemas.microsoft.com/office/drawing/2014/main" val="1260256559"/>
+                  </a:ext>
+                </a:extLst>
+              </a:tr>
+              <a:tr h="619030">
+                <a:tc>
+                  <a:txBody>
+                    <a:bodyPr/>
+                    <a:lstStyle/>
+                    <a:p>
+                      <a:pPr marL="0" marR="0" algn="ctr">
+                        <a:spcBef>
+                          <a:spcPts val="0"/>
+                        </a:spcBef>
+                        <a:spcAft>
+                          <a:spcPts val="0"/>
+                        </a:spcAft>
+                      </a:pPr>
+                      <a:r>
+                        <a:rPr lang="en-US" sz="1400" i="1" dirty="0">
+                          <a:effectLst/>
+                          <a:latin typeface="Open Sans" panose="020B0606030504020204" pitchFamily="34" charset="0"/>
+                          <a:ea typeface="Open Sans" panose="020B0606030504020204" pitchFamily="34" charset="0"/>
+                          <a:cs typeface="Open Sans" panose="020B0606030504020204" pitchFamily="34" charset="0"/>
+                        </a:rPr>
+                        <a:t>update_centers</a:t>
+                      </a:r>
+                    </a:p>
+                  </a:txBody>
+                  <a:tcPr marL="68580" marR="68580" marT="0" marB="0" anchor="ctr">
+                    <a:solidFill>
+                      <a:schemeClr val="accent1">
+                        <a:lumMod val="40000"/>
+                        <a:lumOff val="60000"/>
+                      </a:schemeClr>
+                    </a:solidFill>
+                  </a:tcPr>
+                </a:tc>
+                <a:tc>
+                  <a:txBody>
+                    <a:bodyPr/>
+                    <a:lstStyle/>
+                    <a:p>
+                      <a:pPr marL="0" marR="0" algn="ctr">
+                        <a:lnSpc>
+                          <a:spcPct val="115000"/>
+                        </a:lnSpc>
+                        <a:spcBef>
+                          <a:spcPts val="0"/>
+                        </a:spcBef>
+                        <a:spcAft>
+                          <a:spcPts val="0"/>
+                        </a:spcAft>
+                      </a:pPr>
+                      <a:r>
+                        <a:rPr lang="en-US" sz="1400">
+                          <a:effectLst/>
+                          <a:latin typeface="Open Sans" panose="020B0606030504020204" pitchFamily="34" charset="0"/>
+                          <a:ea typeface="Open Sans" panose="020B0606030504020204" pitchFamily="34" charset="0"/>
+                          <a:cs typeface="Open Sans" panose="020B0606030504020204" pitchFamily="34" charset="0"/>
+                        </a:rPr>
+                        <a:t>18.9%</a:t>
+                      </a:r>
+                    </a:p>
+                  </a:txBody>
+                  <a:tcPr marL="68580" marR="68580" marT="0" marB="0" anchor="ctr"/>
+                </a:tc>
+                <a:tc>
+                  <a:txBody>
+                    <a:bodyPr/>
+                    <a:lstStyle/>
+                    <a:p>
+                      <a:pPr marL="0" marR="0" algn="ctr">
+                        <a:lnSpc>
+                          <a:spcPct val="115000"/>
+                        </a:lnSpc>
+                        <a:spcBef>
+                          <a:spcPts val="0"/>
+                        </a:spcBef>
+                        <a:spcAft>
+                          <a:spcPts val="0"/>
+                        </a:spcAft>
+                      </a:pPr>
+                      <a:r>
+                        <a:rPr lang="en-US" sz="1400">
+                          <a:effectLst/>
+                          <a:latin typeface="Open Sans" panose="020B0606030504020204" pitchFamily="34" charset="0"/>
+                          <a:ea typeface="Open Sans" panose="020B0606030504020204" pitchFamily="34" charset="0"/>
+                          <a:cs typeface="Open Sans" panose="020B0606030504020204" pitchFamily="34" charset="0"/>
+                        </a:rPr>
+                        <a:t>12.3%</a:t>
+                      </a:r>
+                    </a:p>
+                  </a:txBody>
+                  <a:tcPr marL="68580" marR="68580" marT="0" marB="0" anchor="ctr"/>
+                </a:tc>
+                <a:tc>
+                  <a:txBody>
+                    <a:bodyPr/>
+                    <a:lstStyle/>
+                    <a:p>
+                      <a:pPr marL="0" marR="0" algn="ctr">
+                        <a:lnSpc>
+                          <a:spcPct val="115000"/>
+                        </a:lnSpc>
+                        <a:spcBef>
+                          <a:spcPts val="0"/>
+                        </a:spcBef>
+                        <a:spcAft>
+                          <a:spcPts val="0"/>
+                        </a:spcAft>
+                      </a:pPr>
+                      <a:r>
+                        <a:rPr lang="en-US" sz="1400">
+                          <a:effectLst/>
+                          <a:latin typeface="Open Sans" panose="020B0606030504020204" pitchFamily="34" charset="0"/>
+                          <a:ea typeface="Open Sans" panose="020B0606030504020204" pitchFamily="34" charset="0"/>
+                          <a:cs typeface="Open Sans" panose="020B0606030504020204" pitchFamily="34" charset="0"/>
+                        </a:rPr>
+                        <a:t>7.3%</a:t>
+                      </a:r>
+                    </a:p>
+                  </a:txBody>
+                  <a:tcPr marL="68580" marR="68580" marT="0" marB="0" anchor="ctr"/>
+                </a:tc>
+                <a:tc>
+                  <a:txBody>
+                    <a:bodyPr/>
+                    <a:lstStyle/>
+                    <a:p>
+                      <a:pPr marL="0" marR="0" algn="ctr">
+                        <a:lnSpc>
+                          <a:spcPct val="115000"/>
+                        </a:lnSpc>
+                        <a:spcBef>
+                          <a:spcPts val="0"/>
+                        </a:spcBef>
+                        <a:spcAft>
+                          <a:spcPts val="0"/>
+                        </a:spcAft>
+                      </a:pPr>
+                      <a:r>
+                        <a:rPr lang="en-US" sz="1400" dirty="0">
+                          <a:effectLst/>
+                          <a:latin typeface="Open Sans" panose="020B0606030504020204" pitchFamily="34" charset="0"/>
+                          <a:ea typeface="Open Sans" panose="020B0606030504020204" pitchFamily="34" charset="0"/>
+                          <a:cs typeface="Open Sans" panose="020B0606030504020204" pitchFamily="34" charset="0"/>
+                        </a:rPr>
+                        <a:t>3.6%</a:t>
+                      </a:r>
+                    </a:p>
+                  </a:txBody>
+                  <a:tcPr marL="68580" marR="68580" marT="0" marB="0" anchor="ctr"/>
+                </a:tc>
+                <a:tc>
+                  <a:txBody>
+                    <a:bodyPr/>
+                    <a:lstStyle/>
+                    <a:p>
+                      <a:pPr marL="0" marR="0" algn="ctr">
+                        <a:lnSpc>
+                          <a:spcPct val="115000"/>
+                        </a:lnSpc>
+                        <a:spcBef>
+                          <a:spcPts val="0"/>
+                        </a:spcBef>
+                        <a:spcAft>
+                          <a:spcPts val="0"/>
+                        </a:spcAft>
+                      </a:pPr>
+                      <a:r>
+                        <a:rPr lang="en-US" sz="1400" dirty="0">
+                          <a:effectLst/>
+                          <a:latin typeface="Open Sans" panose="020B0606030504020204" pitchFamily="34" charset="0"/>
+                          <a:ea typeface="Open Sans" panose="020B0606030504020204" pitchFamily="34" charset="0"/>
+                          <a:cs typeface="Open Sans" panose="020B0606030504020204" pitchFamily="34" charset="0"/>
+                        </a:rPr>
+                        <a:t>1.9%</a:t>
+                      </a:r>
+                    </a:p>
+                  </a:txBody>
+                  <a:tcPr marL="68580" marR="68580" marT="0" marB="0" anchor="ctr"/>
+                </a:tc>
+                <a:tc>
+                  <a:txBody>
+                    <a:bodyPr/>
+                    <a:lstStyle/>
+                    <a:p>
+                      <a:pPr marL="0" marR="0" algn="ctr">
+                        <a:lnSpc>
+                          <a:spcPct val="115000"/>
+                        </a:lnSpc>
+                        <a:spcBef>
+                          <a:spcPts val="0"/>
+                        </a:spcBef>
+                        <a:spcAft>
+                          <a:spcPts val="0"/>
+                        </a:spcAft>
+                      </a:pPr>
+                      <a:r>
+                        <a:rPr lang="en-US" sz="1400">
+                          <a:effectLst/>
+                          <a:latin typeface="Open Sans" panose="020B0606030504020204" pitchFamily="34" charset="0"/>
+                          <a:ea typeface="Open Sans" panose="020B0606030504020204" pitchFamily="34" charset="0"/>
+                          <a:cs typeface="Open Sans" panose="020B0606030504020204" pitchFamily="34" charset="0"/>
+                        </a:rPr>
+                        <a:t>0.9%</a:t>
+                      </a:r>
+                    </a:p>
+                  </a:txBody>
+                  <a:tcPr marL="68580" marR="68580" marT="0" marB="0" anchor="ctr"/>
+                </a:tc>
+                <a:tc>
+                  <a:txBody>
+                    <a:bodyPr/>
+                    <a:lstStyle/>
+                    <a:p>
+                      <a:pPr marL="0" marR="0" algn="ctr">
+                        <a:lnSpc>
+                          <a:spcPct val="115000"/>
+                        </a:lnSpc>
+                        <a:spcBef>
+                          <a:spcPts val="0"/>
+                        </a:spcBef>
+                        <a:spcAft>
+                          <a:spcPts val="0"/>
+                        </a:spcAft>
+                      </a:pPr>
+                      <a:r>
+                        <a:rPr lang="en-US" sz="1400">
+                          <a:effectLst/>
+                          <a:latin typeface="Open Sans" panose="020B0606030504020204" pitchFamily="34" charset="0"/>
+                          <a:ea typeface="Open Sans" panose="020B0606030504020204" pitchFamily="34" charset="0"/>
+                          <a:cs typeface="Open Sans" panose="020B0606030504020204" pitchFamily="34" charset="0"/>
+                        </a:rPr>
+                        <a:t>0.5%</a:t>
+                      </a:r>
+                    </a:p>
+                  </a:txBody>
+                  <a:tcPr marL="68580" marR="68580" marT="0" marB="0" anchor="ctr"/>
+                </a:tc>
+                <a:extLst>
+                  <a:ext uri="{0D108BD9-81ED-4DB2-BD59-A6C34878D82A}">
+                    <a16:rowId xmlns:a16="http://schemas.microsoft.com/office/drawing/2014/main" val="287822976"/>
+                  </a:ext>
+                </a:extLst>
+              </a:tr>
+              <a:tr h="467497">
+                <a:tc>
+                  <a:txBody>
+                    <a:bodyPr/>
+                    <a:lstStyle/>
+                    <a:p>
+                      <a:pPr marL="0" marR="0" algn="ctr">
+                        <a:spcBef>
+                          <a:spcPts val="0"/>
+                        </a:spcBef>
+                        <a:spcAft>
+                          <a:spcPts val="0"/>
+                        </a:spcAft>
+                      </a:pPr>
+                      <a:r>
+                        <a:rPr lang="en-US" sz="1400" i="1" dirty="0">
+                          <a:effectLst/>
+                          <a:latin typeface="Open Sans" panose="020B0606030504020204" pitchFamily="34" charset="0"/>
+                          <a:ea typeface="Open Sans" panose="020B0606030504020204" pitchFamily="34" charset="0"/>
+                          <a:cs typeface="Open Sans" panose="020B0606030504020204" pitchFamily="34" charset="0"/>
+                        </a:rPr>
+                        <a:t>compute_sse</a:t>
+                      </a:r>
+                    </a:p>
+                  </a:txBody>
+                  <a:tcPr marL="68580" marR="68580" marT="0" marB="0" anchor="ctr">
+                    <a:solidFill>
+                      <a:schemeClr val="accent1">
+                        <a:lumMod val="40000"/>
+                        <a:lumOff val="60000"/>
+                      </a:schemeClr>
+                    </a:solidFill>
+                  </a:tcPr>
+                </a:tc>
+                <a:tc>
+                  <a:txBody>
+                    <a:bodyPr/>
+                    <a:lstStyle/>
+                    <a:p>
+                      <a:pPr marL="0" marR="0" algn="ctr">
+                        <a:spcBef>
+                          <a:spcPts val="0"/>
+                        </a:spcBef>
+                        <a:spcAft>
+                          <a:spcPts val="0"/>
+                        </a:spcAft>
+                      </a:pPr>
+                      <a:r>
+                        <a:rPr lang="en-US" sz="1400">
+                          <a:effectLst/>
+                          <a:latin typeface="Open Sans" panose="020B0606030504020204" pitchFamily="34" charset="0"/>
+                          <a:ea typeface="Open Sans" panose="020B0606030504020204" pitchFamily="34" charset="0"/>
+                          <a:cs typeface="Open Sans" panose="020B0606030504020204" pitchFamily="34" charset="0"/>
+                        </a:rPr>
+                        <a:t>0.0%</a:t>
+                      </a:r>
+                    </a:p>
+                  </a:txBody>
+                  <a:tcPr marL="68580" marR="68580" marT="0" marB="0" anchor="ctr"/>
+                </a:tc>
+                <a:tc>
+                  <a:txBody>
+                    <a:bodyPr/>
+                    <a:lstStyle/>
+                    <a:p>
+                      <a:pPr marL="0" marR="0" algn="ctr">
+                        <a:lnSpc>
+                          <a:spcPct val="115000"/>
+                        </a:lnSpc>
+                        <a:spcBef>
+                          <a:spcPts val="0"/>
+                        </a:spcBef>
+                        <a:spcAft>
+                          <a:spcPts val="0"/>
+                        </a:spcAft>
+                      </a:pPr>
+                      <a:r>
+                        <a:rPr lang="en-US" sz="1400">
+                          <a:effectLst/>
+                          <a:latin typeface="Open Sans" panose="020B0606030504020204" pitchFamily="34" charset="0"/>
+                          <a:ea typeface="Open Sans" panose="020B0606030504020204" pitchFamily="34" charset="0"/>
+                          <a:cs typeface="Open Sans" panose="020B0606030504020204" pitchFamily="34" charset="0"/>
+                        </a:rPr>
+                        <a:t>0.0%</a:t>
+                      </a:r>
+                    </a:p>
+                  </a:txBody>
+                  <a:tcPr marL="68580" marR="68580" marT="0" marB="0" anchor="ctr"/>
+                </a:tc>
+                <a:tc>
+                  <a:txBody>
+                    <a:bodyPr/>
+                    <a:lstStyle/>
+                    <a:p>
+                      <a:pPr marL="0" marR="0" algn="ctr">
+                        <a:lnSpc>
+                          <a:spcPct val="115000"/>
+                        </a:lnSpc>
+                        <a:spcBef>
+                          <a:spcPts val="0"/>
+                        </a:spcBef>
+                        <a:spcAft>
+                          <a:spcPts val="0"/>
+                        </a:spcAft>
+                      </a:pPr>
+                      <a:r>
+                        <a:rPr lang="en-US" sz="1400">
+                          <a:effectLst/>
+                          <a:latin typeface="Open Sans" panose="020B0606030504020204" pitchFamily="34" charset="0"/>
+                          <a:ea typeface="Open Sans" panose="020B0606030504020204" pitchFamily="34" charset="0"/>
+                          <a:cs typeface="Open Sans" panose="020B0606030504020204" pitchFamily="34" charset="0"/>
+                        </a:rPr>
+                        <a:t>0.0%</a:t>
+                      </a:r>
+                    </a:p>
+                  </a:txBody>
+                  <a:tcPr marL="68580" marR="68580" marT="0" marB="0" anchor="ctr"/>
+                </a:tc>
+                <a:tc>
+                  <a:txBody>
+                    <a:bodyPr/>
+                    <a:lstStyle/>
+                    <a:p>
+                      <a:pPr marL="0" marR="0" algn="ctr">
+                        <a:lnSpc>
+                          <a:spcPct val="115000"/>
+                        </a:lnSpc>
+                        <a:spcBef>
+                          <a:spcPts val="0"/>
+                        </a:spcBef>
+                        <a:spcAft>
+                          <a:spcPts val="0"/>
+                        </a:spcAft>
+                      </a:pPr>
+                      <a:r>
+                        <a:rPr lang="en-US" sz="1400" dirty="0">
+                          <a:effectLst/>
+                          <a:latin typeface="Open Sans" panose="020B0606030504020204" pitchFamily="34" charset="0"/>
+                          <a:ea typeface="Open Sans" panose="020B0606030504020204" pitchFamily="34" charset="0"/>
+                          <a:cs typeface="Open Sans" panose="020B0606030504020204" pitchFamily="34" charset="0"/>
+                        </a:rPr>
+                        <a:t>0.0%</a:t>
+                      </a:r>
+                    </a:p>
+                  </a:txBody>
+                  <a:tcPr marL="68580" marR="68580" marT="0" marB="0" anchor="ctr"/>
+                </a:tc>
+                <a:tc>
+                  <a:txBody>
+                    <a:bodyPr/>
+                    <a:lstStyle/>
+                    <a:p>
+                      <a:pPr marL="0" marR="0" algn="ctr">
+                        <a:lnSpc>
+                          <a:spcPct val="115000"/>
+                        </a:lnSpc>
+                        <a:spcBef>
+                          <a:spcPts val="0"/>
+                        </a:spcBef>
+                        <a:spcAft>
+                          <a:spcPts val="0"/>
+                        </a:spcAft>
+                      </a:pPr>
+                      <a:r>
+                        <a:rPr lang="en-US" sz="1400" dirty="0">
+                          <a:effectLst/>
+                          <a:latin typeface="Open Sans" panose="020B0606030504020204" pitchFamily="34" charset="0"/>
+                          <a:ea typeface="Open Sans" panose="020B0606030504020204" pitchFamily="34" charset="0"/>
+                          <a:cs typeface="Open Sans" panose="020B0606030504020204" pitchFamily="34" charset="0"/>
+                        </a:rPr>
+                        <a:t>0.0%</a:t>
+                      </a:r>
+                    </a:p>
+                  </a:txBody>
+                  <a:tcPr marL="68580" marR="68580" marT="0" marB="0" anchor="ctr"/>
+                </a:tc>
+                <a:tc>
+                  <a:txBody>
+                    <a:bodyPr/>
+                    <a:lstStyle/>
+                    <a:p>
+                      <a:pPr marL="0" marR="0" algn="ctr">
+                        <a:lnSpc>
+                          <a:spcPct val="115000"/>
+                        </a:lnSpc>
+                        <a:spcBef>
+                          <a:spcPts val="0"/>
+                        </a:spcBef>
+                        <a:spcAft>
+                          <a:spcPts val="0"/>
+                        </a:spcAft>
+                      </a:pPr>
+                      <a:r>
+                        <a:rPr lang="en-US" sz="1400" dirty="0">
+                          <a:effectLst/>
+                          <a:latin typeface="Open Sans" panose="020B0606030504020204" pitchFamily="34" charset="0"/>
+                          <a:ea typeface="Open Sans" panose="020B0606030504020204" pitchFamily="34" charset="0"/>
+                          <a:cs typeface="Open Sans" panose="020B0606030504020204" pitchFamily="34" charset="0"/>
+                        </a:rPr>
+                        <a:t>0.0%</a:t>
+                      </a:r>
+                    </a:p>
+                  </a:txBody>
+                  <a:tcPr marL="68580" marR="68580" marT="0" marB="0" anchor="ctr"/>
+                </a:tc>
+                <a:tc>
+                  <a:txBody>
+                    <a:bodyPr/>
+                    <a:lstStyle/>
+                    <a:p>
+                      <a:pPr marL="0" marR="0" algn="ctr">
+                        <a:lnSpc>
+                          <a:spcPct val="115000"/>
+                        </a:lnSpc>
+                        <a:spcBef>
+                          <a:spcPts val="0"/>
+                        </a:spcBef>
+                        <a:spcAft>
+                          <a:spcPts val="0"/>
+                        </a:spcAft>
+                      </a:pPr>
+                      <a:r>
+                        <a:rPr lang="en-US" sz="1400">
+                          <a:effectLst/>
+                          <a:latin typeface="Open Sans" panose="020B0606030504020204" pitchFamily="34" charset="0"/>
+                          <a:ea typeface="Open Sans" panose="020B0606030504020204" pitchFamily="34" charset="0"/>
+                          <a:cs typeface="Open Sans" panose="020B0606030504020204" pitchFamily="34" charset="0"/>
+                        </a:rPr>
+                        <a:t>0.0%</a:t>
+                      </a:r>
+                    </a:p>
+                  </a:txBody>
+                  <a:tcPr marL="68580" marR="68580" marT="0" marB="0" anchor="ctr"/>
+                </a:tc>
+                <a:extLst>
+                  <a:ext uri="{0D108BD9-81ED-4DB2-BD59-A6C34878D82A}">
+                    <a16:rowId xmlns:a16="http://schemas.microsoft.com/office/drawing/2014/main" val="2050311031"/>
+                  </a:ext>
+                </a:extLst>
+              </a:tr>
+              <a:tr h="467497">
+                <a:tc>
+                  <a:txBody>
+                    <a:bodyPr/>
+                    <a:lstStyle/>
+                    <a:p>
+                      <a:pPr marL="0" marR="0" algn="ctr">
+                        <a:spcBef>
+                          <a:spcPts val="0"/>
+                        </a:spcBef>
+                        <a:spcAft>
+                          <a:spcPts val="0"/>
+                        </a:spcAft>
+                      </a:pPr>
+                      <a:r>
+                        <a:rPr lang="en-US" sz="1400" i="1" dirty="0">
+                          <a:effectLst/>
+                          <a:latin typeface="Open Sans" panose="020B0606030504020204" pitchFamily="34" charset="0"/>
+                          <a:ea typeface="Open Sans" panose="020B0606030504020204" pitchFamily="34" charset="0"/>
+                          <a:cs typeface="Open Sans" panose="020B0606030504020204" pitchFamily="34" charset="0"/>
+                        </a:rPr>
+                        <a:t>update_data</a:t>
+                      </a:r>
+                    </a:p>
+                  </a:txBody>
+                  <a:tcPr marL="68580" marR="68580" marT="0" marB="0" anchor="ctr">
+                    <a:solidFill>
+                      <a:schemeClr val="accent1">
+                        <a:lumMod val="40000"/>
+                        <a:lumOff val="60000"/>
+                      </a:schemeClr>
+                    </a:solidFill>
+                  </a:tcPr>
+                </a:tc>
+                <a:tc>
+                  <a:txBody>
+                    <a:bodyPr/>
+                    <a:lstStyle/>
+                    <a:p>
+                      <a:pPr marL="0" marR="0" algn="ctr">
+                        <a:spcBef>
+                          <a:spcPts val="0"/>
+                        </a:spcBef>
+                        <a:spcAft>
+                          <a:spcPts val="0"/>
+                        </a:spcAft>
+                      </a:pPr>
+                      <a:r>
+                        <a:rPr lang="en-US" sz="1400">
+                          <a:effectLst/>
+                          <a:latin typeface="Open Sans" panose="020B0606030504020204" pitchFamily="34" charset="0"/>
+                          <a:ea typeface="Open Sans" panose="020B0606030504020204" pitchFamily="34" charset="0"/>
+                          <a:cs typeface="Open Sans" panose="020B0606030504020204" pitchFamily="34" charset="0"/>
+                        </a:rPr>
+                        <a:t>1.9%</a:t>
+                      </a:r>
+                    </a:p>
+                  </a:txBody>
+                  <a:tcPr marL="68580" marR="68580" marT="0" marB="0" anchor="ctr"/>
+                </a:tc>
+                <a:tc>
+                  <a:txBody>
+                    <a:bodyPr/>
+                    <a:lstStyle/>
+                    <a:p>
+                      <a:pPr marL="0" marR="0" algn="ctr">
+                        <a:lnSpc>
+                          <a:spcPct val="115000"/>
+                        </a:lnSpc>
+                        <a:spcBef>
+                          <a:spcPts val="0"/>
+                        </a:spcBef>
+                        <a:spcAft>
+                          <a:spcPts val="0"/>
+                        </a:spcAft>
+                      </a:pPr>
+                      <a:r>
+                        <a:rPr lang="en-US" sz="1400">
+                          <a:effectLst/>
+                          <a:latin typeface="Open Sans" panose="020B0606030504020204" pitchFamily="34" charset="0"/>
+                          <a:ea typeface="Open Sans" panose="020B0606030504020204" pitchFamily="34" charset="0"/>
+                          <a:cs typeface="Open Sans" panose="020B0606030504020204" pitchFamily="34" charset="0"/>
+                        </a:rPr>
+                        <a:t>0.0%</a:t>
+                      </a:r>
+                    </a:p>
+                  </a:txBody>
+                  <a:tcPr marL="68580" marR="68580" marT="0" marB="0" anchor="ctr"/>
+                </a:tc>
+                <a:tc>
+                  <a:txBody>
+                    <a:bodyPr/>
+                    <a:lstStyle/>
+                    <a:p>
+                      <a:pPr marL="0" marR="0" algn="ctr">
+                        <a:lnSpc>
+                          <a:spcPct val="115000"/>
+                        </a:lnSpc>
+                        <a:spcBef>
+                          <a:spcPts val="0"/>
+                        </a:spcBef>
+                        <a:spcAft>
+                          <a:spcPts val="0"/>
+                        </a:spcAft>
+                      </a:pPr>
+                      <a:r>
+                        <a:rPr lang="en-US" sz="1400">
+                          <a:effectLst/>
+                          <a:latin typeface="Open Sans" panose="020B0606030504020204" pitchFamily="34" charset="0"/>
+                          <a:ea typeface="Open Sans" panose="020B0606030504020204" pitchFamily="34" charset="0"/>
+                          <a:cs typeface="Open Sans" panose="020B0606030504020204" pitchFamily="34" charset="0"/>
+                        </a:rPr>
+                        <a:t>0.1%</a:t>
+                      </a:r>
+                    </a:p>
+                  </a:txBody>
+                  <a:tcPr marL="68580" marR="68580" marT="0" marB="0" anchor="ctr"/>
+                </a:tc>
+                <a:tc>
+                  <a:txBody>
+                    <a:bodyPr/>
+                    <a:lstStyle/>
+                    <a:p>
+                      <a:pPr marL="0" marR="0" algn="ctr">
+                        <a:lnSpc>
+                          <a:spcPct val="115000"/>
+                        </a:lnSpc>
+                        <a:spcBef>
+                          <a:spcPts val="0"/>
+                        </a:spcBef>
+                        <a:spcAft>
+                          <a:spcPts val="0"/>
+                        </a:spcAft>
+                      </a:pPr>
+                      <a:r>
+                        <a:rPr lang="en-US" sz="1400">
+                          <a:effectLst/>
+                          <a:latin typeface="Open Sans" panose="020B0606030504020204" pitchFamily="34" charset="0"/>
+                          <a:ea typeface="Open Sans" panose="020B0606030504020204" pitchFamily="34" charset="0"/>
+                          <a:cs typeface="Open Sans" panose="020B0606030504020204" pitchFamily="34" charset="0"/>
+                        </a:rPr>
+                        <a:t>0.0%</a:t>
+                      </a:r>
+                    </a:p>
+                  </a:txBody>
+                  <a:tcPr marL="68580" marR="68580" marT="0" marB="0" anchor="ctr"/>
+                </a:tc>
+                <a:tc>
+                  <a:txBody>
+                    <a:bodyPr/>
+                    <a:lstStyle/>
+                    <a:p>
+                      <a:pPr marL="0" marR="0" algn="ctr">
+                        <a:lnSpc>
+                          <a:spcPct val="115000"/>
+                        </a:lnSpc>
+                        <a:spcBef>
+                          <a:spcPts val="0"/>
+                        </a:spcBef>
+                        <a:spcAft>
+                          <a:spcPts val="0"/>
+                        </a:spcAft>
+                      </a:pPr>
+                      <a:r>
+                        <a:rPr lang="en-US" sz="1400">
+                          <a:effectLst/>
+                          <a:latin typeface="Open Sans" panose="020B0606030504020204" pitchFamily="34" charset="0"/>
+                          <a:ea typeface="Open Sans" panose="020B0606030504020204" pitchFamily="34" charset="0"/>
+                          <a:cs typeface="Open Sans" panose="020B0606030504020204" pitchFamily="34" charset="0"/>
+                        </a:rPr>
+                        <a:t>0.0%</a:t>
+                      </a:r>
+                    </a:p>
+                  </a:txBody>
+                  <a:tcPr marL="68580" marR="68580" marT="0" marB="0" anchor="ctr"/>
+                </a:tc>
+                <a:tc>
+                  <a:txBody>
+                    <a:bodyPr/>
+                    <a:lstStyle/>
+                    <a:p>
+                      <a:pPr marL="0" marR="0" algn="ctr">
+                        <a:lnSpc>
+                          <a:spcPct val="115000"/>
+                        </a:lnSpc>
+                        <a:spcBef>
+                          <a:spcPts val="0"/>
+                        </a:spcBef>
+                        <a:spcAft>
+                          <a:spcPts val="0"/>
+                        </a:spcAft>
+                      </a:pPr>
+                      <a:r>
+                        <a:rPr lang="en-US" sz="1400" dirty="0">
+                          <a:effectLst/>
+                          <a:latin typeface="Open Sans" panose="020B0606030504020204" pitchFamily="34" charset="0"/>
+                          <a:ea typeface="Open Sans" panose="020B0606030504020204" pitchFamily="34" charset="0"/>
+                          <a:cs typeface="Open Sans" panose="020B0606030504020204" pitchFamily="34" charset="0"/>
+                        </a:rPr>
+                        <a:t>0.0%</a:t>
+                      </a:r>
+                    </a:p>
+                  </a:txBody>
+                  <a:tcPr marL="68580" marR="68580" marT="0" marB="0" anchor="ctr"/>
+                </a:tc>
+                <a:tc>
+                  <a:txBody>
+                    <a:bodyPr/>
+                    <a:lstStyle/>
+                    <a:p>
+                      <a:pPr marL="0" marR="0" algn="ctr">
+                        <a:lnSpc>
+                          <a:spcPct val="115000"/>
+                        </a:lnSpc>
+                        <a:spcBef>
+                          <a:spcPts val="0"/>
+                        </a:spcBef>
+                        <a:spcAft>
+                          <a:spcPts val="0"/>
+                        </a:spcAft>
+                      </a:pPr>
+                      <a:r>
+                        <a:rPr lang="en-US" sz="1400" dirty="0">
+                          <a:effectLst/>
+                          <a:latin typeface="Open Sans" panose="020B0606030504020204" pitchFamily="34" charset="0"/>
+                          <a:ea typeface="Open Sans" panose="020B0606030504020204" pitchFamily="34" charset="0"/>
+                          <a:cs typeface="Open Sans" panose="020B0606030504020204" pitchFamily="34" charset="0"/>
+                        </a:rPr>
+                        <a:t>0.0%</a:t>
+                      </a:r>
+                    </a:p>
+                  </a:txBody>
+                  <a:tcPr marL="68580" marR="68580" marT="0" marB="0" anchor="ctr"/>
+                </a:tc>
+                <a:extLst>
+                  <a:ext uri="{0D108BD9-81ED-4DB2-BD59-A6C34878D82A}">
+                    <a16:rowId xmlns:a16="http://schemas.microsoft.com/office/drawing/2014/main" val="2349414744"/>
+                  </a:ext>
+                </a:extLst>
+              </a:tr>
+            </a:tbl>
+          </a:graphicData>
+        </a:graphic>
+      </p:graphicFrame>
+      <p:sp>
+        <p:nvSpPr>
+          <p:cNvPr id="7" name="Content Placeholder 2">
+            <a:extLst>
+              <a:ext uri="{FF2B5EF4-FFF2-40B4-BE49-F238E27FC236}">
+                <a16:creationId xmlns:a16="http://schemas.microsoft.com/office/drawing/2014/main" id="{C8EB2F9B-982D-3640-B559-F13B21B7F217}"/>
+              </a:ext>
+            </a:extLst>
+          </p:cNvPr>
+          <p:cNvSpPr txBox="1">
+            <a:spLocks/>
+          </p:cNvSpPr>
+          <p:nvPr/>
+        </p:nvSpPr>
+        <p:spPr>
+          <a:xfrm>
+            <a:off x="628650" y="1825625"/>
+            <a:ext cx="7867650" cy="962546"/>
+          </a:xfrm>
+          <a:prstGeom prst="rect">
+            <a:avLst/>
+          </a:prstGeom>
+        </p:spPr>
+        <p:txBody>
+          <a:bodyPr vert="horz" lIns="91440" tIns="45720" rIns="91440" bIns="45720" rtlCol="0">
+            <a:noAutofit/>
+          </a:bodyPr>
+          <a:lstStyle>
+            <a:lvl1pPr marL="228600" indent="-228600" algn="l" defTabSz="914400" rtl="0" eaLnBrk="1" latinLnBrk="0" hangingPunct="1">
+              <a:lnSpc>
+                <a:spcPct val="90000"/>
+              </a:lnSpc>
+              <a:spcBef>
+                <a:spcPts val="1000"/>
+              </a:spcBef>
+              <a:buFont typeface="Arial" panose="020B0604020202020204" pitchFamily="34" charset="0"/>
+              <a:buChar char="•"/>
+              <a:defRPr sz="2800" kern="1200">
+                <a:solidFill>
+                  <a:schemeClr val="tx1"/>
+                </a:solidFill>
+                <a:latin typeface="Open Sans" panose="020B0606030504020204" pitchFamily="34" charset="0"/>
+                <a:ea typeface="Open Sans" panose="020B0606030504020204" pitchFamily="34" charset="0"/>
+                <a:cs typeface="Open Sans" panose="020B0606030504020204" pitchFamily="34" charset="0"/>
+              </a:defRPr>
+            </a:lvl1pPr>
+            <a:lvl2pPr marL="685800" indent="-228600" algn="l" defTabSz="914400" rtl="0" eaLnBrk="1" latinLnBrk="0" hangingPunct="1">
+              <a:lnSpc>
+                <a:spcPct val="90000"/>
+              </a:lnSpc>
+              <a:spcBef>
+                <a:spcPts val="500"/>
+              </a:spcBef>
+              <a:buFont typeface="Arial" panose="020B0604020202020204" pitchFamily="34" charset="0"/>
+              <a:buChar char="•"/>
+              <a:defRPr sz="2400" kern="1200">
+                <a:solidFill>
+                  <a:schemeClr val="tx1"/>
+                </a:solidFill>
+                <a:latin typeface="Open Sans" panose="020B0606030504020204" pitchFamily="34" charset="0"/>
+                <a:ea typeface="Open Sans" panose="020B0606030504020204" pitchFamily="34" charset="0"/>
+                <a:cs typeface="Open Sans" panose="020B0606030504020204" pitchFamily="34" charset="0"/>
+              </a:defRPr>
+            </a:lvl2pPr>
+            <a:lvl3pPr marL="1143000" indent="-228600" algn="l" defTabSz="914400" rtl="0" eaLnBrk="1" latinLnBrk="0" hangingPunct="1">
+              <a:lnSpc>
+                <a:spcPct val="90000"/>
+              </a:lnSpc>
+              <a:spcBef>
+                <a:spcPts val="500"/>
+              </a:spcBef>
+              <a:buFont typeface="Arial" panose="020B0604020202020204" pitchFamily="34" charset="0"/>
+              <a:buChar char="•"/>
+              <a:defRPr sz="2000" kern="1200">
+                <a:solidFill>
+                  <a:schemeClr val="tx1"/>
+                </a:solidFill>
+                <a:latin typeface="Open Sans" panose="020B0606030504020204" pitchFamily="34" charset="0"/>
+                <a:ea typeface="Open Sans" panose="020B0606030504020204" pitchFamily="34" charset="0"/>
+                <a:cs typeface="Open Sans" panose="020B0606030504020204" pitchFamily="34" charset="0"/>
+              </a:defRPr>
+            </a:lvl3pPr>
+            <a:lvl4pPr marL="1600200" indent="-228600" algn="l" defTabSz="914400" rtl="0" eaLnBrk="1" latinLnBrk="0" hangingPunct="1">
+              <a:lnSpc>
+                <a:spcPct val="90000"/>
+              </a:lnSpc>
+              <a:spcBef>
+                <a:spcPts val="500"/>
+              </a:spcBef>
+              <a:buFont typeface="Arial" panose="020B0604020202020204" pitchFamily="34" charset="0"/>
+              <a:buChar char="•"/>
+              <a:defRPr sz="1800" kern="1200">
+                <a:solidFill>
+                  <a:schemeClr val="tx1"/>
+                </a:solidFill>
+                <a:latin typeface="Open Sans" panose="020B0606030504020204" pitchFamily="34" charset="0"/>
+                <a:ea typeface="Open Sans" panose="020B0606030504020204" pitchFamily="34" charset="0"/>
+                <a:cs typeface="Open Sans" panose="020B0606030504020204" pitchFamily="34" charset="0"/>
+              </a:defRPr>
+            </a:lvl4pPr>
+            <a:lvl5pPr marL="2057400" indent="-228600" algn="l" defTabSz="914400" rtl="0" eaLnBrk="1" latinLnBrk="0" hangingPunct="1">
+              <a:lnSpc>
+                <a:spcPct val="90000"/>
+              </a:lnSpc>
+              <a:spcBef>
+                <a:spcPts val="500"/>
+              </a:spcBef>
+              <a:buFont typeface="Arial" panose="020B0604020202020204" pitchFamily="34" charset="0"/>
+              <a:buChar char="•"/>
+              <a:defRPr sz="1800" kern="1200">
+                <a:solidFill>
+                  <a:schemeClr val="tx1"/>
+                </a:solidFill>
+                <a:latin typeface="Open Sans" panose="020B0606030504020204" pitchFamily="34" charset="0"/>
+                <a:ea typeface="Open Sans" panose="020B0606030504020204" pitchFamily="34" charset="0"/>
+                <a:cs typeface="Open Sans" panose="020B0606030504020204" pitchFamily="34" charset="0"/>
+              </a:defRPr>
+            </a:lvl5pPr>
+            <a:lvl6pPr marL="2514600" indent="-228600" algn="l" defTabSz="914400" rtl="0" eaLnBrk="1" latinLnBrk="0" hangingPunct="1">
+              <a:lnSpc>
+                <a:spcPct val="90000"/>
+              </a:lnSpc>
+              <a:spcBef>
+                <a:spcPts val="500"/>
+              </a:spcBef>
+              <a:buFont typeface="Arial" panose="020B0604020202020204" pitchFamily="34" charset="0"/>
+              <a:buChar char="•"/>
+              <a:defRPr sz="1800" kern="1200">
+                <a:solidFill>
+                  <a:schemeClr val="tx1"/>
+                </a:solidFill>
+                <a:latin typeface="+mn-lt"/>
+                <a:ea typeface="+mn-ea"/>
+                <a:cs typeface="+mn-cs"/>
+              </a:defRPr>
+            </a:lvl6pPr>
+            <a:lvl7pPr marL="2971800" indent="-228600" algn="l" defTabSz="914400" rtl="0" eaLnBrk="1" latinLnBrk="0" hangingPunct="1">
+              <a:lnSpc>
+                <a:spcPct val="90000"/>
+              </a:lnSpc>
+              <a:spcBef>
+                <a:spcPts val="500"/>
+              </a:spcBef>
+              <a:buFont typeface="Arial" panose="020B0604020202020204" pitchFamily="34" charset="0"/>
+              <a:buChar char="•"/>
+              <a:defRPr sz="1800" kern="1200">
+                <a:solidFill>
+                  <a:schemeClr val="tx1"/>
+                </a:solidFill>
+                <a:latin typeface="+mn-lt"/>
+                <a:ea typeface="+mn-ea"/>
+                <a:cs typeface="+mn-cs"/>
+              </a:defRPr>
+            </a:lvl7pPr>
+            <a:lvl8pPr marL="3429000" indent="-228600" algn="l" defTabSz="914400" rtl="0" eaLnBrk="1" latinLnBrk="0" hangingPunct="1">
+              <a:lnSpc>
+                <a:spcPct val="90000"/>
+              </a:lnSpc>
+              <a:spcBef>
+                <a:spcPts val="500"/>
+              </a:spcBef>
+              <a:buFont typeface="Arial" panose="020B0604020202020204" pitchFamily="34" charset="0"/>
+              <a:buChar char="•"/>
+              <a:defRPr sz="1800" kern="1200">
+                <a:solidFill>
+                  <a:schemeClr val="tx1"/>
+                </a:solidFill>
+                <a:latin typeface="+mn-lt"/>
+                <a:ea typeface="+mn-ea"/>
+                <a:cs typeface="+mn-cs"/>
+              </a:defRPr>
+            </a:lvl8pPr>
+            <a:lvl9pPr marL="3886200" indent="-228600" algn="l" defTabSz="914400" rtl="0" eaLnBrk="1" latinLnBrk="0" hangingPunct="1">
+              <a:lnSpc>
+                <a:spcPct val="90000"/>
+              </a:lnSpc>
+              <a:spcBef>
+                <a:spcPts val="500"/>
+              </a:spcBef>
+              <a:buFont typeface="Arial" panose="020B0604020202020204" pitchFamily="34" charset="0"/>
+              <a:buChar char="•"/>
+              <a:defRPr sz="1800" kern="1200">
+                <a:solidFill>
+                  <a:schemeClr val="tx1"/>
+                </a:solidFill>
+                <a:latin typeface="+mn-lt"/>
+                <a:ea typeface="+mn-ea"/>
+                <a:cs typeface="+mn-cs"/>
+              </a:defRPr>
+            </a:lvl9pPr>
+          </a:lstStyle>
+          <a:p>
+            <a:pPr marL="0" indent="0">
+              <a:lnSpc>
+                <a:spcPct val="100000"/>
+              </a:lnSpc>
+              <a:buNone/>
+            </a:pPr>
+            <a:r>
+              <a:rPr lang="en-US" sz="2600" dirty="0"/>
+              <a:t>Using </a:t>
+            </a:r>
+            <a:r>
+              <a:rPr lang="en-US" sz="2600" i="1" dirty="0"/>
+              <a:t>gprof </a:t>
+            </a:r>
+            <a:r>
+              <a:rPr lang="en-US" sz="2600" dirty="0"/>
+              <a:t>it is possible to see the percentage of running time required by each step  </a:t>
+            </a:r>
+            <a:endParaRPr lang="en-US" sz="2600" i="1" dirty="0"/>
+          </a:p>
+        </p:txBody>
+      </p:sp>
+    </p:spTree>
+    <p:extLst>
+      <p:ext uri="{BB962C8B-B14F-4D97-AF65-F5344CB8AC3E}">
+        <p14:creationId xmlns:p14="http://schemas.microsoft.com/office/powerpoint/2010/main" val="2090502125"/>
+      </p:ext>
+    </p:extLst>
+  </p:cSld>
+  <p:clrMapOvr>
+    <a:masterClrMapping/>
+  </p:clrMapOvr>
+</p:sld>
+</file>
+
+<file path=ppt/slides/slide7.xml><?xml version="1.0" encoding="utf-8"?>
+<p:sld xmlns:a="http://schemas.openxmlformats.org/drawingml/2006/main" xmlns:r="http://schemas.openxmlformats.org/officeDocument/2006/relationships" xmlns:p="http://schemas.openxmlformats.org/presentationml/2006/main">
+  <p:cSld>
+    <p:spTree>
+      <p:nvGrpSpPr>
+        <p:cNvPr id="1" name=""/>
+        <p:cNvGrpSpPr/>
+        <p:nvPr/>
+      </p:nvGrpSpPr>
+      <p:grpSpPr>
+        <a:xfrm>
+          <a:off x="0" y="0"/>
+          <a:ext cx="0" cy="0"/>
+          <a:chOff x="0" y="0"/>
+          <a:chExt cx="0" cy="0"/>
+        </a:xfrm>
+      </p:grpSpPr>
+      <p:sp>
+        <p:nvSpPr>
+          <p:cNvPr id="2" name="Title 1">
+            <a:extLst>
+              <a:ext uri="{FF2B5EF4-FFF2-40B4-BE49-F238E27FC236}">
+                <a16:creationId xmlns:a16="http://schemas.microsoft.com/office/drawing/2014/main" id="{803171CE-E98F-F345-AE61-0D9C5BF71A42}"/>
+              </a:ext>
+            </a:extLst>
+          </p:cNvPr>
+          <p:cNvSpPr>
+            <a:spLocks noGrp="1"/>
+          </p:cNvSpPr>
+          <p:nvPr>
+            <p:ph type="title"/>
+          </p:nvPr>
+        </p:nvSpPr>
+        <p:spPr/>
+        <p:txBody>
+          <a:bodyPr/>
+          <a:lstStyle/>
+          <a:p>
+            <a:pPr algn="l"/>
+            <a:r>
+              <a:rPr lang="en-US" b="1" dirty="0"/>
+              <a:t>Study of the Available Parallelism</a:t>
+            </a:r>
+          </a:p>
+        </p:txBody>
+      </p:sp>
+      <p:sp>
+        <p:nvSpPr>
+          <p:cNvPr id="8" name="Content Placeholder 2">
+            <a:extLst>
+              <a:ext uri="{FF2B5EF4-FFF2-40B4-BE49-F238E27FC236}">
+                <a16:creationId xmlns:a16="http://schemas.microsoft.com/office/drawing/2014/main" id="{F4E69D1F-8940-6E4D-8D80-EB8475536BF7}"/>
+              </a:ext>
+            </a:extLst>
+          </p:cNvPr>
+          <p:cNvSpPr txBox="1">
+            <a:spLocks/>
+          </p:cNvSpPr>
+          <p:nvPr/>
+        </p:nvSpPr>
+        <p:spPr>
+          <a:xfrm>
+            <a:off x="628649" y="1825625"/>
+            <a:ext cx="7886701" cy="962546"/>
+          </a:xfrm>
+          <a:prstGeom prst="rect">
+            <a:avLst/>
+          </a:prstGeom>
+        </p:spPr>
+        <p:txBody>
+          <a:bodyPr vert="horz" lIns="91440" tIns="45720" rIns="91440" bIns="45720" rtlCol="0">
+            <a:noAutofit/>
+          </a:bodyPr>
+          <a:lstStyle>
+            <a:lvl1pPr marL="228600" indent="-228600" algn="l" defTabSz="914400" rtl="0" eaLnBrk="1" latinLnBrk="0" hangingPunct="1">
+              <a:lnSpc>
+                <a:spcPct val="90000"/>
+              </a:lnSpc>
+              <a:spcBef>
+                <a:spcPts val="1000"/>
+              </a:spcBef>
+              <a:buFont typeface="Arial" panose="020B0604020202020204" pitchFamily="34" charset="0"/>
+              <a:buChar char="•"/>
+              <a:defRPr sz="2800" kern="1200">
+                <a:solidFill>
+                  <a:schemeClr val="tx1"/>
+                </a:solidFill>
+                <a:latin typeface="Open Sans" panose="020B0606030504020204" pitchFamily="34" charset="0"/>
+                <a:ea typeface="Open Sans" panose="020B0606030504020204" pitchFamily="34" charset="0"/>
+                <a:cs typeface="Open Sans" panose="020B0606030504020204" pitchFamily="34" charset="0"/>
+              </a:defRPr>
+            </a:lvl1pPr>
+            <a:lvl2pPr marL="685800" indent="-228600" algn="l" defTabSz="914400" rtl="0" eaLnBrk="1" latinLnBrk="0" hangingPunct="1">
+              <a:lnSpc>
+                <a:spcPct val="90000"/>
+              </a:lnSpc>
+              <a:spcBef>
+                <a:spcPts val="500"/>
+              </a:spcBef>
+              <a:buFont typeface="Arial" panose="020B0604020202020204" pitchFamily="34" charset="0"/>
+              <a:buChar char="•"/>
+              <a:defRPr sz="2400" kern="1200">
+                <a:solidFill>
+                  <a:schemeClr val="tx1"/>
+                </a:solidFill>
+                <a:latin typeface="Open Sans" panose="020B0606030504020204" pitchFamily="34" charset="0"/>
+                <a:ea typeface="Open Sans" panose="020B0606030504020204" pitchFamily="34" charset="0"/>
+                <a:cs typeface="Open Sans" panose="020B0606030504020204" pitchFamily="34" charset="0"/>
+              </a:defRPr>
+            </a:lvl2pPr>
+            <a:lvl3pPr marL="1143000" indent="-228600" algn="l" defTabSz="914400" rtl="0" eaLnBrk="1" latinLnBrk="0" hangingPunct="1">
+              <a:lnSpc>
+                <a:spcPct val="90000"/>
+              </a:lnSpc>
+              <a:spcBef>
+                <a:spcPts val="500"/>
+              </a:spcBef>
+              <a:buFont typeface="Arial" panose="020B0604020202020204" pitchFamily="34" charset="0"/>
+              <a:buChar char="•"/>
+              <a:defRPr sz="2000" kern="1200">
+                <a:solidFill>
+                  <a:schemeClr val="tx1"/>
+                </a:solidFill>
+                <a:latin typeface="Open Sans" panose="020B0606030504020204" pitchFamily="34" charset="0"/>
+                <a:ea typeface="Open Sans" panose="020B0606030504020204" pitchFamily="34" charset="0"/>
+                <a:cs typeface="Open Sans" panose="020B0606030504020204" pitchFamily="34" charset="0"/>
+              </a:defRPr>
+            </a:lvl3pPr>
+            <a:lvl4pPr marL="1600200" indent="-228600" algn="l" defTabSz="914400" rtl="0" eaLnBrk="1" latinLnBrk="0" hangingPunct="1">
+              <a:lnSpc>
+                <a:spcPct val="90000"/>
+              </a:lnSpc>
+              <a:spcBef>
+                <a:spcPts val="500"/>
+              </a:spcBef>
+              <a:buFont typeface="Arial" panose="020B0604020202020204" pitchFamily="34" charset="0"/>
+              <a:buChar char="•"/>
+              <a:defRPr sz="1800" kern="1200">
+                <a:solidFill>
+                  <a:schemeClr val="tx1"/>
+                </a:solidFill>
+                <a:latin typeface="Open Sans" panose="020B0606030504020204" pitchFamily="34" charset="0"/>
+                <a:ea typeface="Open Sans" panose="020B0606030504020204" pitchFamily="34" charset="0"/>
+                <a:cs typeface="Open Sans" panose="020B0606030504020204" pitchFamily="34" charset="0"/>
+              </a:defRPr>
+            </a:lvl4pPr>
+            <a:lvl5pPr marL="2057400" indent="-228600" algn="l" defTabSz="914400" rtl="0" eaLnBrk="1" latinLnBrk="0" hangingPunct="1">
+              <a:lnSpc>
+                <a:spcPct val="90000"/>
+              </a:lnSpc>
+              <a:spcBef>
+                <a:spcPts val="500"/>
+              </a:spcBef>
+              <a:buFont typeface="Arial" panose="020B0604020202020204" pitchFamily="34" charset="0"/>
+              <a:buChar char="•"/>
+              <a:defRPr sz="1800" kern="1200">
+                <a:solidFill>
+                  <a:schemeClr val="tx1"/>
+                </a:solidFill>
+                <a:latin typeface="Open Sans" panose="020B0606030504020204" pitchFamily="34" charset="0"/>
+                <a:ea typeface="Open Sans" panose="020B0606030504020204" pitchFamily="34" charset="0"/>
+                <a:cs typeface="Open Sans" panose="020B0606030504020204" pitchFamily="34" charset="0"/>
+              </a:defRPr>
+            </a:lvl5pPr>
+            <a:lvl6pPr marL="2514600" indent="-228600" algn="l" defTabSz="914400" rtl="0" eaLnBrk="1" latinLnBrk="0" hangingPunct="1">
+              <a:lnSpc>
+                <a:spcPct val="90000"/>
+              </a:lnSpc>
+              <a:spcBef>
+                <a:spcPts val="500"/>
+              </a:spcBef>
+              <a:buFont typeface="Arial" panose="020B0604020202020204" pitchFamily="34" charset="0"/>
+              <a:buChar char="•"/>
+              <a:defRPr sz="1800" kern="1200">
+                <a:solidFill>
+                  <a:schemeClr val="tx1"/>
+                </a:solidFill>
+                <a:latin typeface="+mn-lt"/>
+                <a:ea typeface="+mn-ea"/>
+                <a:cs typeface="+mn-cs"/>
+              </a:defRPr>
+            </a:lvl6pPr>
+            <a:lvl7pPr marL="2971800" indent="-228600" algn="l" defTabSz="914400" rtl="0" eaLnBrk="1" latinLnBrk="0" hangingPunct="1">
+              <a:lnSpc>
+                <a:spcPct val="90000"/>
+              </a:lnSpc>
+              <a:spcBef>
+                <a:spcPts val="500"/>
+              </a:spcBef>
+              <a:buFont typeface="Arial" panose="020B0604020202020204" pitchFamily="34" charset="0"/>
+              <a:buChar char="•"/>
+              <a:defRPr sz="1800" kern="1200">
+                <a:solidFill>
+                  <a:schemeClr val="tx1"/>
+                </a:solidFill>
+                <a:latin typeface="+mn-lt"/>
+                <a:ea typeface="+mn-ea"/>
+                <a:cs typeface="+mn-cs"/>
+              </a:defRPr>
+            </a:lvl7pPr>
+            <a:lvl8pPr marL="3429000" indent="-228600" algn="l" defTabSz="914400" rtl="0" eaLnBrk="1" latinLnBrk="0" hangingPunct="1">
+              <a:lnSpc>
+                <a:spcPct val="90000"/>
+              </a:lnSpc>
+              <a:spcBef>
+                <a:spcPts val="500"/>
+              </a:spcBef>
+              <a:buFont typeface="Arial" panose="020B0604020202020204" pitchFamily="34" charset="0"/>
+              <a:buChar char="•"/>
+              <a:defRPr sz="1800" kern="1200">
+                <a:solidFill>
+                  <a:schemeClr val="tx1"/>
+                </a:solidFill>
+                <a:latin typeface="+mn-lt"/>
+                <a:ea typeface="+mn-ea"/>
+                <a:cs typeface="+mn-cs"/>
+              </a:defRPr>
+            </a:lvl8pPr>
+            <a:lvl9pPr marL="3886200" indent="-228600" algn="l" defTabSz="914400" rtl="0" eaLnBrk="1" latinLnBrk="0" hangingPunct="1">
+              <a:lnSpc>
+                <a:spcPct val="90000"/>
+              </a:lnSpc>
+              <a:spcBef>
+                <a:spcPts val="500"/>
+              </a:spcBef>
+              <a:buFont typeface="Arial" panose="020B0604020202020204" pitchFamily="34" charset="0"/>
+              <a:buChar char="•"/>
+              <a:defRPr sz="1800" kern="1200">
+                <a:solidFill>
+                  <a:schemeClr val="tx1"/>
+                </a:solidFill>
+                <a:latin typeface="+mn-lt"/>
+                <a:ea typeface="+mn-ea"/>
+                <a:cs typeface="+mn-cs"/>
+              </a:defRPr>
+            </a:lvl9pPr>
+          </a:lstStyle>
+          <a:p>
+            <a:pPr marL="0" indent="0">
+              <a:lnSpc>
+                <a:spcPct val="100000"/>
+              </a:lnSpc>
+              <a:buNone/>
+            </a:pPr>
+            <a:r>
+              <a:rPr lang="en-US" sz="2600" dirty="0"/>
+              <a:t>Amdahl’s Law estimates the speedup that can be reached just by parallelizing the pixels assignment </a:t>
+            </a:r>
+          </a:p>
+        </p:txBody>
+      </p:sp>
+      <p:pic>
+        <p:nvPicPr>
+          <p:cNvPr id="14" name="Picture 13">
+            <a:extLst>
+              <a:ext uri="{FF2B5EF4-FFF2-40B4-BE49-F238E27FC236}">
+                <a16:creationId xmlns:a16="http://schemas.microsoft.com/office/drawing/2014/main" id="{A015387D-CFD1-174D-A7CD-4C6174AF5066}"/>
+              </a:ext>
+            </a:extLst>
+          </p:cNvPr>
+          <p:cNvPicPr>
+            <a:picLocks noChangeAspect="1"/>
+          </p:cNvPicPr>
+          <p:nvPr/>
+        </p:nvPicPr>
+        <p:blipFill rotWithShape="1">
+          <a:blip r:embed="rId2"/>
+          <a:srcRect l="963" t="2704" r="2103" b="1039"/>
+          <a:stretch/>
+        </p:blipFill>
+        <p:spPr>
+          <a:xfrm>
+            <a:off x="749507" y="2923107"/>
+            <a:ext cx="7644984" cy="3312828"/>
+          </a:xfrm>
+          <a:prstGeom prst="rect">
+            <a:avLst/>
+          </a:prstGeom>
+        </p:spPr>
+      </p:pic>
+    </p:spTree>
+    <p:extLst>
+      <p:ext uri="{BB962C8B-B14F-4D97-AF65-F5344CB8AC3E}">
+        <p14:creationId xmlns:p14="http://schemas.microsoft.com/office/powerpoint/2010/main" val="2151820402"/>
+      </p:ext>
+    </p:extLst>
+  </p:cSld>
+  <p:clrMapOvr>
+    <a:masterClrMapping/>
+  </p:clrMapOvr>
+</p:sld>
+</file>
+
+<file path=ppt/slides/slide8.xml><?xml version="1.0" encoding="utf-8"?>
+<p:sld xmlns:a="http://schemas.openxmlformats.org/drawingml/2006/main" xmlns:r="http://schemas.openxmlformats.org/officeDocument/2006/relationships" xmlns:p="http://schemas.openxmlformats.org/presentationml/2006/main">
+  <p:cSld>
+    <p:spTree>
+      <p:nvGrpSpPr>
+        <p:cNvPr id="1" name=""/>
+        <p:cNvGrpSpPr/>
+        <p:nvPr/>
+      </p:nvGrpSpPr>
+      <p:grpSpPr>
+        <a:xfrm>
+          <a:off x="0" y="0"/>
+          <a:ext cx="0" cy="0"/>
+          <a:chOff x="0" y="0"/>
+          <a:chExt cx="0" cy="0"/>
+        </a:xfrm>
+      </p:grpSpPr>
+      <p:sp>
+        <p:nvSpPr>
+          <p:cNvPr id="2" name="Title 1">
+            <a:extLst>
+              <a:ext uri="{FF2B5EF4-FFF2-40B4-BE49-F238E27FC236}">
+                <a16:creationId xmlns:a16="http://schemas.microsoft.com/office/drawing/2014/main" id="{803171CE-E98F-F345-AE61-0D9C5BF71A42}"/>
+              </a:ext>
+            </a:extLst>
+          </p:cNvPr>
+          <p:cNvSpPr>
+            <a:spLocks noGrp="1"/>
+          </p:cNvSpPr>
+          <p:nvPr>
+            <p:ph type="title"/>
+          </p:nvPr>
+        </p:nvSpPr>
+        <p:spPr/>
+        <p:txBody>
+          <a:bodyPr/>
+          <a:lstStyle/>
+          <a:p>
+            <a:pPr algn="l"/>
+            <a:r>
+              <a:rPr lang="en-US" b="1" dirty="0"/>
+              <a:t>The parallel implementation</a:t>
             </a:r>
           </a:p>
         </p:txBody>
@@ -4172,19 +11112,1037 @@
             <p:ph idx="1"/>
           </p:nvPr>
         </p:nvSpPr>
-        <p:spPr/>
+        <p:spPr>
+          <a:xfrm>
+            <a:off x="628650" y="5099283"/>
+            <a:ext cx="7886700" cy="953946"/>
+          </a:xfrm>
+        </p:spPr>
         <p:txBody>
-          <a:bodyPr/>
+          <a:bodyPr>
+            <a:normAutofit/>
+          </a:bodyPr>
           <a:lstStyle/>
           <a:p>
-            <a:endParaRPr lang="en-US"/>
+            <a:pPr marL="0" indent="0">
+              <a:lnSpc>
+                <a:spcPct val="100000"/>
+              </a:lnSpc>
+              <a:buNone/>
+            </a:pPr>
+            <a:r>
+              <a:rPr lang="en-US" sz="2600" dirty="0"/>
+              <a:t>The </a:t>
+            </a:r>
+            <a:r>
+              <a:rPr lang="en-US" sz="2600" i="1" dirty="0"/>
+              <a:t>static</a:t>
+            </a:r>
+            <a:r>
+              <a:rPr lang="en-US" sz="2600" dirty="0"/>
+              <a:t> approach is used because the work distribution across threads is well balanced </a:t>
+            </a:r>
+          </a:p>
+          <a:p>
+            <a:endParaRPr lang="en-US" dirty="0"/>
+          </a:p>
+        </p:txBody>
+      </p:sp>
+      <p:sp>
+        <p:nvSpPr>
+          <p:cNvPr id="4" name="Content Placeholder 2">
+            <a:extLst>
+              <a:ext uri="{FF2B5EF4-FFF2-40B4-BE49-F238E27FC236}">
+                <a16:creationId xmlns:a16="http://schemas.microsoft.com/office/drawing/2014/main" id="{C76F33BD-B442-2E44-AE17-FD2653FD1BA3}"/>
+              </a:ext>
+            </a:extLst>
+          </p:cNvPr>
+          <p:cNvSpPr txBox="1">
+            <a:spLocks/>
+          </p:cNvSpPr>
+          <p:nvPr/>
+        </p:nvSpPr>
+        <p:spPr>
+          <a:xfrm>
+            <a:off x="628650" y="1846204"/>
+            <a:ext cx="7886701" cy="1316721"/>
+          </a:xfrm>
+          <a:prstGeom prst="rect">
+            <a:avLst/>
+          </a:prstGeom>
+        </p:spPr>
+        <p:txBody>
+          <a:bodyPr vert="horz" lIns="91440" tIns="45720" rIns="91440" bIns="45720" rtlCol="0">
+            <a:noAutofit/>
+          </a:bodyPr>
+          <a:lstStyle>
+            <a:lvl1pPr marL="228600" indent="-228600" algn="l" defTabSz="914400" rtl="0" eaLnBrk="1" latinLnBrk="0" hangingPunct="1">
+              <a:lnSpc>
+                <a:spcPct val="90000"/>
+              </a:lnSpc>
+              <a:spcBef>
+                <a:spcPts val="1000"/>
+              </a:spcBef>
+              <a:buFont typeface="Arial" panose="020B0604020202020204" pitchFamily="34" charset="0"/>
+              <a:buChar char="•"/>
+              <a:defRPr sz="2800" kern="1200">
+                <a:solidFill>
+                  <a:schemeClr val="tx1"/>
+                </a:solidFill>
+                <a:latin typeface="Open Sans" panose="020B0606030504020204" pitchFamily="34" charset="0"/>
+                <a:ea typeface="Open Sans" panose="020B0606030504020204" pitchFamily="34" charset="0"/>
+                <a:cs typeface="Open Sans" panose="020B0606030504020204" pitchFamily="34" charset="0"/>
+              </a:defRPr>
+            </a:lvl1pPr>
+            <a:lvl2pPr marL="685800" indent="-228600" algn="l" defTabSz="914400" rtl="0" eaLnBrk="1" latinLnBrk="0" hangingPunct="1">
+              <a:lnSpc>
+                <a:spcPct val="90000"/>
+              </a:lnSpc>
+              <a:spcBef>
+                <a:spcPts val="500"/>
+              </a:spcBef>
+              <a:buFont typeface="Arial" panose="020B0604020202020204" pitchFamily="34" charset="0"/>
+              <a:buChar char="•"/>
+              <a:defRPr sz="2400" kern="1200">
+                <a:solidFill>
+                  <a:schemeClr val="tx1"/>
+                </a:solidFill>
+                <a:latin typeface="Open Sans" panose="020B0606030504020204" pitchFamily="34" charset="0"/>
+                <a:ea typeface="Open Sans" panose="020B0606030504020204" pitchFamily="34" charset="0"/>
+                <a:cs typeface="Open Sans" panose="020B0606030504020204" pitchFamily="34" charset="0"/>
+              </a:defRPr>
+            </a:lvl2pPr>
+            <a:lvl3pPr marL="1143000" indent="-228600" algn="l" defTabSz="914400" rtl="0" eaLnBrk="1" latinLnBrk="0" hangingPunct="1">
+              <a:lnSpc>
+                <a:spcPct val="90000"/>
+              </a:lnSpc>
+              <a:spcBef>
+                <a:spcPts val="500"/>
+              </a:spcBef>
+              <a:buFont typeface="Arial" panose="020B0604020202020204" pitchFamily="34" charset="0"/>
+              <a:buChar char="•"/>
+              <a:defRPr sz="2000" kern="1200">
+                <a:solidFill>
+                  <a:schemeClr val="tx1"/>
+                </a:solidFill>
+                <a:latin typeface="Open Sans" panose="020B0606030504020204" pitchFamily="34" charset="0"/>
+                <a:ea typeface="Open Sans" panose="020B0606030504020204" pitchFamily="34" charset="0"/>
+                <a:cs typeface="Open Sans" panose="020B0606030504020204" pitchFamily="34" charset="0"/>
+              </a:defRPr>
+            </a:lvl3pPr>
+            <a:lvl4pPr marL="1600200" indent="-228600" algn="l" defTabSz="914400" rtl="0" eaLnBrk="1" latinLnBrk="0" hangingPunct="1">
+              <a:lnSpc>
+                <a:spcPct val="90000"/>
+              </a:lnSpc>
+              <a:spcBef>
+                <a:spcPts val="500"/>
+              </a:spcBef>
+              <a:buFont typeface="Arial" panose="020B0604020202020204" pitchFamily="34" charset="0"/>
+              <a:buChar char="•"/>
+              <a:defRPr sz="1800" kern="1200">
+                <a:solidFill>
+                  <a:schemeClr val="tx1"/>
+                </a:solidFill>
+                <a:latin typeface="Open Sans" panose="020B0606030504020204" pitchFamily="34" charset="0"/>
+                <a:ea typeface="Open Sans" panose="020B0606030504020204" pitchFamily="34" charset="0"/>
+                <a:cs typeface="Open Sans" panose="020B0606030504020204" pitchFamily="34" charset="0"/>
+              </a:defRPr>
+            </a:lvl4pPr>
+            <a:lvl5pPr marL="2057400" indent="-228600" algn="l" defTabSz="914400" rtl="0" eaLnBrk="1" latinLnBrk="0" hangingPunct="1">
+              <a:lnSpc>
+                <a:spcPct val="90000"/>
+              </a:lnSpc>
+              <a:spcBef>
+                <a:spcPts val="500"/>
+              </a:spcBef>
+              <a:buFont typeface="Arial" panose="020B0604020202020204" pitchFamily="34" charset="0"/>
+              <a:buChar char="•"/>
+              <a:defRPr sz="1800" kern="1200">
+                <a:solidFill>
+                  <a:schemeClr val="tx1"/>
+                </a:solidFill>
+                <a:latin typeface="Open Sans" panose="020B0606030504020204" pitchFamily="34" charset="0"/>
+                <a:ea typeface="Open Sans" panose="020B0606030504020204" pitchFamily="34" charset="0"/>
+                <a:cs typeface="Open Sans" panose="020B0606030504020204" pitchFamily="34" charset="0"/>
+              </a:defRPr>
+            </a:lvl5pPr>
+            <a:lvl6pPr marL="2514600" indent="-228600" algn="l" defTabSz="914400" rtl="0" eaLnBrk="1" latinLnBrk="0" hangingPunct="1">
+              <a:lnSpc>
+                <a:spcPct val="90000"/>
+              </a:lnSpc>
+              <a:spcBef>
+                <a:spcPts val="500"/>
+              </a:spcBef>
+              <a:buFont typeface="Arial" panose="020B0604020202020204" pitchFamily="34" charset="0"/>
+              <a:buChar char="•"/>
+              <a:defRPr sz="1800" kern="1200">
+                <a:solidFill>
+                  <a:schemeClr val="tx1"/>
+                </a:solidFill>
+                <a:latin typeface="+mn-lt"/>
+                <a:ea typeface="+mn-ea"/>
+                <a:cs typeface="+mn-cs"/>
+              </a:defRPr>
+            </a:lvl6pPr>
+            <a:lvl7pPr marL="2971800" indent="-228600" algn="l" defTabSz="914400" rtl="0" eaLnBrk="1" latinLnBrk="0" hangingPunct="1">
+              <a:lnSpc>
+                <a:spcPct val="90000"/>
+              </a:lnSpc>
+              <a:spcBef>
+                <a:spcPts val="500"/>
+              </a:spcBef>
+              <a:buFont typeface="Arial" panose="020B0604020202020204" pitchFamily="34" charset="0"/>
+              <a:buChar char="•"/>
+              <a:defRPr sz="1800" kern="1200">
+                <a:solidFill>
+                  <a:schemeClr val="tx1"/>
+                </a:solidFill>
+                <a:latin typeface="+mn-lt"/>
+                <a:ea typeface="+mn-ea"/>
+                <a:cs typeface="+mn-cs"/>
+              </a:defRPr>
+            </a:lvl7pPr>
+            <a:lvl8pPr marL="3429000" indent="-228600" algn="l" defTabSz="914400" rtl="0" eaLnBrk="1" latinLnBrk="0" hangingPunct="1">
+              <a:lnSpc>
+                <a:spcPct val="90000"/>
+              </a:lnSpc>
+              <a:spcBef>
+                <a:spcPts val="500"/>
+              </a:spcBef>
+              <a:buFont typeface="Arial" panose="020B0604020202020204" pitchFamily="34" charset="0"/>
+              <a:buChar char="•"/>
+              <a:defRPr sz="1800" kern="1200">
+                <a:solidFill>
+                  <a:schemeClr val="tx1"/>
+                </a:solidFill>
+                <a:latin typeface="+mn-lt"/>
+                <a:ea typeface="+mn-ea"/>
+                <a:cs typeface="+mn-cs"/>
+              </a:defRPr>
+            </a:lvl8pPr>
+            <a:lvl9pPr marL="3886200" indent="-228600" algn="l" defTabSz="914400" rtl="0" eaLnBrk="1" latinLnBrk="0" hangingPunct="1">
+              <a:lnSpc>
+                <a:spcPct val="90000"/>
+              </a:lnSpc>
+              <a:spcBef>
+                <a:spcPts val="500"/>
+              </a:spcBef>
+              <a:buFont typeface="Arial" panose="020B0604020202020204" pitchFamily="34" charset="0"/>
+              <a:buChar char="•"/>
+              <a:defRPr sz="1800" kern="1200">
+                <a:solidFill>
+                  <a:schemeClr val="tx1"/>
+                </a:solidFill>
+                <a:latin typeface="+mn-lt"/>
+                <a:ea typeface="+mn-ea"/>
+                <a:cs typeface="+mn-cs"/>
+              </a:defRPr>
+            </a:lvl9pPr>
+          </a:lstStyle>
+          <a:p>
+            <a:pPr marL="0" indent="0">
+              <a:lnSpc>
+                <a:spcPct val="100000"/>
+              </a:lnSpc>
+              <a:buNone/>
+            </a:pPr>
+            <a:r>
+              <a:rPr lang="en-US" sz="2600" dirty="0"/>
+              <a:t>To parallelize the assignment of each pixel to the closest cluster, a </a:t>
+            </a:r>
+            <a:r>
+              <a:rPr lang="en-US" sz="2600" i="1" dirty="0"/>
+              <a:t>parallel for</a:t>
+            </a:r>
+            <a:r>
+              <a:rPr lang="en-US" sz="2600" dirty="0"/>
+              <a:t> work-sharing construct is used</a:t>
+            </a:r>
+            <a:endParaRPr lang="en-US" sz="2600" i="1" dirty="0"/>
+          </a:p>
+        </p:txBody>
+      </p:sp>
+      <p:sp>
+        <p:nvSpPr>
+          <p:cNvPr id="5" name="Content Placeholder 2">
+            <a:extLst>
+              <a:ext uri="{FF2B5EF4-FFF2-40B4-BE49-F238E27FC236}">
+                <a16:creationId xmlns:a16="http://schemas.microsoft.com/office/drawing/2014/main" id="{218A57DA-0D10-1943-AB09-60B873A48192}"/>
+              </a:ext>
+            </a:extLst>
+          </p:cNvPr>
+          <p:cNvSpPr txBox="1">
+            <a:spLocks/>
+          </p:cNvSpPr>
+          <p:nvPr/>
+        </p:nvSpPr>
+        <p:spPr>
+          <a:xfrm>
+            <a:off x="628650" y="3318440"/>
+            <a:ext cx="6190938" cy="1625328"/>
+          </a:xfrm>
+          <a:prstGeom prst="rect">
+            <a:avLst/>
+          </a:prstGeom>
+        </p:spPr>
+        <p:txBody>
+          <a:bodyPr vert="horz" lIns="91440" tIns="45720" rIns="91440" bIns="45720" rtlCol="0">
+            <a:noAutofit/>
+          </a:bodyPr>
+          <a:lstStyle>
+            <a:lvl1pPr marL="228600" indent="-228600" algn="l" defTabSz="914400" rtl="0" eaLnBrk="1" latinLnBrk="0" hangingPunct="1">
+              <a:lnSpc>
+                <a:spcPct val="90000"/>
+              </a:lnSpc>
+              <a:spcBef>
+                <a:spcPts val="1000"/>
+              </a:spcBef>
+              <a:buFont typeface="Arial" panose="020B0604020202020204" pitchFamily="34" charset="0"/>
+              <a:buChar char="•"/>
+              <a:defRPr sz="2800" kern="1200">
+                <a:solidFill>
+                  <a:schemeClr val="tx1"/>
+                </a:solidFill>
+                <a:latin typeface="Open Sans" panose="020B0606030504020204" pitchFamily="34" charset="0"/>
+                <a:ea typeface="Open Sans" panose="020B0606030504020204" pitchFamily="34" charset="0"/>
+                <a:cs typeface="Open Sans" panose="020B0606030504020204" pitchFamily="34" charset="0"/>
+              </a:defRPr>
+            </a:lvl1pPr>
+            <a:lvl2pPr marL="685800" indent="-228600" algn="l" defTabSz="914400" rtl="0" eaLnBrk="1" latinLnBrk="0" hangingPunct="1">
+              <a:lnSpc>
+                <a:spcPct val="90000"/>
+              </a:lnSpc>
+              <a:spcBef>
+                <a:spcPts val="500"/>
+              </a:spcBef>
+              <a:buFont typeface="Arial" panose="020B0604020202020204" pitchFamily="34" charset="0"/>
+              <a:buChar char="•"/>
+              <a:defRPr sz="2400" kern="1200">
+                <a:solidFill>
+                  <a:schemeClr val="tx1"/>
+                </a:solidFill>
+                <a:latin typeface="Open Sans" panose="020B0606030504020204" pitchFamily="34" charset="0"/>
+                <a:ea typeface="Open Sans" panose="020B0606030504020204" pitchFamily="34" charset="0"/>
+                <a:cs typeface="Open Sans" panose="020B0606030504020204" pitchFamily="34" charset="0"/>
+              </a:defRPr>
+            </a:lvl2pPr>
+            <a:lvl3pPr marL="1143000" indent="-228600" algn="l" defTabSz="914400" rtl="0" eaLnBrk="1" latinLnBrk="0" hangingPunct="1">
+              <a:lnSpc>
+                <a:spcPct val="90000"/>
+              </a:lnSpc>
+              <a:spcBef>
+                <a:spcPts val="500"/>
+              </a:spcBef>
+              <a:buFont typeface="Arial" panose="020B0604020202020204" pitchFamily="34" charset="0"/>
+              <a:buChar char="•"/>
+              <a:defRPr sz="2000" kern="1200">
+                <a:solidFill>
+                  <a:schemeClr val="tx1"/>
+                </a:solidFill>
+                <a:latin typeface="Open Sans" panose="020B0606030504020204" pitchFamily="34" charset="0"/>
+                <a:ea typeface="Open Sans" panose="020B0606030504020204" pitchFamily="34" charset="0"/>
+                <a:cs typeface="Open Sans" panose="020B0606030504020204" pitchFamily="34" charset="0"/>
+              </a:defRPr>
+            </a:lvl3pPr>
+            <a:lvl4pPr marL="1600200" indent="-228600" algn="l" defTabSz="914400" rtl="0" eaLnBrk="1" latinLnBrk="0" hangingPunct="1">
+              <a:lnSpc>
+                <a:spcPct val="90000"/>
+              </a:lnSpc>
+              <a:spcBef>
+                <a:spcPts val="500"/>
+              </a:spcBef>
+              <a:buFont typeface="Arial" panose="020B0604020202020204" pitchFamily="34" charset="0"/>
+              <a:buChar char="•"/>
+              <a:defRPr sz="1800" kern="1200">
+                <a:solidFill>
+                  <a:schemeClr val="tx1"/>
+                </a:solidFill>
+                <a:latin typeface="Open Sans" panose="020B0606030504020204" pitchFamily="34" charset="0"/>
+                <a:ea typeface="Open Sans" panose="020B0606030504020204" pitchFamily="34" charset="0"/>
+                <a:cs typeface="Open Sans" panose="020B0606030504020204" pitchFamily="34" charset="0"/>
+              </a:defRPr>
+            </a:lvl4pPr>
+            <a:lvl5pPr marL="2057400" indent="-228600" algn="l" defTabSz="914400" rtl="0" eaLnBrk="1" latinLnBrk="0" hangingPunct="1">
+              <a:lnSpc>
+                <a:spcPct val="90000"/>
+              </a:lnSpc>
+              <a:spcBef>
+                <a:spcPts val="500"/>
+              </a:spcBef>
+              <a:buFont typeface="Arial" panose="020B0604020202020204" pitchFamily="34" charset="0"/>
+              <a:buChar char="•"/>
+              <a:defRPr sz="1800" kern="1200">
+                <a:solidFill>
+                  <a:schemeClr val="tx1"/>
+                </a:solidFill>
+                <a:latin typeface="Open Sans" panose="020B0606030504020204" pitchFamily="34" charset="0"/>
+                <a:ea typeface="Open Sans" panose="020B0606030504020204" pitchFamily="34" charset="0"/>
+                <a:cs typeface="Open Sans" panose="020B0606030504020204" pitchFamily="34" charset="0"/>
+              </a:defRPr>
+            </a:lvl5pPr>
+            <a:lvl6pPr marL="2514600" indent="-228600" algn="l" defTabSz="914400" rtl="0" eaLnBrk="1" latinLnBrk="0" hangingPunct="1">
+              <a:lnSpc>
+                <a:spcPct val="90000"/>
+              </a:lnSpc>
+              <a:spcBef>
+                <a:spcPts val="500"/>
+              </a:spcBef>
+              <a:buFont typeface="Arial" panose="020B0604020202020204" pitchFamily="34" charset="0"/>
+              <a:buChar char="•"/>
+              <a:defRPr sz="1800" kern="1200">
+                <a:solidFill>
+                  <a:schemeClr val="tx1"/>
+                </a:solidFill>
+                <a:latin typeface="+mn-lt"/>
+                <a:ea typeface="+mn-ea"/>
+                <a:cs typeface="+mn-cs"/>
+              </a:defRPr>
+            </a:lvl6pPr>
+            <a:lvl7pPr marL="2971800" indent="-228600" algn="l" defTabSz="914400" rtl="0" eaLnBrk="1" latinLnBrk="0" hangingPunct="1">
+              <a:lnSpc>
+                <a:spcPct val="90000"/>
+              </a:lnSpc>
+              <a:spcBef>
+                <a:spcPts val="500"/>
+              </a:spcBef>
+              <a:buFont typeface="Arial" panose="020B0604020202020204" pitchFamily="34" charset="0"/>
+              <a:buChar char="•"/>
+              <a:defRPr sz="1800" kern="1200">
+                <a:solidFill>
+                  <a:schemeClr val="tx1"/>
+                </a:solidFill>
+                <a:latin typeface="+mn-lt"/>
+                <a:ea typeface="+mn-ea"/>
+                <a:cs typeface="+mn-cs"/>
+              </a:defRPr>
+            </a:lvl7pPr>
+            <a:lvl8pPr marL="3429000" indent="-228600" algn="l" defTabSz="914400" rtl="0" eaLnBrk="1" latinLnBrk="0" hangingPunct="1">
+              <a:lnSpc>
+                <a:spcPct val="90000"/>
+              </a:lnSpc>
+              <a:spcBef>
+                <a:spcPts val="500"/>
+              </a:spcBef>
+              <a:buFont typeface="Arial" panose="020B0604020202020204" pitchFamily="34" charset="0"/>
+              <a:buChar char="•"/>
+              <a:defRPr sz="1800" kern="1200">
+                <a:solidFill>
+                  <a:schemeClr val="tx1"/>
+                </a:solidFill>
+                <a:latin typeface="+mn-lt"/>
+                <a:ea typeface="+mn-ea"/>
+                <a:cs typeface="+mn-cs"/>
+              </a:defRPr>
+            </a:lvl8pPr>
+            <a:lvl9pPr marL="3886200" indent="-228600" algn="l" defTabSz="914400" rtl="0" eaLnBrk="1" latinLnBrk="0" hangingPunct="1">
+              <a:lnSpc>
+                <a:spcPct val="90000"/>
+              </a:lnSpc>
+              <a:spcBef>
+                <a:spcPts val="500"/>
+              </a:spcBef>
+              <a:buFont typeface="Arial" panose="020B0604020202020204" pitchFamily="34" charset="0"/>
+              <a:buChar char="•"/>
+              <a:defRPr sz="1800" kern="1200">
+                <a:solidFill>
+                  <a:schemeClr val="tx1"/>
+                </a:solidFill>
+                <a:latin typeface="+mn-lt"/>
+                <a:ea typeface="+mn-ea"/>
+                <a:cs typeface="+mn-cs"/>
+              </a:defRPr>
+            </a:lvl9pPr>
+          </a:lstStyle>
+          <a:p>
+            <a:pPr marL="0" indent="0">
+              <a:buNone/>
+            </a:pPr>
+            <a:r>
+              <a:rPr lang="en-US" sz="2000" i="1" dirty="0"/>
+              <a:t>#pragma omp parallel for schedule(static) private(…) </a:t>
+            </a:r>
+            <a:endParaRPr lang="en-US" sz="2000" dirty="0"/>
+          </a:p>
+          <a:p>
+            <a:pPr marL="0" indent="0">
+              <a:buNone/>
+            </a:pPr>
+            <a:r>
+              <a:rPr lang="en-US" sz="2000" i="1" dirty="0"/>
+              <a:t>for (px = 0; px &lt; n_px; px++) {</a:t>
+            </a:r>
+          </a:p>
+          <a:p>
+            <a:pPr marL="0" indent="0">
+              <a:buNone/>
+            </a:pPr>
+            <a:r>
+              <a:rPr lang="en-US" sz="2000" i="1" dirty="0"/>
+              <a:t>    …</a:t>
+            </a:r>
+          </a:p>
+          <a:p>
+            <a:pPr marL="0" indent="0">
+              <a:buNone/>
+            </a:pPr>
+            <a:r>
+              <a:rPr lang="en-US" sz="2000" i="1" dirty="0"/>
+              <a:t>}</a:t>
+            </a:r>
           </a:p>
         </p:txBody>
       </p:sp>
     </p:spTree>
     <p:extLst>
       <p:ext uri="{BB962C8B-B14F-4D97-AF65-F5344CB8AC3E}">
-        <p14:creationId xmlns:p14="http://schemas.microsoft.com/office/powerpoint/2010/main" val="2794582411"/>
+        <p14:creationId xmlns:p14="http://schemas.microsoft.com/office/powerpoint/2010/main" val="74863142"/>
+      </p:ext>
+    </p:extLst>
+  </p:cSld>
+  <p:clrMapOvr>
+    <a:masterClrMapping/>
+  </p:clrMapOvr>
+</p:sld>
+</file>
+
+<file path=ppt/slides/slide9.xml><?xml version="1.0" encoding="utf-8"?>
+<p:sld xmlns:a="http://schemas.openxmlformats.org/drawingml/2006/main" xmlns:r="http://schemas.openxmlformats.org/officeDocument/2006/relationships" xmlns:p="http://schemas.openxmlformats.org/presentationml/2006/main">
+  <p:cSld>
+    <p:spTree>
+      <p:nvGrpSpPr>
+        <p:cNvPr id="1" name=""/>
+        <p:cNvGrpSpPr/>
+        <p:nvPr/>
+      </p:nvGrpSpPr>
+      <p:grpSpPr>
+        <a:xfrm>
+          <a:off x="0" y="0"/>
+          <a:ext cx="0" cy="0"/>
+          <a:chOff x="0" y="0"/>
+          <a:chExt cx="0" cy="0"/>
+        </a:xfrm>
+      </p:grpSpPr>
+      <p:sp>
+        <p:nvSpPr>
+          <p:cNvPr id="2" name="Title 1">
+            <a:extLst>
+              <a:ext uri="{FF2B5EF4-FFF2-40B4-BE49-F238E27FC236}">
+                <a16:creationId xmlns:a16="http://schemas.microsoft.com/office/drawing/2014/main" id="{803171CE-E98F-F345-AE61-0D9C5BF71A42}"/>
+              </a:ext>
+            </a:extLst>
+          </p:cNvPr>
+          <p:cNvSpPr>
+            <a:spLocks noGrp="1"/>
+          </p:cNvSpPr>
+          <p:nvPr>
+            <p:ph type="title"/>
+          </p:nvPr>
+        </p:nvSpPr>
+        <p:spPr/>
+        <p:txBody>
+          <a:bodyPr/>
+          <a:lstStyle/>
+          <a:p>
+            <a:pPr algn="l"/>
+            <a:r>
+              <a:rPr lang="en-US" b="1" dirty="0"/>
+              <a:t>The parallel implementation</a:t>
+            </a:r>
+          </a:p>
+        </p:txBody>
+      </p:sp>
+      <p:sp>
+        <p:nvSpPr>
+          <p:cNvPr id="3" name="Content Placeholder 2">
+            <a:extLst>
+              <a:ext uri="{FF2B5EF4-FFF2-40B4-BE49-F238E27FC236}">
+                <a16:creationId xmlns:a16="http://schemas.microsoft.com/office/drawing/2014/main" id="{14D98476-D1AD-FA42-A787-08BB9DA9CF56}"/>
+              </a:ext>
+            </a:extLst>
+          </p:cNvPr>
+          <p:cNvSpPr>
+            <a:spLocks noGrp="1"/>
+          </p:cNvSpPr>
+          <p:nvPr>
+            <p:ph idx="1"/>
+          </p:nvPr>
+        </p:nvSpPr>
+        <p:spPr>
+          <a:xfrm>
+            <a:off x="628650" y="4855464"/>
+            <a:ext cx="7886700" cy="1316736"/>
+          </a:xfrm>
+        </p:spPr>
+        <p:txBody>
+          <a:bodyPr>
+            <a:noAutofit/>
+          </a:bodyPr>
+          <a:lstStyle/>
+          <a:p>
+            <a:pPr marL="0" indent="0">
+              <a:lnSpc>
+                <a:spcPct val="100000"/>
+              </a:lnSpc>
+              <a:buNone/>
+            </a:pPr>
+            <a:r>
+              <a:rPr lang="en-US" sz="2600" dirty="0"/>
+              <a:t>The </a:t>
+            </a:r>
+            <a:r>
+              <a:rPr lang="en-US" sz="2600" i="1" dirty="0"/>
+              <a:t>reduction</a:t>
+            </a:r>
+            <a:r>
+              <a:rPr lang="en-US" sz="2600" dirty="0"/>
+              <a:t> clause allows to protect the update operations of the clusters centers using an efficient synchronization technique </a:t>
+            </a:r>
+          </a:p>
+        </p:txBody>
+      </p:sp>
+      <p:sp>
+        <p:nvSpPr>
+          <p:cNvPr id="4" name="Content Placeholder 2">
+            <a:extLst>
+              <a:ext uri="{FF2B5EF4-FFF2-40B4-BE49-F238E27FC236}">
+                <a16:creationId xmlns:a16="http://schemas.microsoft.com/office/drawing/2014/main" id="{C76F33BD-B442-2E44-AE17-FD2653FD1BA3}"/>
+              </a:ext>
+            </a:extLst>
+          </p:cNvPr>
+          <p:cNvSpPr txBox="1">
+            <a:spLocks/>
+          </p:cNvSpPr>
+          <p:nvPr/>
+        </p:nvSpPr>
+        <p:spPr>
+          <a:xfrm>
+            <a:off x="628650" y="1846205"/>
+            <a:ext cx="7886701" cy="1016916"/>
+          </a:xfrm>
+          <a:prstGeom prst="rect">
+            <a:avLst/>
+          </a:prstGeom>
+        </p:spPr>
+        <p:txBody>
+          <a:bodyPr vert="horz" lIns="91440" tIns="45720" rIns="91440" bIns="45720" rtlCol="0">
+            <a:noAutofit/>
+          </a:bodyPr>
+          <a:lstStyle>
+            <a:lvl1pPr marL="228600" indent="-228600" algn="l" defTabSz="914400" rtl="0" eaLnBrk="1" latinLnBrk="0" hangingPunct="1">
+              <a:lnSpc>
+                <a:spcPct val="90000"/>
+              </a:lnSpc>
+              <a:spcBef>
+                <a:spcPts val="1000"/>
+              </a:spcBef>
+              <a:buFont typeface="Arial" panose="020B0604020202020204" pitchFamily="34" charset="0"/>
+              <a:buChar char="•"/>
+              <a:defRPr sz="2800" kern="1200">
+                <a:solidFill>
+                  <a:schemeClr val="tx1"/>
+                </a:solidFill>
+                <a:latin typeface="Open Sans" panose="020B0606030504020204" pitchFamily="34" charset="0"/>
+                <a:ea typeface="Open Sans" panose="020B0606030504020204" pitchFamily="34" charset="0"/>
+                <a:cs typeface="Open Sans" panose="020B0606030504020204" pitchFamily="34" charset="0"/>
+              </a:defRPr>
+            </a:lvl1pPr>
+            <a:lvl2pPr marL="685800" indent="-228600" algn="l" defTabSz="914400" rtl="0" eaLnBrk="1" latinLnBrk="0" hangingPunct="1">
+              <a:lnSpc>
+                <a:spcPct val="90000"/>
+              </a:lnSpc>
+              <a:spcBef>
+                <a:spcPts val="500"/>
+              </a:spcBef>
+              <a:buFont typeface="Arial" panose="020B0604020202020204" pitchFamily="34" charset="0"/>
+              <a:buChar char="•"/>
+              <a:defRPr sz="2400" kern="1200">
+                <a:solidFill>
+                  <a:schemeClr val="tx1"/>
+                </a:solidFill>
+                <a:latin typeface="Open Sans" panose="020B0606030504020204" pitchFamily="34" charset="0"/>
+                <a:ea typeface="Open Sans" panose="020B0606030504020204" pitchFamily="34" charset="0"/>
+                <a:cs typeface="Open Sans" panose="020B0606030504020204" pitchFamily="34" charset="0"/>
+              </a:defRPr>
+            </a:lvl2pPr>
+            <a:lvl3pPr marL="1143000" indent="-228600" algn="l" defTabSz="914400" rtl="0" eaLnBrk="1" latinLnBrk="0" hangingPunct="1">
+              <a:lnSpc>
+                <a:spcPct val="90000"/>
+              </a:lnSpc>
+              <a:spcBef>
+                <a:spcPts val="500"/>
+              </a:spcBef>
+              <a:buFont typeface="Arial" panose="020B0604020202020204" pitchFamily="34" charset="0"/>
+              <a:buChar char="•"/>
+              <a:defRPr sz="2000" kern="1200">
+                <a:solidFill>
+                  <a:schemeClr val="tx1"/>
+                </a:solidFill>
+                <a:latin typeface="Open Sans" panose="020B0606030504020204" pitchFamily="34" charset="0"/>
+                <a:ea typeface="Open Sans" panose="020B0606030504020204" pitchFamily="34" charset="0"/>
+                <a:cs typeface="Open Sans" panose="020B0606030504020204" pitchFamily="34" charset="0"/>
+              </a:defRPr>
+            </a:lvl3pPr>
+            <a:lvl4pPr marL="1600200" indent="-228600" algn="l" defTabSz="914400" rtl="0" eaLnBrk="1" latinLnBrk="0" hangingPunct="1">
+              <a:lnSpc>
+                <a:spcPct val="90000"/>
+              </a:lnSpc>
+              <a:spcBef>
+                <a:spcPts val="500"/>
+              </a:spcBef>
+              <a:buFont typeface="Arial" panose="020B0604020202020204" pitchFamily="34" charset="0"/>
+              <a:buChar char="•"/>
+              <a:defRPr sz="1800" kern="1200">
+                <a:solidFill>
+                  <a:schemeClr val="tx1"/>
+                </a:solidFill>
+                <a:latin typeface="Open Sans" panose="020B0606030504020204" pitchFamily="34" charset="0"/>
+                <a:ea typeface="Open Sans" panose="020B0606030504020204" pitchFamily="34" charset="0"/>
+                <a:cs typeface="Open Sans" panose="020B0606030504020204" pitchFamily="34" charset="0"/>
+              </a:defRPr>
+            </a:lvl4pPr>
+            <a:lvl5pPr marL="2057400" indent="-228600" algn="l" defTabSz="914400" rtl="0" eaLnBrk="1" latinLnBrk="0" hangingPunct="1">
+              <a:lnSpc>
+                <a:spcPct val="90000"/>
+              </a:lnSpc>
+              <a:spcBef>
+                <a:spcPts val="500"/>
+              </a:spcBef>
+              <a:buFont typeface="Arial" panose="020B0604020202020204" pitchFamily="34" charset="0"/>
+              <a:buChar char="•"/>
+              <a:defRPr sz="1800" kern="1200">
+                <a:solidFill>
+                  <a:schemeClr val="tx1"/>
+                </a:solidFill>
+                <a:latin typeface="Open Sans" panose="020B0606030504020204" pitchFamily="34" charset="0"/>
+                <a:ea typeface="Open Sans" panose="020B0606030504020204" pitchFamily="34" charset="0"/>
+                <a:cs typeface="Open Sans" panose="020B0606030504020204" pitchFamily="34" charset="0"/>
+              </a:defRPr>
+            </a:lvl5pPr>
+            <a:lvl6pPr marL="2514600" indent="-228600" algn="l" defTabSz="914400" rtl="0" eaLnBrk="1" latinLnBrk="0" hangingPunct="1">
+              <a:lnSpc>
+                <a:spcPct val="90000"/>
+              </a:lnSpc>
+              <a:spcBef>
+                <a:spcPts val="500"/>
+              </a:spcBef>
+              <a:buFont typeface="Arial" panose="020B0604020202020204" pitchFamily="34" charset="0"/>
+              <a:buChar char="•"/>
+              <a:defRPr sz="1800" kern="1200">
+                <a:solidFill>
+                  <a:schemeClr val="tx1"/>
+                </a:solidFill>
+                <a:latin typeface="+mn-lt"/>
+                <a:ea typeface="+mn-ea"/>
+                <a:cs typeface="+mn-cs"/>
+              </a:defRPr>
+            </a:lvl6pPr>
+            <a:lvl7pPr marL="2971800" indent="-228600" algn="l" defTabSz="914400" rtl="0" eaLnBrk="1" latinLnBrk="0" hangingPunct="1">
+              <a:lnSpc>
+                <a:spcPct val="90000"/>
+              </a:lnSpc>
+              <a:spcBef>
+                <a:spcPts val="500"/>
+              </a:spcBef>
+              <a:buFont typeface="Arial" panose="020B0604020202020204" pitchFamily="34" charset="0"/>
+              <a:buChar char="•"/>
+              <a:defRPr sz="1800" kern="1200">
+                <a:solidFill>
+                  <a:schemeClr val="tx1"/>
+                </a:solidFill>
+                <a:latin typeface="+mn-lt"/>
+                <a:ea typeface="+mn-ea"/>
+                <a:cs typeface="+mn-cs"/>
+              </a:defRPr>
+            </a:lvl7pPr>
+            <a:lvl8pPr marL="3429000" indent="-228600" algn="l" defTabSz="914400" rtl="0" eaLnBrk="1" latinLnBrk="0" hangingPunct="1">
+              <a:lnSpc>
+                <a:spcPct val="90000"/>
+              </a:lnSpc>
+              <a:spcBef>
+                <a:spcPts val="500"/>
+              </a:spcBef>
+              <a:buFont typeface="Arial" panose="020B0604020202020204" pitchFamily="34" charset="0"/>
+              <a:buChar char="•"/>
+              <a:defRPr sz="1800" kern="1200">
+                <a:solidFill>
+                  <a:schemeClr val="tx1"/>
+                </a:solidFill>
+                <a:latin typeface="+mn-lt"/>
+                <a:ea typeface="+mn-ea"/>
+                <a:cs typeface="+mn-cs"/>
+              </a:defRPr>
+            </a:lvl8pPr>
+            <a:lvl9pPr marL="3886200" indent="-228600" algn="l" defTabSz="914400" rtl="0" eaLnBrk="1" latinLnBrk="0" hangingPunct="1">
+              <a:lnSpc>
+                <a:spcPct val="90000"/>
+              </a:lnSpc>
+              <a:spcBef>
+                <a:spcPts val="500"/>
+              </a:spcBef>
+              <a:buFont typeface="Arial" panose="020B0604020202020204" pitchFamily="34" charset="0"/>
+              <a:buChar char="•"/>
+              <a:defRPr sz="1800" kern="1200">
+                <a:solidFill>
+                  <a:schemeClr val="tx1"/>
+                </a:solidFill>
+                <a:latin typeface="+mn-lt"/>
+                <a:ea typeface="+mn-ea"/>
+                <a:cs typeface="+mn-cs"/>
+              </a:defRPr>
+            </a:lvl9pPr>
+          </a:lstStyle>
+          <a:p>
+            <a:pPr marL="0" indent="0">
+              <a:lnSpc>
+                <a:spcPct val="100000"/>
+              </a:lnSpc>
+              <a:buNone/>
+            </a:pPr>
+            <a:r>
+              <a:rPr lang="en-US" sz="2600" dirty="0"/>
+              <a:t>Updating the clusters centers from multiple threads leads to race conditions</a:t>
+            </a:r>
+            <a:endParaRPr lang="en-US" sz="2600" i="1" dirty="0"/>
+          </a:p>
+        </p:txBody>
+      </p:sp>
+      <p:sp>
+        <p:nvSpPr>
+          <p:cNvPr id="5" name="Content Placeholder 2">
+            <a:extLst>
+              <a:ext uri="{FF2B5EF4-FFF2-40B4-BE49-F238E27FC236}">
+                <a16:creationId xmlns:a16="http://schemas.microsoft.com/office/drawing/2014/main" id="{218A57DA-0D10-1943-AB09-60B873A48192}"/>
+              </a:ext>
+            </a:extLst>
+          </p:cNvPr>
+          <p:cNvSpPr txBox="1">
+            <a:spLocks/>
+          </p:cNvSpPr>
+          <p:nvPr/>
+        </p:nvSpPr>
+        <p:spPr>
+          <a:xfrm>
+            <a:off x="628650" y="3048617"/>
+            <a:ext cx="8005684" cy="1625328"/>
+          </a:xfrm>
+          <a:prstGeom prst="rect">
+            <a:avLst/>
+          </a:prstGeom>
+        </p:spPr>
+        <p:txBody>
+          <a:bodyPr vert="horz" lIns="91440" tIns="45720" rIns="91440" bIns="45720" rtlCol="0">
+            <a:noAutofit/>
+          </a:bodyPr>
+          <a:lstStyle>
+            <a:lvl1pPr marL="228600" indent="-228600" algn="l" defTabSz="914400" rtl="0" eaLnBrk="1" latinLnBrk="0" hangingPunct="1">
+              <a:lnSpc>
+                <a:spcPct val="90000"/>
+              </a:lnSpc>
+              <a:spcBef>
+                <a:spcPts val="1000"/>
+              </a:spcBef>
+              <a:buFont typeface="Arial" panose="020B0604020202020204" pitchFamily="34" charset="0"/>
+              <a:buChar char="•"/>
+              <a:defRPr sz="2800" kern="1200">
+                <a:solidFill>
+                  <a:schemeClr val="tx1"/>
+                </a:solidFill>
+                <a:latin typeface="Open Sans" panose="020B0606030504020204" pitchFamily="34" charset="0"/>
+                <a:ea typeface="Open Sans" panose="020B0606030504020204" pitchFamily="34" charset="0"/>
+                <a:cs typeface="Open Sans" panose="020B0606030504020204" pitchFamily="34" charset="0"/>
+              </a:defRPr>
+            </a:lvl1pPr>
+            <a:lvl2pPr marL="685800" indent="-228600" algn="l" defTabSz="914400" rtl="0" eaLnBrk="1" latinLnBrk="0" hangingPunct="1">
+              <a:lnSpc>
+                <a:spcPct val="90000"/>
+              </a:lnSpc>
+              <a:spcBef>
+                <a:spcPts val="500"/>
+              </a:spcBef>
+              <a:buFont typeface="Arial" panose="020B0604020202020204" pitchFamily="34" charset="0"/>
+              <a:buChar char="•"/>
+              <a:defRPr sz="2400" kern="1200">
+                <a:solidFill>
+                  <a:schemeClr val="tx1"/>
+                </a:solidFill>
+                <a:latin typeface="Open Sans" panose="020B0606030504020204" pitchFamily="34" charset="0"/>
+                <a:ea typeface="Open Sans" panose="020B0606030504020204" pitchFamily="34" charset="0"/>
+                <a:cs typeface="Open Sans" panose="020B0606030504020204" pitchFamily="34" charset="0"/>
+              </a:defRPr>
+            </a:lvl2pPr>
+            <a:lvl3pPr marL="1143000" indent="-228600" algn="l" defTabSz="914400" rtl="0" eaLnBrk="1" latinLnBrk="0" hangingPunct="1">
+              <a:lnSpc>
+                <a:spcPct val="90000"/>
+              </a:lnSpc>
+              <a:spcBef>
+                <a:spcPts val="500"/>
+              </a:spcBef>
+              <a:buFont typeface="Arial" panose="020B0604020202020204" pitchFamily="34" charset="0"/>
+              <a:buChar char="•"/>
+              <a:defRPr sz="2000" kern="1200">
+                <a:solidFill>
+                  <a:schemeClr val="tx1"/>
+                </a:solidFill>
+                <a:latin typeface="Open Sans" panose="020B0606030504020204" pitchFamily="34" charset="0"/>
+                <a:ea typeface="Open Sans" panose="020B0606030504020204" pitchFamily="34" charset="0"/>
+                <a:cs typeface="Open Sans" panose="020B0606030504020204" pitchFamily="34" charset="0"/>
+              </a:defRPr>
+            </a:lvl3pPr>
+            <a:lvl4pPr marL="1600200" indent="-228600" algn="l" defTabSz="914400" rtl="0" eaLnBrk="1" latinLnBrk="0" hangingPunct="1">
+              <a:lnSpc>
+                <a:spcPct val="90000"/>
+              </a:lnSpc>
+              <a:spcBef>
+                <a:spcPts val="500"/>
+              </a:spcBef>
+              <a:buFont typeface="Arial" panose="020B0604020202020204" pitchFamily="34" charset="0"/>
+              <a:buChar char="•"/>
+              <a:defRPr sz="1800" kern="1200">
+                <a:solidFill>
+                  <a:schemeClr val="tx1"/>
+                </a:solidFill>
+                <a:latin typeface="Open Sans" panose="020B0606030504020204" pitchFamily="34" charset="0"/>
+                <a:ea typeface="Open Sans" panose="020B0606030504020204" pitchFamily="34" charset="0"/>
+                <a:cs typeface="Open Sans" panose="020B0606030504020204" pitchFamily="34" charset="0"/>
+              </a:defRPr>
+            </a:lvl4pPr>
+            <a:lvl5pPr marL="2057400" indent="-228600" algn="l" defTabSz="914400" rtl="0" eaLnBrk="1" latinLnBrk="0" hangingPunct="1">
+              <a:lnSpc>
+                <a:spcPct val="90000"/>
+              </a:lnSpc>
+              <a:spcBef>
+                <a:spcPts val="500"/>
+              </a:spcBef>
+              <a:buFont typeface="Arial" panose="020B0604020202020204" pitchFamily="34" charset="0"/>
+              <a:buChar char="•"/>
+              <a:defRPr sz="1800" kern="1200">
+                <a:solidFill>
+                  <a:schemeClr val="tx1"/>
+                </a:solidFill>
+                <a:latin typeface="Open Sans" panose="020B0606030504020204" pitchFamily="34" charset="0"/>
+                <a:ea typeface="Open Sans" panose="020B0606030504020204" pitchFamily="34" charset="0"/>
+                <a:cs typeface="Open Sans" panose="020B0606030504020204" pitchFamily="34" charset="0"/>
+              </a:defRPr>
+            </a:lvl5pPr>
+            <a:lvl6pPr marL="2514600" indent="-228600" algn="l" defTabSz="914400" rtl="0" eaLnBrk="1" latinLnBrk="0" hangingPunct="1">
+              <a:lnSpc>
+                <a:spcPct val="90000"/>
+              </a:lnSpc>
+              <a:spcBef>
+                <a:spcPts val="500"/>
+              </a:spcBef>
+              <a:buFont typeface="Arial" panose="020B0604020202020204" pitchFamily="34" charset="0"/>
+              <a:buChar char="•"/>
+              <a:defRPr sz="1800" kern="1200">
+                <a:solidFill>
+                  <a:schemeClr val="tx1"/>
+                </a:solidFill>
+                <a:latin typeface="+mn-lt"/>
+                <a:ea typeface="+mn-ea"/>
+                <a:cs typeface="+mn-cs"/>
+              </a:defRPr>
+            </a:lvl6pPr>
+            <a:lvl7pPr marL="2971800" indent="-228600" algn="l" defTabSz="914400" rtl="0" eaLnBrk="1" latinLnBrk="0" hangingPunct="1">
+              <a:lnSpc>
+                <a:spcPct val="90000"/>
+              </a:lnSpc>
+              <a:spcBef>
+                <a:spcPts val="500"/>
+              </a:spcBef>
+              <a:buFont typeface="Arial" panose="020B0604020202020204" pitchFamily="34" charset="0"/>
+              <a:buChar char="•"/>
+              <a:defRPr sz="1800" kern="1200">
+                <a:solidFill>
+                  <a:schemeClr val="tx1"/>
+                </a:solidFill>
+                <a:latin typeface="+mn-lt"/>
+                <a:ea typeface="+mn-ea"/>
+                <a:cs typeface="+mn-cs"/>
+              </a:defRPr>
+            </a:lvl7pPr>
+            <a:lvl8pPr marL="3429000" indent="-228600" algn="l" defTabSz="914400" rtl="0" eaLnBrk="1" latinLnBrk="0" hangingPunct="1">
+              <a:lnSpc>
+                <a:spcPct val="90000"/>
+              </a:lnSpc>
+              <a:spcBef>
+                <a:spcPts val="500"/>
+              </a:spcBef>
+              <a:buFont typeface="Arial" panose="020B0604020202020204" pitchFamily="34" charset="0"/>
+              <a:buChar char="•"/>
+              <a:defRPr sz="1800" kern="1200">
+                <a:solidFill>
+                  <a:schemeClr val="tx1"/>
+                </a:solidFill>
+                <a:latin typeface="+mn-lt"/>
+                <a:ea typeface="+mn-ea"/>
+                <a:cs typeface="+mn-cs"/>
+              </a:defRPr>
+            </a:lvl8pPr>
+            <a:lvl9pPr marL="3886200" indent="-228600" algn="l" defTabSz="914400" rtl="0" eaLnBrk="1" latinLnBrk="0" hangingPunct="1">
+              <a:lnSpc>
+                <a:spcPct val="90000"/>
+              </a:lnSpc>
+              <a:spcBef>
+                <a:spcPts val="500"/>
+              </a:spcBef>
+              <a:buFont typeface="Arial" panose="020B0604020202020204" pitchFamily="34" charset="0"/>
+              <a:buChar char="•"/>
+              <a:defRPr sz="1800" kern="1200">
+                <a:solidFill>
+                  <a:schemeClr val="tx1"/>
+                </a:solidFill>
+                <a:latin typeface="+mn-lt"/>
+                <a:ea typeface="+mn-ea"/>
+                <a:cs typeface="+mn-cs"/>
+              </a:defRPr>
+            </a:lvl9pPr>
+          </a:lstStyle>
+          <a:p>
+            <a:pPr marL="0" indent="0">
+              <a:buNone/>
+            </a:pPr>
+            <a:r>
+              <a:rPr lang="en-US" sz="2000" i="1" dirty="0"/>
+              <a:t>#pragma omp parallel for private(…) reduction(+:centers[..],counts[..])</a:t>
+            </a:r>
+            <a:endParaRPr lang="en-US" sz="2000" dirty="0"/>
+          </a:p>
+          <a:p>
+            <a:pPr marL="0" indent="0">
+              <a:buNone/>
+            </a:pPr>
+            <a:r>
+              <a:rPr lang="en-US" sz="2000" i="1" dirty="0"/>
+              <a:t>for (px = 0; px &lt; n_px; px++) {</a:t>
+            </a:r>
+            <a:endParaRPr lang="en-US" sz="2000" dirty="0"/>
+          </a:p>
+          <a:p>
+            <a:pPr marL="0" indent="0">
+              <a:buNone/>
+            </a:pPr>
+            <a:r>
+              <a:rPr lang="en-US" sz="2000" i="1" dirty="0"/>
+              <a:t>    …</a:t>
+            </a:r>
+            <a:endParaRPr lang="en-US" sz="2000" dirty="0"/>
+          </a:p>
+          <a:p>
+            <a:pPr marL="0" indent="0">
+              <a:buNone/>
+            </a:pPr>
+            <a:r>
+              <a:rPr lang="en-US" sz="2000" i="1" dirty="0"/>
+              <a:t>}</a:t>
+            </a:r>
+            <a:endParaRPr lang="en-US" sz="2000" dirty="0"/>
+          </a:p>
+        </p:txBody>
+      </p:sp>
+    </p:spTree>
+    <p:extLst>
+      <p:ext uri="{BB962C8B-B14F-4D97-AF65-F5344CB8AC3E}">
+        <p14:creationId xmlns:p14="http://schemas.microsoft.com/office/powerpoint/2010/main" val="2065450922"/>
       </p:ext>
     </p:extLst>
   </p:cSld>

--- a/docs/pres.pptx
+++ b/docs/pres.pptx
@@ -123,38 +123,7 @@
   </p:defaultTextStyle>
   <p:extLst>
     <p:ext uri="{EFAFB233-063F-42B5-8137-9DF3F51BA10A}">
-      <p15:sldGuideLst xmlns:p15="http://schemas.microsoft.com/office/powerpoint/2012/main">
-        <p15:guide id="1" pos="384" userDrawn="1">
-          <p15:clr>
-            <a:srgbClr val="A4A3A4"/>
-          </p15:clr>
-        </p15:guide>
-        <p15:guide id="2" pos="5352" userDrawn="1">
-          <p15:clr>
-            <a:srgbClr val="A4A3A4"/>
-          </p15:clr>
-        </p15:guide>
-        <p15:guide id="3" orient="horz" pos="1152" userDrawn="1">
-          <p15:clr>
-            <a:srgbClr val="A4A3A4"/>
-          </p15:clr>
-        </p15:guide>
-        <p15:guide id="4" orient="horz" pos="3888" userDrawn="1">
-          <p15:clr>
-            <a:srgbClr val="A4A3A4"/>
-          </p15:clr>
-        </p15:guide>
-        <p15:guide id="5" pos="2880" userDrawn="1">
-          <p15:clr>
-            <a:srgbClr val="A4A3A4"/>
-          </p15:clr>
-        </p15:guide>
-        <p15:guide id="6" orient="horz" pos="2496" userDrawn="1">
-          <p15:clr>
-            <a:srgbClr val="A4A3A4"/>
-          </p15:clr>
-        </p15:guide>
-      </p15:sldGuideLst>
+      <p15:sldGuideLst xmlns:p15="http://schemas.microsoft.com/office/powerpoint/2012/main"/>
     </p:ext>
   </p:extLst>
 </p:presentation>
@@ -242,7 +211,7 @@
           <a:p>
             <a:fld id="{237DD098-F353-6D48-93CF-D135A6984C36}" type="datetimeFigureOut">
               <a:rPr lang="en-GB" smtClean="0"/>
-              <a:t>07/09/2018</a:t>
+              <a:t>08/09/2018</a:t>
             </a:fld>
             <a:endParaRPr lang="en-GB"/>
           </a:p>
@@ -645,7 +614,7 @@
           <a:p>
             <a:fld id="{4C40220F-C219-9D45-8D8C-575BE46D4966}" type="datetimeFigureOut">
               <a:rPr lang="en-GB" smtClean="0"/>
-              <a:t>07/09/2018</a:t>
+              <a:t>08/09/2018</a:t>
             </a:fld>
             <a:endParaRPr lang="en-GB"/>
           </a:p>
@@ -815,7 +784,7 @@
           <a:p>
             <a:fld id="{4C40220F-C219-9D45-8D8C-575BE46D4966}" type="datetimeFigureOut">
               <a:rPr lang="en-GB" smtClean="0"/>
-              <a:t>07/09/2018</a:t>
+              <a:t>08/09/2018</a:t>
             </a:fld>
             <a:endParaRPr lang="en-GB"/>
           </a:p>
@@ -995,7 +964,7 @@
           <a:p>
             <a:fld id="{4C40220F-C219-9D45-8D8C-575BE46D4966}" type="datetimeFigureOut">
               <a:rPr lang="en-GB" smtClean="0"/>
-              <a:t>07/09/2018</a:t>
+              <a:t>08/09/2018</a:t>
             </a:fld>
             <a:endParaRPr lang="en-GB"/>
           </a:p>
@@ -1163,7 +1132,7 @@
           <a:p>
             <a:fld id="{4C40220F-C219-9D45-8D8C-575BE46D4966}" type="datetimeFigureOut">
               <a:rPr lang="en-GB" smtClean="0"/>
-              <a:t>07/09/2018</a:t>
+              <a:t>08/09/2018</a:t>
             </a:fld>
             <a:endParaRPr lang="en-GB"/>
           </a:p>
@@ -1407,7 +1376,7 @@
           <a:p>
             <a:fld id="{4C40220F-C219-9D45-8D8C-575BE46D4966}" type="datetimeFigureOut">
               <a:rPr lang="en-GB" smtClean="0"/>
-              <a:t>07/09/2018</a:t>
+              <a:t>08/09/2018</a:t>
             </a:fld>
             <a:endParaRPr lang="en-GB"/>
           </a:p>
@@ -1639,7 +1608,7 @@
           <a:p>
             <a:fld id="{4C40220F-C219-9D45-8D8C-575BE46D4966}" type="datetimeFigureOut">
               <a:rPr lang="en-GB" smtClean="0"/>
-              <a:t>07/09/2018</a:t>
+              <a:t>08/09/2018</a:t>
             </a:fld>
             <a:endParaRPr lang="en-GB"/>
           </a:p>
@@ -2006,7 +1975,7 @@
           <a:p>
             <a:fld id="{4C40220F-C219-9D45-8D8C-575BE46D4966}" type="datetimeFigureOut">
               <a:rPr lang="en-GB" smtClean="0"/>
-              <a:t>07/09/2018</a:t>
+              <a:t>08/09/2018</a:t>
             </a:fld>
             <a:endParaRPr lang="en-GB"/>
           </a:p>
@@ -2124,7 +2093,7 @@
           <a:p>
             <a:fld id="{4C40220F-C219-9D45-8D8C-575BE46D4966}" type="datetimeFigureOut">
               <a:rPr lang="en-GB" smtClean="0"/>
-              <a:t>07/09/2018</a:t>
+              <a:t>08/09/2018</a:t>
             </a:fld>
             <a:endParaRPr lang="en-GB"/>
           </a:p>
@@ -2219,7 +2188,7 @@
           <a:p>
             <a:fld id="{4C40220F-C219-9D45-8D8C-575BE46D4966}" type="datetimeFigureOut">
               <a:rPr lang="en-GB" smtClean="0"/>
-              <a:t>07/09/2018</a:t>
+              <a:t>08/09/2018</a:t>
             </a:fld>
             <a:endParaRPr lang="en-GB"/>
           </a:p>
@@ -2496,7 +2465,7 @@
           <a:p>
             <a:fld id="{4C40220F-C219-9D45-8D8C-575BE46D4966}" type="datetimeFigureOut">
               <a:rPr lang="en-GB" smtClean="0"/>
-              <a:t>07/09/2018</a:t>
+              <a:t>08/09/2018</a:t>
             </a:fld>
             <a:endParaRPr lang="en-GB"/>
           </a:p>
@@ -2753,7 +2722,7 @@
           <a:p>
             <a:fld id="{4C40220F-C219-9D45-8D8C-575BE46D4966}" type="datetimeFigureOut">
               <a:rPr lang="en-GB" smtClean="0"/>
-              <a:t>07/09/2018</a:t>
+              <a:t>08/09/2018</a:t>
             </a:fld>
             <a:endParaRPr lang="en-GB"/>
           </a:p>
@@ -2968,7 +2937,7 @@
             <a:fld id="{4C40220F-C219-9D45-8D8C-575BE46D4966}" type="datetimeFigureOut">
               <a:rPr lang="en-GB" smtClean="0"/>
               <a:pPr/>
-              <a:t>07/09/2018</a:t>
+              <a:t>08/09/2018</a:t>
             </a:fld>
             <a:endParaRPr lang="en-GB" dirty="0"/>
           </a:p>
@@ -7172,10 +7141,63 @@
         </p:nvSpPr>
         <p:spPr/>
         <p:txBody>
-          <a:bodyPr/>
+          <a:bodyPr>
+            <a:normAutofit fontScale="85000" lnSpcReduction="10000"/>
+          </a:bodyPr>
           <a:lstStyle/>
           <a:p>
-            <a:endParaRPr lang="en-US"/>
+            <a:pPr marL="0" indent="0">
+              <a:lnSpc>
+                <a:spcPct val="120000"/>
+              </a:lnSpc>
+              <a:buNone/>
+            </a:pPr>
+            <a:r>
+              <a:rPr lang="en-US" sz="3100" dirty="0"/>
+              <a:t>Parallel Computing can be used to increase the performance of the k-means clustering algorithm</a:t>
+            </a:r>
+          </a:p>
+          <a:p>
+            <a:pPr marL="0" indent="0">
+              <a:lnSpc>
+                <a:spcPct val="120000"/>
+              </a:lnSpc>
+              <a:buNone/>
+            </a:pPr>
+            <a:endParaRPr lang="en-US" sz="900" dirty="0"/>
+          </a:p>
+          <a:p>
+            <a:pPr marL="0" indent="0">
+              <a:lnSpc>
+                <a:spcPct val="120000"/>
+              </a:lnSpc>
+              <a:buNone/>
+            </a:pPr>
+            <a:r>
+              <a:rPr lang="en-US" sz="3100" dirty="0"/>
+              <a:t>K-means algorithm is inherently characterized by an high level of data parallelism and so it is easy to obtain a remarkable speedup using OpenMP</a:t>
+            </a:r>
+          </a:p>
+          <a:p>
+            <a:pPr marL="0" indent="0">
+              <a:lnSpc>
+                <a:spcPct val="120000"/>
+              </a:lnSpc>
+              <a:buNone/>
+            </a:pPr>
+            <a:endParaRPr lang="en-US" sz="900" dirty="0"/>
+          </a:p>
+          <a:p>
+            <a:pPr marL="0" indent="0">
+              <a:lnSpc>
+                <a:spcPct val="120000"/>
+              </a:lnSpc>
+              <a:buNone/>
+            </a:pPr>
+            <a:r>
+              <a:rPr lang="en-US" sz="3100" dirty="0"/>
+              <a:t>Using a GPGPU programming API, like CUDA, would have made it possible to achieve an even better results</a:t>
+            </a:r>
           </a:p>
         </p:txBody>
       </p:sp>
@@ -8512,7 +8534,7 @@
             </a:pPr>
             <a:r>
               <a:rPr lang="en-US" sz="2600" dirty="0"/>
-              <a:t>Increasing the number of clusters K, the execution time increases …</a:t>
+              <a:t>Increasing the number of clusters K, the execution time of the algorithm increases …</a:t>
             </a:r>
           </a:p>
         </p:txBody>
@@ -8843,7 +8865,7 @@
             </a:pPr>
             <a:r>
               <a:rPr lang="en-US" sz="2600" dirty="0"/>
-              <a:t>… and the Sum of Squared Errors decreases.</a:t>
+              <a:t>… and the Sum of Squared Errors decreases</a:t>
             </a:r>
           </a:p>
         </p:txBody>
@@ -10738,7 +10760,7 @@
             </a:r>
             <a:r>
               <a:rPr lang="en-US" sz="2600" dirty="0"/>
-              <a:t>it is possible to see the percentage of running time required by each step  </a:t>
+              <a:t>it is possible to see the percentage of running time required by each step of k-means  </a:t>
             </a:r>
             <a:endParaRPr lang="en-US" sz="2600" i="1" dirty="0"/>
           </a:p>
@@ -11140,7 +11162,7 @@
             </a:r>
             <a:r>
               <a:rPr lang="en-US" sz="2600" dirty="0"/>
-              <a:t> approach is used because the work distribution across threads is well balanced </a:t>
+              <a:t> approach is more effective because the work distribution across threads is well balanced </a:t>
             </a:r>
           </a:p>
           <a:p>
@@ -11348,7 +11370,7 @@
             </a:pPr>
             <a:r>
               <a:rPr lang="en-US" sz="2600" dirty="0"/>
-              <a:t>To parallelize the assignment of each pixel to the closest cluster, a </a:t>
+              <a:t>To parallelize the pixels assignment of each pixel to the closest cluster, a </a:t>
             </a:r>
             <a:r>
               <a:rPr lang="en-US" sz="2600" i="1" dirty="0"/>
@@ -11558,17 +11580,29 @@
               <a:buNone/>
             </a:pPr>
             <a:r>
-              <a:rPr lang="en-US" sz="2000" i="1" dirty="0"/>
+              <a:rPr lang="en-US" sz="2000" i="1" dirty="0">
+                <a:solidFill>
+                  <a:schemeClr val="accent1"/>
+                </a:solidFill>
+              </a:rPr>
               <a:t>#pragma omp parallel for schedule(static) private(…) </a:t>
             </a:r>
-            <a:endParaRPr lang="en-US" sz="2000" dirty="0"/>
+            <a:endParaRPr lang="en-US" sz="2000" dirty="0">
+              <a:solidFill>
+                <a:schemeClr val="accent1"/>
+              </a:solidFill>
+            </a:endParaRPr>
           </a:p>
           <a:p>
             <a:pPr marL="0" indent="0">
               <a:buNone/>
             </a:pPr>
             <a:r>
-              <a:rPr lang="en-US" sz="2000" i="1" dirty="0"/>
+              <a:rPr lang="en-US" sz="2000" i="1" dirty="0">
+                <a:solidFill>
+                  <a:schemeClr val="accent1"/>
+                </a:solidFill>
+              </a:rPr>
               <a:t>for (px = 0; px &lt; n_px; px++) {</a:t>
             </a:r>
           </a:p>
@@ -11577,7 +11611,11 @@
               <a:buNone/>
             </a:pPr>
             <a:r>
-              <a:rPr lang="en-US" sz="2000" i="1" dirty="0"/>
+              <a:rPr lang="en-US" sz="2000" i="1" dirty="0">
+                <a:solidFill>
+                  <a:schemeClr val="accent1"/>
+                </a:solidFill>
+              </a:rPr>
               <a:t>    …</a:t>
             </a:r>
           </a:p>
@@ -11586,7 +11624,11 @@
               <a:buNone/>
             </a:pPr>
             <a:r>
-              <a:rPr lang="en-US" sz="2000" i="1" dirty="0"/>
+              <a:rPr lang="en-US" sz="2000" i="1" dirty="0">
+                <a:solidFill>
+                  <a:schemeClr val="accent1"/>
+                </a:solidFill>
+              </a:rPr>
               <a:t>}</a:t>
             </a:r>
           </a:p>
@@ -11922,7 +11964,7 @@
         </p:nvSpPr>
         <p:spPr>
           <a:xfrm>
-            <a:off x="628650" y="3048617"/>
+            <a:off x="628650" y="3046628"/>
             <a:ext cx="8005684" cy="1625328"/>
           </a:xfrm>
           <a:prstGeom prst="rect">
@@ -12102,40 +12144,72 @@
               <a:buNone/>
             </a:pPr>
             <a:r>
-              <a:rPr lang="en-US" sz="2000" i="1" dirty="0"/>
+              <a:rPr lang="en-US" sz="2000" i="1" dirty="0">
+                <a:solidFill>
+                  <a:schemeClr val="accent1"/>
+                </a:solidFill>
+              </a:rPr>
               <a:t>#pragma omp parallel for private(…) reduction(+:centers[..],counts[..])</a:t>
             </a:r>
-            <a:endParaRPr lang="en-US" sz="2000" dirty="0"/>
+            <a:endParaRPr lang="en-US" sz="2000" dirty="0">
+              <a:solidFill>
+                <a:schemeClr val="accent1"/>
+              </a:solidFill>
+            </a:endParaRPr>
           </a:p>
           <a:p>
             <a:pPr marL="0" indent="0">
               <a:buNone/>
             </a:pPr>
             <a:r>
-              <a:rPr lang="en-US" sz="2000" i="1" dirty="0"/>
+              <a:rPr lang="en-US" sz="2000" i="1" dirty="0">
+                <a:solidFill>
+                  <a:schemeClr val="accent1"/>
+                </a:solidFill>
+              </a:rPr>
               <a:t>for (px = 0; px &lt; n_px; px++) {</a:t>
             </a:r>
-            <a:endParaRPr lang="en-US" sz="2000" dirty="0"/>
+            <a:endParaRPr lang="en-US" sz="2000" dirty="0">
+              <a:solidFill>
+                <a:schemeClr val="accent1"/>
+              </a:solidFill>
+            </a:endParaRPr>
           </a:p>
           <a:p>
             <a:pPr marL="0" indent="0">
               <a:buNone/>
             </a:pPr>
             <a:r>
-              <a:rPr lang="en-US" sz="2000" i="1" dirty="0"/>
+              <a:rPr lang="en-US" sz="2000" i="1" dirty="0">
+                <a:solidFill>
+                  <a:schemeClr val="accent1"/>
+                </a:solidFill>
+              </a:rPr>
               <a:t>    …</a:t>
             </a:r>
-            <a:endParaRPr lang="en-US" sz="2000" dirty="0"/>
+            <a:endParaRPr lang="en-US" sz="2000" dirty="0">
+              <a:solidFill>
+                <a:schemeClr val="accent1"/>
+              </a:solidFill>
+            </a:endParaRPr>
           </a:p>
           <a:p>
             <a:pPr marL="0" indent="0">
               <a:buNone/>
             </a:pPr>
             <a:r>
-              <a:rPr lang="en-US" sz="2000" i="1" dirty="0"/>
+              <a:rPr lang="en-US" sz="2000" i="1" dirty="0">
+                <a:solidFill>
+                  <a:schemeClr val="accent1"/>
+                </a:solidFill>
+              </a:rPr>
               <a:t>}</a:t>
             </a:r>
-            <a:endParaRPr lang="en-US" sz="2000" dirty="0"/>
+            <a:endParaRPr lang="en-US" sz="2000" dirty="0">
+              <a:solidFill>
+                <a:schemeClr val="accent1"/>
+              </a:solidFill>
+            </a:endParaRPr>
           </a:p>
         </p:txBody>
       </p:sp>

--- a/docs/pres.pptx
+++ b/docs/pres.pptx
@@ -10,12 +10,12 @@
   <p:sldIdLst>
     <p:sldId id="256" r:id="rId2"/>
     <p:sldId id="262" r:id="rId3"/>
-    <p:sldId id="263" r:id="rId4"/>
-    <p:sldId id="265" r:id="rId5"/>
-    <p:sldId id="264" r:id="rId6"/>
+    <p:sldId id="274" r:id="rId4"/>
+    <p:sldId id="263" r:id="rId5"/>
+    <p:sldId id="265" r:id="rId6"/>
     <p:sldId id="258" r:id="rId7"/>
     <p:sldId id="266" r:id="rId8"/>
-    <p:sldId id="259" r:id="rId9"/>
+    <p:sldId id="275" r:id="rId9"/>
     <p:sldId id="272" r:id="rId10"/>
     <p:sldId id="260" r:id="rId11"/>
     <p:sldId id="270" r:id="rId12"/>
@@ -123,7 +123,23 @@
   </p:defaultTextStyle>
   <p:extLst>
     <p:ext uri="{EFAFB233-063F-42B5-8137-9DF3F51BA10A}">
-      <p15:sldGuideLst xmlns:p15="http://schemas.microsoft.com/office/powerpoint/2012/main"/>
+      <p15:sldGuideLst xmlns:p15="http://schemas.microsoft.com/office/powerpoint/2012/main">
+        <p15:guide id="1" pos="456" userDrawn="1">
+          <p15:clr>
+            <a:srgbClr val="A4A3A4"/>
+          </p15:clr>
+        </p15:guide>
+        <p15:guide id="2" orient="horz" pos="3888" userDrawn="1">
+          <p15:clr>
+            <a:srgbClr val="A4A3A4"/>
+          </p15:clr>
+        </p15:guide>
+        <p15:guide id="3" orient="horz" pos="1152" userDrawn="1">
+          <p15:clr>
+            <a:srgbClr val="A4A3A4"/>
+          </p15:clr>
+        </p15:guide>
+      </p15:sldGuideLst>
     </p:ext>
   </p:extLst>
 </p:presentation>
@@ -211,7 +227,7 @@
           <a:p>
             <a:fld id="{237DD098-F353-6D48-93CF-D135A6984C36}" type="datetimeFigureOut">
               <a:rPr lang="en-GB" smtClean="0"/>
-              <a:t>08/09/2018</a:t>
+              <a:t>14/09/2018</a:t>
             </a:fld>
             <a:endParaRPr lang="en-GB"/>
           </a:p>
@@ -479,6 +495,742 @@
 </p:notesMaster>
 </file>
 
+<file path=ppt/notesSlides/notesSlide1.xml><?xml version="1.0" encoding="utf-8"?>
+<p:notes xmlns:a="http://schemas.openxmlformats.org/drawingml/2006/main" xmlns:r="http://schemas.openxmlformats.org/officeDocument/2006/relationships" xmlns:p="http://schemas.openxmlformats.org/presentationml/2006/main">
+  <p:cSld>
+    <p:spTree>
+      <p:nvGrpSpPr>
+        <p:cNvPr id="1" name=""/>
+        <p:cNvGrpSpPr/>
+        <p:nvPr/>
+      </p:nvGrpSpPr>
+      <p:grpSpPr>
+        <a:xfrm>
+          <a:off x="0" y="0"/>
+          <a:ext cx="0" cy="0"/>
+          <a:chOff x="0" y="0"/>
+          <a:chExt cx="0" cy="0"/>
+        </a:xfrm>
+      </p:grpSpPr>
+      <p:sp>
+        <p:nvSpPr>
+          <p:cNvPr id="2" name="Slide Image Placeholder 1"/>
+          <p:cNvSpPr>
+            <a:spLocks noGrp="1" noRot="1" noChangeAspect="1"/>
+          </p:cNvSpPr>
+          <p:nvPr>
+            <p:ph type="sldImg"/>
+          </p:nvPr>
+        </p:nvSpPr>
+        <p:spPr/>
+      </p:sp>
+      <p:sp>
+        <p:nvSpPr>
+          <p:cNvPr id="3" name="Notes Placeholder 2"/>
+          <p:cNvSpPr>
+            <a:spLocks noGrp="1"/>
+          </p:cNvSpPr>
+          <p:nvPr>
+            <p:ph type="body" idx="1"/>
+          </p:nvPr>
+        </p:nvSpPr>
+        <p:spPr/>
+        <p:txBody>
+          <a:bodyPr/>
+          <a:lstStyle/>
+          <a:p>
+            <a:pPr marL="0" marR="0" indent="0" algn="l" defTabSz="914400" rtl="0" eaLnBrk="1" fontAlgn="auto" latinLnBrk="0" hangingPunct="1">
+              <a:lnSpc>
+                <a:spcPct val="100000"/>
+              </a:lnSpc>
+              <a:spcBef>
+                <a:spcPts val="0"/>
+              </a:spcBef>
+              <a:spcAft>
+                <a:spcPts val="0"/>
+              </a:spcAft>
+              <a:buClrTx/>
+              <a:buSzTx/>
+              <a:buFontTx/>
+              <a:buNone/>
+              <a:tabLst/>
+              <a:defRPr/>
+            </a:pPr>
+            <a:endParaRPr lang="en-US" sz="1400" dirty="0">
+              <a:latin typeface="Open Sans" panose="020B0606030504020204" pitchFamily="34" charset="0"/>
+              <a:ea typeface="Open Sans" panose="020B0606030504020204" pitchFamily="34" charset="0"/>
+              <a:cs typeface="Open Sans" panose="020B0606030504020204" pitchFamily="34" charset="0"/>
+            </a:endParaRPr>
+          </a:p>
+        </p:txBody>
+      </p:sp>
+      <p:sp>
+        <p:nvSpPr>
+          <p:cNvPr id="4" name="Slide Number Placeholder 3"/>
+          <p:cNvSpPr>
+            <a:spLocks noGrp="1"/>
+          </p:cNvSpPr>
+          <p:nvPr>
+            <p:ph type="sldNum" sz="quarter" idx="5"/>
+          </p:nvPr>
+        </p:nvSpPr>
+        <p:spPr/>
+        <p:txBody>
+          <a:bodyPr/>
+          <a:lstStyle/>
+          <a:p>
+            <a:fld id="{0667A9F2-9656-B144-99EF-E2FADF08E6C3}" type="slidenum">
+              <a:rPr lang="en-GB" smtClean="0"/>
+              <a:t>1</a:t>
+            </a:fld>
+            <a:endParaRPr lang="en-GB"/>
+          </a:p>
+        </p:txBody>
+      </p:sp>
+    </p:spTree>
+    <p:extLst>
+      <p:ext uri="{BB962C8B-B14F-4D97-AF65-F5344CB8AC3E}">
+        <p14:creationId xmlns:p14="http://schemas.microsoft.com/office/powerpoint/2010/main" val="3002118109"/>
+      </p:ext>
+    </p:extLst>
+  </p:cSld>
+  <p:clrMapOvr>
+    <a:masterClrMapping/>
+  </p:clrMapOvr>
+</p:notes>
+</file>
+
+<file path=ppt/notesSlides/notesSlide2.xml><?xml version="1.0" encoding="utf-8"?>
+<p:notes xmlns:a="http://schemas.openxmlformats.org/drawingml/2006/main" xmlns:r="http://schemas.openxmlformats.org/officeDocument/2006/relationships" xmlns:p="http://schemas.openxmlformats.org/presentationml/2006/main">
+  <p:cSld>
+    <p:spTree>
+      <p:nvGrpSpPr>
+        <p:cNvPr id="1" name=""/>
+        <p:cNvGrpSpPr/>
+        <p:nvPr/>
+      </p:nvGrpSpPr>
+      <p:grpSpPr>
+        <a:xfrm>
+          <a:off x="0" y="0"/>
+          <a:ext cx="0" cy="0"/>
+          <a:chOff x="0" y="0"/>
+          <a:chExt cx="0" cy="0"/>
+        </a:xfrm>
+      </p:grpSpPr>
+      <p:sp>
+        <p:nvSpPr>
+          <p:cNvPr id="2" name="Slide Image Placeholder 1"/>
+          <p:cNvSpPr>
+            <a:spLocks noGrp="1" noRot="1" noChangeAspect="1"/>
+          </p:cNvSpPr>
+          <p:nvPr>
+            <p:ph type="sldImg"/>
+          </p:nvPr>
+        </p:nvSpPr>
+        <p:spPr/>
+      </p:sp>
+      <p:sp>
+        <p:nvSpPr>
+          <p:cNvPr id="3" name="Notes Placeholder 2"/>
+          <p:cNvSpPr>
+            <a:spLocks noGrp="1"/>
+          </p:cNvSpPr>
+          <p:nvPr>
+            <p:ph type="body" idx="1"/>
+          </p:nvPr>
+        </p:nvSpPr>
+        <p:spPr/>
+        <p:txBody>
+          <a:bodyPr/>
+          <a:lstStyle/>
+          <a:p>
+            <a:pPr marL="0" marR="0" indent="0" algn="l" defTabSz="914400" rtl="0" eaLnBrk="1" fontAlgn="auto" latinLnBrk="0" hangingPunct="1">
+              <a:lnSpc>
+                <a:spcPct val="100000"/>
+              </a:lnSpc>
+              <a:spcBef>
+                <a:spcPts val="0"/>
+              </a:spcBef>
+              <a:spcAft>
+                <a:spcPts val="0"/>
+              </a:spcAft>
+              <a:buClrTx/>
+              <a:buSzTx/>
+              <a:buFontTx/>
+              <a:buNone/>
+              <a:tabLst/>
+              <a:defRPr/>
+            </a:pPr>
+            <a:r>
+              <a:rPr lang="en-US" sz="1400" dirty="0">
+                <a:latin typeface="Open Sans" panose="020B0606030504020204" pitchFamily="34" charset="0"/>
+                <a:ea typeface="Open Sans" panose="020B0606030504020204" pitchFamily="34" charset="0"/>
+                <a:cs typeface="Open Sans" panose="020B0606030504020204" pitchFamily="34" charset="0"/>
+              </a:rPr>
+              <a:t>Clustering is a very common problem in Data Analysis. It’s the task of partitioning a set of objects into groups, that are called clusters, in such a way that objects in the same cluster are more similar to each other than to those in other clusters. K-Means is the standard algorithm used to solve the Clustering problem </a:t>
+            </a:r>
+          </a:p>
+          <a:p>
+            <a:pPr marL="0" marR="0" indent="0" algn="l" defTabSz="914400" rtl="0" eaLnBrk="1" fontAlgn="auto" latinLnBrk="0" hangingPunct="1">
+              <a:lnSpc>
+                <a:spcPct val="100000"/>
+              </a:lnSpc>
+              <a:spcBef>
+                <a:spcPts val="0"/>
+              </a:spcBef>
+              <a:spcAft>
+                <a:spcPts val="0"/>
+              </a:spcAft>
+              <a:buClrTx/>
+              <a:buSzTx/>
+              <a:buFontTx/>
+              <a:buNone/>
+              <a:tabLst/>
+              <a:defRPr/>
+            </a:pPr>
+            <a:endParaRPr lang="en-US" sz="1400" dirty="0">
+              <a:latin typeface="Open Sans" panose="020B0606030504020204" pitchFamily="34" charset="0"/>
+              <a:ea typeface="Open Sans" panose="020B0606030504020204" pitchFamily="34" charset="0"/>
+              <a:cs typeface="Open Sans" panose="020B0606030504020204" pitchFamily="34" charset="0"/>
+            </a:endParaRPr>
+          </a:p>
+          <a:p>
+            <a:pPr marL="0" marR="0" indent="0" algn="l" defTabSz="914400" rtl="0" eaLnBrk="1" fontAlgn="auto" latinLnBrk="0" hangingPunct="1">
+              <a:lnSpc>
+                <a:spcPct val="100000"/>
+              </a:lnSpc>
+              <a:spcBef>
+                <a:spcPts val="0"/>
+              </a:spcBef>
+              <a:spcAft>
+                <a:spcPts val="0"/>
+              </a:spcAft>
+              <a:buClrTx/>
+              <a:buSzTx/>
+              <a:buFontTx/>
+              <a:buNone/>
+              <a:tabLst/>
+              <a:defRPr/>
+            </a:pPr>
+            <a:r>
+              <a:rPr lang="en-US" sz="1400" dirty="0">
+                <a:latin typeface="Open Sans" panose="020B0606030504020204" pitchFamily="34" charset="0"/>
+                <a:ea typeface="Open Sans" panose="020B0606030504020204" pitchFamily="34" charset="0"/>
+                <a:cs typeface="Open Sans" panose="020B0606030504020204" pitchFamily="34" charset="0"/>
+              </a:rPr>
+              <a:t>and has  a wide range of applications. I chose Image Segmentation among K-means applications since it is one of the most relevant topics in Digital Image Analysis and Computer Vision. Image Segmentation is the task of dividing the image into its constituent objects. For this purpose, the K-means algorithm can be used to cluster the pixels of the image on the basis of their color. </a:t>
+            </a:r>
+          </a:p>
+          <a:p>
+            <a:endParaRPr lang="en-US" sz="1400" dirty="0">
+              <a:latin typeface="Open Sans" panose="020B0606030504020204" pitchFamily="34" charset="0"/>
+              <a:ea typeface="Open Sans" panose="020B0606030504020204" pitchFamily="34" charset="0"/>
+              <a:cs typeface="Open Sans" panose="020B0606030504020204" pitchFamily="34" charset="0"/>
+            </a:endParaRPr>
+          </a:p>
+        </p:txBody>
+      </p:sp>
+      <p:sp>
+        <p:nvSpPr>
+          <p:cNvPr id="4" name="Slide Number Placeholder 3"/>
+          <p:cNvSpPr>
+            <a:spLocks noGrp="1"/>
+          </p:cNvSpPr>
+          <p:nvPr>
+            <p:ph type="sldNum" sz="quarter" idx="5"/>
+          </p:nvPr>
+        </p:nvSpPr>
+        <p:spPr/>
+        <p:txBody>
+          <a:bodyPr/>
+          <a:lstStyle/>
+          <a:p>
+            <a:fld id="{0667A9F2-9656-B144-99EF-E2FADF08E6C3}" type="slidenum">
+              <a:rPr lang="en-GB" smtClean="0"/>
+              <a:t>2</a:t>
+            </a:fld>
+            <a:endParaRPr lang="en-GB"/>
+          </a:p>
+        </p:txBody>
+      </p:sp>
+    </p:spTree>
+    <p:extLst>
+      <p:ext uri="{BB962C8B-B14F-4D97-AF65-F5344CB8AC3E}">
+        <p14:creationId xmlns:p14="http://schemas.microsoft.com/office/powerpoint/2010/main" val="3874132433"/>
+      </p:ext>
+    </p:extLst>
+  </p:cSld>
+  <p:clrMapOvr>
+    <a:masterClrMapping/>
+  </p:clrMapOvr>
+</p:notes>
+</file>
+
+<file path=ppt/notesSlides/notesSlide3.xml><?xml version="1.0" encoding="utf-8"?>
+<p:notes xmlns:a="http://schemas.openxmlformats.org/drawingml/2006/main" xmlns:r="http://schemas.openxmlformats.org/officeDocument/2006/relationships" xmlns:p="http://schemas.openxmlformats.org/presentationml/2006/main">
+  <p:cSld>
+    <p:spTree>
+      <p:nvGrpSpPr>
+        <p:cNvPr id="1" name=""/>
+        <p:cNvGrpSpPr/>
+        <p:nvPr/>
+      </p:nvGrpSpPr>
+      <p:grpSpPr>
+        <a:xfrm>
+          <a:off x="0" y="0"/>
+          <a:ext cx="0" cy="0"/>
+          <a:chOff x="0" y="0"/>
+          <a:chExt cx="0" cy="0"/>
+        </a:xfrm>
+      </p:grpSpPr>
+      <p:sp>
+        <p:nvSpPr>
+          <p:cNvPr id="2" name="Slide Image Placeholder 1"/>
+          <p:cNvSpPr>
+            <a:spLocks noGrp="1" noRot="1" noChangeAspect="1"/>
+          </p:cNvSpPr>
+          <p:nvPr>
+            <p:ph type="sldImg"/>
+          </p:nvPr>
+        </p:nvSpPr>
+        <p:spPr/>
+      </p:sp>
+      <p:sp>
+        <p:nvSpPr>
+          <p:cNvPr id="3" name="Notes Placeholder 2"/>
+          <p:cNvSpPr>
+            <a:spLocks noGrp="1"/>
+          </p:cNvSpPr>
+          <p:nvPr>
+            <p:ph type="body" idx="1"/>
+          </p:nvPr>
+        </p:nvSpPr>
+        <p:spPr/>
+        <p:txBody>
+          <a:bodyPr/>
+          <a:lstStyle/>
+          <a:p>
+            <a:pPr marL="0" marR="0" lvl="0" indent="0" algn="l" defTabSz="914400" rtl="0" eaLnBrk="1" fontAlgn="auto" latinLnBrk="0" hangingPunct="1">
+              <a:lnSpc>
+                <a:spcPct val="100000"/>
+              </a:lnSpc>
+              <a:spcBef>
+                <a:spcPts val="0"/>
+              </a:spcBef>
+              <a:spcAft>
+                <a:spcPts val="0"/>
+              </a:spcAft>
+              <a:buClrTx/>
+              <a:buSzTx/>
+              <a:buFontTx/>
+              <a:buNone/>
+              <a:tabLst/>
+              <a:defRPr/>
+            </a:pPr>
+            <a:r>
+              <a:rPr lang="en-US" sz="1400" b="1" dirty="0">
+                <a:latin typeface="Open Sans" panose="020B0606030504020204" pitchFamily="34" charset="0"/>
+                <a:ea typeface="Open Sans" panose="020B0606030504020204" pitchFamily="34" charset="0"/>
+                <a:cs typeface="Open Sans" panose="020B0606030504020204" pitchFamily="34" charset="0"/>
+              </a:rPr>
+              <a:t>Color-based Image Segmentation using K-means Clustering</a:t>
+            </a:r>
+            <a:endParaRPr lang="en-US" sz="1400" dirty="0">
+              <a:latin typeface="Open Sans" panose="020B0606030504020204" pitchFamily="34" charset="0"/>
+              <a:ea typeface="Open Sans" panose="020B0606030504020204" pitchFamily="34" charset="0"/>
+              <a:cs typeface="Open Sans" panose="020B0606030504020204" pitchFamily="34" charset="0"/>
+            </a:endParaRPr>
+          </a:p>
+          <a:p>
+            <a:r>
+              <a:rPr lang="en-US" sz="1400" dirty="0">
+                <a:latin typeface="Open Sans" panose="020B0606030504020204" pitchFamily="34" charset="0"/>
+                <a:ea typeface="Open Sans" panose="020B0606030504020204" pitchFamily="34" charset="0"/>
+                <a:cs typeface="Open Sans" panose="020B0606030504020204" pitchFamily="34" charset="0"/>
+              </a:rPr>
+              <a:t>Given a digital image and an integer number K, using the k-means clustering algorithm it is possible to divide the image pixels into K clusters on the basis of the pixels color. </a:t>
+            </a:r>
+          </a:p>
+          <a:p>
+            <a:endParaRPr lang="en-US" sz="1400" dirty="0">
+              <a:latin typeface="Open Sans" panose="020B0606030504020204" pitchFamily="34" charset="0"/>
+              <a:ea typeface="Open Sans" panose="020B0606030504020204" pitchFamily="34" charset="0"/>
+              <a:cs typeface="Open Sans" panose="020B0606030504020204" pitchFamily="34" charset="0"/>
+            </a:endParaRPr>
+          </a:p>
+          <a:p>
+            <a:r>
+              <a:rPr lang="en-US" sz="1400" dirty="0">
+                <a:latin typeface="Open Sans" panose="020B0606030504020204" pitchFamily="34" charset="0"/>
+                <a:ea typeface="Open Sans" panose="020B0606030504020204" pitchFamily="34" charset="0"/>
+                <a:cs typeface="Open Sans" panose="020B0606030504020204" pitchFamily="34" charset="0"/>
+              </a:rPr>
+              <a:t>The steps of the algorithm are quite simple:</a:t>
+            </a:r>
+          </a:p>
+          <a:p>
+            <a:pPr marL="285750" indent="-285750">
+              <a:buFont typeface="Arial" panose="020B0604020202020204" pitchFamily="34" charset="0"/>
+              <a:buChar char="•"/>
+            </a:pPr>
+            <a:r>
+              <a:rPr lang="en-US" sz="1400" dirty="0">
+                <a:latin typeface="Open Sans" panose="020B0606030504020204" pitchFamily="34" charset="0"/>
+                <a:ea typeface="Open Sans" panose="020B0606030504020204" pitchFamily="34" charset="0"/>
+                <a:cs typeface="Open Sans" panose="020B0606030504020204" pitchFamily="34" charset="0"/>
+              </a:rPr>
+              <a:t>First step is the </a:t>
+            </a:r>
+            <a:r>
+              <a:rPr lang="en-US" sz="1400" b="1" dirty="0">
+                <a:latin typeface="Open Sans" panose="020B0606030504020204" pitchFamily="34" charset="0"/>
+                <a:ea typeface="Open Sans" panose="020B0606030504020204" pitchFamily="34" charset="0"/>
+                <a:cs typeface="Open Sans" panose="020B0606030504020204" pitchFamily="34" charset="0"/>
+              </a:rPr>
+              <a:t>initialization of the clusters</a:t>
+            </a:r>
+            <a:r>
+              <a:rPr lang="en-US" sz="1400" dirty="0">
+                <a:latin typeface="Open Sans" panose="020B0606030504020204" pitchFamily="34" charset="0"/>
+                <a:ea typeface="Open Sans" panose="020B0606030504020204" pitchFamily="34" charset="0"/>
+                <a:cs typeface="Open Sans" panose="020B0606030504020204" pitchFamily="34" charset="0"/>
+              </a:rPr>
+              <a:t>, K pixels are chosen from the image the cluster centers are initialized with the RGB values of those pixels. </a:t>
+            </a:r>
+          </a:p>
+          <a:p>
+            <a:pPr marL="285750" indent="-285750">
+              <a:buFont typeface="Arial" panose="020B0604020202020204" pitchFamily="34" charset="0"/>
+              <a:buChar char="•"/>
+            </a:pPr>
+            <a:r>
+              <a:rPr lang="en-US" sz="1400" dirty="0">
+                <a:latin typeface="Open Sans" panose="020B0606030504020204" pitchFamily="34" charset="0"/>
+                <a:ea typeface="Open Sans" panose="020B0606030504020204" pitchFamily="34" charset="0"/>
+                <a:cs typeface="Open Sans" panose="020B0606030504020204" pitchFamily="34" charset="0"/>
+              </a:rPr>
+              <a:t>Then there is the </a:t>
+            </a:r>
+            <a:r>
+              <a:rPr lang="en-US" sz="1400" b="1" dirty="0">
+                <a:latin typeface="Open Sans" panose="020B0606030504020204" pitchFamily="34" charset="0"/>
+                <a:ea typeface="Open Sans" panose="020B0606030504020204" pitchFamily="34" charset="0"/>
+                <a:cs typeface="Open Sans" panose="020B0606030504020204" pitchFamily="34" charset="0"/>
+              </a:rPr>
+              <a:t>pixels assignment </a:t>
+            </a:r>
+            <a:r>
+              <a:rPr lang="en-US" sz="1400" dirty="0">
+                <a:latin typeface="Open Sans" panose="020B0606030504020204" pitchFamily="34" charset="0"/>
+                <a:ea typeface="Open Sans" panose="020B0606030504020204" pitchFamily="34" charset="0"/>
+                <a:cs typeface="Open Sans" panose="020B0606030504020204" pitchFamily="34" charset="0"/>
+              </a:rPr>
+              <a:t>, where each pixel is assigned to the closest cluster. For each pixel, the squared Euclidean distance to every cluster center is computed and then the pixel is assigned to the cluster with the smaller distance.</a:t>
+            </a:r>
+          </a:p>
+          <a:p>
+            <a:pPr marL="285750" indent="-285750">
+              <a:buFont typeface="Arial" panose="020B0604020202020204" pitchFamily="34" charset="0"/>
+              <a:buChar char="•"/>
+            </a:pPr>
+            <a:r>
+              <a:rPr lang="en-US" sz="1400" dirty="0">
+                <a:latin typeface="Open Sans" panose="020B0606030504020204" pitchFamily="34" charset="0"/>
+                <a:ea typeface="Open Sans" panose="020B0606030504020204" pitchFamily="34" charset="0"/>
+                <a:cs typeface="Open Sans" panose="020B0606030504020204" pitchFamily="34" charset="0"/>
+              </a:rPr>
+              <a:t>After all the pixels have been assigned, the </a:t>
+            </a:r>
+            <a:r>
+              <a:rPr lang="en-US" sz="1400" b="1" dirty="0">
+                <a:latin typeface="Open Sans" panose="020B0606030504020204" pitchFamily="34" charset="0"/>
+                <a:ea typeface="Open Sans" panose="020B0606030504020204" pitchFamily="34" charset="0"/>
+                <a:cs typeface="Open Sans" panose="020B0606030504020204" pitchFamily="34" charset="0"/>
+              </a:rPr>
+              <a:t>cluster centers are updated </a:t>
+            </a:r>
+            <a:r>
+              <a:rPr lang="en-US" sz="1400" dirty="0">
+                <a:latin typeface="Open Sans" panose="020B0606030504020204" pitchFamily="34" charset="0"/>
+                <a:ea typeface="Open Sans" panose="020B0606030504020204" pitchFamily="34" charset="0"/>
+                <a:cs typeface="Open Sans" panose="020B0606030504020204" pitchFamily="34" charset="0"/>
+              </a:rPr>
+              <a:t>by computing the mean of the RGB values of each cluster.</a:t>
+            </a:r>
+          </a:p>
+          <a:p>
+            <a:pPr marL="285750" indent="-285750">
+              <a:buFont typeface="Arial" panose="020B0604020202020204" pitchFamily="34" charset="0"/>
+              <a:buChar char="•"/>
+            </a:pPr>
+            <a:r>
+              <a:rPr lang="en-US" sz="1400" dirty="0">
+                <a:latin typeface="Open Sans" panose="020B0606030504020204" pitchFamily="34" charset="0"/>
+                <a:ea typeface="Open Sans" panose="020B0606030504020204" pitchFamily="34" charset="0"/>
+                <a:cs typeface="Open Sans" panose="020B0606030504020204" pitchFamily="34" charset="0"/>
+              </a:rPr>
+              <a:t>If none of the pixels changed their cluster </a:t>
+            </a:r>
+            <a:r>
+              <a:rPr lang="en-US" sz="1400" b="1" dirty="0">
+                <a:latin typeface="Open Sans" panose="020B0606030504020204" pitchFamily="34" charset="0"/>
+                <a:ea typeface="Open Sans" panose="020B0606030504020204" pitchFamily="34" charset="0"/>
+                <a:cs typeface="Open Sans" panose="020B0606030504020204" pitchFamily="34" charset="0"/>
+              </a:rPr>
+              <a:t>the algorithm has converged </a:t>
+            </a:r>
+            <a:r>
+              <a:rPr lang="en-US" sz="1400" dirty="0">
+                <a:latin typeface="Open Sans" panose="020B0606030504020204" pitchFamily="34" charset="0"/>
+                <a:ea typeface="Open Sans" panose="020B0606030504020204" pitchFamily="34" charset="0"/>
+                <a:cs typeface="Open Sans" panose="020B0606030504020204" pitchFamily="34" charset="0"/>
+              </a:rPr>
+              <a:t>otherwise it goes back to the pixel assignment.</a:t>
+            </a:r>
+          </a:p>
+          <a:p>
+            <a:pPr marL="285750" indent="-285750">
+              <a:buFont typeface="Arial" panose="020B0604020202020204" pitchFamily="34" charset="0"/>
+              <a:buChar char="•"/>
+            </a:pPr>
+            <a:r>
+              <a:rPr lang="en-US" sz="1400" dirty="0">
+                <a:latin typeface="Open Sans" panose="020B0606030504020204" pitchFamily="34" charset="0"/>
+                <a:ea typeface="Open Sans" panose="020B0606030504020204" pitchFamily="34" charset="0"/>
+                <a:cs typeface="Open Sans" panose="020B0606030504020204" pitchFamily="34" charset="0"/>
+              </a:rPr>
+              <a:t>Finally the </a:t>
+            </a:r>
+            <a:r>
+              <a:rPr lang="en-US" sz="1400" b="1" dirty="0">
+                <a:latin typeface="Open Sans" panose="020B0606030504020204" pitchFamily="34" charset="0"/>
+                <a:ea typeface="Open Sans" panose="020B0606030504020204" pitchFamily="34" charset="0"/>
+                <a:cs typeface="Open Sans" panose="020B0606030504020204" pitchFamily="34" charset="0"/>
+              </a:rPr>
+              <a:t>initial image is updated</a:t>
+            </a:r>
+            <a:r>
+              <a:rPr lang="en-US" sz="1400" dirty="0">
+                <a:latin typeface="Open Sans" panose="020B0606030504020204" pitchFamily="34" charset="0"/>
+                <a:ea typeface="Open Sans" panose="020B0606030504020204" pitchFamily="34" charset="0"/>
+                <a:cs typeface="Open Sans" panose="020B0606030504020204" pitchFamily="34" charset="0"/>
+              </a:rPr>
+              <a:t>, each pixel RGB values are replaced with the ones of their cluster centers.</a:t>
+            </a:r>
+          </a:p>
+          <a:p>
+            <a:endParaRPr lang="en-US" sz="1400" dirty="0">
+              <a:latin typeface="Open Sans" panose="020B0606030504020204" pitchFamily="34" charset="0"/>
+              <a:ea typeface="Open Sans" panose="020B0606030504020204" pitchFamily="34" charset="0"/>
+              <a:cs typeface="Open Sans" panose="020B0606030504020204" pitchFamily="34" charset="0"/>
+            </a:endParaRPr>
+          </a:p>
+        </p:txBody>
+      </p:sp>
+      <p:sp>
+        <p:nvSpPr>
+          <p:cNvPr id="4" name="Slide Number Placeholder 3"/>
+          <p:cNvSpPr>
+            <a:spLocks noGrp="1"/>
+          </p:cNvSpPr>
+          <p:nvPr>
+            <p:ph type="sldNum" sz="quarter" idx="5"/>
+          </p:nvPr>
+        </p:nvSpPr>
+        <p:spPr/>
+        <p:txBody>
+          <a:bodyPr/>
+          <a:lstStyle/>
+          <a:p>
+            <a:fld id="{0667A9F2-9656-B144-99EF-E2FADF08E6C3}" type="slidenum">
+              <a:rPr lang="en-GB" smtClean="0"/>
+              <a:t>3</a:t>
+            </a:fld>
+            <a:endParaRPr lang="en-GB"/>
+          </a:p>
+        </p:txBody>
+      </p:sp>
+    </p:spTree>
+    <p:extLst>
+      <p:ext uri="{BB962C8B-B14F-4D97-AF65-F5344CB8AC3E}">
+        <p14:creationId xmlns:p14="http://schemas.microsoft.com/office/powerpoint/2010/main" val="2031176961"/>
+      </p:ext>
+    </p:extLst>
+  </p:cSld>
+  <p:clrMapOvr>
+    <a:masterClrMapping/>
+  </p:clrMapOvr>
+</p:notes>
+</file>
+
+<file path=ppt/notesSlides/notesSlide4.xml><?xml version="1.0" encoding="utf-8"?>
+<p:notes xmlns:a="http://schemas.openxmlformats.org/drawingml/2006/main" xmlns:r="http://schemas.openxmlformats.org/officeDocument/2006/relationships" xmlns:p="http://schemas.openxmlformats.org/presentationml/2006/main">
+  <p:cSld>
+    <p:spTree>
+      <p:nvGrpSpPr>
+        <p:cNvPr id="1" name=""/>
+        <p:cNvGrpSpPr/>
+        <p:nvPr/>
+      </p:nvGrpSpPr>
+      <p:grpSpPr>
+        <a:xfrm>
+          <a:off x="0" y="0"/>
+          <a:ext cx="0" cy="0"/>
+          <a:chOff x="0" y="0"/>
+          <a:chExt cx="0" cy="0"/>
+        </a:xfrm>
+      </p:grpSpPr>
+      <p:sp>
+        <p:nvSpPr>
+          <p:cNvPr id="2" name="Slide Image Placeholder 1"/>
+          <p:cNvSpPr>
+            <a:spLocks noGrp="1" noRot="1" noChangeAspect="1"/>
+          </p:cNvSpPr>
+          <p:nvPr>
+            <p:ph type="sldImg"/>
+          </p:nvPr>
+        </p:nvSpPr>
+        <p:spPr/>
+      </p:sp>
+      <p:sp>
+        <p:nvSpPr>
+          <p:cNvPr id="3" name="Notes Placeholder 2"/>
+          <p:cNvSpPr>
+            <a:spLocks noGrp="1"/>
+          </p:cNvSpPr>
+          <p:nvPr>
+            <p:ph type="body" idx="1"/>
+          </p:nvPr>
+        </p:nvSpPr>
+        <p:spPr/>
+        <p:txBody>
+          <a:bodyPr/>
+          <a:lstStyle/>
+          <a:p>
+            <a:endParaRPr lang="en-US" dirty="0"/>
+          </a:p>
+        </p:txBody>
+      </p:sp>
+      <p:sp>
+        <p:nvSpPr>
+          <p:cNvPr id="4" name="Slide Number Placeholder 3"/>
+          <p:cNvSpPr>
+            <a:spLocks noGrp="1"/>
+          </p:cNvSpPr>
+          <p:nvPr>
+            <p:ph type="sldNum" sz="quarter" idx="5"/>
+          </p:nvPr>
+        </p:nvSpPr>
+        <p:spPr/>
+        <p:txBody>
+          <a:bodyPr/>
+          <a:lstStyle/>
+          <a:p>
+            <a:fld id="{0667A9F2-9656-B144-99EF-E2FADF08E6C3}" type="slidenum">
+              <a:rPr lang="en-GB" smtClean="0"/>
+              <a:t>4</a:t>
+            </a:fld>
+            <a:endParaRPr lang="en-GB"/>
+          </a:p>
+        </p:txBody>
+      </p:sp>
+    </p:spTree>
+    <p:extLst>
+      <p:ext uri="{BB962C8B-B14F-4D97-AF65-F5344CB8AC3E}">
+        <p14:creationId xmlns:p14="http://schemas.microsoft.com/office/powerpoint/2010/main" val="3641272788"/>
+      </p:ext>
+    </p:extLst>
+  </p:cSld>
+  <p:clrMapOvr>
+    <a:masterClrMapping/>
+  </p:clrMapOvr>
+</p:notes>
+</file>
+
+<file path=ppt/notesSlides/notesSlide5.xml><?xml version="1.0" encoding="utf-8"?>
+<p:notes xmlns:a="http://schemas.openxmlformats.org/drawingml/2006/main" xmlns:r="http://schemas.openxmlformats.org/officeDocument/2006/relationships" xmlns:p="http://schemas.openxmlformats.org/presentationml/2006/main">
+  <p:cSld>
+    <p:spTree>
+      <p:nvGrpSpPr>
+        <p:cNvPr id="1" name=""/>
+        <p:cNvGrpSpPr/>
+        <p:nvPr/>
+      </p:nvGrpSpPr>
+      <p:grpSpPr>
+        <a:xfrm>
+          <a:off x="0" y="0"/>
+          <a:ext cx="0" cy="0"/>
+          <a:chOff x="0" y="0"/>
+          <a:chExt cx="0" cy="0"/>
+        </a:xfrm>
+      </p:grpSpPr>
+      <p:sp>
+        <p:nvSpPr>
+          <p:cNvPr id="2" name="Slide Image Placeholder 1"/>
+          <p:cNvSpPr>
+            <a:spLocks noGrp="1" noRot="1" noChangeAspect="1"/>
+          </p:cNvSpPr>
+          <p:nvPr>
+            <p:ph type="sldImg"/>
+          </p:nvPr>
+        </p:nvSpPr>
+        <p:spPr/>
+      </p:sp>
+      <p:sp>
+        <p:nvSpPr>
+          <p:cNvPr id="3" name="Notes Placeholder 2"/>
+          <p:cNvSpPr>
+            <a:spLocks noGrp="1"/>
+          </p:cNvSpPr>
+          <p:nvPr>
+            <p:ph type="body" idx="1"/>
+          </p:nvPr>
+        </p:nvSpPr>
+        <p:spPr/>
+        <p:txBody>
+          <a:bodyPr/>
+          <a:lstStyle/>
+          <a:p>
+            <a:endParaRPr lang="en-US" dirty="0"/>
+          </a:p>
+        </p:txBody>
+      </p:sp>
+      <p:sp>
+        <p:nvSpPr>
+          <p:cNvPr id="4" name="Slide Number Placeholder 3"/>
+          <p:cNvSpPr>
+            <a:spLocks noGrp="1"/>
+          </p:cNvSpPr>
+          <p:nvPr>
+            <p:ph type="sldNum" sz="quarter" idx="5"/>
+          </p:nvPr>
+        </p:nvSpPr>
+        <p:spPr/>
+        <p:txBody>
+          <a:bodyPr/>
+          <a:lstStyle/>
+          <a:p>
+            <a:fld id="{0667A9F2-9656-B144-99EF-E2FADF08E6C3}" type="slidenum">
+              <a:rPr lang="en-GB" smtClean="0"/>
+              <a:t>15</a:t>
+            </a:fld>
+            <a:endParaRPr lang="en-GB"/>
+          </a:p>
+        </p:txBody>
+      </p:sp>
+    </p:spTree>
+    <p:extLst>
+      <p:ext uri="{BB962C8B-B14F-4D97-AF65-F5344CB8AC3E}">
+        <p14:creationId xmlns:p14="http://schemas.microsoft.com/office/powerpoint/2010/main" val="3452556722"/>
+      </p:ext>
+    </p:extLst>
+  </p:cSld>
+  <p:clrMapOvr>
+    <a:masterClrMapping/>
+  </p:clrMapOvr>
+</p:notes>
+</file>
+
 <file path=ppt/slideLayouts/slideLayout1.xml><?xml version="1.0" encoding="utf-8"?>
 <p:sldLayout xmlns:a="http://schemas.openxmlformats.org/drawingml/2006/main" xmlns:r="http://schemas.openxmlformats.org/officeDocument/2006/relationships" xmlns:p="http://schemas.openxmlformats.org/presentationml/2006/main" type="title" preserve="1">
   <p:cSld name="Title Slide">
@@ -614,7 +1366,7 @@
           <a:p>
             <a:fld id="{4C40220F-C219-9D45-8D8C-575BE46D4966}" type="datetimeFigureOut">
               <a:rPr lang="en-GB" smtClean="0"/>
-              <a:t>08/09/2018</a:t>
+              <a:t>14/09/2018</a:t>
             </a:fld>
             <a:endParaRPr lang="en-GB"/>
           </a:p>
@@ -784,7 +1536,7 @@
           <a:p>
             <a:fld id="{4C40220F-C219-9D45-8D8C-575BE46D4966}" type="datetimeFigureOut">
               <a:rPr lang="en-GB" smtClean="0"/>
-              <a:t>08/09/2018</a:t>
+              <a:t>14/09/2018</a:t>
             </a:fld>
             <a:endParaRPr lang="en-GB"/>
           </a:p>
@@ -964,7 +1716,7 @@
           <a:p>
             <a:fld id="{4C40220F-C219-9D45-8D8C-575BE46D4966}" type="datetimeFigureOut">
               <a:rPr lang="en-GB" smtClean="0"/>
-              <a:t>08/09/2018</a:t>
+              <a:t>14/09/2018</a:t>
             </a:fld>
             <a:endParaRPr lang="en-GB"/>
           </a:p>
@@ -1132,7 +1884,7 @@
           <a:p>
             <a:fld id="{4C40220F-C219-9D45-8D8C-575BE46D4966}" type="datetimeFigureOut">
               <a:rPr lang="en-GB" smtClean="0"/>
-              <a:t>08/09/2018</a:t>
+              <a:t>14/09/2018</a:t>
             </a:fld>
             <a:endParaRPr lang="en-GB"/>
           </a:p>
@@ -1376,7 +2128,7 @@
           <a:p>
             <a:fld id="{4C40220F-C219-9D45-8D8C-575BE46D4966}" type="datetimeFigureOut">
               <a:rPr lang="en-GB" smtClean="0"/>
-              <a:t>08/09/2018</a:t>
+              <a:t>14/09/2018</a:t>
             </a:fld>
             <a:endParaRPr lang="en-GB"/>
           </a:p>
@@ -1608,7 +2360,7 @@
           <a:p>
             <a:fld id="{4C40220F-C219-9D45-8D8C-575BE46D4966}" type="datetimeFigureOut">
               <a:rPr lang="en-GB" smtClean="0"/>
-              <a:t>08/09/2018</a:t>
+              <a:t>14/09/2018</a:t>
             </a:fld>
             <a:endParaRPr lang="en-GB"/>
           </a:p>
@@ -1975,7 +2727,7 @@
           <a:p>
             <a:fld id="{4C40220F-C219-9D45-8D8C-575BE46D4966}" type="datetimeFigureOut">
               <a:rPr lang="en-GB" smtClean="0"/>
-              <a:t>08/09/2018</a:t>
+              <a:t>14/09/2018</a:t>
             </a:fld>
             <a:endParaRPr lang="en-GB"/>
           </a:p>
@@ -2093,7 +2845,7 @@
           <a:p>
             <a:fld id="{4C40220F-C219-9D45-8D8C-575BE46D4966}" type="datetimeFigureOut">
               <a:rPr lang="en-GB" smtClean="0"/>
-              <a:t>08/09/2018</a:t>
+              <a:t>14/09/2018</a:t>
             </a:fld>
             <a:endParaRPr lang="en-GB"/>
           </a:p>
@@ -2188,7 +2940,7 @@
           <a:p>
             <a:fld id="{4C40220F-C219-9D45-8D8C-575BE46D4966}" type="datetimeFigureOut">
               <a:rPr lang="en-GB" smtClean="0"/>
-              <a:t>08/09/2018</a:t>
+              <a:t>14/09/2018</a:t>
             </a:fld>
             <a:endParaRPr lang="en-GB"/>
           </a:p>
@@ -2465,7 +3217,7 @@
           <a:p>
             <a:fld id="{4C40220F-C219-9D45-8D8C-575BE46D4966}" type="datetimeFigureOut">
               <a:rPr lang="en-GB" smtClean="0"/>
-              <a:t>08/09/2018</a:t>
+              <a:t>14/09/2018</a:t>
             </a:fld>
             <a:endParaRPr lang="en-GB"/>
           </a:p>
@@ -2722,7 +3474,7 @@
           <a:p>
             <a:fld id="{4C40220F-C219-9D45-8D8C-575BE46D4966}" type="datetimeFigureOut">
               <a:rPr lang="en-GB" smtClean="0"/>
-              <a:t>08/09/2018</a:t>
+              <a:t>14/09/2018</a:t>
             </a:fld>
             <a:endParaRPr lang="en-GB"/>
           </a:p>
@@ -2937,7 +3689,7 @@
             <a:fld id="{4C40220F-C219-9D45-8D8C-575BE46D4966}" type="datetimeFigureOut">
               <a:rPr lang="en-GB" smtClean="0"/>
               <a:pPr/>
-              <a:t>08/09/2018</a:t>
+              <a:t>14/09/2018</a:t>
             </a:fld>
             <a:endParaRPr lang="en-GB" dirty="0"/>
           </a:p>
@@ -3485,7 +4237,7 @@
           <p:nvPr/>
         </p:nvPicPr>
         <p:blipFill>
-          <a:blip r:embed="rId2"/>
+          <a:blip r:embed="rId3"/>
           <a:stretch>
             <a:fillRect/>
           </a:stretch>
@@ -4813,7 +5565,7 @@
             </a:pPr>
             <a:r>
               <a:rPr lang="en-US" sz="2600" dirty="0"/>
-              <a:t>The first machine utilized to test the performance of parallel implementation was equipped with an Intel Core i5@2.00GHz with 2 cores and 4  threads</a:t>
+              <a:t>The first machine utilized to test the performance of parallel implementation was equipped with an Intel Core i5@2.00GHz with 2 cores and 4 threads</a:t>
             </a:r>
           </a:p>
         </p:txBody>
@@ -5718,7 +6470,7 @@
                         </a:spcAft>
                       </a:pPr>
                       <a:r>
-                        <a:rPr lang="en-US" sz="1400">
+                        <a:rPr lang="en-US" sz="1400" dirty="0">
                           <a:effectLst/>
                           <a:latin typeface="Open Sans" panose="020B0606030504020204" pitchFamily="34" charset="0"/>
                           <a:ea typeface="Open Sans" panose="020B0606030504020204" pitchFamily="34" charset="0"/>
@@ -5744,7 +6496,7 @@
                         </a:spcAft>
                       </a:pPr>
                       <a:r>
-                        <a:rPr lang="en-US" sz="1400">
+                        <a:rPr lang="en-US" sz="1400" dirty="0">
                           <a:effectLst/>
                           <a:latin typeface="Open Sans" panose="020B0606030504020204" pitchFamily="34" charset="0"/>
                           <a:ea typeface="Open Sans" panose="020B0606030504020204" pitchFamily="34" charset="0"/>
@@ -5770,7 +6522,7 @@
                         </a:spcAft>
                       </a:pPr>
                       <a:r>
-                        <a:rPr lang="en-US" sz="1400">
+                        <a:rPr lang="en-US" sz="1400" dirty="0">
                           <a:effectLst/>
                           <a:latin typeface="Open Sans" panose="020B0606030504020204" pitchFamily="34" charset="0"/>
                           <a:ea typeface="Open Sans" panose="020B0606030504020204" pitchFamily="34" charset="0"/>
@@ -5796,7 +6548,7 @@
                         </a:spcAft>
                       </a:pPr>
                       <a:r>
-                        <a:rPr lang="en-US" sz="1400">
+                        <a:rPr lang="en-US" sz="1400" dirty="0">
                           <a:effectLst/>
                           <a:latin typeface="Open Sans" panose="020B0606030504020204" pitchFamily="34" charset="0"/>
                           <a:ea typeface="Open Sans" panose="020B0606030504020204" pitchFamily="34" charset="0"/>
@@ -5862,7 +6614,7 @@
                         </a:spcAft>
                       </a:pPr>
                       <a:r>
-                        <a:rPr lang="en-US" sz="1400">
+                        <a:rPr lang="en-US" sz="1400" dirty="0">
                           <a:effectLst/>
                           <a:latin typeface="Open Sans" panose="020B0606030504020204" pitchFamily="34" charset="0"/>
                           <a:ea typeface="Open Sans" panose="020B0606030504020204" pitchFamily="34" charset="0"/>
@@ -6018,7 +6770,7 @@
                         </a:spcAft>
                       </a:pPr>
                       <a:r>
-                        <a:rPr lang="en-US" sz="1400">
+                        <a:rPr lang="en-US" sz="1400" dirty="0">
                           <a:effectLst/>
                           <a:latin typeface="Open Sans" panose="020B0606030504020204" pitchFamily="34" charset="0"/>
                           <a:ea typeface="Open Sans" panose="020B0606030504020204" pitchFamily="34" charset="0"/>
@@ -6084,7 +6836,7 @@
                         </a:spcAft>
                       </a:pPr>
                       <a:r>
-                        <a:rPr lang="en-US" sz="1400">
+                        <a:rPr lang="en-US" sz="1400" dirty="0">
                           <a:effectLst/>
                           <a:latin typeface="Open Sans" panose="020B0606030504020204" pitchFamily="34" charset="0"/>
                           <a:ea typeface="Open Sans" panose="020B0606030504020204" pitchFamily="34" charset="0"/>
@@ -6110,7 +6862,7 @@
                         </a:spcAft>
                       </a:pPr>
                       <a:r>
-                        <a:rPr lang="en-US" sz="1400">
+                        <a:rPr lang="en-US" sz="1400" dirty="0">
                           <a:effectLst/>
                           <a:latin typeface="Open Sans" panose="020B0606030504020204" pitchFamily="34" charset="0"/>
                           <a:ea typeface="Open Sans" panose="020B0606030504020204" pitchFamily="34" charset="0"/>
@@ -6835,7 +7587,7 @@
         <p:spPr>
           <a:xfrm>
             <a:off x="628649" y="1825625"/>
-            <a:ext cx="7886701" cy="1089025"/>
+            <a:ext cx="7886701" cy="1174809"/>
           </a:xfrm>
           <a:prstGeom prst="rect">
             <a:avLst/>
@@ -7059,7 +7811,7 @@
         </p:blipFill>
         <p:spPr>
           <a:xfrm>
-            <a:off x="664366" y="2963858"/>
+            <a:off x="664366" y="3000434"/>
             <a:ext cx="7672388" cy="3143251"/>
           </a:xfrm>
         </p:spPr>
@@ -7148,7 +7900,7 @@
           <a:p>
             <a:pPr marL="0" indent="0">
               <a:lnSpc>
-                <a:spcPct val="120000"/>
+                <a:spcPct val="110000"/>
               </a:lnSpc>
               <a:buNone/>
             </a:pPr>
@@ -7169,13 +7921,21 @@
           <a:p>
             <a:pPr marL="0" indent="0">
               <a:lnSpc>
-                <a:spcPct val="120000"/>
+                <a:spcPct val="110000"/>
               </a:lnSpc>
               <a:buNone/>
             </a:pPr>
             <a:r>
               <a:rPr lang="en-US" sz="3100" dirty="0"/>
-              <a:t>K-means algorithm is inherently characterized by an high level of data parallelism and so it is easy to obtain a remarkable speedup using OpenMP</a:t>
+              <a:t>K-means algorithm is inherently characterized by an high level of data parallelism</a:t>
+            </a:r>
+            <a:r>
+              <a:rPr lang="en-US" sz="3100" b="1" dirty="0"/>
+              <a:t> </a:t>
+            </a:r>
+            <a:r>
+              <a:rPr lang="en-US" sz="3100" dirty="0"/>
+              <a:t>and so it is easy to obtain a remarkable speedup using OpenMP</a:t>
             </a:r>
           </a:p>
           <a:p>
@@ -7190,7 +7950,7 @@
           <a:p>
             <a:pPr marL="0" indent="0">
               <a:lnSpc>
-                <a:spcPct val="120000"/>
+                <a:spcPct val="110000"/>
               </a:lnSpc>
               <a:buNone/>
             </a:pPr>
@@ -7260,235 +8020,33 @@
           </a:p>
         </p:txBody>
       </p:sp>
-      <p:pic>
-        <p:nvPicPr>
-          <p:cNvPr id="4" name="Content Placeholder 3">
+      <p:sp>
+        <p:nvSpPr>
+          <p:cNvPr id="6" name="Content Placeholder 5">
             <a:extLst>
               <a:ext uri="{FF2B5EF4-FFF2-40B4-BE49-F238E27FC236}">
-                <a16:creationId xmlns:a16="http://schemas.microsoft.com/office/drawing/2014/main" id="{AD4A7989-3A29-E046-A692-01792DB97344}"/>
+                <a16:creationId xmlns:a16="http://schemas.microsoft.com/office/drawing/2014/main" id="{8B617718-D835-F946-80BB-58C619C22BC0}"/>
               </a:ext>
             </a:extLst>
           </p:cNvPr>
-          <p:cNvPicPr>
-            <a:picLocks noGrp="1" noChangeAspect="1"/>
-          </p:cNvPicPr>
+          <p:cNvSpPr>
+            <a:spLocks noGrp="1"/>
+          </p:cNvSpPr>
           <p:nvPr>
             <p:ph idx="1"/>
           </p:nvPr>
-        </p:nvPicPr>
-        <p:blipFill>
-          <a:blip r:embed="rId2">
-            <a:extLst>
-              <a:ext uri="{28A0092B-C50C-407E-A947-70E740481C1C}">
-                <a14:useLocalDpi xmlns:a14="http://schemas.microsoft.com/office/drawing/2010/main" val="0"/>
-              </a:ext>
-            </a:extLst>
-          </a:blip>
-          <a:stretch>
-            <a:fillRect/>
-          </a:stretch>
-        </p:blipFill>
-        <p:spPr>
-          <a:xfrm>
-            <a:off x="4796852" y="1724435"/>
-            <a:ext cx="3567276" cy="4554245"/>
-          </a:xfrm>
-          <a:prstGeom prst="rect">
-            <a:avLst/>
-          </a:prstGeom>
-        </p:spPr>
-      </p:pic>
-      <p:sp>
-        <p:nvSpPr>
-          <p:cNvPr id="7" name="Content Placeholder 2">
-            <a:extLst>
-              <a:ext uri="{FF2B5EF4-FFF2-40B4-BE49-F238E27FC236}">
-                <a16:creationId xmlns:a16="http://schemas.microsoft.com/office/drawing/2014/main" id="{753FA0FE-A1ED-0645-81C2-A9CBEFCD76ED}"/>
-              </a:ext>
-            </a:extLst>
-          </p:cNvPr>
-          <p:cNvSpPr txBox="1">
-            <a:spLocks/>
-          </p:cNvSpPr>
-          <p:nvPr/>
         </p:nvSpPr>
         <p:spPr>
           <a:xfrm>
-            <a:off x="628650" y="1837767"/>
-            <a:ext cx="3943350" cy="3731760"/>
+            <a:off x="628650" y="1825625"/>
+            <a:ext cx="7886700" cy="4351338"/>
           </a:xfrm>
-          <a:prstGeom prst="rect">
-            <a:avLst/>
-          </a:prstGeom>
         </p:spPr>
         <p:txBody>
-          <a:bodyPr vert="horz" lIns="91440" tIns="45720" rIns="91440" bIns="45720" rtlCol="0">
+          <a:bodyPr>
             <a:normAutofit/>
           </a:bodyPr>
-          <a:lstStyle>
-            <a:lvl1pPr marL="228600" indent="-228600" algn="l" defTabSz="914400" rtl="0" eaLnBrk="1" latinLnBrk="0" hangingPunct="1">
-              <a:lnSpc>
-                <a:spcPct val="90000"/>
-              </a:lnSpc>
-              <a:spcBef>
-                <a:spcPts val="1000"/>
-              </a:spcBef>
-              <a:buFont typeface="Arial" panose="020B0604020202020204" pitchFamily="34" charset="0"/>
-              <a:buChar char="•"/>
-              <a:defRPr sz="2800" kern="1200">
-                <a:solidFill>
-                  <a:schemeClr val="tx1"/>
-                </a:solidFill>
-                <a:latin typeface="Open Sans" panose="020B0606030504020204" pitchFamily="34" charset="0"/>
-                <a:ea typeface="Open Sans" panose="020B0606030504020204" pitchFamily="34" charset="0"/>
-                <a:cs typeface="Open Sans" panose="020B0606030504020204" pitchFamily="34" charset="0"/>
-              </a:defRPr>
-            </a:lvl1pPr>
-            <a:lvl2pPr marL="685800" indent="-228600" algn="l" defTabSz="914400" rtl="0" eaLnBrk="1" latinLnBrk="0" hangingPunct="1">
-              <a:lnSpc>
-                <a:spcPct val="90000"/>
-              </a:lnSpc>
-              <a:spcBef>
-                <a:spcPts val="500"/>
-              </a:spcBef>
-              <a:buFont typeface="Arial" panose="020B0604020202020204" pitchFamily="34" charset="0"/>
-              <a:buChar char="•"/>
-              <a:defRPr sz="2400" kern="1200">
-                <a:solidFill>
-                  <a:schemeClr val="tx1"/>
-                </a:solidFill>
-                <a:latin typeface="Open Sans" panose="020B0606030504020204" pitchFamily="34" charset="0"/>
-                <a:ea typeface="Open Sans" panose="020B0606030504020204" pitchFamily="34" charset="0"/>
-                <a:cs typeface="Open Sans" panose="020B0606030504020204" pitchFamily="34" charset="0"/>
-              </a:defRPr>
-            </a:lvl2pPr>
-            <a:lvl3pPr marL="1143000" indent="-228600" algn="l" defTabSz="914400" rtl="0" eaLnBrk="1" latinLnBrk="0" hangingPunct="1">
-              <a:lnSpc>
-                <a:spcPct val="90000"/>
-              </a:lnSpc>
-              <a:spcBef>
-                <a:spcPts val="500"/>
-              </a:spcBef>
-              <a:buFont typeface="Arial" panose="020B0604020202020204" pitchFamily="34" charset="0"/>
-              <a:buChar char="•"/>
-              <a:defRPr sz="2000" kern="1200">
-                <a:solidFill>
-                  <a:schemeClr val="tx1"/>
-                </a:solidFill>
-                <a:latin typeface="Open Sans" panose="020B0606030504020204" pitchFamily="34" charset="0"/>
-                <a:ea typeface="Open Sans" panose="020B0606030504020204" pitchFamily="34" charset="0"/>
-                <a:cs typeface="Open Sans" panose="020B0606030504020204" pitchFamily="34" charset="0"/>
-              </a:defRPr>
-            </a:lvl3pPr>
-            <a:lvl4pPr marL="1600200" indent="-228600" algn="l" defTabSz="914400" rtl="0" eaLnBrk="1" latinLnBrk="0" hangingPunct="1">
-              <a:lnSpc>
-                <a:spcPct val="90000"/>
-              </a:lnSpc>
-              <a:spcBef>
-                <a:spcPts val="500"/>
-              </a:spcBef>
-              <a:buFont typeface="Arial" panose="020B0604020202020204" pitchFamily="34" charset="0"/>
-              <a:buChar char="•"/>
-              <a:defRPr sz="1800" kern="1200">
-                <a:solidFill>
-                  <a:schemeClr val="tx1"/>
-                </a:solidFill>
-                <a:latin typeface="Open Sans" panose="020B0606030504020204" pitchFamily="34" charset="0"/>
-                <a:ea typeface="Open Sans" panose="020B0606030504020204" pitchFamily="34" charset="0"/>
-                <a:cs typeface="Open Sans" panose="020B0606030504020204" pitchFamily="34" charset="0"/>
-              </a:defRPr>
-            </a:lvl4pPr>
-            <a:lvl5pPr marL="2057400" indent="-228600" algn="l" defTabSz="914400" rtl="0" eaLnBrk="1" latinLnBrk="0" hangingPunct="1">
-              <a:lnSpc>
-                <a:spcPct val="90000"/>
-              </a:lnSpc>
-              <a:spcBef>
-                <a:spcPts val="500"/>
-              </a:spcBef>
-              <a:buFont typeface="Arial" panose="020B0604020202020204" pitchFamily="34" charset="0"/>
-              <a:buChar char="•"/>
-              <a:defRPr sz="1800" kern="1200">
-                <a:solidFill>
-                  <a:schemeClr val="tx1"/>
-                </a:solidFill>
-                <a:latin typeface="Open Sans" panose="020B0606030504020204" pitchFamily="34" charset="0"/>
-                <a:ea typeface="Open Sans" panose="020B0606030504020204" pitchFamily="34" charset="0"/>
-                <a:cs typeface="Open Sans" panose="020B0606030504020204" pitchFamily="34" charset="0"/>
-              </a:defRPr>
-            </a:lvl5pPr>
-            <a:lvl6pPr marL="2514600" indent="-228600" algn="l" defTabSz="914400" rtl="0" eaLnBrk="1" latinLnBrk="0" hangingPunct="1">
-              <a:lnSpc>
-                <a:spcPct val="90000"/>
-              </a:lnSpc>
-              <a:spcBef>
-                <a:spcPts val="500"/>
-              </a:spcBef>
-              <a:buFont typeface="Arial" panose="020B0604020202020204" pitchFamily="34" charset="0"/>
-              <a:buChar char="•"/>
-              <a:defRPr sz="1800" kern="1200">
-                <a:solidFill>
-                  <a:schemeClr val="tx1"/>
-                </a:solidFill>
-                <a:latin typeface="+mn-lt"/>
-                <a:ea typeface="+mn-ea"/>
-                <a:cs typeface="+mn-cs"/>
-              </a:defRPr>
-            </a:lvl6pPr>
-            <a:lvl7pPr marL="2971800" indent="-228600" algn="l" defTabSz="914400" rtl="0" eaLnBrk="1" latinLnBrk="0" hangingPunct="1">
-              <a:lnSpc>
-                <a:spcPct val="90000"/>
-              </a:lnSpc>
-              <a:spcBef>
-                <a:spcPts val="500"/>
-              </a:spcBef>
-              <a:buFont typeface="Arial" panose="020B0604020202020204" pitchFamily="34" charset="0"/>
-              <a:buChar char="•"/>
-              <a:defRPr sz="1800" kern="1200">
-                <a:solidFill>
-                  <a:schemeClr val="tx1"/>
-                </a:solidFill>
-                <a:latin typeface="+mn-lt"/>
-                <a:ea typeface="+mn-ea"/>
-                <a:cs typeface="+mn-cs"/>
-              </a:defRPr>
-            </a:lvl7pPr>
-            <a:lvl8pPr marL="3429000" indent="-228600" algn="l" defTabSz="914400" rtl="0" eaLnBrk="1" latinLnBrk="0" hangingPunct="1">
-              <a:lnSpc>
-                <a:spcPct val="90000"/>
-              </a:lnSpc>
-              <a:spcBef>
-                <a:spcPts val="500"/>
-              </a:spcBef>
-              <a:buFont typeface="Arial" panose="020B0604020202020204" pitchFamily="34" charset="0"/>
-              <a:buChar char="•"/>
-              <a:defRPr sz="1800" kern="1200">
-                <a:solidFill>
-                  <a:schemeClr val="tx1"/>
-                </a:solidFill>
-                <a:latin typeface="+mn-lt"/>
-                <a:ea typeface="+mn-ea"/>
-                <a:cs typeface="+mn-cs"/>
-              </a:defRPr>
-            </a:lvl8pPr>
-            <a:lvl9pPr marL="3886200" indent="-228600" algn="l" defTabSz="914400" rtl="0" eaLnBrk="1" latinLnBrk="0" hangingPunct="1">
-              <a:lnSpc>
-                <a:spcPct val="90000"/>
-              </a:lnSpc>
-              <a:spcBef>
-                <a:spcPts val="500"/>
-              </a:spcBef>
-              <a:buFont typeface="Arial" panose="020B0604020202020204" pitchFamily="34" charset="0"/>
-              <a:buChar char="•"/>
-              <a:defRPr sz="1800" kern="1200">
-                <a:solidFill>
-                  <a:schemeClr val="tx1"/>
-                </a:solidFill>
-                <a:latin typeface="+mn-lt"/>
-                <a:ea typeface="+mn-ea"/>
-                <a:cs typeface="+mn-cs"/>
-              </a:defRPr>
-            </a:lvl9pPr>
-          </a:lstStyle>
+          <a:lstStyle/>
           <a:p>
             <a:pPr marL="0" indent="0">
               <a:lnSpc>
@@ -7498,7 +8056,28 @@
             </a:pPr>
             <a:r>
               <a:rPr lang="en-US" sz="2600" dirty="0"/>
-              <a:t>Given a digital image and an integer number K, using the k-means clustering algorithm it is possible to divide the image pixels into K groups, such that pixels in the same group are similar in terms of color </a:t>
+              <a:t>K-means algorithm is the standard solution used in scientific and industrial applications to solve the clustering problem</a:t>
+            </a:r>
+          </a:p>
+          <a:p>
+            <a:pPr marL="0" indent="0">
+              <a:lnSpc>
+                <a:spcPct val="100000"/>
+              </a:lnSpc>
+              <a:buNone/>
+            </a:pPr>
+            <a:endParaRPr lang="en-US" sz="900" dirty="0"/>
+          </a:p>
+          <a:p>
+            <a:pPr marL="0" indent="0">
+              <a:lnSpc>
+                <a:spcPct val="100000"/>
+              </a:lnSpc>
+              <a:buNone/>
+            </a:pPr>
+            <a:r>
+              <a:rPr lang="en-US" sz="2600" dirty="0"/>
+              <a:t>Given a digital image and an integer number K, the k-means clustering algorithm can be used to partition the image pixels into K groups, in such a way that pixels in the same group are similar in terms of color </a:t>
             </a:r>
           </a:p>
         </p:txBody>
@@ -7562,6 +8141,720 @@
           </a:p>
         </p:txBody>
       </p:sp>
+      <p:sp>
+        <p:nvSpPr>
+          <p:cNvPr id="3" name="TextBox 2">
+            <a:extLst>
+              <a:ext uri="{FF2B5EF4-FFF2-40B4-BE49-F238E27FC236}">
+                <a16:creationId xmlns:a16="http://schemas.microsoft.com/office/drawing/2014/main" id="{A4D8B677-822B-FF4D-8ECC-826368A1DD69}"/>
+              </a:ext>
+            </a:extLst>
+          </p:cNvPr>
+          <p:cNvSpPr txBox="1"/>
+          <p:nvPr/>
+        </p:nvSpPr>
+        <p:spPr>
+          <a:xfrm>
+            <a:off x="1339596" y="1825120"/>
+            <a:ext cx="6464808" cy="584775"/>
+          </a:xfrm>
+          <a:prstGeom prst="rect">
+            <a:avLst/>
+          </a:prstGeom>
+        </p:spPr>
+        <p:style>
+          <a:lnRef idx="2">
+            <a:schemeClr val="dk1"/>
+          </a:lnRef>
+          <a:fillRef idx="1">
+            <a:schemeClr val="lt1"/>
+          </a:fillRef>
+          <a:effectRef idx="0">
+            <a:schemeClr val="dk1"/>
+          </a:effectRef>
+          <a:fontRef idx="minor">
+            <a:schemeClr val="dk1"/>
+          </a:fontRef>
+        </p:style>
+        <p:txBody>
+          <a:bodyPr wrap="square" rtlCol="0">
+            <a:spAutoFit/>
+          </a:bodyPr>
+          <a:lstStyle/>
+          <a:p>
+            <a:r>
+              <a:rPr lang="en-US" sz="1600" b="1" dirty="0">
+                <a:latin typeface="Open Sans" panose="020B0606030504020204" pitchFamily="34" charset="0"/>
+                <a:ea typeface="Open Sans" panose="020B0606030504020204" pitchFamily="34" charset="0"/>
+                <a:cs typeface="Open Sans" panose="020B0606030504020204" pitchFamily="34" charset="0"/>
+              </a:rPr>
+              <a:t>Clusters Initialization</a:t>
+            </a:r>
+            <a:r>
+              <a:rPr lang="en-US" sz="1600" dirty="0">
+                <a:latin typeface="Open Sans" panose="020B0606030504020204" pitchFamily="34" charset="0"/>
+                <a:ea typeface="Open Sans" panose="020B0606030504020204" pitchFamily="34" charset="0"/>
+                <a:cs typeface="Open Sans" panose="020B0606030504020204" pitchFamily="34" charset="0"/>
+              </a:rPr>
+              <a:t>: K pixels are randomly picked from the initial image and set as clusters centers</a:t>
+            </a:r>
+          </a:p>
+        </p:txBody>
+      </p:sp>
+      <p:sp>
+        <p:nvSpPr>
+          <p:cNvPr id="5" name="TextBox 4">
+            <a:extLst>
+              <a:ext uri="{FF2B5EF4-FFF2-40B4-BE49-F238E27FC236}">
+                <a16:creationId xmlns:a16="http://schemas.microsoft.com/office/drawing/2014/main" id="{A948E210-9E2A-BD4B-B665-3E95AB400D32}"/>
+              </a:ext>
+            </a:extLst>
+          </p:cNvPr>
+          <p:cNvSpPr txBox="1"/>
+          <p:nvPr/>
+        </p:nvSpPr>
+        <p:spPr>
+          <a:xfrm>
+            <a:off x="1340011" y="2655966"/>
+            <a:ext cx="6463978" cy="584775"/>
+          </a:xfrm>
+          <a:prstGeom prst="rect">
+            <a:avLst/>
+          </a:prstGeom>
+        </p:spPr>
+        <p:style>
+          <a:lnRef idx="2">
+            <a:schemeClr val="dk1"/>
+          </a:lnRef>
+          <a:fillRef idx="1">
+            <a:schemeClr val="lt1"/>
+          </a:fillRef>
+          <a:effectRef idx="0">
+            <a:schemeClr val="dk1"/>
+          </a:effectRef>
+          <a:fontRef idx="minor">
+            <a:schemeClr val="dk1"/>
+          </a:fontRef>
+        </p:style>
+        <p:txBody>
+          <a:bodyPr wrap="square" rtlCol="0">
+            <a:spAutoFit/>
+          </a:bodyPr>
+          <a:lstStyle/>
+          <a:p>
+            <a:r>
+              <a:rPr lang="en-US" sz="1600" b="1" dirty="0">
+                <a:latin typeface="Open Sans" panose="020B0606030504020204" pitchFamily="34" charset="0"/>
+                <a:ea typeface="Open Sans" panose="020B0606030504020204" pitchFamily="34" charset="0"/>
+                <a:cs typeface="Open Sans" panose="020B0606030504020204" pitchFamily="34" charset="0"/>
+              </a:rPr>
+              <a:t>Pixels Assignment</a:t>
+            </a:r>
+            <a:r>
+              <a:rPr lang="en-US" sz="1600" dirty="0">
+                <a:latin typeface="Open Sans" panose="020B0606030504020204" pitchFamily="34" charset="0"/>
+                <a:ea typeface="Open Sans" panose="020B0606030504020204" pitchFamily="34" charset="0"/>
+                <a:cs typeface="Open Sans" panose="020B0606030504020204" pitchFamily="34" charset="0"/>
+              </a:rPr>
+              <a:t>: each pixel is assigned to its closest cluster, i.e. the cluster for which the squared Euclidean distance is the lowest</a:t>
+            </a:r>
+          </a:p>
+        </p:txBody>
+      </p:sp>
+      <p:sp>
+        <p:nvSpPr>
+          <p:cNvPr id="6" name="TextBox 5">
+            <a:extLst>
+              <a:ext uri="{FF2B5EF4-FFF2-40B4-BE49-F238E27FC236}">
+                <a16:creationId xmlns:a16="http://schemas.microsoft.com/office/drawing/2014/main" id="{0AFD7030-209D-914C-9B6E-619812ACAEA4}"/>
+              </a:ext>
+            </a:extLst>
+          </p:cNvPr>
+          <p:cNvSpPr txBox="1"/>
+          <p:nvPr/>
+        </p:nvSpPr>
+        <p:spPr>
+          <a:xfrm>
+            <a:off x="1339596" y="3486812"/>
+            <a:ext cx="6464808" cy="584775"/>
+          </a:xfrm>
+          <a:prstGeom prst="rect">
+            <a:avLst/>
+          </a:prstGeom>
+        </p:spPr>
+        <p:style>
+          <a:lnRef idx="2">
+            <a:schemeClr val="dk1"/>
+          </a:lnRef>
+          <a:fillRef idx="1">
+            <a:schemeClr val="lt1"/>
+          </a:fillRef>
+          <a:effectRef idx="0">
+            <a:schemeClr val="dk1"/>
+          </a:effectRef>
+          <a:fontRef idx="minor">
+            <a:schemeClr val="dk1"/>
+          </a:fontRef>
+        </p:style>
+        <p:txBody>
+          <a:bodyPr wrap="square" rtlCol="0">
+            <a:spAutoFit/>
+          </a:bodyPr>
+          <a:lstStyle/>
+          <a:p>
+            <a:r>
+              <a:rPr lang="en-US" sz="1600" b="1" dirty="0">
+                <a:latin typeface="Open Sans" panose="020B0606030504020204" pitchFamily="34" charset="0"/>
+                <a:ea typeface="Open Sans" panose="020B0606030504020204" pitchFamily="34" charset="0"/>
+                <a:cs typeface="Open Sans" panose="020B0606030504020204" pitchFamily="34" charset="0"/>
+              </a:rPr>
+              <a:t>Centers Update</a:t>
+            </a:r>
+            <a:r>
+              <a:rPr lang="en-US" sz="1600" dirty="0">
+                <a:latin typeface="Open Sans" panose="020B0606030504020204" pitchFamily="34" charset="0"/>
+                <a:ea typeface="Open Sans" panose="020B0606030504020204" pitchFamily="34" charset="0"/>
+                <a:cs typeface="Open Sans" panose="020B0606030504020204" pitchFamily="34" charset="0"/>
+              </a:rPr>
+              <a:t>: the clusters centers are updated by computing the mean of the pixels belonging to each cluster</a:t>
+            </a:r>
+          </a:p>
+        </p:txBody>
+      </p:sp>
+      <p:sp>
+        <p:nvSpPr>
+          <p:cNvPr id="7" name="TextBox 6">
+            <a:extLst>
+              <a:ext uri="{FF2B5EF4-FFF2-40B4-BE49-F238E27FC236}">
+                <a16:creationId xmlns:a16="http://schemas.microsoft.com/office/drawing/2014/main" id="{158BCDDA-16A2-C544-97F2-6868DEA5F79C}"/>
+              </a:ext>
+            </a:extLst>
+          </p:cNvPr>
+          <p:cNvSpPr txBox="1"/>
+          <p:nvPr/>
+        </p:nvSpPr>
+        <p:spPr>
+          <a:xfrm>
+            <a:off x="1339596" y="5582300"/>
+            <a:ext cx="6464808" cy="584775"/>
+          </a:xfrm>
+          <a:prstGeom prst="rect">
+            <a:avLst/>
+          </a:prstGeom>
+        </p:spPr>
+        <p:style>
+          <a:lnRef idx="2">
+            <a:schemeClr val="dk1"/>
+          </a:lnRef>
+          <a:fillRef idx="1">
+            <a:schemeClr val="lt1"/>
+          </a:fillRef>
+          <a:effectRef idx="0">
+            <a:schemeClr val="dk1"/>
+          </a:effectRef>
+          <a:fontRef idx="minor">
+            <a:schemeClr val="dk1"/>
+          </a:fontRef>
+        </p:style>
+        <p:txBody>
+          <a:bodyPr wrap="square" rtlCol="0">
+            <a:spAutoFit/>
+          </a:bodyPr>
+          <a:lstStyle/>
+          <a:p>
+            <a:r>
+              <a:rPr lang="en-US" sz="1600" b="1" dirty="0">
+                <a:latin typeface="Open Sans" panose="020B0606030504020204" pitchFamily="34" charset="0"/>
+                <a:ea typeface="Open Sans" panose="020B0606030504020204" pitchFamily="34" charset="0"/>
+                <a:cs typeface="Open Sans" panose="020B0606030504020204" pitchFamily="34" charset="0"/>
+              </a:rPr>
+              <a:t>Image Update</a:t>
+            </a:r>
+            <a:r>
+              <a:rPr lang="en-US" sz="1600" dirty="0">
+                <a:latin typeface="Open Sans" panose="020B0606030504020204" pitchFamily="34" charset="0"/>
+                <a:ea typeface="Open Sans" panose="020B0606030504020204" pitchFamily="34" charset="0"/>
+                <a:cs typeface="Open Sans" panose="020B0606030504020204" pitchFamily="34" charset="0"/>
+              </a:rPr>
+              <a:t>: the RGB values of each pixel of the initial image are replaced with the ones of their cluster center</a:t>
+            </a:r>
+          </a:p>
+        </p:txBody>
+      </p:sp>
+      <p:sp>
+        <p:nvSpPr>
+          <p:cNvPr id="10" name="Decision 9">
+            <a:extLst>
+              <a:ext uri="{FF2B5EF4-FFF2-40B4-BE49-F238E27FC236}">
+                <a16:creationId xmlns:a16="http://schemas.microsoft.com/office/drawing/2014/main" id="{02CABD01-8C1C-3449-947B-ADDDB3FAF835}"/>
+              </a:ext>
+            </a:extLst>
+          </p:cNvPr>
+          <p:cNvSpPr/>
+          <p:nvPr/>
+        </p:nvSpPr>
+        <p:spPr>
+          <a:xfrm>
+            <a:off x="2704256" y="4271358"/>
+            <a:ext cx="3735488" cy="995422"/>
+          </a:xfrm>
+          <a:prstGeom prst="flowChartDecision">
+            <a:avLst/>
+          </a:prstGeom>
+          <a:ln w="12700"/>
+        </p:spPr>
+        <p:style>
+          <a:lnRef idx="2">
+            <a:schemeClr val="dk1"/>
+          </a:lnRef>
+          <a:fillRef idx="1">
+            <a:schemeClr val="lt1"/>
+          </a:fillRef>
+          <a:effectRef idx="0">
+            <a:schemeClr val="dk1"/>
+          </a:effectRef>
+          <a:fontRef idx="minor">
+            <a:schemeClr val="dk1"/>
+          </a:fontRef>
+        </p:style>
+        <p:txBody>
+          <a:bodyPr rtlCol="0" anchor="ctr"/>
+          <a:lstStyle/>
+          <a:p>
+            <a:pPr algn="ctr"/>
+            <a:r>
+              <a:rPr lang="en-US" sz="1600" dirty="0">
+                <a:latin typeface="Open Sans" panose="020B0606030504020204" pitchFamily="34" charset="0"/>
+                <a:ea typeface="Open Sans" panose="020B0606030504020204" pitchFamily="34" charset="0"/>
+                <a:cs typeface="Open Sans" panose="020B0606030504020204" pitchFamily="34" charset="0"/>
+              </a:rPr>
+              <a:t>Any pixel changed cluster?</a:t>
+            </a:r>
+          </a:p>
+        </p:txBody>
+      </p:sp>
+      <p:cxnSp>
+        <p:nvCxnSpPr>
+          <p:cNvPr id="12" name="Straight Arrow Connector 11">
+            <a:extLst>
+              <a:ext uri="{FF2B5EF4-FFF2-40B4-BE49-F238E27FC236}">
+                <a16:creationId xmlns:a16="http://schemas.microsoft.com/office/drawing/2014/main" id="{9189DB51-D5B2-904C-BEE8-138A8D4494D6}"/>
+              </a:ext>
+            </a:extLst>
+          </p:cNvPr>
+          <p:cNvCxnSpPr>
+            <a:stCxn id="3" idx="2"/>
+            <a:endCxn id="5" idx="0"/>
+          </p:cNvCxnSpPr>
+          <p:nvPr/>
+        </p:nvCxnSpPr>
+        <p:spPr>
+          <a:xfrm>
+            <a:off x="4572000" y="2409895"/>
+            <a:ext cx="0" cy="246071"/>
+          </a:xfrm>
+          <a:prstGeom prst="straightConnector1">
+            <a:avLst/>
+          </a:prstGeom>
+          <a:ln>
+            <a:tailEnd type="triangle"/>
+          </a:ln>
+        </p:spPr>
+        <p:style>
+          <a:lnRef idx="1">
+            <a:schemeClr val="dk1"/>
+          </a:lnRef>
+          <a:fillRef idx="0">
+            <a:schemeClr val="dk1"/>
+          </a:fillRef>
+          <a:effectRef idx="0">
+            <a:schemeClr val="dk1"/>
+          </a:effectRef>
+          <a:fontRef idx="minor">
+            <a:schemeClr val="tx1"/>
+          </a:fontRef>
+        </p:style>
+      </p:cxnSp>
+      <p:cxnSp>
+        <p:nvCxnSpPr>
+          <p:cNvPr id="14" name="Straight Arrow Connector 13">
+            <a:extLst>
+              <a:ext uri="{FF2B5EF4-FFF2-40B4-BE49-F238E27FC236}">
+                <a16:creationId xmlns:a16="http://schemas.microsoft.com/office/drawing/2014/main" id="{E5EFB006-DCF2-FB46-A2F2-4CEAF2A7458D}"/>
+              </a:ext>
+            </a:extLst>
+          </p:cNvPr>
+          <p:cNvCxnSpPr>
+            <a:stCxn id="5" idx="2"/>
+            <a:endCxn id="6" idx="0"/>
+          </p:cNvCxnSpPr>
+          <p:nvPr/>
+        </p:nvCxnSpPr>
+        <p:spPr>
+          <a:xfrm>
+            <a:off x="4572000" y="3240741"/>
+            <a:ext cx="0" cy="246071"/>
+          </a:xfrm>
+          <a:prstGeom prst="straightConnector1">
+            <a:avLst/>
+          </a:prstGeom>
+          <a:ln>
+            <a:tailEnd type="triangle"/>
+          </a:ln>
+        </p:spPr>
+        <p:style>
+          <a:lnRef idx="1">
+            <a:schemeClr val="dk1"/>
+          </a:lnRef>
+          <a:fillRef idx="0">
+            <a:schemeClr val="dk1"/>
+          </a:fillRef>
+          <a:effectRef idx="0">
+            <a:schemeClr val="dk1"/>
+          </a:effectRef>
+          <a:fontRef idx="minor">
+            <a:schemeClr val="tx1"/>
+          </a:fontRef>
+        </p:style>
+      </p:cxnSp>
+      <p:cxnSp>
+        <p:nvCxnSpPr>
+          <p:cNvPr id="16" name="Straight Arrow Connector 15">
+            <a:extLst>
+              <a:ext uri="{FF2B5EF4-FFF2-40B4-BE49-F238E27FC236}">
+                <a16:creationId xmlns:a16="http://schemas.microsoft.com/office/drawing/2014/main" id="{D4DE686C-3016-5342-A349-B7952A5125DA}"/>
+              </a:ext>
+            </a:extLst>
+          </p:cNvPr>
+          <p:cNvCxnSpPr>
+            <a:cxnSpLocks/>
+            <a:stCxn id="6" idx="2"/>
+            <a:endCxn id="10" idx="0"/>
+          </p:cNvCxnSpPr>
+          <p:nvPr/>
+        </p:nvCxnSpPr>
+        <p:spPr>
+          <a:xfrm>
+            <a:off x="4572000" y="4071587"/>
+            <a:ext cx="0" cy="199771"/>
+          </a:xfrm>
+          <a:prstGeom prst="straightConnector1">
+            <a:avLst/>
+          </a:prstGeom>
+          <a:ln>
+            <a:tailEnd type="triangle"/>
+          </a:ln>
+        </p:spPr>
+        <p:style>
+          <a:lnRef idx="1">
+            <a:schemeClr val="dk1"/>
+          </a:lnRef>
+          <a:fillRef idx="0">
+            <a:schemeClr val="dk1"/>
+          </a:fillRef>
+          <a:effectRef idx="0">
+            <a:schemeClr val="dk1"/>
+          </a:effectRef>
+          <a:fontRef idx="minor">
+            <a:schemeClr val="tx1"/>
+          </a:fontRef>
+        </p:style>
+      </p:cxnSp>
+      <p:cxnSp>
+        <p:nvCxnSpPr>
+          <p:cNvPr id="18" name="Straight Arrow Connector 17">
+            <a:extLst>
+              <a:ext uri="{FF2B5EF4-FFF2-40B4-BE49-F238E27FC236}">
+                <a16:creationId xmlns:a16="http://schemas.microsoft.com/office/drawing/2014/main" id="{DA27D977-C5FB-A844-B90E-87357973B25C}"/>
+              </a:ext>
+            </a:extLst>
+          </p:cNvPr>
+          <p:cNvCxnSpPr>
+            <a:cxnSpLocks/>
+            <a:stCxn id="10" idx="2"/>
+            <a:endCxn id="7" idx="0"/>
+          </p:cNvCxnSpPr>
+          <p:nvPr/>
+        </p:nvCxnSpPr>
+        <p:spPr>
+          <a:xfrm>
+            <a:off x="4572000" y="5266780"/>
+            <a:ext cx="0" cy="315520"/>
+          </a:xfrm>
+          <a:prstGeom prst="straightConnector1">
+            <a:avLst/>
+          </a:prstGeom>
+          <a:ln>
+            <a:tailEnd type="triangle"/>
+          </a:ln>
+        </p:spPr>
+        <p:style>
+          <a:lnRef idx="1">
+            <a:schemeClr val="dk1"/>
+          </a:lnRef>
+          <a:fillRef idx="0">
+            <a:schemeClr val="dk1"/>
+          </a:fillRef>
+          <a:effectRef idx="0">
+            <a:schemeClr val="dk1"/>
+          </a:effectRef>
+          <a:fontRef idx="minor">
+            <a:schemeClr val="tx1"/>
+          </a:fontRef>
+        </p:style>
+      </p:cxnSp>
+      <p:cxnSp>
+        <p:nvCxnSpPr>
+          <p:cNvPr id="24" name="Straight Connector 23">
+            <a:extLst>
+              <a:ext uri="{FF2B5EF4-FFF2-40B4-BE49-F238E27FC236}">
+                <a16:creationId xmlns:a16="http://schemas.microsoft.com/office/drawing/2014/main" id="{1F2D0715-933F-174F-B76E-4194CE00221C}"/>
+              </a:ext>
+            </a:extLst>
+          </p:cNvPr>
+          <p:cNvCxnSpPr/>
+          <p:nvPr/>
+        </p:nvCxnSpPr>
+        <p:spPr>
+          <a:xfrm>
+            <a:off x="6439744" y="4769069"/>
+            <a:ext cx="1847729" cy="0"/>
+          </a:xfrm>
+          <a:prstGeom prst="line">
+            <a:avLst/>
+          </a:prstGeom>
+        </p:spPr>
+        <p:style>
+          <a:lnRef idx="1">
+            <a:schemeClr val="dk1"/>
+          </a:lnRef>
+          <a:fillRef idx="0">
+            <a:schemeClr val="dk1"/>
+          </a:fillRef>
+          <a:effectRef idx="0">
+            <a:schemeClr val="dk1"/>
+          </a:effectRef>
+          <a:fontRef idx="minor">
+            <a:schemeClr val="tx1"/>
+          </a:fontRef>
+        </p:style>
+      </p:cxnSp>
+      <p:cxnSp>
+        <p:nvCxnSpPr>
+          <p:cNvPr id="26" name="Straight Connector 25">
+            <a:extLst>
+              <a:ext uri="{FF2B5EF4-FFF2-40B4-BE49-F238E27FC236}">
+                <a16:creationId xmlns:a16="http://schemas.microsoft.com/office/drawing/2014/main" id="{414ED84C-E849-FB49-B258-B1C04E72F20C}"/>
+              </a:ext>
+            </a:extLst>
+          </p:cNvPr>
+          <p:cNvCxnSpPr>
+            <a:cxnSpLocks/>
+          </p:cNvCxnSpPr>
+          <p:nvPr/>
+        </p:nvCxnSpPr>
+        <p:spPr>
+          <a:xfrm flipV="1">
+            <a:off x="8287473" y="2117507"/>
+            <a:ext cx="0" cy="2651563"/>
+          </a:xfrm>
+          <a:prstGeom prst="line">
+            <a:avLst/>
+          </a:prstGeom>
+        </p:spPr>
+        <p:style>
+          <a:lnRef idx="1">
+            <a:schemeClr val="dk1"/>
+          </a:lnRef>
+          <a:fillRef idx="0">
+            <a:schemeClr val="dk1"/>
+          </a:fillRef>
+          <a:effectRef idx="0">
+            <a:schemeClr val="dk1"/>
+          </a:effectRef>
+          <a:fontRef idx="minor">
+            <a:schemeClr val="tx1"/>
+          </a:fontRef>
+        </p:style>
+      </p:cxnSp>
+      <p:cxnSp>
+        <p:nvCxnSpPr>
+          <p:cNvPr id="28" name="Straight Arrow Connector 27">
+            <a:extLst>
+              <a:ext uri="{FF2B5EF4-FFF2-40B4-BE49-F238E27FC236}">
+                <a16:creationId xmlns:a16="http://schemas.microsoft.com/office/drawing/2014/main" id="{E0F8C6F9-7E95-1147-A4A8-2BAEF7EA2E7B}"/>
+              </a:ext>
+            </a:extLst>
+          </p:cNvPr>
+          <p:cNvCxnSpPr>
+            <a:endCxn id="3" idx="3"/>
+          </p:cNvCxnSpPr>
+          <p:nvPr/>
+        </p:nvCxnSpPr>
+        <p:spPr>
+          <a:xfrm flipH="1">
+            <a:off x="7804404" y="2117507"/>
+            <a:ext cx="483069" cy="1"/>
+          </a:xfrm>
+          <a:prstGeom prst="straightConnector1">
+            <a:avLst/>
+          </a:prstGeom>
+          <a:ln>
+            <a:tailEnd type="triangle"/>
+          </a:ln>
+        </p:spPr>
+        <p:style>
+          <a:lnRef idx="1">
+            <a:schemeClr val="dk1"/>
+          </a:lnRef>
+          <a:fillRef idx="0">
+            <a:schemeClr val="dk1"/>
+          </a:fillRef>
+          <a:effectRef idx="0">
+            <a:schemeClr val="dk1"/>
+          </a:effectRef>
+          <a:fontRef idx="minor">
+            <a:schemeClr val="tx1"/>
+          </a:fontRef>
+        </p:style>
+      </p:cxnSp>
+      <p:sp>
+        <p:nvSpPr>
+          <p:cNvPr id="29" name="TextBox 28">
+            <a:extLst>
+              <a:ext uri="{FF2B5EF4-FFF2-40B4-BE49-F238E27FC236}">
+                <a16:creationId xmlns:a16="http://schemas.microsoft.com/office/drawing/2014/main" id="{9940F23E-BFCC-9548-BA15-0F3BD8235697}"/>
+              </a:ext>
+            </a:extLst>
+          </p:cNvPr>
+          <p:cNvSpPr txBox="1"/>
+          <p:nvPr/>
+        </p:nvSpPr>
+        <p:spPr>
+          <a:xfrm>
+            <a:off x="6447099" y="4421832"/>
+            <a:ext cx="520860" cy="338554"/>
+          </a:xfrm>
+          <a:prstGeom prst="rect">
+            <a:avLst/>
+          </a:prstGeom>
+          <a:noFill/>
+        </p:spPr>
+        <p:txBody>
+          <a:bodyPr wrap="square" rtlCol="0">
+            <a:spAutoFit/>
+          </a:bodyPr>
+          <a:lstStyle/>
+          <a:p>
+            <a:r>
+              <a:rPr lang="en-US" sz="1600" dirty="0">
+                <a:latin typeface="Open Sans" panose="020B0606030504020204" pitchFamily="34" charset="0"/>
+                <a:ea typeface="Open Sans" panose="020B0606030504020204" pitchFamily="34" charset="0"/>
+                <a:cs typeface="Open Sans" panose="020B0606030504020204" pitchFamily="34" charset="0"/>
+              </a:rPr>
+              <a:t>yes</a:t>
+            </a:r>
+          </a:p>
+        </p:txBody>
+      </p:sp>
+      <p:sp>
+        <p:nvSpPr>
+          <p:cNvPr id="30" name="TextBox 29">
+            <a:extLst>
+              <a:ext uri="{FF2B5EF4-FFF2-40B4-BE49-F238E27FC236}">
+                <a16:creationId xmlns:a16="http://schemas.microsoft.com/office/drawing/2014/main" id="{B9FCB292-1058-5B47-ABC5-DB1B0FFE27FD}"/>
+              </a:ext>
+            </a:extLst>
+          </p:cNvPr>
+          <p:cNvSpPr txBox="1"/>
+          <p:nvPr/>
+        </p:nvSpPr>
+        <p:spPr>
+          <a:xfrm>
+            <a:off x="4666707" y="5220448"/>
+            <a:ext cx="520860" cy="338554"/>
+          </a:xfrm>
+          <a:prstGeom prst="rect">
+            <a:avLst/>
+          </a:prstGeom>
+          <a:noFill/>
+        </p:spPr>
+        <p:txBody>
+          <a:bodyPr wrap="square" rtlCol="0">
+            <a:spAutoFit/>
+          </a:bodyPr>
+          <a:lstStyle/>
+          <a:p>
+            <a:r>
+              <a:rPr lang="en-US" sz="1600" dirty="0">
+                <a:latin typeface="Open Sans" panose="020B0606030504020204" pitchFamily="34" charset="0"/>
+                <a:ea typeface="Open Sans" panose="020B0606030504020204" pitchFamily="34" charset="0"/>
+                <a:cs typeface="Open Sans" panose="020B0606030504020204" pitchFamily="34" charset="0"/>
+              </a:rPr>
+              <a:t>no</a:t>
+            </a:r>
+          </a:p>
+        </p:txBody>
+      </p:sp>
+    </p:spTree>
+    <p:extLst>
+      <p:ext uri="{BB962C8B-B14F-4D97-AF65-F5344CB8AC3E}">
+        <p14:creationId xmlns:p14="http://schemas.microsoft.com/office/powerpoint/2010/main" val="1636872015"/>
+      </p:ext>
+    </p:extLst>
+  </p:cSld>
+  <p:clrMapOvr>
+    <a:masterClrMapping/>
+  </p:clrMapOvr>
+</p:sld>
+</file>
+
+<file path=ppt/slides/slide4.xml><?xml version="1.0" encoding="utf-8"?>
+<p:sld xmlns:a="http://schemas.openxmlformats.org/drawingml/2006/main" xmlns:r="http://schemas.openxmlformats.org/officeDocument/2006/relationships" xmlns:p="http://schemas.openxmlformats.org/presentationml/2006/main">
+  <p:cSld>
+    <p:spTree>
+      <p:nvGrpSpPr>
+        <p:cNvPr id="1" name=""/>
+        <p:cNvGrpSpPr/>
+        <p:nvPr/>
+      </p:nvGrpSpPr>
+      <p:grpSpPr>
+        <a:xfrm>
+          <a:off x="0" y="0"/>
+          <a:ext cx="0" cy="0"/>
+          <a:chOff x="0" y="0"/>
+          <a:chExt cx="0" cy="0"/>
+        </a:xfrm>
+      </p:grpSpPr>
+      <p:sp>
+        <p:nvSpPr>
+          <p:cNvPr id="2" name="Title 1">
+            <a:extLst>
+              <a:ext uri="{FF2B5EF4-FFF2-40B4-BE49-F238E27FC236}">
+                <a16:creationId xmlns:a16="http://schemas.microsoft.com/office/drawing/2014/main" id="{58D5E1F3-A724-6C4A-A46D-869DA0EBB9E5}"/>
+              </a:ext>
+            </a:extLst>
+          </p:cNvPr>
+          <p:cNvSpPr>
+            <a:spLocks noGrp="1"/>
+          </p:cNvSpPr>
+          <p:nvPr>
+            <p:ph type="title"/>
+          </p:nvPr>
+        </p:nvSpPr>
+        <p:spPr/>
+        <p:txBody>
+          <a:bodyPr/>
+          <a:lstStyle/>
+          <a:p>
+            <a:pPr algn="l"/>
+            <a:r>
+              <a:rPr lang="en-US" b="1" dirty="0"/>
+              <a:t>Analysis of the Serial Algorithm</a:t>
+            </a:r>
+          </a:p>
+        </p:txBody>
+      </p:sp>
       <p:pic>
         <p:nvPicPr>
           <p:cNvPr id="4" name="Content Placeholder 3">
@@ -7579,7 +8872,7 @@
           </p:nvPr>
         </p:nvPicPr>
         <p:blipFill>
-          <a:blip r:embed="rId2" cstate="print">
+          <a:blip r:embed="rId3" cstate="print">
             <a:extLst>
               <a:ext uri="{28A0092B-C50C-407E-A947-70E740481C1C}">
                 <a14:useLocalDpi xmlns:a14="http://schemas.microsoft.com/office/drawing/2010/main" val="0"/>
@@ -7592,7 +8885,7 @@
         </p:blipFill>
         <p:spPr>
           <a:xfrm>
-            <a:off x="618260" y="2865453"/>
+            <a:off x="726546" y="2885917"/>
             <a:ext cx="2427733" cy="1618488"/>
           </a:xfrm>
           <a:prstGeom prst="rect">
@@ -7615,7 +8908,7 @@
           <p:nvPr/>
         </p:nvPicPr>
         <p:blipFill>
-          <a:blip r:embed="rId3" cstate="print">
+          <a:blip r:embed="rId4" cstate="print">
             <a:extLst>
               <a:ext uri="{28A0092B-C50C-407E-A947-70E740481C1C}">
                 <a14:useLocalDpi xmlns:a14="http://schemas.microsoft.com/office/drawing/2010/main" val="0"/>
@@ -7628,7 +8921,7 @@
         </p:blipFill>
         <p:spPr>
           <a:xfrm>
-            <a:off x="3179544" y="2875026"/>
+            <a:off x="3287830" y="2895490"/>
             <a:ext cx="2428072" cy="1618488"/>
           </a:xfrm>
           <a:prstGeom prst="rect">
@@ -7652,8 +8945,8 @@
         </p:nvSpPr>
         <p:spPr>
           <a:xfrm>
-            <a:off x="628650" y="1825625"/>
-            <a:ext cx="7867650" cy="917575"/>
+            <a:off x="628650" y="1837200"/>
+            <a:ext cx="7867650" cy="1028834"/>
           </a:xfrm>
           <a:prstGeom prst="rect">
             <a:avLst/>
@@ -7836,7 +9129,7 @@
             </a:pPr>
             <a:r>
               <a:rPr lang="en-US" sz="2600" dirty="0"/>
-              <a:t>In the segmented image, K different regions of pixels of similar color are distinguishable </a:t>
+              <a:t>A 640 × 360 JPEG test image has been segmented specifying an increasing number of clusters K</a:t>
             </a:r>
           </a:p>
         </p:txBody>
@@ -7856,7 +9149,7 @@
           <p:nvPr/>
         </p:nvPicPr>
         <p:blipFill>
-          <a:blip r:embed="rId4" cstate="print">
+          <a:blip r:embed="rId5" cstate="print">
             <a:extLst>
               <a:ext uri="{28A0092B-C50C-407E-A947-70E740481C1C}">
                 <a14:useLocalDpi xmlns:a14="http://schemas.microsoft.com/office/drawing/2010/main" val="0"/>
@@ -7869,7 +9162,7 @@
         </p:blipFill>
         <p:spPr>
           <a:xfrm>
-            <a:off x="5741167" y="2875026"/>
+            <a:off x="5849453" y="2895490"/>
             <a:ext cx="2431138" cy="1618488"/>
           </a:xfrm>
           <a:prstGeom prst="rect">
@@ -7892,7 +9185,7 @@
           <p:nvPr/>
         </p:nvPicPr>
         <p:blipFill>
-          <a:blip r:embed="rId5" cstate="print">
+          <a:blip r:embed="rId6" cstate="print">
             <a:extLst>
               <a:ext uri="{28A0092B-C50C-407E-A947-70E740481C1C}">
                 <a14:useLocalDpi xmlns:a14="http://schemas.microsoft.com/office/drawing/2010/main" val="0"/>
@@ -7905,7 +9198,7 @@
         </p:blipFill>
         <p:spPr>
           <a:xfrm>
-            <a:off x="628312" y="4553712"/>
+            <a:off x="736598" y="4574176"/>
             <a:ext cx="2428072" cy="1618488"/>
           </a:xfrm>
           <a:prstGeom prst="rect">
@@ -7928,7 +9221,7 @@
           <p:nvPr/>
         </p:nvPicPr>
         <p:blipFill>
-          <a:blip r:embed="rId6" cstate="print">
+          <a:blip r:embed="rId7" cstate="print">
             <a:extLst>
               <a:ext uri="{28A0092B-C50C-407E-A947-70E740481C1C}">
                 <a14:useLocalDpi xmlns:a14="http://schemas.microsoft.com/office/drawing/2010/main" val="0"/>
@@ -7941,7 +9234,7 @@
         </p:blipFill>
         <p:spPr>
           <a:xfrm>
-            <a:off x="3179544" y="4563285"/>
+            <a:off x="3287830" y="4583749"/>
             <a:ext cx="2428072" cy="1618488"/>
           </a:xfrm>
           <a:prstGeom prst="rect">
@@ -7964,7 +9257,7 @@
           <p:nvPr/>
         </p:nvPicPr>
         <p:blipFill>
-          <a:blip r:embed="rId7" cstate="print">
+          <a:blip r:embed="rId8" cstate="print">
             <a:extLst>
               <a:ext uri="{28A0092B-C50C-407E-A947-70E740481C1C}">
                 <a14:useLocalDpi xmlns:a14="http://schemas.microsoft.com/office/drawing/2010/main" val="0"/>
@@ -7977,7 +9270,7 @@
         </p:blipFill>
         <p:spPr>
           <a:xfrm>
-            <a:off x="5741167" y="4572858"/>
+            <a:off x="5849453" y="4593322"/>
             <a:ext cx="2428072" cy="1618488"/>
           </a:xfrm>
           <a:prstGeom prst="rect">
@@ -7999,7 +9292,7 @@
         </p:nvSpPr>
         <p:spPr>
           <a:xfrm>
-            <a:off x="609600" y="4132005"/>
+            <a:off x="717886" y="4152469"/>
             <a:ext cx="1571264" cy="338554"/>
           </a:xfrm>
           <a:prstGeom prst="rect">
@@ -8041,7 +9334,7 @@
         </p:nvSpPr>
         <p:spPr>
           <a:xfrm>
-            <a:off x="3198612" y="4158477"/>
+            <a:off x="3306898" y="4178941"/>
             <a:ext cx="651140" cy="338554"/>
           </a:xfrm>
           <a:prstGeom prst="rect">
@@ -8083,7 +9376,7 @@
         </p:nvSpPr>
         <p:spPr>
           <a:xfrm>
-            <a:off x="607514" y="5813917"/>
+            <a:off x="715800" y="5834381"/>
             <a:ext cx="768159" cy="338554"/>
           </a:xfrm>
           <a:prstGeom prst="rect">
@@ -8125,7 +9418,7 @@
         </p:nvSpPr>
         <p:spPr>
           <a:xfrm>
-            <a:off x="3198612" y="5823490"/>
+            <a:off x="3306898" y="5843954"/>
             <a:ext cx="768159" cy="338554"/>
           </a:xfrm>
           <a:prstGeom prst="rect">
@@ -8167,7 +9460,7 @@
         </p:nvSpPr>
         <p:spPr>
           <a:xfrm>
-            <a:off x="5741168" y="4148654"/>
+            <a:off x="5849454" y="4169118"/>
             <a:ext cx="651140" cy="338554"/>
           </a:xfrm>
           <a:prstGeom prst="rect">
@@ -8209,7 +9502,7 @@
         </p:nvSpPr>
         <p:spPr>
           <a:xfrm>
-            <a:off x="5771937" y="5843454"/>
+            <a:off x="5880223" y="5863918"/>
             <a:ext cx="768159" cy="338554"/>
           </a:xfrm>
           <a:prstGeom prst="rect">
@@ -8250,7 +9543,7 @@
 </p:sld>
 </file>
 
-<file path=ppt/slides/slide4.xml><?xml version="1.0" encoding="utf-8"?>
+<file path=ppt/slides/slide5.xml><?xml version="1.0" encoding="utf-8"?>
 <p:sld xmlns:a="http://schemas.openxmlformats.org/drawingml/2006/main" xmlns:r="http://schemas.openxmlformats.org/officeDocument/2006/relationships" xmlns:p="http://schemas.openxmlformats.org/presentationml/2006/main">
   <p:cSld>
     <p:spTree>
@@ -8351,7 +9644,7 @@
         <p:spPr>
           <a:xfrm>
             <a:off x="628650" y="1825625"/>
-            <a:ext cx="7867650" cy="917575"/>
+            <a:ext cx="7867650" cy="1052511"/>
           </a:xfrm>
           <a:prstGeom prst="rect">
             <a:avLst/>
@@ -8534,7 +9827,7 @@
             </a:pPr>
             <a:r>
               <a:rPr lang="en-US" sz="2600" dirty="0"/>
-              <a:t>Increasing the number of clusters K, the execution time of the algorithm increases …</a:t>
+              <a:t>When incrementing the number of clusters K, the execution time of the program increases</a:t>
             </a:r>
           </a:p>
         </p:txBody>
@@ -8572,337 +9865,6 @@
     <p:extLst>
       <p:ext uri="{BB962C8B-B14F-4D97-AF65-F5344CB8AC3E}">
         <p14:creationId xmlns:p14="http://schemas.microsoft.com/office/powerpoint/2010/main" val="1387367769"/>
-      </p:ext>
-    </p:extLst>
-  </p:cSld>
-  <p:clrMapOvr>
-    <a:masterClrMapping/>
-  </p:clrMapOvr>
-</p:sld>
-</file>
-
-<file path=ppt/slides/slide5.xml><?xml version="1.0" encoding="utf-8"?>
-<p:sld xmlns:a="http://schemas.openxmlformats.org/drawingml/2006/main" xmlns:r="http://schemas.openxmlformats.org/officeDocument/2006/relationships" xmlns:p="http://schemas.openxmlformats.org/presentationml/2006/main">
-  <p:cSld>
-    <p:spTree>
-      <p:nvGrpSpPr>
-        <p:cNvPr id="1" name=""/>
-        <p:cNvGrpSpPr/>
-        <p:nvPr/>
-      </p:nvGrpSpPr>
-      <p:grpSpPr>
-        <a:xfrm>
-          <a:off x="0" y="0"/>
-          <a:ext cx="0" cy="0"/>
-          <a:chOff x="0" y="0"/>
-          <a:chExt cx="0" cy="0"/>
-        </a:xfrm>
-      </p:grpSpPr>
-      <p:sp>
-        <p:nvSpPr>
-          <p:cNvPr id="2" name="Title 1">
-            <a:extLst>
-              <a:ext uri="{FF2B5EF4-FFF2-40B4-BE49-F238E27FC236}">
-                <a16:creationId xmlns:a16="http://schemas.microsoft.com/office/drawing/2014/main" id="{58D5E1F3-A724-6C4A-A46D-869DA0EBB9E5}"/>
-              </a:ext>
-            </a:extLst>
-          </p:cNvPr>
-          <p:cNvSpPr>
-            <a:spLocks noGrp="1"/>
-          </p:cNvSpPr>
-          <p:nvPr>
-            <p:ph type="title"/>
-          </p:nvPr>
-        </p:nvSpPr>
-        <p:spPr/>
-        <p:txBody>
-          <a:bodyPr/>
-          <a:lstStyle/>
-          <a:p>
-            <a:pPr algn="l"/>
-            <a:r>
-              <a:rPr lang="en-US" b="1" dirty="0"/>
-              <a:t>Analysis of the Serial Algorithm</a:t>
-            </a:r>
-          </a:p>
-        </p:txBody>
-      </p:sp>
-      <p:pic>
-        <p:nvPicPr>
-          <p:cNvPr id="4" name="Content Placeholder 3">
-            <a:extLst>
-              <a:ext uri="{FF2B5EF4-FFF2-40B4-BE49-F238E27FC236}">
-                <a16:creationId xmlns:a16="http://schemas.microsoft.com/office/drawing/2014/main" id="{21A5714C-C121-3E44-AE48-4C325B26B7BD}"/>
-              </a:ext>
-            </a:extLst>
-          </p:cNvPr>
-          <p:cNvPicPr>
-            <a:picLocks noGrp="1"/>
-          </p:cNvPicPr>
-          <p:nvPr>
-            <p:ph idx="1"/>
-          </p:nvPr>
-        </p:nvPicPr>
-        <p:blipFill>
-          <a:blip r:embed="rId2">
-            <a:extLst>
-              <a:ext uri="{28A0092B-C50C-407E-A947-70E740481C1C}">
-                <a14:useLocalDpi xmlns:a14="http://schemas.microsoft.com/office/drawing/2010/main" val="0"/>
-              </a:ext>
-            </a:extLst>
-          </a:blip>
-          <a:stretch>
-            <a:fillRect/>
-          </a:stretch>
-        </p:blipFill>
-        <p:spPr>
-          <a:xfrm>
-            <a:off x="628650" y="2563344"/>
-            <a:ext cx="0" cy="3611880"/>
-          </a:xfrm>
-          <a:prstGeom prst="rect">
-            <a:avLst/>
-          </a:prstGeom>
-        </p:spPr>
-      </p:pic>
-      <p:sp>
-        <p:nvSpPr>
-          <p:cNvPr id="5" name="Content Placeholder 2">
-            <a:extLst>
-              <a:ext uri="{FF2B5EF4-FFF2-40B4-BE49-F238E27FC236}">
-                <a16:creationId xmlns:a16="http://schemas.microsoft.com/office/drawing/2014/main" id="{FE50AB99-5FE8-094C-9498-7883793794C3}"/>
-              </a:ext>
-            </a:extLst>
-          </p:cNvPr>
-          <p:cNvSpPr txBox="1">
-            <a:spLocks/>
-          </p:cNvSpPr>
-          <p:nvPr/>
-        </p:nvSpPr>
-        <p:spPr>
-          <a:xfrm>
-            <a:off x="628650" y="1825626"/>
-            <a:ext cx="7867650" cy="602782"/>
-          </a:xfrm>
-          <a:prstGeom prst="rect">
-            <a:avLst/>
-          </a:prstGeom>
-        </p:spPr>
-        <p:txBody>
-          <a:bodyPr vert="horz" lIns="91440" tIns="45720" rIns="91440" bIns="45720" rtlCol="0">
-            <a:normAutofit/>
-          </a:bodyPr>
-          <a:lstStyle>
-            <a:lvl1pPr marL="228600" indent="-228600" algn="l" defTabSz="914400" rtl="0" eaLnBrk="1" latinLnBrk="0" hangingPunct="1">
-              <a:lnSpc>
-                <a:spcPct val="90000"/>
-              </a:lnSpc>
-              <a:spcBef>
-                <a:spcPts val="1000"/>
-              </a:spcBef>
-              <a:buFont typeface="Arial" panose="020B0604020202020204" pitchFamily="34" charset="0"/>
-              <a:buChar char="•"/>
-              <a:defRPr sz="2800" kern="1200">
-                <a:solidFill>
-                  <a:schemeClr val="tx1"/>
-                </a:solidFill>
-                <a:latin typeface="Open Sans" panose="020B0606030504020204" pitchFamily="34" charset="0"/>
-                <a:ea typeface="Open Sans" panose="020B0606030504020204" pitchFamily="34" charset="0"/>
-                <a:cs typeface="Open Sans" panose="020B0606030504020204" pitchFamily="34" charset="0"/>
-              </a:defRPr>
-            </a:lvl1pPr>
-            <a:lvl2pPr marL="685800" indent="-228600" algn="l" defTabSz="914400" rtl="0" eaLnBrk="1" latinLnBrk="0" hangingPunct="1">
-              <a:lnSpc>
-                <a:spcPct val="90000"/>
-              </a:lnSpc>
-              <a:spcBef>
-                <a:spcPts val="500"/>
-              </a:spcBef>
-              <a:buFont typeface="Arial" panose="020B0604020202020204" pitchFamily="34" charset="0"/>
-              <a:buChar char="•"/>
-              <a:defRPr sz="2400" kern="1200">
-                <a:solidFill>
-                  <a:schemeClr val="tx1"/>
-                </a:solidFill>
-                <a:latin typeface="Open Sans" panose="020B0606030504020204" pitchFamily="34" charset="0"/>
-                <a:ea typeface="Open Sans" panose="020B0606030504020204" pitchFamily="34" charset="0"/>
-                <a:cs typeface="Open Sans" panose="020B0606030504020204" pitchFamily="34" charset="0"/>
-              </a:defRPr>
-            </a:lvl2pPr>
-            <a:lvl3pPr marL="1143000" indent="-228600" algn="l" defTabSz="914400" rtl="0" eaLnBrk="1" latinLnBrk="0" hangingPunct="1">
-              <a:lnSpc>
-                <a:spcPct val="90000"/>
-              </a:lnSpc>
-              <a:spcBef>
-                <a:spcPts val="500"/>
-              </a:spcBef>
-              <a:buFont typeface="Arial" panose="020B0604020202020204" pitchFamily="34" charset="0"/>
-              <a:buChar char="•"/>
-              <a:defRPr sz="2000" kern="1200">
-                <a:solidFill>
-                  <a:schemeClr val="tx1"/>
-                </a:solidFill>
-                <a:latin typeface="Open Sans" panose="020B0606030504020204" pitchFamily="34" charset="0"/>
-                <a:ea typeface="Open Sans" panose="020B0606030504020204" pitchFamily="34" charset="0"/>
-                <a:cs typeface="Open Sans" panose="020B0606030504020204" pitchFamily="34" charset="0"/>
-              </a:defRPr>
-            </a:lvl3pPr>
-            <a:lvl4pPr marL="1600200" indent="-228600" algn="l" defTabSz="914400" rtl="0" eaLnBrk="1" latinLnBrk="0" hangingPunct="1">
-              <a:lnSpc>
-                <a:spcPct val="90000"/>
-              </a:lnSpc>
-              <a:spcBef>
-                <a:spcPts val="500"/>
-              </a:spcBef>
-              <a:buFont typeface="Arial" panose="020B0604020202020204" pitchFamily="34" charset="0"/>
-              <a:buChar char="•"/>
-              <a:defRPr sz="1800" kern="1200">
-                <a:solidFill>
-                  <a:schemeClr val="tx1"/>
-                </a:solidFill>
-                <a:latin typeface="Open Sans" panose="020B0606030504020204" pitchFamily="34" charset="0"/>
-                <a:ea typeface="Open Sans" panose="020B0606030504020204" pitchFamily="34" charset="0"/>
-                <a:cs typeface="Open Sans" panose="020B0606030504020204" pitchFamily="34" charset="0"/>
-              </a:defRPr>
-            </a:lvl4pPr>
-            <a:lvl5pPr marL="2057400" indent="-228600" algn="l" defTabSz="914400" rtl="0" eaLnBrk="1" latinLnBrk="0" hangingPunct="1">
-              <a:lnSpc>
-                <a:spcPct val="90000"/>
-              </a:lnSpc>
-              <a:spcBef>
-                <a:spcPts val="500"/>
-              </a:spcBef>
-              <a:buFont typeface="Arial" panose="020B0604020202020204" pitchFamily="34" charset="0"/>
-              <a:buChar char="•"/>
-              <a:defRPr sz="1800" kern="1200">
-                <a:solidFill>
-                  <a:schemeClr val="tx1"/>
-                </a:solidFill>
-                <a:latin typeface="Open Sans" panose="020B0606030504020204" pitchFamily="34" charset="0"/>
-                <a:ea typeface="Open Sans" panose="020B0606030504020204" pitchFamily="34" charset="0"/>
-                <a:cs typeface="Open Sans" panose="020B0606030504020204" pitchFamily="34" charset="0"/>
-              </a:defRPr>
-            </a:lvl5pPr>
-            <a:lvl6pPr marL="2514600" indent="-228600" algn="l" defTabSz="914400" rtl="0" eaLnBrk="1" latinLnBrk="0" hangingPunct="1">
-              <a:lnSpc>
-                <a:spcPct val="90000"/>
-              </a:lnSpc>
-              <a:spcBef>
-                <a:spcPts val="500"/>
-              </a:spcBef>
-              <a:buFont typeface="Arial" panose="020B0604020202020204" pitchFamily="34" charset="0"/>
-              <a:buChar char="•"/>
-              <a:defRPr sz="1800" kern="1200">
-                <a:solidFill>
-                  <a:schemeClr val="tx1"/>
-                </a:solidFill>
-                <a:latin typeface="+mn-lt"/>
-                <a:ea typeface="+mn-ea"/>
-                <a:cs typeface="+mn-cs"/>
-              </a:defRPr>
-            </a:lvl6pPr>
-            <a:lvl7pPr marL="2971800" indent="-228600" algn="l" defTabSz="914400" rtl="0" eaLnBrk="1" latinLnBrk="0" hangingPunct="1">
-              <a:lnSpc>
-                <a:spcPct val="90000"/>
-              </a:lnSpc>
-              <a:spcBef>
-                <a:spcPts val="500"/>
-              </a:spcBef>
-              <a:buFont typeface="Arial" panose="020B0604020202020204" pitchFamily="34" charset="0"/>
-              <a:buChar char="•"/>
-              <a:defRPr sz="1800" kern="1200">
-                <a:solidFill>
-                  <a:schemeClr val="tx1"/>
-                </a:solidFill>
-                <a:latin typeface="+mn-lt"/>
-                <a:ea typeface="+mn-ea"/>
-                <a:cs typeface="+mn-cs"/>
-              </a:defRPr>
-            </a:lvl7pPr>
-            <a:lvl8pPr marL="3429000" indent="-228600" algn="l" defTabSz="914400" rtl="0" eaLnBrk="1" latinLnBrk="0" hangingPunct="1">
-              <a:lnSpc>
-                <a:spcPct val="90000"/>
-              </a:lnSpc>
-              <a:spcBef>
-                <a:spcPts val="500"/>
-              </a:spcBef>
-              <a:buFont typeface="Arial" panose="020B0604020202020204" pitchFamily="34" charset="0"/>
-              <a:buChar char="•"/>
-              <a:defRPr sz="1800" kern="1200">
-                <a:solidFill>
-                  <a:schemeClr val="tx1"/>
-                </a:solidFill>
-                <a:latin typeface="+mn-lt"/>
-                <a:ea typeface="+mn-ea"/>
-                <a:cs typeface="+mn-cs"/>
-              </a:defRPr>
-            </a:lvl8pPr>
-            <a:lvl9pPr marL="3886200" indent="-228600" algn="l" defTabSz="914400" rtl="0" eaLnBrk="1" latinLnBrk="0" hangingPunct="1">
-              <a:lnSpc>
-                <a:spcPct val="90000"/>
-              </a:lnSpc>
-              <a:spcBef>
-                <a:spcPts val="500"/>
-              </a:spcBef>
-              <a:buFont typeface="Arial" panose="020B0604020202020204" pitchFamily="34" charset="0"/>
-              <a:buChar char="•"/>
-              <a:defRPr sz="1800" kern="1200">
-                <a:solidFill>
-                  <a:schemeClr val="tx1"/>
-                </a:solidFill>
-                <a:latin typeface="+mn-lt"/>
-                <a:ea typeface="+mn-ea"/>
-                <a:cs typeface="+mn-cs"/>
-              </a:defRPr>
-            </a:lvl9pPr>
-          </a:lstStyle>
-          <a:p>
-            <a:pPr marL="0" indent="0">
-              <a:lnSpc>
-                <a:spcPct val="100000"/>
-              </a:lnSpc>
-              <a:buNone/>
-            </a:pPr>
-            <a:r>
-              <a:rPr lang="en-US" sz="2600" dirty="0"/>
-              <a:t>… and the Sum of Squared Errors decreases</a:t>
-            </a:r>
-          </a:p>
-        </p:txBody>
-      </p:sp>
-      <p:pic>
-        <p:nvPicPr>
-          <p:cNvPr id="7" name="Picture 6">
-            <a:extLst>
-              <a:ext uri="{FF2B5EF4-FFF2-40B4-BE49-F238E27FC236}">
-                <a16:creationId xmlns:a16="http://schemas.microsoft.com/office/drawing/2014/main" id="{9D9991D8-CA19-4245-B41E-20259033C4A8}"/>
-              </a:ext>
-            </a:extLst>
-          </p:cNvPr>
-          <p:cNvPicPr>
-            <a:picLocks noChangeAspect="1"/>
-          </p:cNvPicPr>
-          <p:nvPr/>
-        </p:nvPicPr>
-        <p:blipFill rotWithShape="1">
-          <a:blip r:embed="rId3"/>
-          <a:srcRect l="1592" t="1104"/>
-          <a:stretch/>
-        </p:blipFill>
-        <p:spPr>
-          <a:xfrm>
-            <a:off x="700634" y="2585803"/>
-            <a:ext cx="7723682" cy="3566961"/>
-          </a:xfrm>
-          <a:prstGeom prst="rect">
-            <a:avLst/>
-          </a:prstGeom>
-        </p:spPr>
-      </p:pic>
-    </p:spTree>
-    <p:extLst>
-      <p:ext uri="{BB962C8B-B14F-4D97-AF65-F5344CB8AC3E}">
-        <p14:creationId xmlns:p14="http://schemas.microsoft.com/office/powerpoint/2010/main" val="2612702896"/>
       </p:ext>
     </p:extLst>
   </p:cSld>
@@ -8974,14 +9936,14 @@
             <p:ph idx="1"/>
             <p:extLst>
               <p:ext uri="{D42A27DB-BD31-4B8C-83A1-F6EECF244321}">
-                <p14:modId xmlns:p14="http://schemas.microsoft.com/office/powerpoint/2010/main" val="4141884148"/>
+                <p14:modId xmlns:p14="http://schemas.microsoft.com/office/powerpoint/2010/main" val="3182552799"/>
               </p:ext>
             </p:extLst>
           </p:nvPr>
         </p:nvGraphicFramePr>
         <p:xfrm>
-          <a:off x="750686" y="2953112"/>
-          <a:ext cx="7448931" cy="3081181"/>
+          <a:off x="738654" y="3362179"/>
+          <a:ext cx="7448931" cy="2460998"/>
         </p:xfrm>
         <a:graphic>
           <a:graphicData uri="http://schemas.openxmlformats.org/drawingml/2006/table">
@@ -9448,36 +10410,7 @@
                         </a:spcAft>
                       </a:pPr>
                       <a:r>
-                        <a:rPr lang="en-US" sz="1400">
-                          <a:effectLst/>
-                          <a:latin typeface="Open Sans" panose="020B0606030504020204" pitchFamily="34" charset="0"/>
-                          <a:ea typeface="Open Sans" panose="020B0606030504020204" pitchFamily="34" charset="0"/>
-                          <a:cs typeface="Open Sans" panose="020B0606030504020204" pitchFamily="34" charset="0"/>
-                        </a:rPr>
-                        <a:t>0.0%</a:t>
-                      </a:r>
-                    </a:p>
-                  </a:txBody>
-                  <a:tcPr marL="68580" marR="68580" marT="0" marB="0" anchor="ctr"/>
-                </a:tc>
-                <a:tc>
-                  <a:txBody>
-                    <a:bodyPr/>
-                    <a:lstStyle/>
-                    <a:p>
-                      <a:pPr marL="0" marR="0" algn="ctr">
-                        <a:lnSpc>
-                          <a:spcPct val="115000"/>
-                        </a:lnSpc>
-                        <a:spcBef>
-                          <a:spcPts val="0"/>
-                        </a:spcBef>
-                        <a:spcAft>
-                          <a:spcPts val="0"/>
-                        </a:spcAft>
-                      </a:pPr>
-                      <a:r>
-                        <a:rPr lang="en-US" sz="1400">
+                        <a:rPr lang="en-US" sz="1400" dirty="0">
                           <a:effectLst/>
                           <a:latin typeface="Open Sans" panose="020B0606030504020204" pitchFamily="34" charset="0"/>
                           <a:ea typeface="Open Sans" panose="020B0606030504020204" pitchFamily="34" charset="0"/>
@@ -9535,7 +10468,36 @@
                         </a:spcAft>
                       </a:pPr>
                       <a:r>
-                        <a:rPr lang="en-US" sz="1400">
+                        <a:rPr lang="en-US" sz="1400" dirty="0">
+                          <a:effectLst/>
+                          <a:latin typeface="Open Sans" panose="020B0606030504020204" pitchFamily="34" charset="0"/>
+                          <a:ea typeface="Open Sans" panose="020B0606030504020204" pitchFamily="34" charset="0"/>
+                          <a:cs typeface="Open Sans" panose="020B0606030504020204" pitchFamily="34" charset="0"/>
+                        </a:rPr>
+                        <a:t>0.0%</a:t>
+                      </a:r>
+                    </a:p>
+                  </a:txBody>
+                  <a:tcPr marL="68580" marR="68580" marT="0" marB="0" anchor="ctr"/>
+                </a:tc>
+                <a:tc>
+                  <a:txBody>
+                    <a:bodyPr/>
+                    <a:lstStyle/>
+                    <a:p>
+                      <a:pPr marL="0" marR="0" algn="ctr">
+                        <a:lnSpc>
+                          <a:spcPct val="115000"/>
+                        </a:lnSpc>
+                        <a:spcBef>
+                          <a:spcPts val="0"/>
+                        </a:spcBef>
+                        <a:spcAft>
+                          <a:spcPts val="0"/>
+                        </a:spcAft>
+                      </a:pPr>
+                      <a:r>
+                        <a:rPr lang="en-US" sz="1400" dirty="0">
                           <a:effectLst/>
                           <a:latin typeface="Open Sans" panose="020B0606030504020204" pitchFamily="34" charset="0"/>
                           <a:ea typeface="Open Sans" panose="020B0606030504020204" pitchFamily="34" charset="0"/>
@@ -9825,7 +10787,7 @@
                   </a:ext>
                 </a:extLst>
               </a:tr>
-              <a:tr h="619030">
+              <a:tr h="466344">
                 <a:tc>
                   <a:txBody>
                     <a:bodyPr/>
@@ -9876,7 +10838,7 @@
                         </a:spcAft>
                       </a:pPr>
                       <a:r>
-                        <a:rPr lang="en-US" sz="1400">
+                        <a:rPr lang="en-US" sz="1400" dirty="0">
                           <a:effectLst/>
                           <a:latin typeface="Open Sans" panose="020B0606030504020204" pitchFamily="34" charset="0"/>
                           <a:ea typeface="Open Sans" panose="020B0606030504020204" pitchFamily="34" charset="0"/>
@@ -9905,7 +10867,7 @@
                         </a:spcAft>
                       </a:pPr>
                       <a:r>
-                        <a:rPr lang="en-US" sz="1400">
+                        <a:rPr lang="en-US" sz="1400" dirty="0">
                           <a:effectLst/>
                           <a:latin typeface="Open Sans" panose="020B0606030504020204" pitchFamily="34" charset="0"/>
                           <a:ea typeface="Open Sans" panose="020B0606030504020204" pitchFamily="34" charset="0"/>
@@ -9934,7 +10896,7 @@
                         </a:spcAft>
                       </a:pPr>
                       <a:r>
-                        <a:rPr lang="en-US" sz="1400">
+                        <a:rPr lang="en-US" sz="1400" dirty="0">
                           <a:effectLst/>
                           <a:latin typeface="Open Sans" panose="020B0606030504020204" pitchFamily="34" charset="0"/>
                           <a:ea typeface="Open Sans" panose="020B0606030504020204" pitchFamily="34" charset="0"/>
@@ -10021,7 +10983,7 @@
                         </a:spcAft>
                       </a:pPr>
                       <a:r>
-                        <a:rPr lang="en-US" sz="1400">
+                        <a:rPr lang="en-US" sz="1400" dirty="0">
                           <a:effectLst/>
                           <a:latin typeface="Open Sans" panose="020B0606030504020204" pitchFamily="34" charset="0"/>
                           <a:ea typeface="Open Sans" panose="020B0606030504020204" pitchFamily="34" charset="0"/>
@@ -10050,7 +11012,7 @@
                         </a:spcAft>
                       </a:pPr>
                       <a:r>
-                        <a:rPr lang="en-US" sz="1400">
+                        <a:rPr lang="en-US" sz="1400" dirty="0">
                           <a:effectLst/>
                           <a:latin typeface="Open Sans" panose="020B0606030504020204" pitchFamily="34" charset="0"/>
                           <a:ea typeface="Open Sans" panose="020B0606030504020204" pitchFamily="34" charset="0"/>
@@ -10065,246 +11027,6 @@
                 <a:extLst>
                   <a:ext uri="{0D108BD9-81ED-4DB2-BD59-A6C34878D82A}">
                     <a16:rowId xmlns:a16="http://schemas.microsoft.com/office/drawing/2014/main" val="287822976"/>
-                  </a:ext>
-                </a:extLst>
-              </a:tr>
-              <a:tr h="467497">
-                <a:tc>
-                  <a:txBody>
-                    <a:bodyPr/>
-                    <a:lstStyle/>
-                    <a:p>
-                      <a:pPr marL="0" marR="0" algn="ctr">
-                        <a:spcBef>
-                          <a:spcPts val="0"/>
-                        </a:spcBef>
-                        <a:spcAft>
-                          <a:spcPts val="0"/>
-                        </a:spcAft>
-                      </a:pPr>
-                      <a:r>
-                        <a:rPr lang="en-US" sz="1400" i="1" dirty="0">
-                          <a:effectLst/>
-                          <a:latin typeface="Open Sans" panose="020B0606030504020204" pitchFamily="34" charset="0"/>
-                          <a:ea typeface="Open Sans" panose="020B0606030504020204" pitchFamily="34" charset="0"/>
-                          <a:cs typeface="Open Sans" panose="020B0606030504020204" pitchFamily="34" charset="0"/>
-                        </a:rPr>
-                        <a:t>compute_sse</a:t>
-                      </a:r>
-                    </a:p>
-                  </a:txBody>
-                  <a:tcPr marL="68580" marR="68580" marT="0" marB="0" anchor="ctr">
-                    <a:solidFill>
-                      <a:schemeClr val="accent1">
-                        <a:lumMod val="40000"/>
-                        <a:lumOff val="60000"/>
-                      </a:schemeClr>
-                    </a:solidFill>
-                  </a:tcPr>
-                </a:tc>
-                <a:tc>
-                  <a:txBody>
-                    <a:bodyPr/>
-                    <a:lstStyle/>
-                    <a:p>
-                      <a:pPr marL="0" marR="0" algn="ctr">
-                        <a:spcBef>
-                          <a:spcPts val="0"/>
-                        </a:spcBef>
-                        <a:spcAft>
-                          <a:spcPts val="0"/>
-                        </a:spcAft>
-                      </a:pPr>
-                      <a:r>
-                        <a:rPr lang="en-US" sz="1400">
-                          <a:effectLst/>
-                          <a:latin typeface="Open Sans" panose="020B0606030504020204" pitchFamily="34" charset="0"/>
-                          <a:ea typeface="Open Sans" panose="020B0606030504020204" pitchFamily="34" charset="0"/>
-                          <a:cs typeface="Open Sans" panose="020B0606030504020204" pitchFamily="34" charset="0"/>
-                        </a:rPr>
-                        <a:t>0.0%</a:t>
-                      </a:r>
-                    </a:p>
-                  </a:txBody>
-                  <a:tcPr marL="68580" marR="68580" marT="0" marB="0" anchor="ctr"/>
-                </a:tc>
-                <a:tc>
-                  <a:txBody>
-                    <a:bodyPr/>
-                    <a:lstStyle/>
-                    <a:p>
-                      <a:pPr marL="0" marR="0" algn="ctr">
-                        <a:lnSpc>
-                          <a:spcPct val="115000"/>
-                        </a:lnSpc>
-                        <a:spcBef>
-                          <a:spcPts val="0"/>
-                        </a:spcBef>
-                        <a:spcAft>
-                          <a:spcPts val="0"/>
-                        </a:spcAft>
-                      </a:pPr>
-                      <a:r>
-                        <a:rPr lang="en-US" sz="1400">
-                          <a:effectLst/>
-                          <a:latin typeface="Open Sans" panose="020B0606030504020204" pitchFamily="34" charset="0"/>
-                          <a:ea typeface="Open Sans" panose="020B0606030504020204" pitchFamily="34" charset="0"/>
-                          <a:cs typeface="Open Sans" panose="020B0606030504020204" pitchFamily="34" charset="0"/>
-                        </a:rPr>
-                        <a:t>0.0%</a:t>
-                      </a:r>
-                    </a:p>
-                  </a:txBody>
-                  <a:tcPr marL="68580" marR="68580" marT="0" marB="0" anchor="ctr"/>
-                </a:tc>
-                <a:tc>
-                  <a:txBody>
-                    <a:bodyPr/>
-                    <a:lstStyle/>
-                    <a:p>
-                      <a:pPr marL="0" marR="0" algn="ctr">
-                        <a:lnSpc>
-                          <a:spcPct val="115000"/>
-                        </a:lnSpc>
-                        <a:spcBef>
-                          <a:spcPts val="0"/>
-                        </a:spcBef>
-                        <a:spcAft>
-                          <a:spcPts val="0"/>
-                        </a:spcAft>
-                      </a:pPr>
-                      <a:r>
-                        <a:rPr lang="en-US" sz="1400">
-                          <a:effectLst/>
-                          <a:latin typeface="Open Sans" panose="020B0606030504020204" pitchFamily="34" charset="0"/>
-                          <a:ea typeface="Open Sans" panose="020B0606030504020204" pitchFamily="34" charset="0"/>
-                          <a:cs typeface="Open Sans" panose="020B0606030504020204" pitchFamily="34" charset="0"/>
-                        </a:rPr>
-                        <a:t>0.0%</a:t>
-                      </a:r>
-                    </a:p>
-                  </a:txBody>
-                  <a:tcPr marL="68580" marR="68580" marT="0" marB="0" anchor="ctr"/>
-                </a:tc>
-                <a:tc>
-                  <a:txBody>
-                    <a:bodyPr/>
-                    <a:lstStyle/>
-                    <a:p>
-                      <a:pPr marL="0" marR="0" algn="ctr">
-                        <a:lnSpc>
-                          <a:spcPct val="115000"/>
-                        </a:lnSpc>
-                        <a:spcBef>
-                          <a:spcPts val="0"/>
-                        </a:spcBef>
-                        <a:spcAft>
-                          <a:spcPts val="0"/>
-                        </a:spcAft>
-                      </a:pPr>
-                      <a:r>
-                        <a:rPr lang="en-US" sz="1400" dirty="0">
-                          <a:effectLst/>
-                          <a:latin typeface="Open Sans" panose="020B0606030504020204" pitchFamily="34" charset="0"/>
-                          <a:ea typeface="Open Sans" panose="020B0606030504020204" pitchFamily="34" charset="0"/>
-                          <a:cs typeface="Open Sans" panose="020B0606030504020204" pitchFamily="34" charset="0"/>
-                        </a:rPr>
-                        <a:t>0.0%</a:t>
-                      </a:r>
-                    </a:p>
-                  </a:txBody>
-                  <a:tcPr marL="68580" marR="68580" marT="0" marB="0" anchor="ctr"/>
-                </a:tc>
-                <a:tc>
-                  <a:txBody>
-                    <a:bodyPr/>
-                    <a:lstStyle/>
-                    <a:p>
-                      <a:pPr marL="0" marR="0" algn="ctr">
-                        <a:lnSpc>
-                          <a:spcPct val="115000"/>
-                        </a:lnSpc>
-                        <a:spcBef>
-                          <a:spcPts val="0"/>
-                        </a:spcBef>
-                        <a:spcAft>
-                          <a:spcPts val="0"/>
-                        </a:spcAft>
-                      </a:pPr>
-                      <a:r>
-                        <a:rPr lang="en-US" sz="1400" dirty="0">
-                          <a:effectLst/>
-                          <a:latin typeface="Open Sans" panose="020B0606030504020204" pitchFamily="34" charset="0"/>
-                          <a:ea typeface="Open Sans" panose="020B0606030504020204" pitchFamily="34" charset="0"/>
-                          <a:cs typeface="Open Sans" panose="020B0606030504020204" pitchFamily="34" charset="0"/>
-                        </a:rPr>
-                        <a:t>0.0%</a:t>
-                      </a:r>
-                    </a:p>
-                  </a:txBody>
-                  <a:tcPr marL="68580" marR="68580" marT="0" marB="0" anchor="ctr"/>
-                </a:tc>
-                <a:tc>
-                  <a:txBody>
-                    <a:bodyPr/>
-                    <a:lstStyle/>
-                    <a:p>
-                      <a:pPr marL="0" marR="0" algn="ctr">
-                        <a:lnSpc>
-                          <a:spcPct val="115000"/>
-                        </a:lnSpc>
-                        <a:spcBef>
-                          <a:spcPts val="0"/>
-                        </a:spcBef>
-                        <a:spcAft>
-                          <a:spcPts val="0"/>
-                        </a:spcAft>
-                      </a:pPr>
-                      <a:r>
-                        <a:rPr lang="en-US" sz="1400" dirty="0">
-                          <a:effectLst/>
-                          <a:latin typeface="Open Sans" panose="020B0606030504020204" pitchFamily="34" charset="0"/>
-                          <a:ea typeface="Open Sans" panose="020B0606030504020204" pitchFamily="34" charset="0"/>
-                          <a:cs typeface="Open Sans" panose="020B0606030504020204" pitchFamily="34" charset="0"/>
-                        </a:rPr>
-                        <a:t>0.0%</a:t>
-                      </a:r>
-                    </a:p>
-                  </a:txBody>
-                  <a:tcPr marL="68580" marR="68580" marT="0" marB="0" anchor="ctr"/>
-                </a:tc>
-                <a:tc>
-                  <a:txBody>
-                    <a:bodyPr/>
-                    <a:lstStyle/>
-                    <a:p>
-                      <a:pPr marL="0" marR="0" algn="ctr">
-                        <a:lnSpc>
-                          <a:spcPct val="115000"/>
-                        </a:lnSpc>
-                        <a:spcBef>
-                          <a:spcPts val="0"/>
-                        </a:spcBef>
-                        <a:spcAft>
-                          <a:spcPts val="0"/>
-                        </a:spcAft>
-                      </a:pPr>
-                      <a:r>
-                        <a:rPr lang="en-US" sz="1400">
-                          <a:effectLst/>
-                          <a:latin typeface="Open Sans" panose="020B0606030504020204" pitchFamily="34" charset="0"/>
-                          <a:ea typeface="Open Sans" panose="020B0606030504020204" pitchFamily="34" charset="0"/>
-                          <a:cs typeface="Open Sans" panose="020B0606030504020204" pitchFamily="34" charset="0"/>
-                        </a:rPr>
-                        <a:t>0.0%</a:t>
-                      </a:r>
-                    </a:p>
-                  </a:txBody>
-                  <a:tcPr marL="68580" marR="68580" marT="0" marB="0" anchor="ctr"/>
-                </a:tc>
-                <a:extLst>
-                  <a:ext uri="{0D108BD9-81ED-4DB2-BD59-A6C34878D82A}">
-                    <a16:rowId xmlns:a16="http://schemas.microsoft.com/office/drawing/2014/main" val="2050311031"/>
                   </a:ext>
                 </a:extLst>
               </a:tr>
@@ -10356,7 +11078,7 @@
                         </a:spcAft>
                       </a:pPr>
                       <a:r>
-                        <a:rPr lang="en-US" sz="1400">
+                        <a:rPr lang="en-US" sz="1400" dirty="0">
                           <a:effectLst/>
                           <a:latin typeface="Open Sans" panose="020B0606030504020204" pitchFamily="34" charset="0"/>
                           <a:ea typeface="Open Sans" panose="020B0606030504020204" pitchFamily="34" charset="0"/>
@@ -10385,7 +11107,7 @@
                         </a:spcAft>
                       </a:pPr>
                       <a:r>
-                        <a:rPr lang="en-US" sz="1400">
+                        <a:rPr lang="en-US" sz="1400" dirty="0">
                           <a:effectLst/>
                           <a:latin typeface="Open Sans" panose="020B0606030504020204" pitchFamily="34" charset="0"/>
                           <a:ea typeface="Open Sans" panose="020B0606030504020204" pitchFamily="34" charset="0"/>
@@ -10414,7 +11136,7 @@
                         </a:spcAft>
                       </a:pPr>
                       <a:r>
-                        <a:rPr lang="en-US" sz="1400">
+                        <a:rPr lang="en-US" sz="1400" dirty="0">
                           <a:effectLst/>
                           <a:latin typeface="Open Sans" panose="020B0606030504020204" pitchFamily="34" charset="0"/>
                           <a:ea typeface="Open Sans" panose="020B0606030504020204" pitchFamily="34" charset="0"/>
@@ -10443,7 +11165,7 @@
                         </a:spcAft>
                       </a:pPr>
                       <a:r>
-                        <a:rPr lang="en-US" sz="1400">
+                        <a:rPr lang="en-US" sz="1400" dirty="0">
                           <a:effectLst/>
                           <a:latin typeface="Open Sans" panose="020B0606030504020204" pitchFamily="34" charset="0"/>
                           <a:ea typeface="Open Sans" panose="020B0606030504020204" pitchFamily="34" charset="0"/>
@@ -10472,7 +11194,7 @@
                         </a:spcAft>
                       </a:pPr>
                       <a:r>
-                        <a:rPr lang="en-US" sz="1400">
+                        <a:rPr lang="en-US" sz="1400" dirty="0">
                           <a:effectLst/>
                           <a:latin typeface="Open Sans" panose="020B0606030504020204" pitchFamily="34" charset="0"/>
                           <a:ea typeface="Open Sans" panose="020B0606030504020204" pitchFamily="34" charset="0"/>
@@ -10569,7 +11291,7 @@
         <p:spPr>
           <a:xfrm>
             <a:off x="628650" y="1825625"/>
-            <a:ext cx="7867650" cy="962546"/>
+            <a:ext cx="7867650" cy="1536554"/>
           </a:xfrm>
           <a:prstGeom prst="rect">
             <a:avLst/>
@@ -10760,7 +11482,7 @@
             </a:r>
             <a:r>
               <a:rPr lang="en-US" sz="2600" dirty="0"/>
-              <a:t>it is possible to see the percentage of running time required by each step of k-means  </a:t>
+              <a:t>it is possible to assess the percentage of running time of the program required by each step of k-means segmentation algorithm</a:t>
             </a:r>
             <a:endParaRPr lang="en-US" sz="2600" i="1" dirty="0"/>
           </a:p>
@@ -11025,7 +11747,7 @@
             </a:pPr>
             <a:r>
               <a:rPr lang="en-US" sz="2600" dirty="0"/>
-              <a:t>Amdahl’s Law estimates the speedup that can be reached just by parallelizing the pixels assignment </a:t>
+              <a:t>Amdahl’s Law estimates the speedup obtainable just by parallelizing the pixels assignment step</a:t>
             </a:r>
           </a:p>
         </p:txBody>
@@ -11113,7 +11835,7 @@
             <a:pPr algn="l"/>
             <a:r>
               <a:rPr lang="en-US" b="1" dirty="0"/>
-              <a:t>The parallel implementation</a:t>
+              <a:t>Parallelizing the Pixels Assignment</a:t>
             </a:r>
           </a:p>
         </p:txBody>
@@ -11370,7 +12092,7 @@
             </a:pPr>
             <a:r>
               <a:rPr lang="en-US" sz="2600" dirty="0"/>
-              <a:t>To parallelize the pixels assignment of each pixel to the closest cluster, a </a:t>
+              <a:t>To parallelize the assignment of each pixel to the closest cluster, a </a:t>
             </a:r>
             <a:r>
               <a:rPr lang="en-US" sz="2600" i="1" dirty="0"/>
@@ -11637,7 +12359,7 @@
     </p:spTree>
     <p:extLst>
       <p:ext uri="{BB962C8B-B14F-4D97-AF65-F5344CB8AC3E}">
-        <p14:creationId xmlns:p14="http://schemas.microsoft.com/office/powerpoint/2010/main" val="74863142"/>
+        <p14:creationId xmlns:p14="http://schemas.microsoft.com/office/powerpoint/2010/main" val="138758021"/>
       </p:ext>
     </p:extLst>
   </p:cSld>
@@ -11688,7 +12410,7 @@
             <a:pPr algn="l"/>
             <a:r>
               <a:rPr lang="en-US" b="1" dirty="0"/>
-              <a:t>The parallel implementation</a:t>
+              <a:t>Parallelizing the Centers Update</a:t>
             </a:r>
           </a:p>
         </p:txBody>
@@ -11942,7 +12664,7 @@
             </a:pPr>
             <a:r>
               <a:rPr lang="en-US" sz="2600" dirty="0"/>
-              <a:t>Updating the clusters centers from multiple threads leads to race conditions</a:t>
+              <a:t>Updating the clusters centers from multiple threads can lead to race conditions</a:t>
             </a:r>
             <a:endParaRPr lang="en-US" sz="2600" i="1" dirty="0"/>
           </a:p>

--- a/docs/pres.pptx
+++ b/docs/pres.pptx
@@ -227,7 +227,7 @@
           <a:p>
             <a:fld id="{237DD098-F353-6D48-93CF-D135A6984C36}" type="datetimeFigureOut">
               <a:rPr lang="en-GB" smtClean="0"/>
-              <a:t>14/09/2018</a:t>
+              <a:t>16/09/2018</a:t>
             </a:fld>
             <a:endParaRPr lang="en-GB"/>
           </a:p>
@@ -1366,7 +1366,7 @@
           <a:p>
             <a:fld id="{4C40220F-C219-9D45-8D8C-575BE46D4966}" type="datetimeFigureOut">
               <a:rPr lang="en-GB" smtClean="0"/>
-              <a:t>14/09/2018</a:t>
+              <a:t>16/09/2018</a:t>
             </a:fld>
             <a:endParaRPr lang="en-GB"/>
           </a:p>
@@ -1536,7 +1536,7 @@
           <a:p>
             <a:fld id="{4C40220F-C219-9D45-8D8C-575BE46D4966}" type="datetimeFigureOut">
               <a:rPr lang="en-GB" smtClean="0"/>
-              <a:t>14/09/2018</a:t>
+              <a:t>16/09/2018</a:t>
             </a:fld>
             <a:endParaRPr lang="en-GB"/>
           </a:p>
@@ -1716,7 +1716,7 @@
           <a:p>
             <a:fld id="{4C40220F-C219-9D45-8D8C-575BE46D4966}" type="datetimeFigureOut">
               <a:rPr lang="en-GB" smtClean="0"/>
-              <a:t>14/09/2018</a:t>
+              <a:t>16/09/2018</a:t>
             </a:fld>
             <a:endParaRPr lang="en-GB"/>
           </a:p>
@@ -1884,7 +1884,7 @@
           <a:p>
             <a:fld id="{4C40220F-C219-9D45-8D8C-575BE46D4966}" type="datetimeFigureOut">
               <a:rPr lang="en-GB" smtClean="0"/>
-              <a:t>14/09/2018</a:t>
+              <a:t>16/09/2018</a:t>
             </a:fld>
             <a:endParaRPr lang="en-GB"/>
           </a:p>
@@ -2128,7 +2128,7 @@
           <a:p>
             <a:fld id="{4C40220F-C219-9D45-8D8C-575BE46D4966}" type="datetimeFigureOut">
               <a:rPr lang="en-GB" smtClean="0"/>
-              <a:t>14/09/2018</a:t>
+              <a:t>16/09/2018</a:t>
             </a:fld>
             <a:endParaRPr lang="en-GB"/>
           </a:p>
@@ -2360,7 +2360,7 @@
           <a:p>
             <a:fld id="{4C40220F-C219-9D45-8D8C-575BE46D4966}" type="datetimeFigureOut">
               <a:rPr lang="en-GB" smtClean="0"/>
-              <a:t>14/09/2018</a:t>
+              <a:t>16/09/2018</a:t>
             </a:fld>
             <a:endParaRPr lang="en-GB"/>
           </a:p>
@@ -2727,7 +2727,7 @@
           <a:p>
             <a:fld id="{4C40220F-C219-9D45-8D8C-575BE46D4966}" type="datetimeFigureOut">
               <a:rPr lang="en-GB" smtClean="0"/>
-              <a:t>14/09/2018</a:t>
+              <a:t>16/09/2018</a:t>
             </a:fld>
             <a:endParaRPr lang="en-GB"/>
           </a:p>
@@ -2845,7 +2845,7 @@
           <a:p>
             <a:fld id="{4C40220F-C219-9D45-8D8C-575BE46D4966}" type="datetimeFigureOut">
               <a:rPr lang="en-GB" smtClean="0"/>
-              <a:t>14/09/2018</a:t>
+              <a:t>16/09/2018</a:t>
             </a:fld>
             <a:endParaRPr lang="en-GB"/>
           </a:p>
@@ -2940,7 +2940,7 @@
           <a:p>
             <a:fld id="{4C40220F-C219-9D45-8D8C-575BE46D4966}" type="datetimeFigureOut">
               <a:rPr lang="en-GB" smtClean="0"/>
-              <a:t>14/09/2018</a:t>
+              <a:t>16/09/2018</a:t>
             </a:fld>
             <a:endParaRPr lang="en-GB"/>
           </a:p>
@@ -3217,7 +3217,7 @@
           <a:p>
             <a:fld id="{4C40220F-C219-9D45-8D8C-575BE46D4966}" type="datetimeFigureOut">
               <a:rPr lang="en-GB" smtClean="0"/>
-              <a:t>14/09/2018</a:t>
+              <a:t>16/09/2018</a:t>
             </a:fld>
             <a:endParaRPr lang="en-GB"/>
           </a:p>
@@ -3474,7 +3474,7 @@
           <a:p>
             <a:fld id="{4C40220F-C219-9D45-8D8C-575BE46D4966}" type="datetimeFigureOut">
               <a:rPr lang="en-GB" smtClean="0"/>
-              <a:t>14/09/2018</a:t>
+              <a:t>16/09/2018</a:t>
             </a:fld>
             <a:endParaRPr lang="en-GB"/>
           </a:p>
@@ -3689,7 +3689,7 @@
             <a:fld id="{4C40220F-C219-9D45-8D8C-575BE46D4966}" type="datetimeFigureOut">
               <a:rPr lang="en-GB" smtClean="0"/>
               <a:pPr/>
-              <a:t>14/09/2018</a:t>
+              <a:t>16/09/2018</a:t>
             </a:fld>
             <a:endParaRPr lang="en-GB" dirty="0"/>
           </a:p>
@@ -7214,7 +7214,7 @@
             </a:pPr>
             <a:r>
               <a:rPr lang="en-US" sz="2600" dirty="0"/>
-              <a:t>The percentage increase of the speedup obtained by parallelizing the centers update step is higher when a small number of cluster is specified </a:t>
+              <a:t>Parallelizing the centers update step produces an increase in the speedup that is higher when a smaller number of cluster is specified </a:t>
             </a:r>
           </a:p>
         </p:txBody>
@@ -7478,7 +7478,7 @@
             </a:pPr>
             <a:r>
               <a:rPr lang="en-US" sz="2600" dirty="0"/>
-              <a:t>When increasing over 12 the number of vCPU, the speedup starts to have an irregular behavior</a:t>
+              <a:t>When increasing over 12 the number of vCPU, the speedup started to have an irregular behavior</a:t>
             </a:r>
           </a:p>
         </p:txBody>
@@ -8155,7 +8155,7 @@
         </p:nvSpPr>
         <p:spPr>
           <a:xfrm>
-            <a:off x="1339596" y="1825120"/>
+            <a:off x="729990" y="1825120"/>
             <a:ext cx="6464808" cy="584775"/>
           </a:xfrm>
           <a:prstGeom prst="rect">
@@ -8215,7 +8215,7 @@
         </p:nvSpPr>
         <p:spPr>
           <a:xfrm>
-            <a:off x="1340011" y="2655966"/>
+            <a:off x="730405" y="2655966"/>
             <a:ext cx="6463978" cy="584775"/>
           </a:xfrm>
           <a:prstGeom prst="rect">
@@ -8275,7 +8275,7 @@
         </p:nvSpPr>
         <p:spPr>
           <a:xfrm>
-            <a:off x="1339596" y="3486812"/>
+            <a:off x="729990" y="3486812"/>
             <a:ext cx="6464808" cy="584775"/>
           </a:xfrm>
           <a:prstGeom prst="rect">
@@ -8335,7 +8335,7 @@
         </p:nvSpPr>
         <p:spPr>
           <a:xfrm>
-            <a:off x="1339596" y="5582300"/>
+            <a:off x="729990" y="5582300"/>
             <a:ext cx="6464808" cy="584775"/>
           </a:xfrm>
           <a:prstGeom prst="rect">
@@ -8395,7 +8395,7 @@
         </p:nvSpPr>
         <p:spPr>
           <a:xfrm>
-            <a:off x="2704256" y="4271358"/>
+            <a:off x="2094650" y="4271358"/>
             <a:ext cx="3735488" cy="995422"/>
           </a:xfrm>
           <a:prstGeom prst="flowChartDecision">
@@ -8450,7 +8450,7 @@
         </p:nvCxnSpPr>
         <p:spPr>
           <a:xfrm>
-            <a:off x="4572000" y="2409895"/>
+            <a:off x="3962394" y="2409895"/>
             <a:ext cx="0" cy="246071"/>
           </a:xfrm>
           <a:prstGeom prst="straightConnector1">
@@ -8492,7 +8492,7 @@
         </p:nvCxnSpPr>
         <p:spPr>
           <a:xfrm>
-            <a:off x="4572000" y="3240741"/>
+            <a:off x="3962394" y="3240741"/>
             <a:ext cx="0" cy="246071"/>
           </a:xfrm>
           <a:prstGeom prst="straightConnector1">
@@ -8535,7 +8535,7 @@
         </p:nvCxnSpPr>
         <p:spPr>
           <a:xfrm>
-            <a:off x="4572000" y="4071587"/>
+            <a:off x="3962394" y="4071587"/>
             <a:ext cx="0" cy="199771"/>
           </a:xfrm>
           <a:prstGeom prst="straightConnector1">
@@ -8578,7 +8578,7 @@
         </p:nvCxnSpPr>
         <p:spPr>
           <a:xfrm>
-            <a:off x="4572000" y="5266780"/>
+            <a:off x="3962394" y="5266780"/>
             <a:ext cx="0" cy="315520"/>
           </a:xfrm>
           <a:prstGeom prst="straightConnector1">
@@ -8617,7 +8617,7 @@
         </p:nvCxnSpPr>
         <p:spPr>
           <a:xfrm>
-            <a:off x="6439744" y="4769069"/>
+            <a:off x="5830138" y="4769069"/>
             <a:ext cx="1847729" cy="0"/>
           </a:xfrm>
           <a:prstGeom prst="line">
@@ -8655,8 +8655,8 @@
         </p:nvCxnSpPr>
         <p:spPr>
           <a:xfrm flipV="1">
-            <a:off x="8287473" y="2117507"/>
-            <a:ext cx="0" cy="2651563"/>
+            <a:off x="7677867" y="2948352"/>
+            <a:ext cx="0" cy="1820719"/>
           </a:xfrm>
           <a:prstGeom prst="line">
             <a:avLst/>
@@ -8687,13 +8687,13 @@
             </a:extLst>
           </p:cNvPr>
           <p:cNvCxnSpPr>
-            <a:endCxn id="3" idx="3"/>
+            <a:cxnSpLocks/>
           </p:cNvCxnSpPr>
           <p:nvPr/>
         </p:nvCxnSpPr>
         <p:spPr>
           <a:xfrm flipH="1">
-            <a:off x="7804404" y="2117507"/>
+            <a:off x="7194383" y="2948352"/>
             <a:ext cx="483069" cy="1"/>
           </a:xfrm>
           <a:prstGeom prst="straightConnector1">
@@ -8732,7 +8732,7 @@
         </p:nvSpPr>
         <p:spPr>
           <a:xfrm>
-            <a:off x="6447099" y="4421832"/>
+            <a:off x="5837493" y="4421832"/>
             <a:ext cx="520860" cy="338554"/>
           </a:xfrm>
           <a:prstGeom prst="rect">
@@ -8771,7 +8771,7 @@
         </p:nvSpPr>
         <p:spPr>
           <a:xfrm>
-            <a:off x="4666707" y="5220448"/>
+            <a:off x="4057101" y="5220448"/>
             <a:ext cx="520860" cy="338554"/>
           </a:xfrm>
           <a:prstGeom prst="rect">
@@ -8885,7 +8885,7 @@
         </p:blipFill>
         <p:spPr>
           <a:xfrm>
-            <a:off x="726546" y="2885917"/>
+            <a:off x="726546" y="2919784"/>
             <a:ext cx="2427733" cy="1618488"/>
           </a:xfrm>
           <a:prstGeom prst="rect">
@@ -8921,7 +8921,7 @@
         </p:blipFill>
         <p:spPr>
           <a:xfrm>
-            <a:off x="3287830" y="2895490"/>
+            <a:off x="3287830" y="2929357"/>
             <a:ext cx="2428072" cy="1618488"/>
           </a:xfrm>
           <a:prstGeom prst="rect">
@@ -9162,7 +9162,7 @@
         </p:blipFill>
         <p:spPr>
           <a:xfrm>
-            <a:off x="5849453" y="2895490"/>
+            <a:off x="5849453" y="2929357"/>
             <a:ext cx="2431138" cy="1618488"/>
           </a:xfrm>
           <a:prstGeom prst="rect">
@@ -9198,7 +9198,7 @@
         </p:blipFill>
         <p:spPr>
           <a:xfrm>
-            <a:off x="736598" y="4574176"/>
+            <a:off x="736598" y="4608043"/>
             <a:ext cx="2428072" cy="1618488"/>
           </a:xfrm>
           <a:prstGeom prst="rect">
@@ -9234,7 +9234,7 @@
         </p:blipFill>
         <p:spPr>
           <a:xfrm>
-            <a:off x="3287830" y="4583749"/>
+            <a:off x="3287830" y="4617616"/>
             <a:ext cx="2428072" cy="1618488"/>
           </a:xfrm>
           <a:prstGeom prst="rect">
@@ -9270,7 +9270,7 @@
         </p:blipFill>
         <p:spPr>
           <a:xfrm>
-            <a:off x="5849453" y="4593322"/>
+            <a:off x="5849453" y="4627189"/>
             <a:ext cx="2428072" cy="1618488"/>
           </a:xfrm>
           <a:prstGeom prst="rect">
@@ -9292,7 +9292,7 @@
         </p:nvSpPr>
         <p:spPr>
           <a:xfrm>
-            <a:off x="717886" y="4152469"/>
+            <a:off x="717886" y="4186336"/>
             <a:ext cx="1571264" cy="338554"/>
           </a:xfrm>
           <a:prstGeom prst="rect">
@@ -9334,7 +9334,7 @@
         </p:nvSpPr>
         <p:spPr>
           <a:xfrm>
-            <a:off x="3306898" y="4178941"/>
+            <a:off x="3306898" y="4212808"/>
             <a:ext cx="651140" cy="338554"/>
           </a:xfrm>
           <a:prstGeom prst="rect">
@@ -9376,7 +9376,7 @@
         </p:nvSpPr>
         <p:spPr>
           <a:xfrm>
-            <a:off x="715800" y="5834381"/>
+            <a:off x="715800" y="5868248"/>
             <a:ext cx="768159" cy="338554"/>
           </a:xfrm>
           <a:prstGeom prst="rect">
@@ -9418,7 +9418,7 @@
         </p:nvSpPr>
         <p:spPr>
           <a:xfrm>
-            <a:off x="3306898" y="5843954"/>
+            <a:off x="3306898" y="5877821"/>
             <a:ext cx="768159" cy="338554"/>
           </a:xfrm>
           <a:prstGeom prst="rect">
@@ -9460,7 +9460,7 @@
         </p:nvSpPr>
         <p:spPr>
           <a:xfrm>
-            <a:off x="5849454" y="4169118"/>
+            <a:off x="5849454" y="4202985"/>
             <a:ext cx="651140" cy="338554"/>
           </a:xfrm>
           <a:prstGeom prst="rect">
@@ -9502,7 +9502,7 @@
         </p:nvSpPr>
         <p:spPr>
           <a:xfrm>
-            <a:off x="5880223" y="5863918"/>
+            <a:off x="5880223" y="5897785"/>
             <a:ext cx="768159" cy="338554"/>
           </a:xfrm>
           <a:prstGeom prst="rect">
@@ -9827,7 +9827,7 @@
             </a:pPr>
             <a:r>
               <a:rPr lang="en-US" sz="2600" dirty="0"/>
-              <a:t>When incrementing the number of clusters K, the execution time of the program increases</a:t>
+              <a:t>When increasing the number of clusters K, the execution time of the program increases</a:t>
             </a:r>
           </a:p>
         </p:txBody>
@@ -11482,7 +11482,7 @@
             </a:r>
             <a:r>
               <a:rPr lang="en-US" sz="2600" dirty="0"/>
-              <a:t>it is possible to assess the percentage of running time of the program required by each step of k-means segmentation algorithm</a:t>
+              <a:t>it was possible to assess the portion of running time required by each step of k-means segmentation algorithm</a:t>
             </a:r>
             <a:endParaRPr lang="en-US" sz="2600" i="1" dirty="0"/>
           </a:p>
@@ -11747,7 +11747,7 @@
             </a:pPr>
             <a:r>
               <a:rPr lang="en-US" sz="2600" dirty="0"/>
-              <a:t>Amdahl’s Law estimates the speedup obtainable just by parallelizing the pixels assignment step</a:t>
+              <a:t>Amdahl’s Law was used to estimate the speedup obtainable by parallelizing the pixels assignment </a:t>
             </a:r>
           </a:p>
         </p:txBody>
@@ -12100,7 +12100,15 @@
             </a:r>
             <a:r>
               <a:rPr lang="en-US" sz="2600" dirty="0"/>
-              <a:t> work-sharing construct is used</a:t>
+              <a:t> construct with a </a:t>
+            </a:r>
+            <a:r>
+              <a:rPr lang="en-US" sz="2600" i="1" dirty="0"/>
+              <a:t>static</a:t>
+            </a:r>
+            <a:r>
+              <a:rPr lang="en-US" sz="2600" dirty="0"/>
+              <a:t> scheduling technique has been adopted</a:t>
             </a:r>
             <a:endParaRPr lang="en-US" sz="2600" i="1" dirty="0"/>
           </a:p>
@@ -12459,7 +12467,7 @@
             </a:r>
             <a:r>
               <a:rPr lang="en-US" sz="2600" dirty="0"/>
-              <a:t> clause allows to protect the update operations of the clusters centers using an efficient synchronization technique </a:t>
+              <a:t> clause allowed to protect the update computations of the clusters centers using an efficient synchronization technique </a:t>
             </a:r>
           </a:p>
         </p:txBody>

--- a/docs/pres.pptx
+++ b/docs/pres.pptx
@@ -123,23 +123,7 @@
   </p:defaultTextStyle>
   <p:extLst>
     <p:ext uri="{EFAFB233-063F-42B5-8137-9DF3F51BA10A}">
-      <p15:sldGuideLst xmlns:p15="http://schemas.microsoft.com/office/powerpoint/2012/main">
-        <p15:guide id="1" pos="456" userDrawn="1">
-          <p15:clr>
-            <a:srgbClr val="A4A3A4"/>
-          </p15:clr>
-        </p15:guide>
-        <p15:guide id="2" orient="horz" pos="3888" userDrawn="1">
-          <p15:clr>
-            <a:srgbClr val="A4A3A4"/>
-          </p15:clr>
-        </p15:guide>
-        <p15:guide id="3" orient="horz" pos="1152" userDrawn="1">
-          <p15:clr>
-            <a:srgbClr val="A4A3A4"/>
-          </p15:clr>
-        </p15:guide>
-      </p15:sldGuideLst>
+      <p15:sldGuideLst xmlns:p15="http://schemas.microsoft.com/office/powerpoint/2012/main"/>
     </p:ext>
   </p:extLst>
 </p:presentation>
@@ -227,7 +211,7 @@
           <a:p>
             <a:fld id="{237DD098-F353-6D48-93CF-D135A6984C36}" type="datetimeFigureOut">
               <a:rPr lang="en-GB" smtClean="0"/>
-              <a:t>16/09/2018</a:t>
+              <a:t>17/09/2018</a:t>
             </a:fld>
             <a:endParaRPr lang="en-GB"/>
           </a:p>
@@ -644,84 +628,6 @@
           <a:bodyPr/>
           <a:lstStyle/>
           <a:p>
-            <a:pPr marL="0" marR="0" indent="0" algn="l" defTabSz="914400" rtl="0" eaLnBrk="1" fontAlgn="auto" latinLnBrk="0" hangingPunct="1">
-              <a:lnSpc>
-                <a:spcPct val="100000"/>
-              </a:lnSpc>
-              <a:spcBef>
-                <a:spcPts val="0"/>
-              </a:spcBef>
-              <a:spcAft>
-                <a:spcPts val="0"/>
-              </a:spcAft>
-              <a:buClrTx/>
-              <a:buSzTx/>
-              <a:buFontTx/>
-              <a:buNone/>
-              <a:tabLst/>
-              <a:defRPr/>
-            </a:pPr>
-            <a:r>
-              <a:rPr lang="en-US" sz="1400" dirty="0">
-                <a:latin typeface="Open Sans" panose="020B0606030504020204" pitchFamily="34" charset="0"/>
-                <a:ea typeface="Open Sans" panose="020B0606030504020204" pitchFamily="34" charset="0"/>
-                <a:cs typeface="Open Sans" panose="020B0606030504020204" pitchFamily="34" charset="0"/>
-              </a:rPr>
-              <a:t>Clustering is a very common problem in Data Analysis. It’s the task of partitioning a set of objects into groups, that are called clusters, in such a way that objects in the same cluster are more similar to each other than to those in other clusters. K-Means is the standard algorithm used to solve the Clustering problem </a:t>
-            </a:r>
-          </a:p>
-          <a:p>
-            <a:pPr marL="0" marR="0" indent="0" algn="l" defTabSz="914400" rtl="0" eaLnBrk="1" fontAlgn="auto" latinLnBrk="0" hangingPunct="1">
-              <a:lnSpc>
-                <a:spcPct val="100000"/>
-              </a:lnSpc>
-              <a:spcBef>
-                <a:spcPts val="0"/>
-              </a:spcBef>
-              <a:spcAft>
-                <a:spcPts val="0"/>
-              </a:spcAft>
-              <a:buClrTx/>
-              <a:buSzTx/>
-              <a:buFontTx/>
-              <a:buNone/>
-              <a:tabLst/>
-              <a:defRPr/>
-            </a:pPr>
-            <a:endParaRPr lang="en-US" sz="1400" dirty="0">
-              <a:latin typeface="Open Sans" panose="020B0606030504020204" pitchFamily="34" charset="0"/>
-              <a:ea typeface="Open Sans" panose="020B0606030504020204" pitchFamily="34" charset="0"/>
-              <a:cs typeface="Open Sans" panose="020B0606030504020204" pitchFamily="34" charset="0"/>
-            </a:endParaRPr>
-          </a:p>
-          <a:p>
-            <a:pPr marL="0" marR="0" indent="0" algn="l" defTabSz="914400" rtl="0" eaLnBrk="1" fontAlgn="auto" latinLnBrk="0" hangingPunct="1">
-              <a:lnSpc>
-                <a:spcPct val="100000"/>
-              </a:lnSpc>
-              <a:spcBef>
-                <a:spcPts val="0"/>
-              </a:spcBef>
-              <a:spcAft>
-                <a:spcPts val="0"/>
-              </a:spcAft>
-              <a:buClrTx/>
-              <a:buSzTx/>
-              <a:buFontTx/>
-              <a:buNone/>
-              <a:tabLst/>
-              <a:defRPr/>
-            </a:pPr>
-            <a:r>
-              <a:rPr lang="en-US" sz="1400" dirty="0">
-                <a:latin typeface="Open Sans" panose="020B0606030504020204" pitchFamily="34" charset="0"/>
-                <a:ea typeface="Open Sans" panose="020B0606030504020204" pitchFamily="34" charset="0"/>
-                <a:cs typeface="Open Sans" panose="020B0606030504020204" pitchFamily="34" charset="0"/>
-              </a:rPr>
-              <a:t>and has  a wide range of applications. I chose Image Segmentation among K-means applications since it is one of the most relevant topics in Digital Image Analysis and Computer Vision. Image Segmentation is the task of dividing the image into its constituent objects. For this purpose, the K-means algorithm can be used to cluster the pixels of the image on the basis of their color. </a:t>
-            </a:r>
-          </a:p>
-          <a:p>
             <a:endParaRPr lang="en-US" sz="1400" dirty="0">
               <a:latin typeface="Open Sans" panose="020B0606030504020204" pitchFamily="34" charset="0"/>
               <a:ea typeface="Open Sans" panose="020B0606030504020204" pitchFamily="34" charset="0"/>
@@ -809,215 +715,6 @@
         <p:txBody>
           <a:bodyPr/>
           <a:lstStyle/>
-          <a:p>
-            <a:pPr marL="0" marR="0" lvl="0" indent="0" algn="l" defTabSz="914400" rtl="0" eaLnBrk="1" fontAlgn="auto" latinLnBrk="0" hangingPunct="1">
-              <a:lnSpc>
-                <a:spcPct val="100000"/>
-              </a:lnSpc>
-              <a:spcBef>
-                <a:spcPts val="0"/>
-              </a:spcBef>
-              <a:spcAft>
-                <a:spcPts val="0"/>
-              </a:spcAft>
-              <a:buClrTx/>
-              <a:buSzTx/>
-              <a:buFontTx/>
-              <a:buNone/>
-              <a:tabLst/>
-              <a:defRPr/>
-            </a:pPr>
-            <a:r>
-              <a:rPr lang="en-US" sz="1400" b="1" dirty="0">
-                <a:latin typeface="Open Sans" panose="020B0606030504020204" pitchFamily="34" charset="0"/>
-                <a:ea typeface="Open Sans" panose="020B0606030504020204" pitchFamily="34" charset="0"/>
-                <a:cs typeface="Open Sans" panose="020B0606030504020204" pitchFamily="34" charset="0"/>
-              </a:rPr>
-              <a:t>Color-based Image Segmentation using K-means Clustering</a:t>
-            </a:r>
-            <a:endParaRPr lang="en-US" sz="1400" dirty="0">
-              <a:latin typeface="Open Sans" panose="020B0606030504020204" pitchFamily="34" charset="0"/>
-              <a:ea typeface="Open Sans" panose="020B0606030504020204" pitchFamily="34" charset="0"/>
-              <a:cs typeface="Open Sans" panose="020B0606030504020204" pitchFamily="34" charset="0"/>
-            </a:endParaRPr>
-          </a:p>
-          <a:p>
-            <a:r>
-              <a:rPr lang="en-US" sz="1400" dirty="0">
-                <a:latin typeface="Open Sans" panose="020B0606030504020204" pitchFamily="34" charset="0"/>
-                <a:ea typeface="Open Sans" panose="020B0606030504020204" pitchFamily="34" charset="0"/>
-                <a:cs typeface="Open Sans" panose="020B0606030504020204" pitchFamily="34" charset="0"/>
-              </a:rPr>
-              <a:t>Given a digital image and an integer number K, using the k-means clustering algorithm it is possible to divide the image pixels into K clusters on the basis of the pixels color. </a:t>
-            </a:r>
-          </a:p>
-          <a:p>
-            <a:endParaRPr lang="en-US" sz="1400" dirty="0">
-              <a:latin typeface="Open Sans" panose="020B0606030504020204" pitchFamily="34" charset="0"/>
-              <a:ea typeface="Open Sans" panose="020B0606030504020204" pitchFamily="34" charset="0"/>
-              <a:cs typeface="Open Sans" panose="020B0606030504020204" pitchFamily="34" charset="0"/>
-            </a:endParaRPr>
-          </a:p>
-          <a:p>
-            <a:r>
-              <a:rPr lang="en-US" sz="1400" dirty="0">
-                <a:latin typeface="Open Sans" panose="020B0606030504020204" pitchFamily="34" charset="0"/>
-                <a:ea typeface="Open Sans" panose="020B0606030504020204" pitchFamily="34" charset="0"/>
-                <a:cs typeface="Open Sans" panose="020B0606030504020204" pitchFamily="34" charset="0"/>
-              </a:rPr>
-              <a:t>The steps of the algorithm are quite simple:</a:t>
-            </a:r>
-          </a:p>
-          <a:p>
-            <a:pPr marL="285750" indent="-285750">
-              <a:buFont typeface="Arial" panose="020B0604020202020204" pitchFamily="34" charset="0"/>
-              <a:buChar char="•"/>
-            </a:pPr>
-            <a:r>
-              <a:rPr lang="en-US" sz="1400" dirty="0">
-                <a:latin typeface="Open Sans" panose="020B0606030504020204" pitchFamily="34" charset="0"/>
-                <a:ea typeface="Open Sans" panose="020B0606030504020204" pitchFamily="34" charset="0"/>
-                <a:cs typeface="Open Sans" panose="020B0606030504020204" pitchFamily="34" charset="0"/>
-              </a:rPr>
-              <a:t>First step is the </a:t>
-            </a:r>
-            <a:r>
-              <a:rPr lang="en-US" sz="1400" b="1" dirty="0">
-                <a:latin typeface="Open Sans" panose="020B0606030504020204" pitchFamily="34" charset="0"/>
-                <a:ea typeface="Open Sans" panose="020B0606030504020204" pitchFamily="34" charset="0"/>
-                <a:cs typeface="Open Sans" panose="020B0606030504020204" pitchFamily="34" charset="0"/>
-              </a:rPr>
-              <a:t>initialization of the clusters</a:t>
-            </a:r>
-            <a:r>
-              <a:rPr lang="en-US" sz="1400" dirty="0">
-                <a:latin typeface="Open Sans" panose="020B0606030504020204" pitchFamily="34" charset="0"/>
-                <a:ea typeface="Open Sans" panose="020B0606030504020204" pitchFamily="34" charset="0"/>
-                <a:cs typeface="Open Sans" panose="020B0606030504020204" pitchFamily="34" charset="0"/>
-              </a:rPr>
-              <a:t>, K pixels are chosen from the image the cluster centers are initialized with the RGB values of those pixels. </a:t>
-            </a:r>
-          </a:p>
-          <a:p>
-            <a:pPr marL="285750" indent="-285750">
-              <a:buFont typeface="Arial" panose="020B0604020202020204" pitchFamily="34" charset="0"/>
-              <a:buChar char="•"/>
-            </a:pPr>
-            <a:r>
-              <a:rPr lang="en-US" sz="1400" dirty="0">
-                <a:latin typeface="Open Sans" panose="020B0606030504020204" pitchFamily="34" charset="0"/>
-                <a:ea typeface="Open Sans" panose="020B0606030504020204" pitchFamily="34" charset="0"/>
-                <a:cs typeface="Open Sans" panose="020B0606030504020204" pitchFamily="34" charset="0"/>
-              </a:rPr>
-              <a:t>Then there is the </a:t>
-            </a:r>
-            <a:r>
-              <a:rPr lang="en-US" sz="1400" b="1" dirty="0">
-                <a:latin typeface="Open Sans" panose="020B0606030504020204" pitchFamily="34" charset="0"/>
-                <a:ea typeface="Open Sans" panose="020B0606030504020204" pitchFamily="34" charset="0"/>
-                <a:cs typeface="Open Sans" panose="020B0606030504020204" pitchFamily="34" charset="0"/>
-              </a:rPr>
-              <a:t>pixels assignment </a:t>
-            </a:r>
-            <a:r>
-              <a:rPr lang="en-US" sz="1400" dirty="0">
-                <a:latin typeface="Open Sans" panose="020B0606030504020204" pitchFamily="34" charset="0"/>
-                <a:ea typeface="Open Sans" panose="020B0606030504020204" pitchFamily="34" charset="0"/>
-                <a:cs typeface="Open Sans" panose="020B0606030504020204" pitchFamily="34" charset="0"/>
-              </a:rPr>
-              <a:t>, where each pixel is assigned to the closest cluster. For each pixel, the squared Euclidean distance to every cluster center is computed and then the pixel is assigned to the cluster with the smaller distance.</a:t>
-            </a:r>
-          </a:p>
-          <a:p>
-            <a:pPr marL="285750" indent="-285750">
-              <a:buFont typeface="Arial" panose="020B0604020202020204" pitchFamily="34" charset="0"/>
-              <a:buChar char="•"/>
-            </a:pPr>
-            <a:r>
-              <a:rPr lang="en-US" sz="1400" dirty="0">
-                <a:latin typeface="Open Sans" panose="020B0606030504020204" pitchFamily="34" charset="0"/>
-                <a:ea typeface="Open Sans" panose="020B0606030504020204" pitchFamily="34" charset="0"/>
-                <a:cs typeface="Open Sans" panose="020B0606030504020204" pitchFamily="34" charset="0"/>
-              </a:rPr>
-              <a:t>After all the pixels have been assigned, the </a:t>
-            </a:r>
-            <a:r>
-              <a:rPr lang="en-US" sz="1400" b="1" dirty="0">
-                <a:latin typeface="Open Sans" panose="020B0606030504020204" pitchFamily="34" charset="0"/>
-                <a:ea typeface="Open Sans" panose="020B0606030504020204" pitchFamily="34" charset="0"/>
-                <a:cs typeface="Open Sans" panose="020B0606030504020204" pitchFamily="34" charset="0"/>
-              </a:rPr>
-              <a:t>cluster centers are updated </a:t>
-            </a:r>
-            <a:r>
-              <a:rPr lang="en-US" sz="1400" dirty="0">
-                <a:latin typeface="Open Sans" panose="020B0606030504020204" pitchFamily="34" charset="0"/>
-                <a:ea typeface="Open Sans" panose="020B0606030504020204" pitchFamily="34" charset="0"/>
-                <a:cs typeface="Open Sans" panose="020B0606030504020204" pitchFamily="34" charset="0"/>
-              </a:rPr>
-              <a:t>by computing the mean of the RGB values of each cluster.</a:t>
-            </a:r>
-          </a:p>
-          <a:p>
-            <a:pPr marL="285750" indent="-285750">
-              <a:buFont typeface="Arial" panose="020B0604020202020204" pitchFamily="34" charset="0"/>
-              <a:buChar char="•"/>
-            </a:pPr>
-            <a:r>
-              <a:rPr lang="en-US" sz="1400" dirty="0">
-                <a:latin typeface="Open Sans" panose="020B0606030504020204" pitchFamily="34" charset="0"/>
-                <a:ea typeface="Open Sans" panose="020B0606030504020204" pitchFamily="34" charset="0"/>
-                <a:cs typeface="Open Sans" panose="020B0606030504020204" pitchFamily="34" charset="0"/>
-              </a:rPr>
-              <a:t>If none of the pixels changed their cluster </a:t>
-            </a:r>
-            <a:r>
-              <a:rPr lang="en-US" sz="1400" b="1" dirty="0">
-                <a:latin typeface="Open Sans" panose="020B0606030504020204" pitchFamily="34" charset="0"/>
-                <a:ea typeface="Open Sans" panose="020B0606030504020204" pitchFamily="34" charset="0"/>
-                <a:cs typeface="Open Sans" panose="020B0606030504020204" pitchFamily="34" charset="0"/>
-              </a:rPr>
-              <a:t>the algorithm has converged </a:t>
-            </a:r>
-            <a:r>
-              <a:rPr lang="en-US" sz="1400" dirty="0">
-                <a:latin typeface="Open Sans" panose="020B0606030504020204" pitchFamily="34" charset="0"/>
-                <a:ea typeface="Open Sans" panose="020B0606030504020204" pitchFamily="34" charset="0"/>
-                <a:cs typeface="Open Sans" panose="020B0606030504020204" pitchFamily="34" charset="0"/>
-              </a:rPr>
-              <a:t>otherwise it goes back to the pixel assignment.</a:t>
-            </a:r>
-          </a:p>
-          <a:p>
-            <a:pPr marL="285750" indent="-285750">
-              <a:buFont typeface="Arial" panose="020B0604020202020204" pitchFamily="34" charset="0"/>
-              <a:buChar char="•"/>
-            </a:pPr>
-            <a:r>
-              <a:rPr lang="en-US" sz="1400" dirty="0">
-                <a:latin typeface="Open Sans" panose="020B0606030504020204" pitchFamily="34" charset="0"/>
-                <a:ea typeface="Open Sans" panose="020B0606030504020204" pitchFamily="34" charset="0"/>
-                <a:cs typeface="Open Sans" panose="020B0606030504020204" pitchFamily="34" charset="0"/>
-              </a:rPr>
-              <a:t>Finally the </a:t>
-            </a:r>
-            <a:r>
-              <a:rPr lang="en-US" sz="1400" b="1" dirty="0">
-                <a:latin typeface="Open Sans" panose="020B0606030504020204" pitchFamily="34" charset="0"/>
-                <a:ea typeface="Open Sans" panose="020B0606030504020204" pitchFamily="34" charset="0"/>
-                <a:cs typeface="Open Sans" panose="020B0606030504020204" pitchFamily="34" charset="0"/>
-              </a:rPr>
-              <a:t>initial image is updated</a:t>
-            </a:r>
-            <a:r>
-              <a:rPr lang="en-US" sz="1400" dirty="0">
-                <a:latin typeface="Open Sans" panose="020B0606030504020204" pitchFamily="34" charset="0"/>
-                <a:ea typeface="Open Sans" panose="020B0606030504020204" pitchFamily="34" charset="0"/>
-                <a:cs typeface="Open Sans" panose="020B0606030504020204" pitchFamily="34" charset="0"/>
-              </a:rPr>
-              <a:t>, each pixel RGB values are replaced with the ones of their cluster centers.</a:t>
-            </a:r>
-          </a:p>
           <a:p>
             <a:endParaRPr lang="en-US" sz="1400" dirty="0">
               <a:latin typeface="Open Sans" panose="020B0606030504020204" pitchFamily="34" charset="0"/>
@@ -1366,7 +1063,7 @@
           <a:p>
             <a:fld id="{4C40220F-C219-9D45-8D8C-575BE46D4966}" type="datetimeFigureOut">
               <a:rPr lang="en-GB" smtClean="0"/>
-              <a:t>16/09/2018</a:t>
+              <a:t>17/09/2018</a:t>
             </a:fld>
             <a:endParaRPr lang="en-GB"/>
           </a:p>
@@ -1536,7 +1233,7 @@
           <a:p>
             <a:fld id="{4C40220F-C219-9D45-8D8C-575BE46D4966}" type="datetimeFigureOut">
               <a:rPr lang="en-GB" smtClean="0"/>
-              <a:t>16/09/2018</a:t>
+              <a:t>17/09/2018</a:t>
             </a:fld>
             <a:endParaRPr lang="en-GB"/>
           </a:p>
@@ -1716,7 +1413,7 @@
           <a:p>
             <a:fld id="{4C40220F-C219-9D45-8D8C-575BE46D4966}" type="datetimeFigureOut">
               <a:rPr lang="en-GB" smtClean="0"/>
-              <a:t>16/09/2018</a:t>
+              <a:t>17/09/2018</a:t>
             </a:fld>
             <a:endParaRPr lang="en-GB"/>
           </a:p>
@@ -1884,7 +1581,7 @@
           <a:p>
             <a:fld id="{4C40220F-C219-9D45-8D8C-575BE46D4966}" type="datetimeFigureOut">
               <a:rPr lang="en-GB" smtClean="0"/>
-              <a:t>16/09/2018</a:t>
+              <a:t>17/09/2018</a:t>
             </a:fld>
             <a:endParaRPr lang="en-GB"/>
           </a:p>
@@ -2128,7 +1825,7 @@
           <a:p>
             <a:fld id="{4C40220F-C219-9D45-8D8C-575BE46D4966}" type="datetimeFigureOut">
               <a:rPr lang="en-GB" smtClean="0"/>
-              <a:t>16/09/2018</a:t>
+              <a:t>17/09/2018</a:t>
             </a:fld>
             <a:endParaRPr lang="en-GB"/>
           </a:p>
@@ -2360,7 +2057,7 @@
           <a:p>
             <a:fld id="{4C40220F-C219-9D45-8D8C-575BE46D4966}" type="datetimeFigureOut">
               <a:rPr lang="en-GB" smtClean="0"/>
-              <a:t>16/09/2018</a:t>
+              <a:t>17/09/2018</a:t>
             </a:fld>
             <a:endParaRPr lang="en-GB"/>
           </a:p>
@@ -2727,7 +2424,7 @@
           <a:p>
             <a:fld id="{4C40220F-C219-9D45-8D8C-575BE46D4966}" type="datetimeFigureOut">
               <a:rPr lang="en-GB" smtClean="0"/>
-              <a:t>16/09/2018</a:t>
+              <a:t>17/09/2018</a:t>
             </a:fld>
             <a:endParaRPr lang="en-GB"/>
           </a:p>
@@ -2845,7 +2542,7 @@
           <a:p>
             <a:fld id="{4C40220F-C219-9D45-8D8C-575BE46D4966}" type="datetimeFigureOut">
               <a:rPr lang="en-GB" smtClean="0"/>
-              <a:t>16/09/2018</a:t>
+              <a:t>17/09/2018</a:t>
             </a:fld>
             <a:endParaRPr lang="en-GB"/>
           </a:p>
@@ -2940,7 +2637,7 @@
           <a:p>
             <a:fld id="{4C40220F-C219-9D45-8D8C-575BE46D4966}" type="datetimeFigureOut">
               <a:rPr lang="en-GB" smtClean="0"/>
-              <a:t>16/09/2018</a:t>
+              <a:t>17/09/2018</a:t>
             </a:fld>
             <a:endParaRPr lang="en-GB"/>
           </a:p>
@@ -3217,7 +2914,7 @@
           <a:p>
             <a:fld id="{4C40220F-C219-9D45-8D8C-575BE46D4966}" type="datetimeFigureOut">
               <a:rPr lang="en-GB" smtClean="0"/>
-              <a:t>16/09/2018</a:t>
+              <a:t>17/09/2018</a:t>
             </a:fld>
             <a:endParaRPr lang="en-GB"/>
           </a:p>
@@ -3474,7 +3171,7 @@
           <a:p>
             <a:fld id="{4C40220F-C219-9D45-8D8C-575BE46D4966}" type="datetimeFigureOut">
               <a:rPr lang="en-GB" smtClean="0"/>
-              <a:t>16/09/2018</a:t>
+              <a:t>17/09/2018</a:t>
             </a:fld>
             <a:endParaRPr lang="en-GB"/>
           </a:p>
@@ -3689,7 +3386,7 @@
             <a:fld id="{4C40220F-C219-9D45-8D8C-575BE46D4966}" type="datetimeFigureOut">
               <a:rPr lang="en-GB" smtClean="0"/>
               <a:pPr/>
-              <a:t>16/09/2018</a:t>
+              <a:t>17/09/2018</a:t>
             </a:fld>
             <a:endParaRPr lang="en-GB" dirty="0"/>
           </a:p>
@@ -7956,7 +7653,7 @@
             </a:pPr>
             <a:r>
               <a:rPr lang="en-US" sz="3100" dirty="0"/>
-              <a:t>Using a GPGPU programming API, like CUDA, would have made it possible to achieve an even better results</a:t>
+              <a:t>Using a GPGPU programming API, like CUDA, would have made it possible to achieve even better results</a:t>
             </a:r>
           </a:p>
         </p:txBody>
